--- a/Reunions App.pptx
+++ b/Reunions App.pptx
@@ -109,6 +109,11 @@
       </a:defRPr>
     </a:lvl9pPr>
   </p:defaultTextStyle>
+  <p:extLst>
+    <p:ext uri="{EFAFB233-063F-42B5-8137-9DF3F51BA10A}">
+      <p15:sldGuideLst xmlns:p15="http://schemas.microsoft.com/office/powerpoint/2012/main"/>
+    </p:ext>
+  </p:extLst>
 </p:presentation>
 </file>
 
@@ -162,7 +167,7 @@
           <a:noFill/>
           <a:extLst>
             <a:ext uri="{909E8E84-426E-40dd-AFC4-6F175D3DCCD1}">
-              <a14:hiddenFill xmlns:a14="http://schemas.microsoft.com/office/drawing/2010/main" xmlns="">
+              <a14:hiddenFill xmlns="" xmlns:a14="http://schemas.microsoft.com/office/drawing/2010/main">
                 <a:solidFill>
                   <a:srgbClr val="FFFFFF"/>
                 </a:solidFill>
@@ -222,7 +227,7 @@
             </a:ln>
             <a:extLst>
               <a:ext uri="{91240B29-F687-4f45-9708-019B960494DF}">
-                <a14:hiddenLine xmlns:a14="http://schemas.microsoft.com/office/drawing/2010/main" xmlns="" w="9525">
+                <a14:hiddenLine xmlns="" xmlns:a14="http://schemas.microsoft.com/office/drawing/2010/main" w="9525">
                   <a:solidFill>
                     <a:srgbClr val="000000"/>
                   </a:solidFill>
@@ -312,7 +317,7 @@
             </a:ln>
             <a:extLst>
               <a:ext uri="{91240B29-F687-4f45-9708-019B960494DF}">
-                <a14:hiddenLine xmlns:a14="http://schemas.microsoft.com/office/drawing/2010/main" xmlns="" w="9525">
+                <a14:hiddenLine xmlns="" xmlns:a14="http://schemas.microsoft.com/office/drawing/2010/main" w="9525">
                   <a:solidFill>
                     <a:srgbClr val="000000"/>
                   </a:solidFill>
@@ -402,7 +407,7 @@
             </a:ln>
             <a:extLst>
               <a:ext uri="{91240B29-F687-4f45-9708-019B960494DF}">
-                <a14:hiddenLine xmlns:a14="http://schemas.microsoft.com/office/drawing/2010/main" xmlns="" w="9525">
+                <a14:hiddenLine xmlns="" xmlns:a14="http://schemas.microsoft.com/office/drawing/2010/main" w="9525">
                   <a:solidFill>
                     <a:srgbClr val="000000"/>
                   </a:solidFill>
@@ -436,7 +441,7 @@
             </a:ln>
             <a:extLst>
               <a:ext uri="{91240B29-F687-4f45-9708-019B960494DF}">
-                <a14:hiddenLine xmlns:a14="http://schemas.microsoft.com/office/drawing/2010/main" xmlns="" w="9525">
+                <a14:hiddenLine xmlns="" xmlns:a14="http://schemas.microsoft.com/office/drawing/2010/main" w="9525">
                   <a:solidFill>
                     <a:srgbClr val="000000"/>
                   </a:solidFill>
@@ -526,7 +531,7 @@
             </a:ln>
             <a:extLst>
               <a:ext uri="{91240B29-F687-4f45-9708-019B960494DF}">
-                <a14:hiddenLine xmlns:a14="http://schemas.microsoft.com/office/drawing/2010/main" xmlns="" w="9525">
+                <a14:hiddenLine xmlns="" xmlns:a14="http://schemas.microsoft.com/office/drawing/2010/main" w="9525">
                   <a:solidFill>
                     <a:srgbClr val="000000"/>
                   </a:solidFill>
@@ -588,7 +593,7 @@
             </a:ln>
             <a:extLst>
               <a:ext uri="{91240B29-F687-4f45-9708-019B960494DF}">
-                <a14:hiddenLine xmlns:a14="http://schemas.microsoft.com/office/drawing/2010/main" xmlns="" w="9525">
+                <a14:hiddenLine xmlns="" xmlns:a14="http://schemas.microsoft.com/office/drawing/2010/main" w="9525">
                   <a:solidFill>
                     <a:srgbClr val="000000"/>
                   </a:solidFill>
@@ -650,7 +655,7 @@
             </a:ln>
             <a:extLst>
               <a:ext uri="{91240B29-F687-4f45-9708-019B960494DF}">
-                <a14:hiddenLine xmlns:a14="http://schemas.microsoft.com/office/drawing/2010/main" xmlns="" w="9525">
+                <a14:hiddenLine xmlns="" xmlns:a14="http://schemas.microsoft.com/office/drawing/2010/main" w="9525">
                   <a:solidFill>
                     <a:srgbClr val="000000"/>
                   </a:solidFill>
@@ -740,7 +745,7 @@
             </a:ln>
             <a:extLst>
               <a:ext uri="{91240B29-F687-4f45-9708-019B960494DF}">
-                <a14:hiddenLine xmlns:a14="http://schemas.microsoft.com/office/drawing/2010/main" xmlns="" w="9525">
+                <a14:hiddenLine xmlns="" xmlns:a14="http://schemas.microsoft.com/office/drawing/2010/main" w="9525">
                   <a:solidFill>
                     <a:srgbClr val="000000"/>
                   </a:solidFill>
@@ -802,7 +807,7 @@
             </a:ln>
             <a:extLst>
               <a:ext uri="{91240B29-F687-4f45-9708-019B960494DF}">
-                <a14:hiddenLine xmlns:a14="http://schemas.microsoft.com/office/drawing/2010/main" xmlns="" w="9525">
+                <a14:hiddenLine xmlns="" xmlns:a14="http://schemas.microsoft.com/office/drawing/2010/main" w="9525">
                   <a:solidFill>
                     <a:srgbClr val="000000"/>
                   </a:solidFill>
@@ -864,7 +869,7 @@
             </a:ln>
             <a:extLst>
               <a:ext uri="{91240B29-F687-4f45-9708-019B960494DF}">
-                <a14:hiddenLine xmlns:a14="http://schemas.microsoft.com/office/drawing/2010/main" xmlns="" w="9525">
+                <a14:hiddenLine xmlns="" xmlns:a14="http://schemas.microsoft.com/office/drawing/2010/main" w="9525">
                   <a:solidFill>
                     <a:srgbClr val="000000"/>
                   </a:solidFill>
@@ -954,7 +959,7 @@
             </a:ln>
             <a:extLst>
               <a:ext uri="{91240B29-F687-4f45-9708-019B960494DF}">
-                <a14:hiddenLine xmlns:a14="http://schemas.microsoft.com/office/drawing/2010/main" xmlns="" w="9525">
+                <a14:hiddenLine xmlns="" xmlns:a14="http://schemas.microsoft.com/office/drawing/2010/main" w="9525">
                   <a:solidFill>
                     <a:srgbClr val="000000"/>
                   </a:solidFill>
@@ -1044,7 +1049,7 @@
             </a:ln>
             <a:extLst>
               <a:ext uri="{91240B29-F687-4f45-9708-019B960494DF}">
-                <a14:hiddenLine xmlns:a14="http://schemas.microsoft.com/office/drawing/2010/main" xmlns="" w="9525">
+                <a14:hiddenLine xmlns="" xmlns:a14="http://schemas.microsoft.com/office/drawing/2010/main" w="9525">
                   <a:solidFill>
                     <a:srgbClr val="000000"/>
                   </a:solidFill>
@@ -1106,7 +1111,7 @@
             </a:ln>
             <a:extLst>
               <a:ext uri="{91240B29-F687-4f45-9708-019B960494DF}">
-                <a14:hiddenLine xmlns:a14="http://schemas.microsoft.com/office/drawing/2010/main" xmlns="" w="9525">
+                <a14:hiddenLine xmlns="" xmlns:a14="http://schemas.microsoft.com/office/drawing/2010/main" w="9525">
                   <a:solidFill>
                     <a:srgbClr val="000000"/>
                   </a:solidFill>
@@ -1216,7 +1221,7 @@
             </a:ln>
             <a:extLst>
               <a:ext uri="{91240B29-F687-4f45-9708-019B960494DF}">
-                <a14:hiddenLine xmlns:a14="http://schemas.microsoft.com/office/drawing/2010/main" xmlns="" w="9525">
+                <a14:hiddenLine xmlns="" xmlns:a14="http://schemas.microsoft.com/office/drawing/2010/main" w="9525">
                   <a:solidFill>
                     <a:srgbClr val="000000"/>
                   </a:solidFill>
@@ -1278,7 +1283,7 @@
             </a:ln>
             <a:extLst>
               <a:ext uri="{91240B29-F687-4f45-9708-019B960494DF}">
-                <a14:hiddenLine xmlns:a14="http://schemas.microsoft.com/office/drawing/2010/main" xmlns="" w="9525">
+                <a14:hiddenLine xmlns="" xmlns:a14="http://schemas.microsoft.com/office/drawing/2010/main" w="9525">
                   <a:solidFill>
                     <a:srgbClr val="000000"/>
                   </a:solidFill>
@@ -1368,7 +1373,7 @@
             </a:ln>
             <a:extLst>
               <a:ext uri="{91240B29-F687-4f45-9708-019B960494DF}">
-                <a14:hiddenLine xmlns:a14="http://schemas.microsoft.com/office/drawing/2010/main" xmlns="" w="9525">
+                <a14:hiddenLine xmlns="" xmlns:a14="http://schemas.microsoft.com/office/drawing/2010/main" w="9525">
                   <a:solidFill>
                     <a:srgbClr val="000000"/>
                   </a:solidFill>
@@ -1458,7 +1463,7 @@
             </a:ln>
             <a:extLst>
               <a:ext uri="{91240B29-F687-4f45-9708-019B960494DF}">
-                <a14:hiddenLine xmlns:a14="http://schemas.microsoft.com/office/drawing/2010/main" xmlns="" w="9525">
+                <a14:hiddenLine xmlns="" xmlns:a14="http://schemas.microsoft.com/office/drawing/2010/main" w="9525">
                   <a:solidFill>
                     <a:srgbClr val="000000"/>
                   </a:solidFill>
@@ -1520,7 +1525,7 @@
             </a:ln>
             <a:extLst>
               <a:ext uri="{91240B29-F687-4f45-9708-019B960494DF}">
-                <a14:hiddenLine xmlns:a14="http://schemas.microsoft.com/office/drawing/2010/main" xmlns="" w="9525">
+                <a14:hiddenLine xmlns="" xmlns:a14="http://schemas.microsoft.com/office/drawing/2010/main" w="9525">
                   <a:solidFill>
                     <a:srgbClr val="000000"/>
                   </a:solidFill>
@@ -1610,7 +1615,7 @@
             </a:ln>
             <a:extLst>
               <a:ext uri="{91240B29-F687-4f45-9708-019B960494DF}">
-                <a14:hiddenLine xmlns:a14="http://schemas.microsoft.com/office/drawing/2010/main" xmlns="" w="9525">
+                <a14:hiddenLine xmlns="" xmlns:a14="http://schemas.microsoft.com/office/drawing/2010/main" w="9525">
                   <a:solidFill>
                     <a:srgbClr val="000000"/>
                   </a:solidFill>
@@ -1700,7 +1705,7 @@
             </a:ln>
             <a:extLst>
               <a:ext uri="{91240B29-F687-4f45-9708-019B960494DF}">
-                <a14:hiddenLine xmlns:a14="http://schemas.microsoft.com/office/drawing/2010/main" xmlns="" w="9525">
+                <a14:hiddenLine xmlns="" xmlns:a14="http://schemas.microsoft.com/office/drawing/2010/main" w="9525">
                   <a:solidFill>
                     <a:srgbClr val="000000"/>
                   </a:solidFill>
@@ -1756,7 +1761,7 @@
             </a:ln>
             <a:extLst>
               <a:ext uri="{91240B29-F687-4f45-9708-019B960494DF}">
-                <a14:hiddenLine xmlns:a14="http://schemas.microsoft.com/office/drawing/2010/main" xmlns="" w="9525">
+                <a14:hiddenLine xmlns="" xmlns:a14="http://schemas.microsoft.com/office/drawing/2010/main" w="9525">
                   <a:solidFill>
                     <a:srgbClr val="000000"/>
                   </a:solidFill>
@@ -1846,7 +1851,7 @@
             </a:ln>
             <a:extLst>
               <a:ext uri="{91240B29-F687-4f45-9708-019B960494DF}">
-                <a14:hiddenLine xmlns:a14="http://schemas.microsoft.com/office/drawing/2010/main" xmlns="" w="9525">
+                <a14:hiddenLine xmlns="" xmlns:a14="http://schemas.microsoft.com/office/drawing/2010/main" w="9525">
                   <a:solidFill>
                     <a:srgbClr val="000000"/>
                   </a:solidFill>
@@ -1902,7 +1907,7 @@
             </a:ln>
             <a:extLst>
               <a:ext uri="{91240B29-F687-4f45-9708-019B960494DF}">
-                <a14:hiddenLine xmlns:a14="http://schemas.microsoft.com/office/drawing/2010/main" xmlns="" w="9525">
+                <a14:hiddenLine xmlns="" xmlns:a14="http://schemas.microsoft.com/office/drawing/2010/main" w="9525">
                   <a:solidFill>
                     <a:srgbClr val="000000"/>
                   </a:solidFill>
@@ -1992,7 +1997,7 @@
             </a:ln>
             <a:extLst>
               <a:ext uri="{91240B29-F687-4f45-9708-019B960494DF}">
-                <a14:hiddenLine xmlns:a14="http://schemas.microsoft.com/office/drawing/2010/main" xmlns="" w="9525">
+                <a14:hiddenLine xmlns="" xmlns:a14="http://schemas.microsoft.com/office/drawing/2010/main" w="9525">
                   <a:solidFill>
                     <a:srgbClr val="000000"/>
                   </a:solidFill>
@@ -2060,7 +2065,7 @@
             </a:ln>
             <a:extLst>
               <a:ext uri="{91240B29-F687-4f45-9708-019B960494DF}">
-                <a14:hiddenLine xmlns:a14="http://schemas.microsoft.com/office/drawing/2010/main" xmlns="" w="9525">
+                <a14:hiddenLine xmlns="" xmlns:a14="http://schemas.microsoft.com/office/drawing/2010/main" w="9525">
                   <a:solidFill>
                     <a:srgbClr val="000000"/>
                   </a:solidFill>
@@ -2150,7 +2155,7 @@
             </a:ln>
             <a:extLst>
               <a:ext uri="{91240B29-F687-4f45-9708-019B960494DF}">
-                <a14:hiddenLine xmlns:a14="http://schemas.microsoft.com/office/drawing/2010/main" xmlns="" w="9525">
+                <a14:hiddenLine xmlns="" xmlns:a14="http://schemas.microsoft.com/office/drawing/2010/main" w="9525">
                   <a:solidFill>
                     <a:srgbClr val="000000"/>
                   </a:solidFill>
@@ -2218,7 +2223,7 @@
             </a:ln>
             <a:extLst>
               <a:ext uri="{91240B29-F687-4f45-9708-019B960494DF}">
-                <a14:hiddenLine xmlns:a14="http://schemas.microsoft.com/office/drawing/2010/main" xmlns="" w="9525">
+                <a14:hiddenLine xmlns="" xmlns:a14="http://schemas.microsoft.com/office/drawing/2010/main" w="9525">
                   <a:solidFill>
                     <a:srgbClr val="000000"/>
                   </a:solidFill>
@@ -2308,7 +2313,7 @@
             </a:ln>
             <a:extLst>
               <a:ext uri="{91240B29-F687-4f45-9708-019B960494DF}">
-                <a14:hiddenLine xmlns:a14="http://schemas.microsoft.com/office/drawing/2010/main" xmlns="" w="9525">
+                <a14:hiddenLine xmlns="" xmlns:a14="http://schemas.microsoft.com/office/drawing/2010/main" w="9525">
                   <a:solidFill>
                     <a:srgbClr val="000000"/>
                   </a:solidFill>
@@ -2342,7 +2347,7 @@
             </a:ln>
             <a:extLst>
               <a:ext uri="{91240B29-F687-4f45-9708-019B960494DF}">
-                <a14:hiddenLine xmlns:a14="http://schemas.microsoft.com/office/drawing/2010/main" xmlns="" w="9525">
+                <a14:hiddenLine xmlns="" xmlns:a14="http://schemas.microsoft.com/office/drawing/2010/main" w="9525">
                   <a:solidFill>
                     <a:srgbClr val="000000"/>
                   </a:solidFill>
@@ -2432,7 +2437,7 @@
             </a:ln>
             <a:extLst>
               <a:ext uri="{91240B29-F687-4f45-9708-019B960494DF}">
-                <a14:hiddenLine xmlns:a14="http://schemas.microsoft.com/office/drawing/2010/main" xmlns="" w="9525">
+                <a14:hiddenLine xmlns="" xmlns:a14="http://schemas.microsoft.com/office/drawing/2010/main" w="9525">
                   <a:solidFill>
                     <a:srgbClr val="000000"/>
                   </a:solidFill>
@@ -2494,7 +2499,7 @@
             </a:ln>
             <a:extLst>
               <a:ext uri="{91240B29-F687-4f45-9708-019B960494DF}">
-                <a14:hiddenLine xmlns:a14="http://schemas.microsoft.com/office/drawing/2010/main" xmlns="" w="9525">
+                <a14:hiddenLine xmlns="" xmlns:a14="http://schemas.microsoft.com/office/drawing/2010/main" w="9525">
                   <a:solidFill>
                     <a:srgbClr val="000000"/>
                   </a:solidFill>
@@ -2556,7 +2561,7 @@
             </a:ln>
             <a:extLst>
               <a:ext uri="{91240B29-F687-4f45-9708-019B960494DF}">
-                <a14:hiddenLine xmlns:a14="http://schemas.microsoft.com/office/drawing/2010/main" xmlns="" w="9525">
+                <a14:hiddenLine xmlns="" xmlns:a14="http://schemas.microsoft.com/office/drawing/2010/main" w="9525">
                   <a:solidFill>
                     <a:srgbClr val="000000"/>
                   </a:solidFill>
@@ -2646,7 +2651,7 @@
             </a:ln>
             <a:extLst>
               <a:ext uri="{91240B29-F687-4f45-9708-019B960494DF}">
-                <a14:hiddenLine xmlns:a14="http://schemas.microsoft.com/office/drawing/2010/main" xmlns="" w="9525">
+                <a14:hiddenLine xmlns="" xmlns:a14="http://schemas.microsoft.com/office/drawing/2010/main" w="9525">
                   <a:solidFill>
                     <a:srgbClr val="000000"/>
                   </a:solidFill>
@@ -2714,7 +2719,7 @@
             </a:ln>
             <a:extLst>
               <a:ext uri="{91240B29-F687-4f45-9708-019B960494DF}">
-                <a14:hiddenLine xmlns:a14="http://schemas.microsoft.com/office/drawing/2010/main" xmlns="" w="9525">
+                <a14:hiddenLine xmlns="" xmlns:a14="http://schemas.microsoft.com/office/drawing/2010/main" w="9525">
                   <a:solidFill>
                     <a:srgbClr val="000000"/>
                   </a:solidFill>
@@ -2776,7 +2781,7 @@
             </a:ln>
             <a:extLst>
               <a:ext uri="{91240B29-F687-4f45-9708-019B960494DF}">
-                <a14:hiddenLine xmlns:a14="http://schemas.microsoft.com/office/drawing/2010/main" xmlns="" w="9525">
+                <a14:hiddenLine xmlns="" xmlns:a14="http://schemas.microsoft.com/office/drawing/2010/main" w="9525">
                   <a:solidFill>
                     <a:srgbClr val="000000"/>
                   </a:solidFill>
@@ -2866,7 +2871,7 @@
             </a:ln>
             <a:extLst>
               <a:ext uri="{91240B29-F687-4f45-9708-019B960494DF}">
-                <a14:hiddenLine xmlns:a14="http://schemas.microsoft.com/office/drawing/2010/main" xmlns="" w="9525">
+                <a14:hiddenLine xmlns="" xmlns:a14="http://schemas.microsoft.com/office/drawing/2010/main" w="9525">
                   <a:solidFill>
                     <a:srgbClr val="000000"/>
                   </a:solidFill>
@@ -2928,7 +2933,7 @@
             </a:ln>
             <a:extLst>
               <a:ext uri="{91240B29-F687-4f45-9708-019B960494DF}">
-                <a14:hiddenLine xmlns:a14="http://schemas.microsoft.com/office/drawing/2010/main" xmlns="" w="9525">
+                <a14:hiddenLine xmlns="" xmlns:a14="http://schemas.microsoft.com/office/drawing/2010/main" w="9525">
                   <a:solidFill>
                     <a:srgbClr val="000000"/>
                   </a:solidFill>
@@ -3018,7 +3023,7 @@
             </a:ln>
             <a:extLst>
               <a:ext uri="{91240B29-F687-4f45-9708-019B960494DF}">
-                <a14:hiddenLine xmlns:a14="http://schemas.microsoft.com/office/drawing/2010/main" xmlns="" w="9525">
+                <a14:hiddenLine xmlns="" xmlns:a14="http://schemas.microsoft.com/office/drawing/2010/main" w="9525">
                   <a:solidFill>
                     <a:srgbClr val="000000"/>
                   </a:solidFill>
@@ -3080,7 +3085,7 @@
             </a:ln>
             <a:extLst>
               <a:ext uri="{91240B29-F687-4f45-9708-019B960494DF}">
-                <a14:hiddenLine xmlns:a14="http://schemas.microsoft.com/office/drawing/2010/main" xmlns="" w="9525">
+                <a14:hiddenLine xmlns="" xmlns:a14="http://schemas.microsoft.com/office/drawing/2010/main" w="9525">
                   <a:solidFill>
                     <a:srgbClr val="000000"/>
                   </a:solidFill>
@@ -3170,7 +3175,7 @@
             </a:ln>
             <a:extLst>
               <a:ext uri="{91240B29-F687-4f45-9708-019B960494DF}">
-                <a14:hiddenLine xmlns:a14="http://schemas.microsoft.com/office/drawing/2010/main" xmlns="" w="9525">
+                <a14:hiddenLine xmlns="" xmlns:a14="http://schemas.microsoft.com/office/drawing/2010/main" w="9525">
                   <a:solidFill>
                     <a:srgbClr val="000000"/>
                   </a:solidFill>
@@ -3204,7 +3209,7 @@
             </a:ln>
             <a:extLst>
               <a:ext uri="{91240B29-F687-4f45-9708-019B960494DF}">
-                <a14:hiddenLine xmlns:a14="http://schemas.microsoft.com/office/drawing/2010/main" xmlns="" w="9525">
+                <a14:hiddenLine xmlns="" xmlns:a14="http://schemas.microsoft.com/office/drawing/2010/main" w="9525">
                   <a:solidFill>
                     <a:srgbClr val="000000"/>
                   </a:solidFill>
@@ -3269,7 +3274,7 @@
             </a:ln>
             <a:extLst>
               <a:ext uri="{91240B29-F687-4f45-9708-019B960494DF}">
-                <a14:hiddenLine xmlns:a14="http://schemas.microsoft.com/office/drawing/2010/main" xmlns="" w="9525">
+                <a14:hiddenLine xmlns="" xmlns:a14="http://schemas.microsoft.com/office/drawing/2010/main" w="9525">
                   <a:solidFill>
                     <a:srgbClr val="000000"/>
                   </a:solidFill>
@@ -3359,7 +3364,7 @@
             </a:ln>
             <a:extLst>
               <a:ext uri="{91240B29-F687-4f45-9708-019B960494DF}">
-                <a14:hiddenLine xmlns:a14="http://schemas.microsoft.com/office/drawing/2010/main" xmlns="" w="9525">
+                <a14:hiddenLine xmlns="" xmlns:a14="http://schemas.microsoft.com/office/drawing/2010/main" w="9525">
                   <a:solidFill>
                     <a:srgbClr val="000000"/>
                   </a:solidFill>
@@ -3421,7 +3426,7 @@
             </a:ln>
             <a:extLst>
               <a:ext uri="{91240B29-F687-4f45-9708-019B960494DF}">
-                <a14:hiddenLine xmlns:a14="http://schemas.microsoft.com/office/drawing/2010/main" xmlns="" w="9525">
+                <a14:hiddenLine xmlns="" xmlns:a14="http://schemas.microsoft.com/office/drawing/2010/main" w="9525">
                   <a:solidFill>
                     <a:srgbClr val="000000"/>
                   </a:solidFill>
@@ -3511,7 +3516,7 @@
             </a:ln>
             <a:extLst>
               <a:ext uri="{91240B29-F687-4f45-9708-019B960494DF}">
-                <a14:hiddenLine xmlns:a14="http://schemas.microsoft.com/office/drawing/2010/main" xmlns="" w="9525">
+                <a14:hiddenLine xmlns="" xmlns:a14="http://schemas.microsoft.com/office/drawing/2010/main" w="9525">
                   <a:solidFill>
                     <a:srgbClr val="000000"/>
                   </a:solidFill>
@@ -3601,7 +3606,7 @@
             </a:ln>
             <a:extLst>
               <a:ext uri="{91240B29-F687-4f45-9708-019B960494DF}">
-                <a14:hiddenLine xmlns:a14="http://schemas.microsoft.com/office/drawing/2010/main" xmlns="" w="9525">
+                <a14:hiddenLine xmlns="" xmlns:a14="http://schemas.microsoft.com/office/drawing/2010/main" w="9525">
                   <a:solidFill>
                     <a:srgbClr val="000000"/>
                   </a:solidFill>
@@ -3666,7 +3671,7 @@
             </a:ln>
             <a:extLst>
               <a:ext uri="{91240B29-F687-4f45-9708-019B960494DF}">
-                <a14:hiddenLine xmlns:a14="http://schemas.microsoft.com/office/drawing/2010/main" xmlns="" w="9525">
+                <a14:hiddenLine xmlns="" xmlns:a14="http://schemas.microsoft.com/office/drawing/2010/main" w="9525">
                   <a:solidFill>
                     <a:srgbClr val="000000"/>
                   </a:solidFill>
@@ -3728,7 +3733,7 @@
             </a:ln>
             <a:extLst>
               <a:ext uri="{91240B29-F687-4f45-9708-019B960494DF}">
-                <a14:hiddenLine xmlns:a14="http://schemas.microsoft.com/office/drawing/2010/main" xmlns="" w="9525">
+                <a14:hiddenLine xmlns="" xmlns:a14="http://schemas.microsoft.com/office/drawing/2010/main" w="9525">
                   <a:solidFill>
                     <a:srgbClr val="000000"/>
                   </a:solidFill>
@@ -3818,7 +3823,7 @@
             </a:ln>
             <a:extLst>
               <a:ext uri="{91240B29-F687-4f45-9708-019B960494DF}">
-                <a14:hiddenLine xmlns:a14="http://schemas.microsoft.com/office/drawing/2010/main" xmlns="" w="9525">
+                <a14:hiddenLine xmlns="" xmlns:a14="http://schemas.microsoft.com/office/drawing/2010/main" w="9525">
                   <a:solidFill>
                     <a:srgbClr val="000000"/>
                   </a:solidFill>
@@ -3908,7 +3913,7 @@
             </a:ln>
             <a:extLst>
               <a:ext uri="{91240B29-F687-4f45-9708-019B960494DF}">
-                <a14:hiddenLine xmlns:a14="http://schemas.microsoft.com/office/drawing/2010/main" xmlns="" w="9525">
+                <a14:hiddenLine xmlns="" xmlns:a14="http://schemas.microsoft.com/office/drawing/2010/main" w="9525">
                   <a:solidFill>
                     <a:srgbClr val="000000"/>
                   </a:solidFill>
@@ -3970,7 +3975,7 @@
             </a:ln>
             <a:extLst>
               <a:ext uri="{91240B29-F687-4f45-9708-019B960494DF}">
-                <a14:hiddenLine xmlns:a14="http://schemas.microsoft.com/office/drawing/2010/main" xmlns="" w="9525">
+                <a14:hiddenLine xmlns="" xmlns:a14="http://schemas.microsoft.com/office/drawing/2010/main" w="9525">
                   <a:solidFill>
                     <a:srgbClr val="000000"/>
                   </a:solidFill>
@@ -4090,7 +4095,7 @@
             </a:ln>
             <a:extLst>
               <a:ext uri="{91240B29-F687-4f45-9708-019B960494DF}">
-                <a14:hiddenLine xmlns:a14="http://schemas.microsoft.com/office/drawing/2010/main" xmlns="" w="9525">
+                <a14:hiddenLine xmlns="" xmlns:a14="http://schemas.microsoft.com/office/drawing/2010/main" w="9525">
                   <a:solidFill>
                     <a:srgbClr val="000000"/>
                   </a:solidFill>
@@ -4158,7 +4163,7 @@
             </a:ln>
             <a:extLst>
               <a:ext uri="{91240B29-F687-4f45-9708-019B960494DF}">
-                <a14:hiddenLine xmlns:a14="http://schemas.microsoft.com/office/drawing/2010/main" xmlns="" w="9525">
+                <a14:hiddenLine xmlns="" xmlns:a14="http://schemas.microsoft.com/office/drawing/2010/main" w="9525">
                   <a:solidFill>
                     <a:srgbClr val="000000"/>
                   </a:solidFill>
@@ -4248,7 +4253,7 @@
             </a:ln>
             <a:extLst>
               <a:ext uri="{91240B29-F687-4f45-9708-019B960494DF}">
-                <a14:hiddenLine xmlns:a14="http://schemas.microsoft.com/office/drawing/2010/main" xmlns="" w="9525">
+                <a14:hiddenLine xmlns="" xmlns:a14="http://schemas.microsoft.com/office/drawing/2010/main" w="9525">
                   <a:solidFill>
                     <a:srgbClr val="000000"/>
                   </a:solidFill>
@@ -8970,7 +8975,7 @@
           <a:noFill/>
           <a:extLst>
             <a:ext uri="{909E8E84-426E-40dd-AFC4-6F175D3DCCD1}">
-              <a14:hiddenFill xmlns:a14="http://schemas.microsoft.com/office/drawing/2010/main" xmlns="">
+              <a14:hiddenFill xmlns="" xmlns:a14="http://schemas.microsoft.com/office/drawing/2010/main">
                 <a:solidFill>
                   <a:srgbClr val="FFFFFF"/>
                 </a:solidFill>
@@ -9044,7 +9049,7 @@
               </a:ln>
               <a:extLst>
                 <a:ext uri="{91240B29-F687-4f45-9708-019B960494DF}">
-                  <a14:hiddenLine xmlns:a14="http://schemas.microsoft.com/office/drawing/2010/main" xmlns="" w="9525">
+                  <a14:hiddenLine xmlns="" xmlns:a14="http://schemas.microsoft.com/office/drawing/2010/main" w="9525">
                     <a:solidFill>
                       <a:srgbClr val="000000"/>
                     </a:solidFill>
@@ -9134,7 +9139,7 @@
               </a:ln>
               <a:extLst>
                 <a:ext uri="{91240B29-F687-4f45-9708-019B960494DF}">
-                  <a14:hiddenLine xmlns:a14="http://schemas.microsoft.com/office/drawing/2010/main" xmlns="" w="9525">
+                  <a14:hiddenLine xmlns="" xmlns:a14="http://schemas.microsoft.com/office/drawing/2010/main" w="9525">
                     <a:solidFill>
                       <a:srgbClr val="000000"/>
                     </a:solidFill>
@@ -9224,7 +9229,7 @@
               </a:ln>
               <a:extLst>
                 <a:ext uri="{91240B29-F687-4f45-9708-019B960494DF}">
-                  <a14:hiddenLine xmlns:a14="http://schemas.microsoft.com/office/drawing/2010/main" xmlns="" w="9525">
+                  <a14:hiddenLine xmlns="" xmlns:a14="http://schemas.microsoft.com/office/drawing/2010/main" w="9525">
                     <a:solidFill>
                       <a:srgbClr val="000000"/>
                     </a:solidFill>
@@ -9286,7 +9291,7 @@
               </a:ln>
               <a:extLst>
                 <a:ext uri="{91240B29-F687-4f45-9708-019B960494DF}">
-                  <a14:hiddenLine xmlns:a14="http://schemas.microsoft.com/office/drawing/2010/main" xmlns="" w="9525">
+                  <a14:hiddenLine xmlns="" xmlns:a14="http://schemas.microsoft.com/office/drawing/2010/main" w="9525">
                     <a:solidFill>
                       <a:srgbClr val="000000"/>
                     </a:solidFill>
@@ -9376,7 +9381,7 @@
               </a:ln>
               <a:extLst>
                 <a:ext uri="{91240B29-F687-4f45-9708-019B960494DF}">
-                  <a14:hiddenLine xmlns:a14="http://schemas.microsoft.com/office/drawing/2010/main" xmlns="" w="9525">
+                  <a14:hiddenLine xmlns="" xmlns:a14="http://schemas.microsoft.com/office/drawing/2010/main" w="9525">
                     <a:solidFill>
                       <a:srgbClr val="000000"/>
                     </a:solidFill>
@@ -9438,7 +9443,7 @@
               </a:ln>
               <a:extLst>
                 <a:ext uri="{91240B29-F687-4f45-9708-019B960494DF}">
-                  <a14:hiddenLine xmlns:a14="http://schemas.microsoft.com/office/drawing/2010/main" xmlns="" w="9525">
+                  <a14:hiddenLine xmlns="" xmlns:a14="http://schemas.microsoft.com/office/drawing/2010/main" w="9525">
                     <a:solidFill>
                       <a:srgbClr val="000000"/>
                     </a:solidFill>
@@ -9500,7 +9505,7 @@
               </a:ln>
               <a:extLst>
                 <a:ext uri="{91240B29-F687-4f45-9708-019B960494DF}">
-                  <a14:hiddenLine xmlns:a14="http://schemas.microsoft.com/office/drawing/2010/main" xmlns="" w="9525">
+                  <a14:hiddenLine xmlns="" xmlns:a14="http://schemas.microsoft.com/office/drawing/2010/main" w="9525">
                     <a:solidFill>
                       <a:srgbClr val="000000"/>
                     </a:solidFill>
@@ -9590,7 +9595,7 @@
               </a:ln>
               <a:extLst>
                 <a:ext uri="{91240B29-F687-4f45-9708-019B960494DF}">
-                  <a14:hiddenLine xmlns:a14="http://schemas.microsoft.com/office/drawing/2010/main" xmlns="" w="9525">
+                  <a14:hiddenLine xmlns="" xmlns:a14="http://schemas.microsoft.com/office/drawing/2010/main" w="9525">
                     <a:solidFill>
                       <a:srgbClr val="000000"/>
                     </a:solidFill>
@@ -9680,7 +9685,7 @@
               </a:ln>
               <a:extLst>
                 <a:ext uri="{91240B29-F687-4f45-9708-019B960494DF}">
-                  <a14:hiddenLine xmlns:a14="http://schemas.microsoft.com/office/drawing/2010/main" xmlns="" w="9525">
+                  <a14:hiddenLine xmlns="" xmlns:a14="http://schemas.microsoft.com/office/drawing/2010/main" w="9525">
                     <a:solidFill>
                       <a:srgbClr val="000000"/>
                     </a:solidFill>
@@ -9742,7 +9747,7 @@
               </a:ln>
               <a:extLst>
                 <a:ext uri="{91240B29-F687-4f45-9708-019B960494DF}">
-                  <a14:hiddenLine xmlns:a14="http://schemas.microsoft.com/office/drawing/2010/main" xmlns="" w="9525">
+                  <a14:hiddenLine xmlns="" xmlns:a14="http://schemas.microsoft.com/office/drawing/2010/main" w="9525">
                     <a:solidFill>
                       <a:srgbClr val="000000"/>
                     </a:solidFill>
@@ -9852,7 +9857,7 @@
               </a:ln>
               <a:extLst>
                 <a:ext uri="{91240B29-F687-4f45-9708-019B960494DF}">
-                  <a14:hiddenLine xmlns:a14="http://schemas.microsoft.com/office/drawing/2010/main" xmlns="" w="9525">
+                  <a14:hiddenLine xmlns="" xmlns:a14="http://schemas.microsoft.com/office/drawing/2010/main" w="9525">
                     <a:solidFill>
                       <a:srgbClr val="000000"/>
                     </a:solidFill>
@@ -9936,7 +9941,7 @@
               </a:ln>
               <a:extLst>
                 <a:ext uri="{91240B29-F687-4f45-9708-019B960494DF}">
-                  <a14:hiddenLine xmlns:a14="http://schemas.microsoft.com/office/drawing/2010/main" xmlns="" w="9525">
+                  <a14:hiddenLine xmlns="" xmlns:a14="http://schemas.microsoft.com/office/drawing/2010/main" w="9525">
                     <a:solidFill>
                       <a:srgbClr val="000000"/>
                     </a:solidFill>
@@ -9998,7 +10003,7 @@
               </a:ln>
               <a:extLst>
                 <a:ext uri="{91240B29-F687-4f45-9708-019B960494DF}">
-                  <a14:hiddenLine xmlns:a14="http://schemas.microsoft.com/office/drawing/2010/main" xmlns="" w="9525">
+                  <a14:hiddenLine xmlns="" xmlns:a14="http://schemas.microsoft.com/office/drawing/2010/main" w="9525">
                     <a:solidFill>
                       <a:srgbClr val="000000"/>
                     </a:solidFill>
@@ -10060,7 +10065,7 @@
               </a:ln>
               <a:extLst>
                 <a:ext uri="{91240B29-F687-4f45-9708-019B960494DF}">
-                  <a14:hiddenLine xmlns:a14="http://schemas.microsoft.com/office/drawing/2010/main" xmlns="" w="9525">
+                  <a14:hiddenLine xmlns="" xmlns:a14="http://schemas.microsoft.com/office/drawing/2010/main" w="9525">
                     <a:solidFill>
                       <a:srgbClr val="000000"/>
                     </a:solidFill>
@@ -10150,7 +10155,7 @@
               </a:ln>
               <a:extLst>
                 <a:ext uri="{91240B29-F687-4f45-9708-019B960494DF}">
-                  <a14:hiddenLine xmlns:a14="http://schemas.microsoft.com/office/drawing/2010/main" xmlns="" w="9525">
+                  <a14:hiddenLine xmlns="" xmlns:a14="http://schemas.microsoft.com/office/drawing/2010/main" w="9525">
                     <a:solidFill>
                       <a:srgbClr val="000000"/>
                     </a:solidFill>
@@ -10184,7 +10189,7 @@
               </a:ln>
               <a:extLst>
                 <a:ext uri="{91240B29-F687-4f45-9708-019B960494DF}">
-                  <a14:hiddenLine xmlns:a14="http://schemas.microsoft.com/office/drawing/2010/main" xmlns="" w="9525">
+                  <a14:hiddenLine xmlns="" xmlns:a14="http://schemas.microsoft.com/office/drawing/2010/main" w="9525">
                     <a:solidFill>
                       <a:srgbClr val="000000"/>
                     </a:solidFill>
@@ -10249,7 +10254,7 @@
               </a:ln>
               <a:extLst>
                 <a:ext uri="{91240B29-F687-4f45-9708-019B960494DF}">
-                  <a14:hiddenLine xmlns:a14="http://schemas.microsoft.com/office/drawing/2010/main" xmlns="" w="9525">
+                  <a14:hiddenLine xmlns="" xmlns:a14="http://schemas.microsoft.com/office/drawing/2010/main" w="9525">
                     <a:solidFill>
                       <a:srgbClr val="000000"/>
                     </a:solidFill>
@@ -10339,7 +10344,7 @@
               </a:ln>
               <a:extLst>
                 <a:ext uri="{91240B29-F687-4f45-9708-019B960494DF}">
-                  <a14:hiddenLine xmlns:a14="http://schemas.microsoft.com/office/drawing/2010/main" xmlns="" w="9525">
+                  <a14:hiddenLine xmlns="" xmlns:a14="http://schemas.microsoft.com/office/drawing/2010/main" w="9525">
                     <a:solidFill>
                       <a:srgbClr val="000000"/>
                     </a:solidFill>
@@ -10401,7 +10406,7 @@
               </a:ln>
               <a:extLst>
                 <a:ext uri="{91240B29-F687-4f45-9708-019B960494DF}">
-                  <a14:hiddenLine xmlns:a14="http://schemas.microsoft.com/office/drawing/2010/main" xmlns="" w="9525">
+                  <a14:hiddenLine xmlns="" xmlns:a14="http://schemas.microsoft.com/office/drawing/2010/main" w="9525">
                     <a:solidFill>
                       <a:srgbClr val="000000"/>
                     </a:solidFill>
@@ -10491,7 +10496,7 @@
               </a:ln>
               <a:extLst>
                 <a:ext uri="{91240B29-F687-4f45-9708-019B960494DF}">
-                  <a14:hiddenLine xmlns:a14="http://schemas.microsoft.com/office/drawing/2010/main" xmlns="" w="9525">
+                  <a14:hiddenLine xmlns="" xmlns:a14="http://schemas.microsoft.com/office/drawing/2010/main" w="9525">
                     <a:solidFill>
                       <a:srgbClr val="000000"/>
                     </a:solidFill>
@@ -10556,7 +10561,7 @@
               </a:ln>
               <a:extLst>
                 <a:ext uri="{91240B29-F687-4f45-9708-019B960494DF}">
-                  <a14:hiddenLine xmlns:a14="http://schemas.microsoft.com/office/drawing/2010/main" xmlns="" w="9525">
+                  <a14:hiddenLine xmlns="" xmlns:a14="http://schemas.microsoft.com/office/drawing/2010/main" w="9525">
                     <a:solidFill>
                       <a:srgbClr val="000000"/>
                     </a:solidFill>
@@ -10618,7 +10623,7 @@
               </a:ln>
               <a:extLst>
                 <a:ext uri="{91240B29-F687-4f45-9708-019B960494DF}">
-                  <a14:hiddenLine xmlns:a14="http://schemas.microsoft.com/office/drawing/2010/main" xmlns="" w="9525">
+                  <a14:hiddenLine xmlns="" xmlns:a14="http://schemas.microsoft.com/office/drawing/2010/main" w="9525">
                     <a:solidFill>
                       <a:srgbClr val="000000"/>
                     </a:solidFill>
@@ -10708,7 +10713,7 @@
               </a:ln>
               <a:extLst>
                 <a:ext uri="{91240B29-F687-4f45-9708-019B960494DF}">
-                  <a14:hiddenLine xmlns:a14="http://schemas.microsoft.com/office/drawing/2010/main" xmlns="" w="9525">
+                  <a14:hiddenLine xmlns="" xmlns:a14="http://schemas.microsoft.com/office/drawing/2010/main" w="9525">
                     <a:solidFill>
                       <a:srgbClr val="000000"/>
                     </a:solidFill>
@@ -10798,7 +10803,7 @@
               </a:ln>
               <a:extLst>
                 <a:ext uri="{91240B29-F687-4f45-9708-019B960494DF}">
-                  <a14:hiddenLine xmlns:a14="http://schemas.microsoft.com/office/drawing/2010/main" xmlns="" w="9525">
+                  <a14:hiddenLine xmlns="" xmlns:a14="http://schemas.microsoft.com/office/drawing/2010/main" w="9525">
                     <a:solidFill>
                       <a:srgbClr val="000000"/>
                     </a:solidFill>
@@ -10863,7 +10868,7 @@
               </a:ln>
               <a:extLst>
                 <a:ext uri="{91240B29-F687-4f45-9708-019B960494DF}">
-                  <a14:hiddenLine xmlns:a14="http://schemas.microsoft.com/office/drawing/2010/main" xmlns="" w="9525">
+                  <a14:hiddenLine xmlns="" xmlns:a14="http://schemas.microsoft.com/office/drawing/2010/main" w="9525">
                     <a:solidFill>
                       <a:srgbClr val="000000"/>
                     </a:solidFill>
@@ -10983,7 +10988,7 @@
               </a:ln>
               <a:extLst>
                 <a:ext uri="{91240B29-F687-4f45-9708-019B960494DF}">
-                  <a14:hiddenLine xmlns:a14="http://schemas.microsoft.com/office/drawing/2010/main" xmlns="" w="9525">
+                  <a14:hiddenLine xmlns="" xmlns:a14="http://schemas.microsoft.com/office/drawing/2010/main" w="9525">
                     <a:solidFill>
                       <a:srgbClr val="000000"/>
                     </a:solidFill>
@@ -11081,7 +11086,7 @@
               </a:ln>
               <a:extLst>
                 <a:ext uri="{91240B29-F687-4f45-9708-019B960494DF}">
-                  <a14:hiddenLine xmlns:a14="http://schemas.microsoft.com/office/drawing/2010/main" xmlns="" w="9525">
+                  <a14:hiddenLine xmlns="" xmlns:a14="http://schemas.microsoft.com/office/drawing/2010/main" w="9525">
                     <a:solidFill>
                       <a:srgbClr val="000000"/>
                     </a:solidFill>
@@ -11196,7 +11201,7 @@
               </a:ln>
               <a:extLst>
                 <a:ext uri="{91240B29-F687-4f45-9708-019B960494DF}">
-                  <a14:hiddenLine xmlns:a14="http://schemas.microsoft.com/office/drawing/2010/main" xmlns="" w="9525">
+                  <a14:hiddenLine xmlns="" xmlns:a14="http://schemas.microsoft.com/office/drawing/2010/main" w="9525">
                     <a:solidFill>
                       <a:srgbClr val="000000"/>
                     </a:solidFill>
@@ -11286,7 +11291,7 @@
               </a:ln>
               <a:extLst>
                 <a:ext uri="{91240B29-F687-4f45-9708-019B960494DF}">
-                  <a14:hiddenLine xmlns:a14="http://schemas.microsoft.com/office/drawing/2010/main" xmlns="" w="9525">
+                  <a14:hiddenLine xmlns="" xmlns:a14="http://schemas.microsoft.com/office/drawing/2010/main" w="9525">
                     <a:solidFill>
                       <a:srgbClr val="000000"/>
                     </a:solidFill>
@@ -11351,7 +11356,7 @@
               </a:ln>
               <a:extLst>
                 <a:ext uri="{91240B29-F687-4f45-9708-019B960494DF}">
-                  <a14:hiddenLine xmlns:a14="http://schemas.microsoft.com/office/drawing/2010/main" xmlns="" w="9525">
+                  <a14:hiddenLine xmlns="" xmlns:a14="http://schemas.microsoft.com/office/drawing/2010/main" w="9525">
                     <a:solidFill>
                       <a:srgbClr val="000000"/>
                     </a:solidFill>
@@ -11441,7 +11446,7 @@
               </a:ln>
               <a:extLst>
                 <a:ext uri="{91240B29-F687-4f45-9708-019B960494DF}">
-                  <a14:hiddenLine xmlns:a14="http://schemas.microsoft.com/office/drawing/2010/main" xmlns="" w="9525">
+                  <a14:hiddenLine xmlns="" xmlns:a14="http://schemas.microsoft.com/office/drawing/2010/main" w="9525">
                     <a:solidFill>
                       <a:srgbClr val="000000"/>
                     </a:solidFill>
@@ -11509,7 +11514,7 @@
               </a:ln>
               <a:extLst>
                 <a:ext uri="{91240B29-F687-4f45-9708-019B960494DF}">
-                  <a14:hiddenLine xmlns:a14="http://schemas.microsoft.com/office/drawing/2010/main" xmlns="" w="9525">
+                  <a14:hiddenLine xmlns="" xmlns:a14="http://schemas.microsoft.com/office/drawing/2010/main" w="9525">
                     <a:solidFill>
                       <a:srgbClr val="000000"/>
                     </a:solidFill>
@@ -11599,7 +11604,7 @@
               </a:ln>
               <a:extLst>
                 <a:ext uri="{91240B29-F687-4f45-9708-019B960494DF}">
-                  <a14:hiddenLine xmlns:a14="http://schemas.microsoft.com/office/drawing/2010/main" xmlns="" w="9525">
+                  <a14:hiddenLine xmlns="" xmlns:a14="http://schemas.microsoft.com/office/drawing/2010/main" w="9525">
                     <a:solidFill>
                       <a:srgbClr val="000000"/>
                     </a:solidFill>
@@ -11667,7 +11672,7 @@
               </a:ln>
               <a:extLst>
                 <a:ext uri="{91240B29-F687-4f45-9708-019B960494DF}">
-                  <a14:hiddenLine xmlns:a14="http://schemas.microsoft.com/office/drawing/2010/main" xmlns="" w="9525">
+                  <a14:hiddenLine xmlns="" xmlns:a14="http://schemas.microsoft.com/office/drawing/2010/main" w="9525">
                     <a:solidFill>
                       <a:srgbClr val="000000"/>
                     </a:solidFill>
@@ -11757,7 +11762,7 @@
               </a:ln>
               <a:extLst>
                 <a:ext uri="{91240B29-F687-4f45-9708-019B960494DF}">
-                  <a14:hiddenLine xmlns:a14="http://schemas.microsoft.com/office/drawing/2010/main" xmlns="" w="9525">
+                  <a14:hiddenLine xmlns="" xmlns:a14="http://schemas.microsoft.com/office/drawing/2010/main" w="9525">
                     <a:solidFill>
                       <a:srgbClr val="000000"/>
                     </a:solidFill>
@@ -11791,7 +11796,7 @@
               </a:ln>
               <a:extLst>
                 <a:ext uri="{91240B29-F687-4f45-9708-019B960494DF}">
-                  <a14:hiddenLine xmlns:a14="http://schemas.microsoft.com/office/drawing/2010/main" xmlns="" w="9525">
+                  <a14:hiddenLine xmlns="" xmlns:a14="http://schemas.microsoft.com/office/drawing/2010/main" w="9525">
                     <a:solidFill>
                       <a:srgbClr val="000000"/>
                     </a:solidFill>
@@ -12578,6 +12583,88 @@
           </a:p>
         </p:txBody>
       </p:sp>
+      <p:sp>
+        <p:nvSpPr>
+          <p:cNvPr id="3" name="Action Button: Custom 2">
+            <a:hlinkClick r:id="rId3" action="ppaction://hlinksldjump" highlightClick="1"/>
+          </p:cNvPr>
+          <p:cNvSpPr/>
+          <p:nvPr/>
+        </p:nvSpPr>
+        <p:spPr>
+          <a:xfrm>
+            <a:off x="7505700" y="4559300"/>
+            <a:ext cx="711200" cy="571500"/>
+          </a:xfrm>
+          <a:prstGeom prst="actionButtonBlank">
+            <a:avLst/>
+          </a:prstGeom>
+          <a:noFill/>
+        </p:spPr>
+        <p:style>
+          <a:lnRef idx="2">
+            <a:schemeClr val="accent6"/>
+          </a:lnRef>
+          <a:fillRef idx="1">
+            <a:schemeClr val="lt1"/>
+          </a:fillRef>
+          <a:effectRef idx="0">
+            <a:schemeClr val="accent6"/>
+          </a:effectRef>
+          <a:fontRef idx="minor">
+            <a:schemeClr val="dk1"/>
+          </a:fontRef>
+        </p:style>
+        <p:txBody>
+          <a:bodyPr rtlCol="0" anchor="ctr"/>
+          <a:lstStyle/>
+          <a:p>
+            <a:pPr algn="ctr"/>
+            <a:endParaRPr lang="en-US"/>
+          </a:p>
+        </p:txBody>
+      </p:sp>
+      <p:sp>
+        <p:nvSpPr>
+          <p:cNvPr id="6" name="Action Button: Custom 5">
+            <a:hlinkClick r:id="rId4" action="ppaction://hlinksldjump" highlightClick="1"/>
+          </p:cNvPr>
+          <p:cNvSpPr/>
+          <p:nvPr/>
+        </p:nvSpPr>
+        <p:spPr>
+          <a:xfrm>
+            <a:off x="8216900" y="4559300"/>
+            <a:ext cx="786606" cy="571500"/>
+          </a:xfrm>
+          <a:prstGeom prst="actionButtonBlank">
+            <a:avLst/>
+          </a:prstGeom>
+          <a:noFill/>
+        </p:spPr>
+        <p:style>
+          <a:lnRef idx="2">
+            <a:schemeClr val="accent6"/>
+          </a:lnRef>
+          <a:fillRef idx="1">
+            <a:schemeClr val="lt1"/>
+          </a:fillRef>
+          <a:effectRef idx="0">
+            <a:schemeClr val="accent6"/>
+          </a:effectRef>
+          <a:fontRef idx="minor">
+            <a:schemeClr val="dk1"/>
+          </a:fontRef>
+        </p:style>
+        <p:txBody>
+          <a:bodyPr rtlCol="0" anchor="ctr"/>
+          <a:lstStyle/>
+          <a:p>
+            <a:pPr algn="ctr"/>
+            <a:endParaRPr lang="en-US"/>
+          </a:p>
+        </p:txBody>
+      </p:sp>
     </p:spTree>
     <p:extLst>
       <p:ext uri="{BB962C8B-B14F-4D97-AF65-F5344CB8AC3E}">
@@ -12715,6 +12802,129 @@
           </a:xfrm>
         </p:spPr>
       </p:pic>
+      <p:sp>
+        <p:nvSpPr>
+          <p:cNvPr id="3" name="Action Button: Custom 2">
+            <a:hlinkClick r:id="rId3" action="ppaction://hlinksldjump" highlightClick="1"/>
+          </p:cNvPr>
+          <p:cNvSpPr/>
+          <p:nvPr/>
+        </p:nvSpPr>
+        <p:spPr>
+          <a:xfrm>
+            <a:off x="7505700" y="1207069"/>
+            <a:ext cx="355600" cy="342331"/>
+          </a:xfrm>
+          <a:prstGeom prst="actionButtonBlank">
+            <a:avLst/>
+          </a:prstGeom>
+          <a:noFill/>
+        </p:spPr>
+        <p:style>
+          <a:lnRef idx="2">
+            <a:schemeClr val="accent6"/>
+          </a:lnRef>
+          <a:fillRef idx="1">
+            <a:schemeClr val="lt1"/>
+          </a:fillRef>
+          <a:effectRef idx="0">
+            <a:schemeClr val="accent6"/>
+          </a:effectRef>
+          <a:fontRef idx="minor">
+            <a:schemeClr val="dk1"/>
+          </a:fontRef>
+        </p:style>
+        <p:txBody>
+          <a:bodyPr rtlCol="0" anchor="ctr"/>
+          <a:lstStyle/>
+          <a:p>
+            <a:pPr algn="ctr"/>
+            <a:endParaRPr lang="en-US"/>
+          </a:p>
+        </p:txBody>
+      </p:sp>
+      <p:sp>
+        <p:nvSpPr>
+          <p:cNvPr id="6" name="Action Button: Custom 5">
+            <a:hlinkClick r:id="rId4" action="ppaction://hlinksldjump" highlightClick="1"/>
+          </p:cNvPr>
+          <p:cNvSpPr/>
+          <p:nvPr/>
+        </p:nvSpPr>
+        <p:spPr>
+          <a:xfrm>
+            <a:off x="7505700" y="4559300"/>
+            <a:ext cx="711200" cy="571500"/>
+          </a:xfrm>
+          <a:prstGeom prst="actionButtonBlank">
+            <a:avLst/>
+          </a:prstGeom>
+          <a:noFill/>
+        </p:spPr>
+        <p:style>
+          <a:lnRef idx="2">
+            <a:schemeClr val="accent6"/>
+          </a:lnRef>
+          <a:fillRef idx="1">
+            <a:schemeClr val="lt1"/>
+          </a:fillRef>
+          <a:effectRef idx="0">
+            <a:schemeClr val="accent6"/>
+          </a:effectRef>
+          <a:fontRef idx="minor">
+            <a:schemeClr val="dk1"/>
+          </a:fontRef>
+        </p:style>
+        <p:txBody>
+          <a:bodyPr rtlCol="0" anchor="ctr"/>
+          <a:lstStyle/>
+          <a:p>
+            <a:pPr algn="ctr"/>
+            <a:endParaRPr lang="en-US"/>
+          </a:p>
+        </p:txBody>
+      </p:sp>
+      <p:sp>
+        <p:nvSpPr>
+          <p:cNvPr id="7" name="Action Button: Custom 6">
+            <a:hlinkClick r:id="rId5" action="ppaction://hlinksldjump" highlightClick="1"/>
+          </p:cNvPr>
+          <p:cNvSpPr/>
+          <p:nvPr/>
+        </p:nvSpPr>
+        <p:spPr>
+          <a:xfrm>
+            <a:off x="8216900" y="4559300"/>
+            <a:ext cx="786606" cy="571500"/>
+          </a:xfrm>
+          <a:prstGeom prst="actionButtonBlank">
+            <a:avLst/>
+          </a:prstGeom>
+          <a:noFill/>
+        </p:spPr>
+        <p:style>
+          <a:lnRef idx="2">
+            <a:schemeClr val="accent6"/>
+          </a:lnRef>
+          <a:fillRef idx="1">
+            <a:schemeClr val="lt1"/>
+          </a:fillRef>
+          <a:effectRef idx="0">
+            <a:schemeClr val="accent6"/>
+          </a:effectRef>
+          <a:fontRef idx="minor">
+            <a:schemeClr val="dk1"/>
+          </a:fontRef>
+        </p:style>
+        <p:txBody>
+          <a:bodyPr rtlCol="0" anchor="ctr"/>
+          <a:lstStyle/>
+          <a:p>
+            <a:pPr algn="ctr"/>
+            <a:endParaRPr lang="en-US"/>
+          </a:p>
+        </p:txBody>
+      </p:sp>
     </p:spTree>
     <p:extLst>
       <p:ext uri="{BB962C8B-B14F-4D97-AF65-F5344CB8AC3E}">
@@ -12870,6 +13080,129 @@
           </a:xfrm>
         </p:spPr>
       </p:pic>
+      <p:sp>
+        <p:nvSpPr>
+          <p:cNvPr id="5" name="Action Button: Custom 4">
+            <a:hlinkClick r:id="rId3" action="ppaction://hlinksldjump" highlightClick="1"/>
+          </p:cNvPr>
+          <p:cNvSpPr/>
+          <p:nvPr/>
+        </p:nvSpPr>
+        <p:spPr>
+          <a:xfrm>
+            <a:off x="7505700" y="1207069"/>
+            <a:ext cx="355600" cy="342331"/>
+          </a:xfrm>
+          <a:prstGeom prst="actionButtonBlank">
+            <a:avLst/>
+          </a:prstGeom>
+          <a:noFill/>
+        </p:spPr>
+        <p:style>
+          <a:lnRef idx="2">
+            <a:schemeClr val="accent6"/>
+          </a:lnRef>
+          <a:fillRef idx="1">
+            <a:schemeClr val="lt1"/>
+          </a:fillRef>
+          <a:effectRef idx="0">
+            <a:schemeClr val="accent6"/>
+          </a:effectRef>
+          <a:fontRef idx="minor">
+            <a:schemeClr val="dk1"/>
+          </a:fontRef>
+        </p:style>
+        <p:txBody>
+          <a:bodyPr rtlCol="0" anchor="ctr"/>
+          <a:lstStyle/>
+          <a:p>
+            <a:pPr algn="ctr"/>
+            <a:endParaRPr lang="en-US"/>
+          </a:p>
+        </p:txBody>
+      </p:sp>
+      <p:sp>
+        <p:nvSpPr>
+          <p:cNvPr id="7" name="Action Button: Custom 6">
+            <a:hlinkClick r:id="rId4" action="ppaction://hlinksldjump" highlightClick="1"/>
+          </p:cNvPr>
+          <p:cNvSpPr/>
+          <p:nvPr/>
+        </p:nvSpPr>
+        <p:spPr>
+          <a:xfrm>
+            <a:off x="7505700" y="4559300"/>
+            <a:ext cx="711200" cy="571500"/>
+          </a:xfrm>
+          <a:prstGeom prst="actionButtonBlank">
+            <a:avLst/>
+          </a:prstGeom>
+          <a:noFill/>
+        </p:spPr>
+        <p:style>
+          <a:lnRef idx="2">
+            <a:schemeClr val="accent6"/>
+          </a:lnRef>
+          <a:fillRef idx="1">
+            <a:schemeClr val="lt1"/>
+          </a:fillRef>
+          <a:effectRef idx="0">
+            <a:schemeClr val="accent6"/>
+          </a:effectRef>
+          <a:fontRef idx="minor">
+            <a:schemeClr val="dk1"/>
+          </a:fontRef>
+        </p:style>
+        <p:txBody>
+          <a:bodyPr rtlCol="0" anchor="ctr"/>
+          <a:lstStyle/>
+          <a:p>
+            <a:pPr algn="ctr"/>
+            <a:endParaRPr lang="en-US"/>
+          </a:p>
+        </p:txBody>
+      </p:sp>
+      <p:sp>
+        <p:nvSpPr>
+          <p:cNvPr id="8" name="Action Button: Custom 7">
+            <a:hlinkClick r:id="rId5" action="ppaction://hlinksldjump" highlightClick="1"/>
+          </p:cNvPr>
+          <p:cNvSpPr/>
+          <p:nvPr/>
+        </p:nvSpPr>
+        <p:spPr>
+          <a:xfrm>
+            <a:off x="8216900" y="4559300"/>
+            <a:ext cx="786606" cy="571500"/>
+          </a:xfrm>
+          <a:prstGeom prst="actionButtonBlank">
+            <a:avLst/>
+          </a:prstGeom>
+          <a:noFill/>
+        </p:spPr>
+        <p:style>
+          <a:lnRef idx="2">
+            <a:schemeClr val="accent6"/>
+          </a:lnRef>
+          <a:fillRef idx="1">
+            <a:schemeClr val="lt1"/>
+          </a:fillRef>
+          <a:effectRef idx="0">
+            <a:schemeClr val="accent6"/>
+          </a:effectRef>
+          <a:fontRef idx="minor">
+            <a:schemeClr val="dk1"/>
+          </a:fontRef>
+        </p:style>
+        <p:txBody>
+          <a:bodyPr rtlCol="0" anchor="ctr"/>
+          <a:lstStyle/>
+          <a:p>
+            <a:pPr algn="ctr"/>
+            <a:endParaRPr lang="en-US"/>
+          </a:p>
+        </p:txBody>
+      </p:sp>
     </p:spTree>
     <p:extLst>
       <p:ext uri="{BB962C8B-B14F-4D97-AF65-F5344CB8AC3E}">
@@ -13039,6 +13372,170 @@
           </a:xfrm>
         </p:spPr>
       </p:pic>
+      <p:sp>
+        <p:nvSpPr>
+          <p:cNvPr id="6" name="Action Button: Custom 5">
+            <a:hlinkClick r:id="rId3" action="ppaction://hlinksldjump" highlightClick="1"/>
+          </p:cNvPr>
+          <p:cNvSpPr/>
+          <p:nvPr/>
+        </p:nvSpPr>
+        <p:spPr>
+          <a:xfrm>
+            <a:off x="7505700" y="1207069"/>
+            <a:ext cx="355600" cy="342331"/>
+          </a:xfrm>
+          <a:prstGeom prst="actionButtonBlank">
+            <a:avLst/>
+          </a:prstGeom>
+          <a:noFill/>
+        </p:spPr>
+        <p:style>
+          <a:lnRef idx="2">
+            <a:schemeClr val="accent6"/>
+          </a:lnRef>
+          <a:fillRef idx="1">
+            <a:schemeClr val="lt1"/>
+          </a:fillRef>
+          <a:effectRef idx="0">
+            <a:schemeClr val="accent6"/>
+          </a:effectRef>
+          <a:fontRef idx="minor">
+            <a:schemeClr val="dk1"/>
+          </a:fontRef>
+        </p:style>
+        <p:txBody>
+          <a:bodyPr rtlCol="0" anchor="ctr"/>
+          <a:lstStyle/>
+          <a:p>
+            <a:pPr algn="ctr"/>
+            <a:endParaRPr lang="en-US"/>
+          </a:p>
+        </p:txBody>
+      </p:sp>
+      <p:sp>
+        <p:nvSpPr>
+          <p:cNvPr id="7" name="Action Button: Custom 6">
+            <a:hlinkClick r:id="rId4" action="ppaction://hlinksldjump" highlightClick="1"/>
+          </p:cNvPr>
+          <p:cNvSpPr/>
+          <p:nvPr/>
+        </p:nvSpPr>
+        <p:spPr>
+          <a:xfrm>
+            <a:off x="7505700" y="4559300"/>
+            <a:ext cx="711200" cy="571500"/>
+          </a:xfrm>
+          <a:prstGeom prst="actionButtonBlank">
+            <a:avLst/>
+          </a:prstGeom>
+          <a:noFill/>
+        </p:spPr>
+        <p:style>
+          <a:lnRef idx="2">
+            <a:schemeClr val="accent6"/>
+          </a:lnRef>
+          <a:fillRef idx="1">
+            <a:schemeClr val="lt1"/>
+          </a:fillRef>
+          <a:effectRef idx="0">
+            <a:schemeClr val="accent6"/>
+          </a:effectRef>
+          <a:fontRef idx="minor">
+            <a:schemeClr val="dk1"/>
+          </a:fontRef>
+        </p:style>
+        <p:txBody>
+          <a:bodyPr rtlCol="0" anchor="ctr"/>
+          <a:lstStyle/>
+          <a:p>
+            <a:pPr algn="ctr"/>
+            <a:endParaRPr lang="en-US"/>
+          </a:p>
+        </p:txBody>
+      </p:sp>
+      <p:sp>
+        <p:nvSpPr>
+          <p:cNvPr id="8" name="Action Button: Custom 7">
+            <a:hlinkClick r:id="rId4" action="ppaction://hlinksldjump" highlightClick="1"/>
+          </p:cNvPr>
+          <p:cNvSpPr/>
+          <p:nvPr/>
+        </p:nvSpPr>
+        <p:spPr>
+          <a:xfrm>
+            <a:off x="8420100" y="3191669"/>
+            <a:ext cx="419100" cy="491331"/>
+          </a:xfrm>
+          <a:prstGeom prst="actionButtonBlank">
+            <a:avLst/>
+          </a:prstGeom>
+          <a:noFill/>
+        </p:spPr>
+        <p:style>
+          <a:lnRef idx="2">
+            <a:schemeClr val="accent6"/>
+          </a:lnRef>
+          <a:fillRef idx="1">
+            <a:schemeClr val="lt1"/>
+          </a:fillRef>
+          <a:effectRef idx="0">
+            <a:schemeClr val="accent6"/>
+          </a:effectRef>
+          <a:fontRef idx="minor">
+            <a:schemeClr val="dk1"/>
+          </a:fontRef>
+        </p:style>
+        <p:txBody>
+          <a:bodyPr rtlCol="0" anchor="ctr"/>
+          <a:lstStyle/>
+          <a:p>
+            <a:pPr algn="ctr"/>
+            <a:endParaRPr lang="en-US"/>
+          </a:p>
+        </p:txBody>
+      </p:sp>
+      <p:sp>
+        <p:nvSpPr>
+          <p:cNvPr id="9" name="Action Button: Custom 8">
+            <a:hlinkClick r:id="rId5" action="ppaction://hlinksldjump" highlightClick="1"/>
+          </p:cNvPr>
+          <p:cNvSpPr/>
+          <p:nvPr/>
+        </p:nvSpPr>
+        <p:spPr>
+          <a:xfrm>
+            <a:off x="8216900" y="4559300"/>
+            <a:ext cx="786606" cy="571500"/>
+          </a:xfrm>
+          <a:prstGeom prst="actionButtonBlank">
+            <a:avLst/>
+          </a:prstGeom>
+          <a:noFill/>
+        </p:spPr>
+        <p:style>
+          <a:lnRef idx="2">
+            <a:schemeClr val="accent6"/>
+          </a:lnRef>
+          <a:fillRef idx="1">
+            <a:schemeClr val="lt1"/>
+          </a:fillRef>
+          <a:effectRef idx="0">
+            <a:schemeClr val="accent6"/>
+          </a:effectRef>
+          <a:fontRef idx="minor">
+            <a:schemeClr val="dk1"/>
+          </a:fontRef>
+        </p:style>
+        <p:txBody>
+          <a:bodyPr rtlCol="0" anchor="ctr"/>
+          <a:lstStyle/>
+          <a:p>
+            <a:pPr algn="ctr"/>
+            <a:endParaRPr lang="en-US"/>
+          </a:p>
+        </p:txBody>
+      </p:sp>
     </p:spTree>
     <p:extLst>
       <p:ext uri="{BB962C8B-B14F-4D97-AF65-F5344CB8AC3E}">

--- a/Reunions App.pptx
+++ b/Reunions App.pptx
@@ -167,7 +167,7 @@
           <a:noFill/>
           <a:extLst>
             <a:ext uri="{909E8E84-426E-40dd-AFC4-6F175D3DCCD1}">
-              <a14:hiddenFill xmlns="" xmlns:a14="http://schemas.microsoft.com/office/drawing/2010/main">
+              <a14:hiddenFill xmlns:a14="http://schemas.microsoft.com/office/drawing/2010/main" xmlns="">
                 <a:solidFill>
                   <a:srgbClr val="FFFFFF"/>
                 </a:solidFill>
@@ -227,7 +227,7 @@
             </a:ln>
             <a:extLst>
               <a:ext uri="{91240B29-F687-4f45-9708-019B960494DF}">
-                <a14:hiddenLine xmlns="" xmlns:a14="http://schemas.microsoft.com/office/drawing/2010/main" w="9525">
+                <a14:hiddenLine xmlns:a14="http://schemas.microsoft.com/office/drawing/2010/main" xmlns="" w="9525">
                   <a:solidFill>
                     <a:srgbClr val="000000"/>
                   </a:solidFill>
@@ -317,7 +317,7 @@
             </a:ln>
             <a:extLst>
               <a:ext uri="{91240B29-F687-4f45-9708-019B960494DF}">
-                <a14:hiddenLine xmlns="" xmlns:a14="http://schemas.microsoft.com/office/drawing/2010/main" w="9525">
+                <a14:hiddenLine xmlns:a14="http://schemas.microsoft.com/office/drawing/2010/main" xmlns="" w="9525">
                   <a:solidFill>
                     <a:srgbClr val="000000"/>
                   </a:solidFill>
@@ -407,7 +407,7 @@
             </a:ln>
             <a:extLst>
               <a:ext uri="{91240B29-F687-4f45-9708-019B960494DF}">
-                <a14:hiddenLine xmlns="" xmlns:a14="http://schemas.microsoft.com/office/drawing/2010/main" w="9525">
+                <a14:hiddenLine xmlns:a14="http://schemas.microsoft.com/office/drawing/2010/main" xmlns="" w="9525">
                   <a:solidFill>
                     <a:srgbClr val="000000"/>
                   </a:solidFill>
@@ -441,7 +441,7 @@
             </a:ln>
             <a:extLst>
               <a:ext uri="{91240B29-F687-4f45-9708-019B960494DF}">
-                <a14:hiddenLine xmlns="" xmlns:a14="http://schemas.microsoft.com/office/drawing/2010/main" w="9525">
+                <a14:hiddenLine xmlns:a14="http://schemas.microsoft.com/office/drawing/2010/main" xmlns="" w="9525">
                   <a:solidFill>
                     <a:srgbClr val="000000"/>
                   </a:solidFill>
@@ -531,7 +531,7 @@
             </a:ln>
             <a:extLst>
               <a:ext uri="{91240B29-F687-4f45-9708-019B960494DF}">
-                <a14:hiddenLine xmlns="" xmlns:a14="http://schemas.microsoft.com/office/drawing/2010/main" w="9525">
+                <a14:hiddenLine xmlns:a14="http://schemas.microsoft.com/office/drawing/2010/main" xmlns="" w="9525">
                   <a:solidFill>
                     <a:srgbClr val="000000"/>
                   </a:solidFill>
@@ -593,7 +593,7 @@
             </a:ln>
             <a:extLst>
               <a:ext uri="{91240B29-F687-4f45-9708-019B960494DF}">
-                <a14:hiddenLine xmlns="" xmlns:a14="http://schemas.microsoft.com/office/drawing/2010/main" w="9525">
+                <a14:hiddenLine xmlns:a14="http://schemas.microsoft.com/office/drawing/2010/main" xmlns="" w="9525">
                   <a:solidFill>
                     <a:srgbClr val="000000"/>
                   </a:solidFill>
@@ -655,7 +655,7 @@
             </a:ln>
             <a:extLst>
               <a:ext uri="{91240B29-F687-4f45-9708-019B960494DF}">
-                <a14:hiddenLine xmlns="" xmlns:a14="http://schemas.microsoft.com/office/drawing/2010/main" w="9525">
+                <a14:hiddenLine xmlns:a14="http://schemas.microsoft.com/office/drawing/2010/main" xmlns="" w="9525">
                   <a:solidFill>
                     <a:srgbClr val="000000"/>
                   </a:solidFill>
@@ -745,7 +745,7 @@
             </a:ln>
             <a:extLst>
               <a:ext uri="{91240B29-F687-4f45-9708-019B960494DF}">
-                <a14:hiddenLine xmlns="" xmlns:a14="http://schemas.microsoft.com/office/drawing/2010/main" w="9525">
+                <a14:hiddenLine xmlns:a14="http://schemas.microsoft.com/office/drawing/2010/main" xmlns="" w="9525">
                   <a:solidFill>
                     <a:srgbClr val="000000"/>
                   </a:solidFill>
@@ -807,7 +807,7 @@
             </a:ln>
             <a:extLst>
               <a:ext uri="{91240B29-F687-4f45-9708-019B960494DF}">
-                <a14:hiddenLine xmlns="" xmlns:a14="http://schemas.microsoft.com/office/drawing/2010/main" w="9525">
+                <a14:hiddenLine xmlns:a14="http://schemas.microsoft.com/office/drawing/2010/main" xmlns="" w="9525">
                   <a:solidFill>
                     <a:srgbClr val="000000"/>
                   </a:solidFill>
@@ -869,7 +869,7 @@
             </a:ln>
             <a:extLst>
               <a:ext uri="{91240B29-F687-4f45-9708-019B960494DF}">
-                <a14:hiddenLine xmlns="" xmlns:a14="http://schemas.microsoft.com/office/drawing/2010/main" w="9525">
+                <a14:hiddenLine xmlns:a14="http://schemas.microsoft.com/office/drawing/2010/main" xmlns="" w="9525">
                   <a:solidFill>
                     <a:srgbClr val="000000"/>
                   </a:solidFill>
@@ -959,7 +959,7 @@
             </a:ln>
             <a:extLst>
               <a:ext uri="{91240B29-F687-4f45-9708-019B960494DF}">
-                <a14:hiddenLine xmlns="" xmlns:a14="http://schemas.microsoft.com/office/drawing/2010/main" w="9525">
+                <a14:hiddenLine xmlns:a14="http://schemas.microsoft.com/office/drawing/2010/main" xmlns="" w="9525">
                   <a:solidFill>
                     <a:srgbClr val="000000"/>
                   </a:solidFill>
@@ -1049,7 +1049,7 @@
             </a:ln>
             <a:extLst>
               <a:ext uri="{91240B29-F687-4f45-9708-019B960494DF}">
-                <a14:hiddenLine xmlns="" xmlns:a14="http://schemas.microsoft.com/office/drawing/2010/main" w="9525">
+                <a14:hiddenLine xmlns:a14="http://schemas.microsoft.com/office/drawing/2010/main" xmlns="" w="9525">
                   <a:solidFill>
                     <a:srgbClr val="000000"/>
                   </a:solidFill>
@@ -1111,7 +1111,7 @@
             </a:ln>
             <a:extLst>
               <a:ext uri="{91240B29-F687-4f45-9708-019B960494DF}">
-                <a14:hiddenLine xmlns="" xmlns:a14="http://schemas.microsoft.com/office/drawing/2010/main" w="9525">
+                <a14:hiddenLine xmlns:a14="http://schemas.microsoft.com/office/drawing/2010/main" xmlns="" w="9525">
                   <a:solidFill>
                     <a:srgbClr val="000000"/>
                   </a:solidFill>
@@ -1221,7 +1221,7 @@
             </a:ln>
             <a:extLst>
               <a:ext uri="{91240B29-F687-4f45-9708-019B960494DF}">
-                <a14:hiddenLine xmlns="" xmlns:a14="http://schemas.microsoft.com/office/drawing/2010/main" w="9525">
+                <a14:hiddenLine xmlns:a14="http://schemas.microsoft.com/office/drawing/2010/main" xmlns="" w="9525">
                   <a:solidFill>
                     <a:srgbClr val="000000"/>
                   </a:solidFill>
@@ -1283,7 +1283,7 @@
             </a:ln>
             <a:extLst>
               <a:ext uri="{91240B29-F687-4f45-9708-019B960494DF}">
-                <a14:hiddenLine xmlns="" xmlns:a14="http://schemas.microsoft.com/office/drawing/2010/main" w="9525">
+                <a14:hiddenLine xmlns:a14="http://schemas.microsoft.com/office/drawing/2010/main" xmlns="" w="9525">
                   <a:solidFill>
                     <a:srgbClr val="000000"/>
                   </a:solidFill>
@@ -1373,7 +1373,7 @@
             </a:ln>
             <a:extLst>
               <a:ext uri="{91240B29-F687-4f45-9708-019B960494DF}">
-                <a14:hiddenLine xmlns="" xmlns:a14="http://schemas.microsoft.com/office/drawing/2010/main" w="9525">
+                <a14:hiddenLine xmlns:a14="http://schemas.microsoft.com/office/drawing/2010/main" xmlns="" w="9525">
                   <a:solidFill>
                     <a:srgbClr val="000000"/>
                   </a:solidFill>
@@ -1463,7 +1463,7 @@
             </a:ln>
             <a:extLst>
               <a:ext uri="{91240B29-F687-4f45-9708-019B960494DF}">
-                <a14:hiddenLine xmlns="" xmlns:a14="http://schemas.microsoft.com/office/drawing/2010/main" w="9525">
+                <a14:hiddenLine xmlns:a14="http://schemas.microsoft.com/office/drawing/2010/main" xmlns="" w="9525">
                   <a:solidFill>
                     <a:srgbClr val="000000"/>
                   </a:solidFill>
@@ -1525,7 +1525,7 @@
             </a:ln>
             <a:extLst>
               <a:ext uri="{91240B29-F687-4f45-9708-019B960494DF}">
-                <a14:hiddenLine xmlns="" xmlns:a14="http://schemas.microsoft.com/office/drawing/2010/main" w="9525">
+                <a14:hiddenLine xmlns:a14="http://schemas.microsoft.com/office/drawing/2010/main" xmlns="" w="9525">
                   <a:solidFill>
                     <a:srgbClr val="000000"/>
                   </a:solidFill>
@@ -1615,7 +1615,7 @@
             </a:ln>
             <a:extLst>
               <a:ext uri="{91240B29-F687-4f45-9708-019B960494DF}">
-                <a14:hiddenLine xmlns="" xmlns:a14="http://schemas.microsoft.com/office/drawing/2010/main" w="9525">
+                <a14:hiddenLine xmlns:a14="http://schemas.microsoft.com/office/drawing/2010/main" xmlns="" w="9525">
                   <a:solidFill>
                     <a:srgbClr val="000000"/>
                   </a:solidFill>
@@ -1705,7 +1705,7 @@
             </a:ln>
             <a:extLst>
               <a:ext uri="{91240B29-F687-4f45-9708-019B960494DF}">
-                <a14:hiddenLine xmlns="" xmlns:a14="http://schemas.microsoft.com/office/drawing/2010/main" w="9525">
+                <a14:hiddenLine xmlns:a14="http://schemas.microsoft.com/office/drawing/2010/main" xmlns="" w="9525">
                   <a:solidFill>
                     <a:srgbClr val="000000"/>
                   </a:solidFill>
@@ -1761,7 +1761,7 @@
             </a:ln>
             <a:extLst>
               <a:ext uri="{91240B29-F687-4f45-9708-019B960494DF}">
-                <a14:hiddenLine xmlns="" xmlns:a14="http://schemas.microsoft.com/office/drawing/2010/main" w="9525">
+                <a14:hiddenLine xmlns:a14="http://schemas.microsoft.com/office/drawing/2010/main" xmlns="" w="9525">
                   <a:solidFill>
                     <a:srgbClr val="000000"/>
                   </a:solidFill>
@@ -1851,7 +1851,7 @@
             </a:ln>
             <a:extLst>
               <a:ext uri="{91240B29-F687-4f45-9708-019B960494DF}">
-                <a14:hiddenLine xmlns="" xmlns:a14="http://schemas.microsoft.com/office/drawing/2010/main" w="9525">
+                <a14:hiddenLine xmlns:a14="http://schemas.microsoft.com/office/drawing/2010/main" xmlns="" w="9525">
                   <a:solidFill>
                     <a:srgbClr val="000000"/>
                   </a:solidFill>
@@ -1907,7 +1907,7 @@
             </a:ln>
             <a:extLst>
               <a:ext uri="{91240B29-F687-4f45-9708-019B960494DF}">
-                <a14:hiddenLine xmlns="" xmlns:a14="http://schemas.microsoft.com/office/drawing/2010/main" w="9525">
+                <a14:hiddenLine xmlns:a14="http://schemas.microsoft.com/office/drawing/2010/main" xmlns="" w="9525">
                   <a:solidFill>
                     <a:srgbClr val="000000"/>
                   </a:solidFill>
@@ -1997,7 +1997,7 @@
             </a:ln>
             <a:extLst>
               <a:ext uri="{91240B29-F687-4f45-9708-019B960494DF}">
-                <a14:hiddenLine xmlns="" xmlns:a14="http://schemas.microsoft.com/office/drawing/2010/main" w="9525">
+                <a14:hiddenLine xmlns:a14="http://schemas.microsoft.com/office/drawing/2010/main" xmlns="" w="9525">
                   <a:solidFill>
                     <a:srgbClr val="000000"/>
                   </a:solidFill>
@@ -2065,7 +2065,7 @@
             </a:ln>
             <a:extLst>
               <a:ext uri="{91240B29-F687-4f45-9708-019B960494DF}">
-                <a14:hiddenLine xmlns="" xmlns:a14="http://schemas.microsoft.com/office/drawing/2010/main" w="9525">
+                <a14:hiddenLine xmlns:a14="http://schemas.microsoft.com/office/drawing/2010/main" xmlns="" w="9525">
                   <a:solidFill>
                     <a:srgbClr val="000000"/>
                   </a:solidFill>
@@ -2155,7 +2155,7 @@
             </a:ln>
             <a:extLst>
               <a:ext uri="{91240B29-F687-4f45-9708-019B960494DF}">
-                <a14:hiddenLine xmlns="" xmlns:a14="http://schemas.microsoft.com/office/drawing/2010/main" w="9525">
+                <a14:hiddenLine xmlns:a14="http://schemas.microsoft.com/office/drawing/2010/main" xmlns="" w="9525">
                   <a:solidFill>
                     <a:srgbClr val="000000"/>
                   </a:solidFill>
@@ -2223,7 +2223,7 @@
             </a:ln>
             <a:extLst>
               <a:ext uri="{91240B29-F687-4f45-9708-019B960494DF}">
-                <a14:hiddenLine xmlns="" xmlns:a14="http://schemas.microsoft.com/office/drawing/2010/main" w="9525">
+                <a14:hiddenLine xmlns:a14="http://schemas.microsoft.com/office/drawing/2010/main" xmlns="" w="9525">
                   <a:solidFill>
                     <a:srgbClr val="000000"/>
                   </a:solidFill>
@@ -2313,7 +2313,7 @@
             </a:ln>
             <a:extLst>
               <a:ext uri="{91240B29-F687-4f45-9708-019B960494DF}">
-                <a14:hiddenLine xmlns="" xmlns:a14="http://schemas.microsoft.com/office/drawing/2010/main" w="9525">
+                <a14:hiddenLine xmlns:a14="http://schemas.microsoft.com/office/drawing/2010/main" xmlns="" w="9525">
                   <a:solidFill>
                     <a:srgbClr val="000000"/>
                   </a:solidFill>
@@ -2347,7 +2347,7 @@
             </a:ln>
             <a:extLst>
               <a:ext uri="{91240B29-F687-4f45-9708-019B960494DF}">
-                <a14:hiddenLine xmlns="" xmlns:a14="http://schemas.microsoft.com/office/drawing/2010/main" w="9525">
+                <a14:hiddenLine xmlns:a14="http://schemas.microsoft.com/office/drawing/2010/main" xmlns="" w="9525">
                   <a:solidFill>
                     <a:srgbClr val="000000"/>
                   </a:solidFill>
@@ -2437,7 +2437,7 @@
             </a:ln>
             <a:extLst>
               <a:ext uri="{91240B29-F687-4f45-9708-019B960494DF}">
-                <a14:hiddenLine xmlns="" xmlns:a14="http://schemas.microsoft.com/office/drawing/2010/main" w="9525">
+                <a14:hiddenLine xmlns:a14="http://schemas.microsoft.com/office/drawing/2010/main" xmlns="" w="9525">
                   <a:solidFill>
                     <a:srgbClr val="000000"/>
                   </a:solidFill>
@@ -2499,7 +2499,7 @@
             </a:ln>
             <a:extLst>
               <a:ext uri="{91240B29-F687-4f45-9708-019B960494DF}">
-                <a14:hiddenLine xmlns="" xmlns:a14="http://schemas.microsoft.com/office/drawing/2010/main" w="9525">
+                <a14:hiddenLine xmlns:a14="http://schemas.microsoft.com/office/drawing/2010/main" xmlns="" w="9525">
                   <a:solidFill>
                     <a:srgbClr val="000000"/>
                   </a:solidFill>
@@ -2561,7 +2561,7 @@
             </a:ln>
             <a:extLst>
               <a:ext uri="{91240B29-F687-4f45-9708-019B960494DF}">
-                <a14:hiddenLine xmlns="" xmlns:a14="http://schemas.microsoft.com/office/drawing/2010/main" w="9525">
+                <a14:hiddenLine xmlns:a14="http://schemas.microsoft.com/office/drawing/2010/main" xmlns="" w="9525">
                   <a:solidFill>
                     <a:srgbClr val="000000"/>
                   </a:solidFill>
@@ -2651,7 +2651,7 @@
             </a:ln>
             <a:extLst>
               <a:ext uri="{91240B29-F687-4f45-9708-019B960494DF}">
-                <a14:hiddenLine xmlns="" xmlns:a14="http://schemas.microsoft.com/office/drawing/2010/main" w="9525">
+                <a14:hiddenLine xmlns:a14="http://schemas.microsoft.com/office/drawing/2010/main" xmlns="" w="9525">
                   <a:solidFill>
                     <a:srgbClr val="000000"/>
                   </a:solidFill>
@@ -2719,7 +2719,7 @@
             </a:ln>
             <a:extLst>
               <a:ext uri="{91240B29-F687-4f45-9708-019B960494DF}">
-                <a14:hiddenLine xmlns="" xmlns:a14="http://schemas.microsoft.com/office/drawing/2010/main" w="9525">
+                <a14:hiddenLine xmlns:a14="http://schemas.microsoft.com/office/drawing/2010/main" xmlns="" w="9525">
                   <a:solidFill>
                     <a:srgbClr val="000000"/>
                   </a:solidFill>
@@ -2781,7 +2781,7 @@
             </a:ln>
             <a:extLst>
               <a:ext uri="{91240B29-F687-4f45-9708-019B960494DF}">
-                <a14:hiddenLine xmlns="" xmlns:a14="http://schemas.microsoft.com/office/drawing/2010/main" w="9525">
+                <a14:hiddenLine xmlns:a14="http://schemas.microsoft.com/office/drawing/2010/main" xmlns="" w="9525">
                   <a:solidFill>
                     <a:srgbClr val="000000"/>
                   </a:solidFill>
@@ -2871,7 +2871,7 @@
             </a:ln>
             <a:extLst>
               <a:ext uri="{91240B29-F687-4f45-9708-019B960494DF}">
-                <a14:hiddenLine xmlns="" xmlns:a14="http://schemas.microsoft.com/office/drawing/2010/main" w="9525">
+                <a14:hiddenLine xmlns:a14="http://schemas.microsoft.com/office/drawing/2010/main" xmlns="" w="9525">
                   <a:solidFill>
                     <a:srgbClr val="000000"/>
                   </a:solidFill>
@@ -2933,7 +2933,7 @@
             </a:ln>
             <a:extLst>
               <a:ext uri="{91240B29-F687-4f45-9708-019B960494DF}">
-                <a14:hiddenLine xmlns="" xmlns:a14="http://schemas.microsoft.com/office/drawing/2010/main" w="9525">
+                <a14:hiddenLine xmlns:a14="http://schemas.microsoft.com/office/drawing/2010/main" xmlns="" w="9525">
                   <a:solidFill>
                     <a:srgbClr val="000000"/>
                   </a:solidFill>
@@ -3023,7 +3023,7 @@
             </a:ln>
             <a:extLst>
               <a:ext uri="{91240B29-F687-4f45-9708-019B960494DF}">
-                <a14:hiddenLine xmlns="" xmlns:a14="http://schemas.microsoft.com/office/drawing/2010/main" w="9525">
+                <a14:hiddenLine xmlns:a14="http://schemas.microsoft.com/office/drawing/2010/main" xmlns="" w="9525">
                   <a:solidFill>
                     <a:srgbClr val="000000"/>
                   </a:solidFill>
@@ -3085,7 +3085,7 @@
             </a:ln>
             <a:extLst>
               <a:ext uri="{91240B29-F687-4f45-9708-019B960494DF}">
-                <a14:hiddenLine xmlns="" xmlns:a14="http://schemas.microsoft.com/office/drawing/2010/main" w="9525">
+                <a14:hiddenLine xmlns:a14="http://schemas.microsoft.com/office/drawing/2010/main" xmlns="" w="9525">
                   <a:solidFill>
                     <a:srgbClr val="000000"/>
                   </a:solidFill>
@@ -3175,7 +3175,7 @@
             </a:ln>
             <a:extLst>
               <a:ext uri="{91240B29-F687-4f45-9708-019B960494DF}">
-                <a14:hiddenLine xmlns="" xmlns:a14="http://schemas.microsoft.com/office/drawing/2010/main" w="9525">
+                <a14:hiddenLine xmlns:a14="http://schemas.microsoft.com/office/drawing/2010/main" xmlns="" w="9525">
                   <a:solidFill>
                     <a:srgbClr val="000000"/>
                   </a:solidFill>
@@ -3209,7 +3209,7 @@
             </a:ln>
             <a:extLst>
               <a:ext uri="{91240B29-F687-4f45-9708-019B960494DF}">
-                <a14:hiddenLine xmlns="" xmlns:a14="http://schemas.microsoft.com/office/drawing/2010/main" w="9525">
+                <a14:hiddenLine xmlns:a14="http://schemas.microsoft.com/office/drawing/2010/main" xmlns="" w="9525">
                   <a:solidFill>
                     <a:srgbClr val="000000"/>
                   </a:solidFill>
@@ -3274,7 +3274,7 @@
             </a:ln>
             <a:extLst>
               <a:ext uri="{91240B29-F687-4f45-9708-019B960494DF}">
-                <a14:hiddenLine xmlns="" xmlns:a14="http://schemas.microsoft.com/office/drawing/2010/main" w="9525">
+                <a14:hiddenLine xmlns:a14="http://schemas.microsoft.com/office/drawing/2010/main" xmlns="" w="9525">
                   <a:solidFill>
                     <a:srgbClr val="000000"/>
                   </a:solidFill>
@@ -3364,7 +3364,7 @@
             </a:ln>
             <a:extLst>
               <a:ext uri="{91240B29-F687-4f45-9708-019B960494DF}">
-                <a14:hiddenLine xmlns="" xmlns:a14="http://schemas.microsoft.com/office/drawing/2010/main" w="9525">
+                <a14:hiddenLine xmlns:a14="http://schemas.microsoft.com/office/drawing/2010/main" xmlns="" w="9525">
                   <a:solidFill>
                     <a:srgbClr val="000000"/>
                   </a:solidFill>
@@ -3426,7 +3426,7 @@
             </a:ln>
             <a:extLst>
               <a:ext uri="{91240B29-F687-4f45-9708-019B960494DF}">
-                <a14:hiddenLine xmlns="" xmlns:a14="http://schemas.microsoft.com/office/drawing/2010/main" w="9525">
+                <a14:hiddenLine xmlns:a14="http://schemas.microsoft.com/office/drawing/2010/main" xmlns="" w="9525">
                   <a:solidFill>
                     <a:srgbClr val="000000"/>
                   </a:solidFill>
@@ -3516,7 +3516,7 @@
             </a:ln>
             <a:extLst>
               <a:ext uri="{91240B29-F687-4f45-9708-019B960494DF}">
-                <a14:hiddenLine xmlns="" xmlns:a14="http://schemas.microsoft.com/office/drawing/2010/main" w="9525">
+                <a14:hiddenLine xmlns:a14="http://schemas.microsoft.com/office/drawing/2010/main" xmlns="" w="9525">
                   <a:solidFill>
                     <a:srgbClr val="000000"/>
                   </a:solidFill>
@@ -3606,7 +3606,7 @@
             </a:ln>
             <a:extLst>
               <a:ext uri="{91240B29-F687-4f45-9708-019B960494DF}">
-                <a14:hiddenLine xmlns="" xmlns:a14="http://schemas.microsoft.com/office/drawing/2010/main" w="9525">
+                <a14:hiddenLine xmlns:a14="http://schemas.microsoft.com/office/drawing/2010/main" xmlns="" w="9525">
                   <a:solidFill>
                     <a:srgbClr val="000000"/>
                   </a:solidFill>
@@ -3671,7 +3671,7 @@
             </a:ln>
             <a:extLst>
               <a:ext uri="{91240B29-F687-4f45-9708-019B960494DF}">
-                <a14:hiddenLine xmlns="" xmlns:a14="http://schemas.microsoft.com/office/drawing/2010/main" w="9525">
+                <a14:hiddenLine xmlns:a14="http://schemas.microsoft.com/office/drawing/2010/main" xmlns="" w="9525">
                   <a:solidFill>
                     <a:srgbClr val="000000"/>
                   </a:solidFill>
@@ -3733,7 +3733,7 @@
             </a:ln>
             <a:extLst>
               <a:ext uri="{91240B29-F687-4f45-9708-019B960494DF}">
-                <a14:hiddenLine xmlns="" xmlns:a14="http://schemas.microsoft.com/office/drawing/2010/main" w="9525">
+                <a14:hiddenLine xmlns:a14="http://schemas.microsoft.com/office/drawing/2010/main" xmlns="" w="9525">
                   <a:solidFill>
                     <a:srgbClr val="000000"/>
                   </a:solidFill>
@@ -3823,7 +3823,7 @@
             </a:ln>
             <a:extLst>
               <a:ext uri="{91240B29-F687-4f45-9708-019B960494DF}">
-                <a14:hiddenLine xmlns="" xmlns:a14="http://schemas.microsoft.com/office/drawing/2010/main" w="9525">
+                <a14:hiddenLine xmlns:a14="http://schemas.microsoft.com/office/drawing/2010/main" xmlns="" w="9525">
                   <a:solidFill>
                     <a:srgbClr val="000000"/>
                   </a:solidFill>
@@ -3913,7 +3913,7 @@
             </a:ln>
             <a:extLst>
               <a:ext uri="{91240B29-F687-4f45-9708-019B960494DF}">
-                <a14:hiddenLine xmlns="" xmlns:a14="http://schemas.microsoft.com/office/drawing/2010/main" w="9525">
+                <a14:hiddenLine xmlns:a14="http://schemas.microsoft.com/office/drawing/2010/main" xmlns="" w="9525">
                   <a:solidFill>
                     <a:srgbClr val="000000"/>
                   </a:solidFill>
@@ -3975,7 +3975,7 @@
             </a:ln>
             <a:extLst>
               <a:ext uri="{91240B29-F687-4f45-9708-019B960494DF}">
-                <a14:hiddenLine xmlns="" xmlns:a14="http://schemas.microsoft.com/office/drawing/2010/main" w="9525">
+                <a14:hiddenLine xmlns:a14="http://schemas.microsoft.com/office/drawing/2010/main" xmlns="" w="9525">
                   <a:solidFill>
                     <a:srgbClr val="000000"/>
                   </a:solidFill>
@@ -4095,7 +4095,7 @@
             </a:ln>
             <a:extLst>
               <a:ext uri="{91240B29-F687-4f45-9708-019B960494DF}">
-                <a14:hiddenLine xmlns="" xmlns:a14="http://schemas.microsoft.com/office/drawing/2010/main" w="9525">
+                <a14:hiddenLine xmlns:a14="http://schemas.microsoft.com/office/drawing/2010/main" xmlns="" w="9525">
                   <a:solidFill>
                     <a:srgbClr val="000000"/>
                   </a:solidFill>
@@ -4163,7 +4163,7 @@
             </a:ln>
             <a:extLst>
               <a:ext uri="{91240B29-F687-4f45-9708-019B960494DF}">
-                <a14:hiddenLine xmlns="" xmlns:a14="http://schemas.microsoft.com/office/drawing/2010/main" w="9525">
+                <a14:hiddenLine xmlns:a14="http://schemas.microsoft.com/office/drawing/2010/main" xmlns="" w="9525">
                   <a:solidFill>
                     <a:srgbClr val="000000"/>
                   </a:solidFill>
@@ -4253,7 +4253,7 @@
             </a:ln>
             <a:extLst>
               <a:ext uri="{91240B29-F687-4f45-9708-019B960494DF}">
-                <a14:hiddenLine xmlns="" xmlns:a14="http://schemas.microsoft.com/office/drawing/2010/main" w="9525">
+                <a14:hiddenLine xmlns:a14="http://schemas.microsoft.com/office/drawing/2010/main" xmlns="" w="9525">
                   <a:solidFill>
                     <a:srgbClr val="000000"/>
                   </a:solidFill>
@@ -8975,7 +8975,7 @@
           <a:noFill/>
           <a:extLst>
             <a:ext uri="{909E8E84-426E-40dd-AFC4-6F175D3DCCD1}">
-              <a14:hiddenFill xmlns="" xmlns:a14="http://schemas.microsoft.com/office/drawing/2010/main">
+              <a14:hiddenFill xmlns:a14="http://schemas.microsoft.com/office/drawing/2010/main" xmlns="">
                 <a:solidFill>
                   <a:srgbClr val="FFFFFF"/>
                 </a:solidFill>
@@ -9049,7 +9049,7 @@
               </a:ln>
               <a:extLst>
                 <a:ext uri="{91240B29-F687-4f45-9708-019B960494DF}">
-                  <a14:hiddenLine xmlns="" xmlns:a14="http://schemas.microsoft.com/office/drawing/2010/main" w="9525">
+                  <a14:hiddenLine xmlns:a14="http://schemas.microsoft.com/office/drawing/2010/main" xmlns="" w="9525">
                     <a:solidFill>
                       <a:srgbClr val="000000"/>
                     </a:solidFill>
@@ -9139,7 +9139,7 @@
               </a:ln>
               <a:extLst>
                 <a:ext uri="{91240B29-F687-4f45-9708-019B960494DF}">
-                  <a14:hiddenLine xmlns="" xmlns:a14="http://schemas.microsoft.com/office/drawing/2010/main" w="9525">
+                  <a14:hiddenLine xmlns:a14="http://schemas.microsoft.com/office/drawing/2010/main" xmlns="" w="9525">
                     <a:solidFill>
                       <a:srgbClr val="000000"/>
                     </a:solidFill>
@@ -9229,7 +9229,7 @@
               </a:ln>
               <a:extLst>
                 <a:ext uri="{91240B29-F687-4f45-9708-019B960494DF}">
-                  <a14:hiddenLine xmlns="" xmlns:a14="http://schemas.microsoft.com/office/drawing/2010/main" w="9525">
+                  <a14:hiddenLine xmlns:a14="http://schemas.microsoft.com/office/drawing/2010/main" xmlns="" w="9525">
                     <a:solidFill>
                       <a:srgbClr val="000000"/>
                     </a:solidFill>
@@ -9291,7 +9291,7 @@
               </a:ln>
               <a:extLst>
                 <a:ext uri="{91240B29-F687-4f45-9708-019B960494DF}">
-                  <a14:hiddenLine xmlns="" xmlns:a14="http://schemas.microsoft.com/office/drawing/2010/main" w="9525">
+                  <a14:hiddenLine xmlns:a14="http://schemas.microsoft.com/office/drawing/2010/main" xmlns="" w="9525">
                     <a:solidFill>
                       <a:srgbClr val="000000"/>
                     </a:solidFill>
@@ -9381,7 +9381,7 @@
               </a:ln>
               <a:extLst>
                 <a:ext uri="{91240B29-F687-4f45-9708-019B960494DF}">
-                  <a14:hiddenLine xmlns="" xmlns:a14="http://schemas.microsoft.com/office/drawing/2010/main" w="9525">
+                  <a14:hiddenLine xmlns:a14="http://schemas.microsoft.com/office/drawing/2010/main" xmlns="" w="9525">
                     <a:solidFill>
                       <a:srgbClr val="000000"/>
                     </a:solidFill>
@@ -9443,7 +9443,7 @@
               </a:ln>
               <a:extLst>
                 <a:ext uri="{91240B29-F687-4f45-9708-019B960494DF}">
-                  <a14:hiddenLine xmlns="" xmlns:a14="http://schemas.microsoft.com/office/drawing/2010/main" w="9525">
+                  <a14:hiddenLine xmlns:a14="http://schemas.microsoft.com/office/drawing/2010/main" xmlns="" w="9525">
                     <a:solidFill>
                       <a:srgbClr val="000000"/>
                     </a:solidFill>
@@ -9505,7 +9505,7 @@
               </a:ln>
               <a:extLst>
                 <a:ext uri="{91240B29-F687-4f45-9708-019B960494DF}">
-                  <a14:hiddenLine xmlns="" xmlns:a14="http://schemas.microsoft.com/office/drawing/2010/main" w="9525">
+                  <a14:hiddenLine xmlns:a14="http://schemas.microsoft.com/office/drawing/2010/main" xmlns="" w="9525">
                     <a:solidFill>
                       <a:srgbClr val="000000"/>
                     </a:solidFill>
@@ -9595,7 +9595,7 @@
               </a:ln>
               <a:extLst>
                 <a:ext uri="{91240B29-F687-4f45-9708-019B960494DF}">
-                  <a14:hiddenLine xmlns="" xmlns:a14="http://schemas.microsoft.com/office/drawing/2010/main" w="9525">
+                  <a14:hiddenLine xmlns:a14="http://schemas.microsoft.com/office/drawing/2010/main" xmlns="" w="9525">
                     <a:solidFill>
                       <a:srgbClr val="000000"/>
                     </a:solidFill>
@@ -9685,7 +9685,7 @@
               </a:ln>
               <a:extLst>
                 <a:ext uri="{91240B29-F687-4f45-9708-019B960494DF}">
-                  <a14:hiddenLine xmlns="" xmlns:a14="http://schemas.microsoft.com/office/drawing/2010/main" w="9525">
+                  <a14:hiddenLine xmlns:a14="http://schemas.microsoft.com/office/drawing/2010/main" xmlns="" w="9525">
                     <a:solidFill>
                       <a:srgbClr val="000000"/>
                     </a:solidFill>
@@ -9747,7 +9747,7 @@
               </a:ln>
               <a:extLst>
                 <a:ext uri="{91240B29-F687-4f45-9708-019B960494DF}">
-                  <a14:hiddenLine xmlns="" xmlns:a14="http://schemas.microsoft.com/office/drawing/2010/main" w="9525">
+                  <a14:hiddenLine xmlns:a14="http://schemas.microsoft.com/office/drawing/2010/main" xmlns="" w="9525">
                     <a:solidFill>
                       <a:srgbClr val="000000"/>
                     </a:solidFill>
@@ -9857,7 +9857,7 @@
               </a:ln>
               <a:extLst>
                 <a:ext uri="{91240B29-F687-4f45-9708-019B960494DF}">
-                  <a14:hiddenLine xmlns="" xmlns:a14="http://schemas.microsoft.com/office/drawing/2010/main" w="9525">
+                  <a14:hiddenLine xmlns:a14="http://schemas.microsoft.com/office/drawing/2010/main" xmlns="" w="9525">
                     <a:solidFill>
                       <a:srgbClr val="000000"/>
                     </a:solidFill>
@@ -9941,7 +9941,7 @@
               </a:ln>
               <a:extLst>
                 <a:ext uri="{91240B29-F687-4f45-9708-019B960494DF}">
-                  <a14:hiddenLine xmlns="" xmlns:a14="http://schemas.microsoft.com/office/drawing/2010/main" w="9525">
+                  <a14:hiddenLine xmlns:a14="http://schemas.microsoft.com/office/drawing/2010/main" xmlns="" w="9525">
                     <a:solidFill>
                       <a:srgbClr val="000000"/>
                     </a:solidFill>
@@ -10003,7 +10003,7 @@
               </a:ln>
               <a:extLst>
                 <a:ext uri="{91240B29-F687-4f45-9708-019B960494DF}">
-                  <a14:hiddenLine xmlns="" xmlns:a14="http://schemas.microsoft.com/office/drawing/2010/main" w="9525">
+                  <a14:hiddenLine xmlns:a14="http://schemas.microsoft.com/office/drawing/2010/main" xmlns="" w="9525">
                     <a:solidFill>
                       <a:srgbClr val="000000"/>
                     </a:solidFill>
@@ -10065,7 +10065,7 @@
               </a:ln>
               <a:extLst>
                 <a:ext uri="{91240B29-F687-4f45-9708-019B960494DF}">
-                  <a14:hiddenLine xmlns="" xmlns:a14="http://schemas.microsoft.com/office/drawing/2010/main" w="9525">
+                  <a14:hiddenLine xmlns:a14="http://schemas.microsoft.com/office/drawing/2010/main" xmlns="" w="9525">
                     <a:solidFill>
                       <a:srgbClr val="000000"/>
                     </a:solidFill>
@@ -10155,7 +10155,7 @@
               </a:ln>
               <a:extLst>
                 <a:ext uri="{91240B29-F687-4f45-9708-019B960494DF}">
-                  <a14:hiddenLine xmlns="" xmlns:a14="http://schemas.microsoft.com/office/drawing/2010/main" w="9525">
+                  <a14:hiddenLine xmlns:a14="http://schemas.microsoft.com/office/drawing/2010/main" xmlns="" w="9525">
                     <a:solidFill>
                       <a:srgbClr val="000000"/>
                     </a:solidFill>
@@ -10189,7 +10189,7 @@
               </a:ln>
               <a:extLst>
                 <a:ext uri="{91240B29-F687-4f45-9708-019B960494DF}">
-                  <a14:hiddenLine xmlns="" xmlns:a14="http://schemas.microsoft.com/office/drawing/2010/main" w="9525">
+                  <a14:hiddenLine xmlns:a14="http://schemas.microsoft.com/office/drawing/2010/main" xmlns="" w="9525">
                     <a:solidFill>
                       <a:srgbClr val="000000"/>
                     </a:solidFill>
@@ -10254,7 +10254,7 @@
               </a:ln>
               <a:extLst>
                 <a:ext uri="{91240B29-F687-4f45-9708-019B960494DF}">
-                  <a14:hiddenLine xmlns="" xmlns:a14="http://schemas.microsoft.com/office/drawing/2010/main" w="9525">
+                  <a14:hiddenLine xmlns:a14="http://schemas.microsoft.com/office/drawing/2010/main" xmlns="" w="9525">
                     <a:solidFill>
                       <a:srgbClr val="000000"/>
                     </a:solidFill>
@@ -10344,7 +10344,7 @@
               </a:ln>
               <a:extLst>
                 <a:ext uri="{91240B29-F687-4f45-9708-019B960494DF}">
-                  <a14:hiddenLine xmlns="" xmlns:a14="http://schemas.microsoft.com/office/drawing/2010/main" w="9525">
+                  <a14:hiddenLine xmlns:a14="http://schemas.microsoft.com/office/drawing/2010/main" xmlns="" w="9525">
                     <a:solidFill>
                       <a:srgbClr val="000000"/>
                     </a:solidFill>
@@ -10406,7 +10406,7 @@
               </a:ln>
               <a:extLst>
                 <a:ext uri="{91240B29-F687-4f45-9708-019B960494DF}">
-                  <a14:hiddenLine xmlns="" xmlns:a14="http://schemas.microsoft.com/office/drawing/2010/main" w="9525">
+                  <a14:hiddenLine xmlns:a14="http://schemas.microsoft.com/office/drawing/2010/main" xmlns="" w="9525">
                     <a:solidFill>
                       <a:srgbClr val="000000"/>
                     </a:solidFill>
@@ -10496,7 +10496,7 @@
               </a:ln>
               <a:extLst>
                 <a:ext uri="{91240B29-F687-4f45-9708-019B960494DF}">
-                  <a14:hiddenLine xmlns="" xmlns:a14="http://schemas.microsoft.com/office/drawing/2010/main" w="9525">
+                  <a14:hiddenLine xmlns:a14="http://schemas.microsoft.com/office/drawing/2010/main" xmlns="" w="9525">
                     <a:solidFill>
                       <a:srgbClr val="000000"/>
                     </a:solidFill>
@@ -10561,7 +10561,7 @@
               </a:ln>
               <a:extLst>
                 <a:ext uri="{91240B29-F687-4f45-9708-019B960494DF}">
-                  <a14:hiddenLine xmlns="" xmlns:a14="http://schemas.microsoft.com/office/drawing/2010/main" w="9525">
+                  <a14:hiddenLine xmlns:a14="http://schemas.microsoft.com/office/drawing/2010/main" xmlns="" w="9525">
                     <a:solidFill>
                       <a:srgbClr val="000000"/>
                     </a:solidFill>
@@ -10623,7 +10623,7 @@
               </a:ln>
               <a:extLst>
                 <a:ext uri="{91240B29-F687-4f45-9708-019B960494DF}">
-                  <a14:hiddenLine xmlns="" xmlns:a14="http://schemas.microsoft.com/office/drawing/2010/main" w="9525">
+                  <a14:hiddenLine xmlns:a14="http://schemas.microsoft.com/office/drawing/2010/main" xmlns="" w="9525">
                     <a:solidFill>
                       <a:srgbClr val="000000"/>
                     </a:solidFill>
@@ -10713,7 +10713,7 @@
               </a:ln>
               <a:extLst>
                 <a:ext uri="{91240B29-F687-4f45-9708-019B960494DF}">
-                  <a14:hiddenLine xmlns="" xmlns:a14="http://schemas.microsoft.com/office/drawing/2010/main" w="9525">
+                  <a14:hiddenLine xmlns:a14="http://schemas.microsoft.com/office/drawing/2010/main" xmlns="" w="9525">
                     <a:solidFill>
                       <a:srgbClr val="000000"/>
                     </a:solidFill>
@@ -10803,7 +10803,7 @@
               </a:ln>
               <a:extLst>
                 <a:ext uri="{91240B29-F687-4f45-9708-019B960494DF}">
-                  <a14:hiddenLine xmlns="" xmlns:a14="http://schemas.microsoft.com/office/drawing/2010/main" w="9525">
+                  <a14:hiddenLine xmlns:a14="http://schemas.microsoft.com/office/drawing/2010/main" xmlns="" w="9525">
                     <a:solidFill>
                       <a:srgbClr val="000000"/>
                     </a:solidFill>
@@ -10868,7 +10868,7 @@
               </a:ln>
               <a:extLst>
                 <a:ext uri="{91240B29-F687-4f45-9708-019B960494DF}">
-                  <a14:hiddenLine xmlns="" xmlns:a14="http://schemas.microsoft.com/office/drawing/2010/main" w="9525">
+                  <a14:hiddenLine xmlns:a14="http://schemas.microsoft.com/office/drawing/2010/main" xmlns="" w="9525">
                     <a:solidFill>
                       <a:srgbClr val="000000"/>
                     </a:solidFill>
@@ -10988,7 +10988,7 @@
               </a:ln>
               <a:extLst>
                 <a:ext uri="{91240B29-F687-4f45-9708-019B960494DF}">
-                  <a14:hiddenLine xmlns="" xmlns:a14="http://schemas.microsoft.com/office/drawing/2010/main" w="9525">
+                  <a14:hiddenLine xmlns:a14="http://schemas.microsoft.com/office/drawing/2010/main" xmlns="" w="9525">
                     <a:solidFill>
                       <a:srgbClr val="000000"/>
                     </a:solidFill>
@@ -11086,7 +11086,7 @@
               </a:ln>
               <a:extLst>
                 <a:ext uri="{91240B29-F687-4f45-9708-019B960494DF}">
-                  <a14:hiddenLine xmlns="" xmlns:a14="http://schemas.microsoft.com/office/drawing/2010/main" w="9525">
+                  <a14:hiddenLine xmlns:a14="http://schemas.microsoft.com/office/drawing/2010/main" xmlns="" w="9525">
                     <a:solidFill>
                       <a:srgbClr val="000000"/>
                     </a:solidFill>
@@ -11201,7 +11201,7 @@
               </a:ln>
               <a:extLst>
                 <a:ext uri="{91240B29-F687-4f45-9708-019B960494DF}">
-                  <a14:hiddenLine xmlns="" xmlns:a14="http://schemas.microsoft.com/office/drawing/2010/main" w="9525">
+                  <a14:hiddenLine xmlns:a14="http://schemas.microsoft.com/office/drawing/2010/main" xmlns="" w="9525">
                     <a:solidFill>
                       <a:srgbClr val="000000"/>
                     </a:solidFill>
@@ -11291,7 +11291,7 @@
               </a:ln>
               <a:extLst>
                 <a:ext uri="{91240B29-F687-4f45-9708-019B960494DF}">
-                  <a14:hiddenLine xmlns="" xmlns:a14="http://schemas.microsoft.com/office/drawing/2010/main" w="9525">
+                  <a14:hiddenLine xmlns:a14="http://schemas.microsoft.com/office/drawing/2010/main" xmlns="" w="9525">
                     <a:solidFill>
                       <a:srgbClr val="000000"/>
                     </a:solidFill>
@@ -11356,7 +11356,7 @@
               </a:ln>
               <a:extLst>
                 <a:ext uri="{91240B29-F687-4f45-9708-019B960494DF}">
-                  <a14:hiddenLine xmlns="" xmlns:a14="http://schemas.microsoft.com/office/drawing/2010/main" w="9525">
+                  <a14:hiddenLine xmlns:a14="http://schemas.microsoft.com/office/drawing/2010/main" xmlns="" w="9525">
                     <a:solidFill>
                       <a:srgbClr val="000000"/>
                     </a:solidFill>
@@ -11446,7 +11446,7 @@
               </a:ln>
               <a:extLst>
                 <a:ext uri="{91240B29-F687-4f45-9708-019B960494DF}">
-                  <a14:hiddenLine xmlns="" xmlns:a14="http://schemas.microsoft.com/office/drawing/2010/main" w="9525">
+                  <a14:hiddenLine xmlns:a14="http://schemas.microsoft.com/office/drawing/2010/main" xmlns="" w="9525">
                     <a:solidFill>
                       <a:srgbClr val="000000"/>
                     </a:solidFill>
@@ -11514,7 +11514,7 @@
               </a:ln>
               <a:extLst>
                 <a:ext uri="{91240B29-F687-4f45-9708-019B960494DF}">
-                  <a14:hiddenLine xmlns="" xmlns:a14="http://schemas.microsoft.com/office/drawing/2010/main" w="9525">
+                  <a14:hiddenLine xmlns:a14="http://schemas.microsoft.com/office/drawing/2010/main" xmlns="" w="9525">
                     <a:solidFill>
                       <a:srgbClr val="000000"/>
                     </a:solidFill>
@@ -11604,7 +11604,7 @@
               </a:ln>
               <a:extLst>
                 <a:ext uri="{91240B29-F687-4f45-9708-019B960494DF}">
-                  <a14:hiddenLine xmlns="" xmlns:a14="http://schemas.microsoft.com/office/drawing/2010/main" w="9525">
+                  <a14:hiddenLine xmlns:a14="http://schemas.microsoft.com/office/drawing/2010/main" xmlns="" w="9525">
                     <a:solidFill>
                       <a:srgbClr val="000000"/>
                     </a:solidFill>
@@ -11672,7 +11672,7 @@
               </a:ln>
               <a:extLst>
                 <a:ext uri="{91240B29-F687-4f45-9708-019B960494DF}">
-                  <a14:hiddenLine xmlns="" xmlns:a14="http://schemas.microsoft.com/office/drawing/2010/main" w="9525">
+                  <a14:hiddenLine xmlns:a14="http://schemas.microsoft.com/office/drawing/2010/main" xmlns="" w="9525">
                     <a:solidFill>
                       <a:srgbClr val="000000"/>
                     </a:solidFill>
@@ -11762,7 +11762,7 @@
               </a:ln>
               <a:extLst>
                 <a:ext uri="{91240B29-F687-4f45-9708-019B960494DF}">
-                  <a14:hiddenLine xmlns="" xmlns:a14="http://schemas.microsoft.com/office/drawing/2010/main" w="9525">
+                  <a14:hiddenLine xmlns:a14="http://schemas.microsoft.com/office/drawing/2010/main" xmlns="" w="9525">
                     <a:solidFill>
                       <a:srgbClr val="000000"/>
                     </a:solidFill>
@@ -11796,7 +11796,7 @@
               </a:ln>
               <a:extLst>
                 <a:ext uri="{91240B29-F687-4f45-9708-019B960494DF}">
-                  <a14:hiddenLine xmlns="" xmlns:a14="http://schemas.microsoft.com/office/drawing/2010/main" w="9525">
+                  <a14:hiddenLine xmlns:a14="http://schemas.microsoft.com/office/drawing/2010/main" xmlns="" w="9525">
                     <a:solidFill>
                       <a:srgbClr val="000000"/>
                     </a:solidFill>
@@ -12775,7 +12775,7 @@
       </p:sp>
       <p:pic>
         <p:nvPicPr>
-          <p:cNvPr id="5" name="Content Placeholder 4"/>
+          <p:cNvPr id="9" name="Content Placeholder 8"/>
           <p:cNvPicPr>
             <a:picLocks noGrp="1" noChangeAspect="1"/>
           </p:cNvPicPr>
@@ -12804,7 +12804,7 @@
       </p:pic>
       <p:sp>
         <p:nvSpPr>
-          <p:cNvPr id="3" name="Action Button: Custom 2">
+          <p:cNvPr id="6" name="Action Button: Custom 5">
             <a:hlinkClick r:id="rId3" action="ppaction://hlinksldjump" highlightClick="1"/>
           </p:cNvPr>
           <p:cNvSpPr/>
@@ -12812,8 +12812,8 @@
         </p:nvSpPr>
         <p:spPr>
           <a:xfrm>
-            <a:off x="7505700" y="1207069"/>
-            <a:ext cx="355600" cy="342331"/>
+            <a:off x="7531100" y="4571999"/>
+            <a:ext cx="660399" cy="560439"/>
           </a:xfrm>
           <a:prstGeom prst="actionButtonBlank">
             <a:avLst/>
@@ -12845,7 +12845,7 @@
       </p:sp>
       <p:sp>
         <p:nvSpPr>
-          <p:cNvPr id="6" name="Action Button: Custom 5">
+          <p:cNvPr id="7" name="Action Button: Custom 6">
             <a:hlinkClick r:id="rId4" action="ppaction://hlinksldjump" highlightClick="1"/>
           </p:cNvPr>
           <p:cNvSpPr/>
@@ -12853,8 +12853,8 @@
         </p:nvSpPr>
         <p:spPr>
           <a:xfrm>
-            <a:off x="7505700" y="4559300"/>
-            <a:ext cx="711200" cy="571500"/>
+            <a:off x="8264758" y="4560938"/>
+            <a:ext cx="786606" cy="571500"/>
           </a:xfrm>
           <a:prstGeom prst="actionButtonBlank">
             <a:avLst/>
@@ -12886,7 +12886,7 @@
       </p:sp>
       <p:sp>
         <p:nvSpPr>
-          <p:cNvPr id="7" name="Action Button: Custom 6">
+          <p:cNvPr id="3" name="Action Button: Custom 2">
             <a:hlinkClick r:id="rId5" action="ppaction://hlinksldjump" highlightClick="1"/>
           </p:cNvPr>
           <p:cNvSpPr/>
@@ -12894,8 +12894,8 @@
         </p:nvSpPr>
         <p:spPr>
           <a:xfrm>
-            <a:off x="8216900" y="4559300"/>
-            <a:ext cx="786606" cy="571500"/>
+            <a:off x="7505699" y="1187404"/>
+            <a:ext cx="355600" cy="342331"/>
           </a:xfrm>
           <a:prstGeom prst="actionButtonBlank">
             <a:avLst/>

--- a/Reunions App.pptx
+++ b/Reunions App.pptx
@@ -4,13 +4,28 @@
   <p:sldMasterIdLst>
     <p:sldMasterId id="2147483648" r:id="rId1"/>
   </p:sldMasterIdLst>
+  <p:notesMasterIdLst>
+    <p:notesMasterId r:id="rId20"/>
+  </p:notesMasterIdLst>
   <p:sldIdLst>
     <p:sldId id="256" r:id="rId2"/>
-    <p:sldId id="258" r:id="rId3"/>
-    <p:sldId id="261" r:id="rId4"/>
-    <p:sldId id="259" r:id="rId5"/>
-    <p:sldId id="260" r:id="rId6"/>
-    <p:sldId id="262" r:id="rId7"/>
+    <p:sldId id="274" r:id="rId3"/>
+    <p:sldId id="258" r:id="rId4"/>
+    <p:sldId id="266" r:id="rId5"/>
+    <p:sldId id="263" r:id="rId6"/>
+    <p:sldId id="268" r:id="rId7"/>
+    <p:sldId id="264" r:id="rId8"/>
+    <p:sldId id="261" r:id="rId9"/>
+    <p:sldId id="267" r:id="rId10"/>
+    <p:sldId id="269" r:id="rId11"/>
+    <p:sldId id="270" r:id="rId12"/>
+    <p:sldId id="272" r:id="rId13"/>
+    <p:sldId id="273" r:id="rId14"/>
+    <p:sldId id="271" r:id="rId15"/>
+    <p:sldId id="265" r:id="rId16"/>
+    <p:sldId id="260" r:id="rId17"/>
+    <p:sldId id="259" r:id="rId18"/>
+    <p:sldId id="262" r:id="rId19"/>
   </p:sldIdLst>
   <p:sldSz cx="12192000" cy="6858000"/>
   <p:notesSz cx="6858000" cy="9144000"/>
@@ -117,6 +132,448 @@
 </p:presentation>
 </file>
 
+<file path=ppt/notesMasters/notesMaster1.xml><?xml version="1.0" encoding="utf-8"?>
+<p:notesMaster xmlns:a="http://schemas.openxmlformats.org/drawingml/2006/main" xmlns:r="http://schemas.openxmlformats.org/officeDocument/2006/relationships" xmlns:p="http://schemas.openxmlformats.org/presentationml/2006/main">
+  <p:cSld>
+    <p:bg>
+      <p:bgRef idx="1001">
+        <a:schemeClr val="bg1"/>
+      </p:bgRef>
+    </p:bg>
+    <p:spTree>
+      <p:nvGrpSpPr>
+        <p:cNvPr id="1" name=""/>
+        <p:cNvGrpSpPr/>
+        <p:nvPr/>
+      </p:nvGrpSpPr>
+      <p:grpSpPr>
+        <a:xfrm>
+          <a:off x="0" y="0"/>
+          <a:ext cx="0" cy="0"/>
+          <a:chOff x="0" y="0"/>
+          <a:chExt cx="0" cy="0"/>
+        </a:xfrm>
+      </p:grpSpPr>
+      <p:sp>
+        <p:nvSpPr>
+          <p:cNvPr id="2" name="Header Placeholder 1"/>
+          <p:cNvSpPr>
+            <a:spLocks noGrp="1"/>
+          </p:cNvSpPr>
+          <p:nvPr>
+            <p:ph type="hdr" sz="quarter"/>
+          </p:nvPr>
+        </p:nvSpPr>
+        <p:spPr>
+          <a:xfrm>
+            <a:off x="0" y="0"/>
+            <a:ext cx="2971800" cy="458788"/>
+          </a:xfrm>
+          <a:prstGeom prst="rect">
+            <a:avLst/>
+          </a:prstGeom>
+        </p:spPr>
+        <p:txBody>
+          <a:bodyPr vert="horz" lIns="91440" tIns="45720" rIns="91440" bIns="45720" rtlCol="0"/>
+          <a:lstStyle>
+            <a:lvl1pPr algn="l">
+              <a:defRPr sz="1200"/>
+            </a:lvl1pPr>
+          </a:lstStyle>
+          <a:p>
+            <a:endParaRPr lang="en-US"/>
+          </a:p>
+        </p:txBody>
+      </p:sp>
+      <p:sp>
+        <p:nvSpPr>
+          <p:cNvPr id="3" name="Date Placeholder 2"/>
+          <p:cNvSpPr>
+            <a:spLocks noGrp="1"/>
+          </p:cNvSpPr>
+          <p:nvPr>
+            <p:ph type="dt" idx="1"/>
+          </p:nvPr>
+        </p:nvSpPr>
+        <p:spPr>
+          <a:xfrm>
+            <a:off x="3884613" y="0"/>
+            <a:ext cx="2971800" cy="458788"/>
+          </a:xfrm>
+          <a:prstGeom prst="rect">
+            <a:avLst/>
+          </a:prstGeom>
+        </p:spPr>
+        <p:txBody>
+          <a:bodyPr vert="horz" lIns="91440" tIns="45720" rIns="91440" bIns="45720" rtlCol="0"/>
+          <a:lstStyle>
+            <a:lvl1pPr algn="r">
+              <a:defRPr sz="1200"/>
+            </a:lvl1pPr>
+          </a:lstStyle>
+          <a:p>
+            <a:fld id="{F434A5EC-CE0C-324E-BB85-EB89E709A1C4}" type="datetimeFigureOut">
+              <a:rPr lang="en-US" smtClean="0"/>
+              <a:t>12/11/18</a:t>
+            </a:fld>
+            <a:endParaRPr lang="en-US"/>
+          </a:p>
+        </p:txBody>
+      </p:sp>
+      <p:sp>
+        <p:nvSpPr>
+          <p:cNvPr id="4" name="Slide Image Placeholder 3"/>
+          <p:cNvSpPr>
+            <a:spLocks noGrp="1" noRot="1" noChangeAspect="1"/>
+          </p:cNvSpPr>
+          <p:nvPr>
+            <p:ph type="sldImg" idx="2"/>
+          </p:nvPr>
+        </p:nvSpPr>
+        <p:spPr>
+          <a:xfrm>
+            <a:off x="685800" y="1143000"/>
+            <a:ext cx="5486400" cy="3086100"/>
+          </a:xfrm>
+          <a:prstGeom prst="rect">
+            <a:avLst/>
+          </a:prstGeom>
+          <a:noFill/>
+          <a:ln w="12700">
+            <a:solidFill>
+              <a:prstClr val="black"/>
+            </a:solidFill>
+          </a:ln>
+        </p:spPr>
+        <p:txBody>
+          <a:bodyPr vert="horz" lIns="91440" tIns="45720" rIns="91440" bIns="45720" rtlCol="0" anchor="ctr"/>
+          <a:lstStyle/>
+          <a:p>
+            <a:endParaRPr lang="en-US"/>
+          </a:p>
+        </p:txBody>
+      </p:sp>
+      <p:sp>
+        <p:nvSpPr>
+          <p:cNvPr id="5" name="Notes Placeholder 4"/>
+          <p:cNvSpPr>
+            <a:spLocks noGrp="1"/>
+          </p:cNvSpPr>
+          <p:nvPr>
+            <p:ph type="body" sz="quarter" idx="3"/>
+          </p:nvPr>
+        </p:nvSpPr>
+        <p:spPr>
+          <a:xfrm>
+            <a:off x="685800" y="4400550"/>
+            <a:ext cx="5486400" cy="3600450"/>
+          </a:xfrm>
+          <a:prstGeom prst="rect">
+            <a:avLst/>
+          </a:prstGeom>
+        </p:spPr>
+        <p:txBody>
+          <a:bodyPr vert="horz" lIns="91440" tIns="45720" rIns="91440" bIns="45720" rtlCol="0"/>
+          <a:lstStyle/>
+          <a:p>
+            <a:pPr lvl="0"/>
+            <a:r>
+              <a:rPr lang="en-US" smtClean="0"/>
+              <a:t>Click to edit Master text styles</a:t>
+            </a:r>
+          </a:p>
+          <a:p>
+            <a:pPr lvl="1"/>
+            <a:r>
+              <a:rPr lang="en-US" smtClean="0"/>
+              <a:t>Second level</a:t>
+            </a:r>
+          </a:p>
+          <a:p>
+            <a:pPr lvl="2"/>
+            <a:r>
+              <a:rPr lang="en-US" smtClean="0"/>
+              <a:t>Third level</a:t>
+            </a:r>
+          </a:p>
+          <a:p>
+            <a:pPr lvl="3"/>
+            <a:r>
+              <a:rPr lang="en-US" smtClean="0"/>
+              <a:t>Fourth level</a:t>
+            </a:r>
+          </a:p>
+          <a:p>
+            <a:pPr lvl="4"/>
+            <a:r>
+              <a:rPr lang="en-US" smtClean="0"/>
+              <a:t>Fifth level</a:t>
+            </a:r>
+            <a:endParaRPr lang="en-US"/>
+          </a:p>
+        </p:txBody>
+      </p:sp>
+      <p:sp>
+        <p:nvSpPr>
+          <p:cNvPr id="6" name="Footer Placeholder 5"/>
+          <p:cNvSpPr>
+            <a:spLocks noGrp="1"/>
+          </p:cNvSpPr>
+          <p:nvPr>
+            <p:ph type="ftr" sz="quarter" idx="4"/>
+          </p:nvPr>
+        </p:nvSpPr>
+        <p:spPr>
+          <a:xfrm>
+            <a:off x="0" y="8685213"/>
+            <a:ext cx="2971800" cy="458787"/>
+          </a:xfrm>
+          <a:prstGeom prst="rect">
+            <a:avLst/>
+          </a:prstGeom>
+        </p:spPr>
+        <p:txBody>
+          <a:bodyPr vert="horz" lIns="91440" tIns="45720" rIns="91440" bIns="45720" rtlCol="0" anchor="b"/>
+          <a:lstStyle>
+            <a:lvl1pPr algn="l">
+              <a:defRPr sz="1200"/>
+            </a:lvl1pPr>
+          </a:lstStyle>
+          <a:p>
+            <a:endParaRPr lang="en-US"/>
+          </a:p>
+        </p:txBody>
+      </p:sp>
+      <p:sp>
+        <p:nvSpPr>
+          <p:cNvPr id="7" name="Slide Number Placeholder 6"/>
+          <p:cNvSpPr>
+            <a:spLocks noGrp="1"/>
+          </p:cNvSpPr>
+          <p:nvPr>
+            <p:ph type="sldNum" sz="quarter" idx="5"/>
+          </p:nvPr>
+        </p:nvSpPr>
+        <p:spPr>
+          <a:xfrm>
+            <a:off x="3884613" y="8685213"/>
+            <a:ext cx="2971800" cy="458787"/>
+          </a:xfrm>
+          <a:prstGeom prst="rect">
+            <a:avLst/>
+          </a:prstGeom>
+        </p:spPr>
+        <p:txBody>
+          <a:bodyPr vert="horz" lIns="91440" tIns="45720" rIns="91440" bIns="45720" rtlCol="0" anchor="b"/>
+          <a:lstStyle>
+            <a:lvl1pPr algn="r">
+              <a:defRPr sz="1200"/>
+            </a:lvl1pPr>
+          </a:lstStyle>
+          <a:p>
+            <a:fld id="{2C3EFF5B-F27B-5C40-B203-EA4239F1C787}" type="slidenum">
+              <a:rPr lang="en-US" smtClean="0"/>
+              <a:t>‹#›</a:t>
+            </a:fld>
+            <a:endParaRPr lang="en-US"/>
+          </a:p>
+        </p:txBody>
+      </p:sp>
+    </p:spTree>
+    <p:extLst>
+      <p:ext uri="{BB962C8B-B14F-4D97-AF65-F5344CB8AC3E}">
+        <p14:creationId xmlns:p14="http://schemas.microsoft.com/office/powerpoint/2010/main" val="181196354"/>
+      </p:ext>
+    </p:extLst>
+  </p:cSld>
+  <p:clrMap bg1="lt1" tx1="dk1" bg2="lt2" tx2="dk2" accent1="accent1" accent2="accent2" accent3="accent3" accent4="accent4" accent5="accent5" accent6="accent6" hlink="hlink" folHlink="folHlink"/>
+  <p:notesStyle>
+    <a:lvl1pPr marL="0" algn="l" defTabSz="914400" rtl="0" eaLnBrk="1" latinLnBrk="0" hangingPunct="1">
+      <a:defRPr sz="1200" kern="1200">
+        <a:solidFill>
+          <a:schemeClr val="tx1"/>
+        </a:solidFill>
+        <a:latin typeface="+mn-lt"/>
+        <a:ea typeface="+mn-ea"/>
+        <a:cs typeface="+mn-cs"/>
+      </a:defRPr>
+    </a:lvl1pPr>
+    <a:lvl2pPr marL="457200" algn="l" defTabSz="914400" rtl="0" eaLnBrk="1" latinLnBrk="0" hangingPunct="1">
+      <a:defRPr sz="1200" kern="1200">
+        <a:solidFill>
+          <a:schemeClr val="tx1"/>
+        </a:solidFill>
+        <a:latin typeface="+mn-lt"/>
+        <a:ea typeface="+mn-ea"/>
+        <a:cs typeface="+mn-cs"/>
+      </a:defRPr>
+    </a:lvl2pPr>
+    <a:lvl3pPr marL="914400" algn="l" defTabSz="914400" rtl="0" eaLnBrk="1" latinLnBrk="0" hangingPunct="1">
+      <a:defRPr sz="1200" kern="1200">
+        <a:solidFill>
+          <a:schemeClr val="tx1"/>
+        </a:solidFill>
+        <a:latin typeface="+mn-lt"/>
+        <a:ea typeface="+mn-ea"/>
+        <a:cs typeface="+mn-cs"/>
+      </a:defRPr>
+    </a:lvl3pPr>
+    <a:lvl4pPr marL="1371600" algn="l" defTabSz="914400" rtl="0" eaLnBrk="1" latinLnBrk="0" hangingPunct="1">
+      <a:defRPr sz="1200" kern="1200">
+        <a:solidFill>
+          <a:schemeClr val="tx1"/>
+        </a:solidFill>
+        <a:latin typeface="+mn-lt"/>
+        <a:ea typeface="+mn-ea"/>
+        <a:cs typeface="+mn-cs"/>
+      </a:defRPr>
+    </a:lvl4pPr>
+    <a:lvl5pPr marL="1828800" algn="l" defTabSz="914400" rtl="0" eaLnBrk="1" latinLnBrk="0" hangingPunct="1">
+      <a:defRPr sz="1200" kern="1200">
+        <a:solidFill>
+          <a:schemeClr val="tx1"/>
+        </a:solidFill>
+        <a:latin typeface="+mn-lt"/>
+        <a:ea typeface="+mn-ea"/>
+        <a:cs typeface="+mn-cs"/>
+      </a:defRPr>
+    </a:lvl5pPr>
+    <a:lvl6pPr marL="2286000" algn="l" defTabSz="914400" rtl="0" eaLnBrk="1" latinLnBrk="0" hangingPunct="1">
+      <a:defRPr sz="1200" kern="1200">
+        <a:solidFill>
+          <a:schemeClr val="tx1"/>
+        </a:solidFill>
+        <a:latin typeface="+mn-lt"/>
+        <a:ea typeface="+mn-ea"/>
+        <a:cs typeface="+mn-cs"/>
+      </a:defRPr>
+    </a:lvl6pPr>
+    <a:lvl7pPr marL="2743200" algn="l" defTabSz="914400" rtl="0" eaLnBrk="1" latinLnBrk="0" hangingPunct="1">
+      <a:defRPr sz="1200" kern="1200">
+        <a:solidFill>
+          <a:schemeClr val="tx1"/>
+        </a:solidFill>
+        <a:latin typeface="+mn-lt"/>
+        <a:ea typeface="+mn-ea"/>
+        <a:cs typeface="+mn-cs"/>
+      </a:defRPr>
+    </a:lvl7pPr>
+    <a:lvl8pPr marL="3200400" algn="l" defTabSz="914400" rtl="0" eaLnBrk="1" latinLnBrk="0" hangingPunct="1">
+      <a:defRPr sz="1200" kern="1200">
+        <a:solidFill>
+          <a:schemeClr val="tx1"/>
+        </a:solidFill>
+        <a:latin typeface="+mn-lt"/>
+        <a:ea typeface="+mn-ea"/>
+        <a:cs typeface="+mn-cs"/>
+      </a:defRPr>
+    </a:lvl8pPr>
+    <a:lvl9pPr marL="3657600" algn="l" defTabSz="914400" rtl="0" eaLnBrk="1" latinLnBrk="0" hangingPunct="1">
+      <a:defRPr sz="1200" kern="1200">
+        <a:solidFill>
+          <a:schemeClr val="tx1"/>
+        </a:solidFill>
+        <a:latin typeface="+mn-lt"/>
+        <a:ea typeface="+mn-ea"/>
+        <a:cs typeface="+mn-cs"/>
+      </a:defRPr>
+    </a:lvl9pPr>
+  </p:notesStyle>
+</p:notesMaster>
+</file>
+
+<file path=ppt/notesSlides/notesSlide1.xml><?xml version="1.0" encoding="utf-8"?>
+<p:notes xmlns:a="http://schemas.openxmlformats.org/drawingml/2006/main" xmlns:r="http://schemas.openxmlformats.org/officeDocument/2006/relationships" xmlns:p="http://schemas.openxmlformats.org/presentationml/2006/main">
+  <p:cSld>
+    <p:spTree>
+      <p:nvGrpSpPr>
+        <p:cNvPr id="1" name=""/>
+        <p:cNvGrpSpPr/>
+        <p:nvPr/>
+      </p:nvGrpSpPr>
+      <p:grpSpPr>
+        <a:xfrm>
+          <a:off x="0" y="0"/>
+          <a:ext cx="0" cy="0"/>
+          <a:chOff x="0" y="0"/>
+          <a:chExt cx="0" cy="0"/>
+        </a:xfrm>
+      </p:grpSpPr>
+      <p:sp>
+        <p:nvSpPr>
+          <p:cNvPr id="2" name="Slide Image Placeholder 1"/>
+          <p:cNvSpPr>
+            <a:spLocks noGrp="1" noRot="1" noChangeAspect="1"/>
+          </p:cNvSpPr>
+          <p:nvPr>
+            <p:ph type="sldImg"/>
+          </p:nvPr>
+        </p:nvSpPr>
+        <p:spPr/>
+      </p:sp>
+      <p:sp>
+        <p:nvSpPr>
+          <p:cNvPr id="3" name="Notes Placeholder 2"/>
+          <p:cNvSpPr>
+            <a:spLocks noGrp="1"/>
+          </p:cNvSpPr>
+          <p:nvPr>
+            <p:ph type="body" idx="1"/>
+          </p:nvPr>
+        </p:nvSpPr>
+        <p:spPr/>
+        <p:txBody>
+          <a:bodyPr/>
+          <a:lstStyle/>
+          <a:p>
+            <a:r>
+              <a:rPr lang="en-US" dirty="0" smtClean="0"/>
+              <a:t>Didn’t have time</a:t>
+            </a:r>
+            <a:r>
+              <a:rPr lang="en-US" baseline="0" dirty="0" smtClean="0"/>
+              <a:t> to do Edit Reunion, I had to take my Programming Languages final.</a:t>
+            </a:r>
+            <a:endParaRPr lang="en-US" dirty="0"/>
+          </a:p>
+        </p:txBody>
+      </p:sp>
+      <p:sp>
+        <p:nvSpPr>
+          <p:cNvPr id="4" name="Slide Number Placeholder 3"/>
+          <p:cNvSpPr>
+            <a:spLocks noGrp="1"/>
+          </p:cNvSpPr>
+          <p:nvPr>
+            <p:ph type="sldNum" sz="quarter" idx="10"/>
+          </p:nvPr>
+        </p:nvSpPr>
+        <p:spPr/>
+        <p:txBody>
+          <a:bodyPr/>
+          <a:lstStyle/>
+          <a:p>
+            <a:fld id="{2C3EFF5B-F27B-5C40-B203-EA4239F1C787}" type="slidenum">
+              <a:rPr lang="en-US" smtClean="0"/>
+              <a:t>10</a:t>
+            </a:fld>
+            <a:endParaRPr lang="en-US"/>
+          </a:p>
+        </p:txBody>
+      </p:sp>
+    </p:spTree>
+    <p:extLst>
+      <p:ext uri="{BB962C8B-B14F-4D97-AF65-F5344CB8AC3E}">
+        <p14:creationId xmlns:p14="http://schemas.microsoft.com/office/powerpoint/2010/main" val="235310232"/>
+      </p:ext>
+    </p:extLst>
+  </p:cSld>
+  <p:clrMapOvr>
+    <a:masterClrMapping/>
+  </p:clrMapOvr>
+</p:notes>
+</file>
+
 <file path=ppt/slideLayouts/slideLayout1.xml><?xml version="1.0" encoding="utf-8"?>
 <p:sldLayout xmlns:a="http://schemas.openxmlformats.org/drawingml/2006/main" xmlns:r="http://schemas.openxmlformats.org/officeDocument/2006/relationships" xmlns:p="http://schemas.openxmlformats.org/presentationml/2006/main" showMasterSp="0" type="title" preserve="1">
   <p:cSld name="Title Slide">
@@ -167,7 +624,7 @@
           <a:noFill/>
           <a:extLst>
             <a:ext uri="{909E8E84-426E-40dd-AFC4-6F175D3DCCD1}">
-              <a14:hiddenFill xmlns:a14="http://schemas.microsoft.com/office/drawing/2010/main" xmlns="">
+              <a14:hiddenFill xmlns="" xmlns:a14="http://schemas.microsoft.com/office/drawing/2010/main">
                 <a:solidFill>
                   <a:srgbClr val="FFFFFF"/>
                 </a:solidFill>
@@ -227,7 +684,7 @@
             </a:ln>
             <a:extLst>
               <a:ext uri="{91240B29-F687-4f45-9708-019B960494DF}">
-                <a14:hiddenLine xmlns:a14="http://schemas.microsoft.com/office/drawing/2010/main" xmlns="" w="9525">
+                <a14:hiddenLine xmlns="" xmlns:a14="http://schemas.microsoft.com/office/drawing/2010/main" w="9525">
                   <a:solidFill>
                     <a:srgbClr val="000000"/>
                   </a:solidFill>
@@ -317,7 +774,7 @@
             </a:ln>
             <a:extLst>
               <a:ext uri="{91240B29-F687-4f45-9708-019B960494DF}">
-                <a14:hiddenLine xmlns:a14="http://schemas.microsoft.com/office/drawing/2010/main" xmlns="" w="9525">
+                <a14:hiddenLine xmlns="" xmlns:a14="http://schemas.microsoft.com/office/drawing/2010/main" w="9525">
                   <a:solidFill>
                     <a:srgbClr val="000000"/>
                   </a:solidFill>
@@ -407,7 +864,7 @@
             </a:ln>
             <a:extLst>
               <a:ext uri="{91240B29-F687-4f45-9708-019B960494DF}">
-                <a14:hiddenLine xmlns:a14="http://schemas.microsoft.com/office/drawing/2010/main" xmlns="" w="9525">
+                <a14:hiddenLine xmlns="" xmlns:a14="http://schemas.microsoft.com/office/drawing/2010/main" w="9525">
                   <a:solidFill>
                     <a:srgbClr val="000000"/>
                   </a:solidFill>
@@ -441,7 +898,7 @@
             </a:ln>
             <a:extLst>
               <a:ext uri="{91240B29-F687-4f45-9708-019B960494DF}">
-                <a14:hiddenLine xmlns:a14="http://schemas.microsoft.com/office/drawing/2010/main" xmlns="" w="9525">
+                <a14:hiddenLine xmlns="" xmlns:a14="http://schemas.microsoft.com/office/drawing/2010/main" w="9525">
                   <a:solidFill>
                     <a:srgbClr val="000000"/>
                   </a:solidFill>
@@ -531,7 +988,7 @@
             </a:ln>
             <a:extLst>
               <a:ext uri="{91240B29-F687-4f45-9708-019B960494DF}">
-                <a14:hiddenLine xmlns:a14="http://schemas.microsoft.com/office/drawing/2010/main" xmlns="" w="9525">
+                <a14:hiddenLine xmlns="" xmlns:a14="http://schemas.microsoft.com/office/drawing/2010/main" w="9525">
                   <a:solidFill>
                     <a:srgbClr val="000000"/>
                   </a:solidFill>
@@ -593,7 +1050,7 @@
             </a:ln>
             <a:extLst>
               <a:ext uri="{91240B29-F687-4f45-9708-019B960494DF}">
-                <a14:hiddenLine xmlns:a14="http://schemas.microsoft.com/office/drawing/2010/main" xmlns="" w="9525">
+                <a14:hiddenLine xmlns="" xmlns:a14="http://schemas.microsoft.com/office/drawing/2010/main" w="9525">
                   <a:solidFill>
                     <a:srgbClr val="000000"/>
                   </a:solidFill>
@@ -655,7 +1112,7 @@
             </a:ln>
             <a:extLst>
               <a:ext uri="{91240B29-F687-4f45-9708-019B960494DF}">
-                <a14:hiddenLine xmlns:a14="http://schemas.microsoft.com/office/drawing/2010/main" xmlns="" w="9525">
+                <a14:hiddenLine xmlns="" xmlns:a14="http://schemas.microsoft.com/office/drawing/2010/main" w="9525">
                   <a:solidFill>
                     <a:srgbClr val="000000"/>
                   </a:solidFill>
@@ -745,7 +1202,7 @@
             </a:ln>
             <a:extLst>
               <a:ext uri="{91240B29-F687-4f45-9708-019B960494DF}">
-                <a14:hiddenLine xmlns:a14="http://schemas.microsoft.com/office/drawing/2010/main" xmlns="" w="9525">
+                <a14:hiddenLine xmlns="" xmlns:a14="http://schemas.microsoft.com/office/drawing/2010/main" w="9525">
                   <a:solidFill>
                     <a:srgbClr val="000000"/>
                   </a:solidFill>
@@ -807,7 +1264,7 @@
             </a:ln>
             <a:extLst>
               <a:ext uri="{91240B29-F687-4f45-9708-019B960494DF}">
-                <a14:hiddenLine xmlns:a14="http://schemas.microsoft.com/office/drawing/2010/main" xmlns="" w="9525">
+                <a14:hiddenLine xmlns="" xmlns:a14="http://schemas.microsoft.com/office/drawing/2010/main" w="9525">
                   <a:solidFill>
                     <a:srgbClr val="000000"/>
                   </a:solidFill>
@@ -869,7 +1326,7 @@
             </a:ln>
             <a:extLst>
               <a:ext uri="{91240B29-F687-4f45-9708-019B960494DF}">
-                <a14:hiddenLine xmlns:a14="http://schemas.microsoft.com/office/drawing/2010/main" xmlns="" w="9525">
+                <a14:hiddenLine xmlns="" xmlns:a14="http://schemas.microsoft.com/office/drawing/2010/main" w="9525">
                   <a:solidFill>
                     <a:srgbClr val="000000"/>
                   </a:solidFill>
@@ -959,7 +1416,7 @@
             </a:ln>
             <a:extLst>
               <a:ext uri="{91240B29-F687-4f45-9708-019B960494DF}">
-                <a14:hiddenLine xmlns:a14="http://schemas.microsoft.com/office/drawing/2010/main" xmlns="" w="9525">
+                <a14:hiddenLine xmlns="" xmlns:a14="http://schemas.microsoft.com/office/drawing/2010/main" w="9525">
                   <a:solidFill>
                     <a:srgbClr val="000000"/>
                   </a:solidFill>
@@ -1049,7 +1506,7 @@
             </a:ln>
             <a:extLst>
               <a:ext uri="{91240B29-F687-4f45-9708-019B960494DF}">
-                <a14:hiddenLine xmlns:a14="http://schemas.microsoft.com/office/drawing/2010/main" xmlns="" w="9525">
+                <a14:hiddenLine xmlns="" xmlns:a14="http://schemas.microsoft.com/office/drawing/2010/main" w="9525">
                   <a:solidFill>
                     <a:srgbClr val="000000"/>
                   </a:solidFill>
@@ -1111,7 +1568,7 @@
             </a:ln>
             <a:extLst>
               <a:ext uri="{91240B29-F687-4f45-9708-019B960494DF}">
-                <a14:hiddenLine xmlns:a14="http://schemas.microsoft.com/office/drawing/2010/main" xmlns="" w="9525">
+                <a14:hiddenLine xmlns="" xmlns:a14="http://schemas.microsoft.com/office/drawing/2010/main" w="9525">
                   <a:solidFill>
                     <a:srgbClr val="000000"/>
                   </a:solidFill>
@@ -1221,7 +1678,7 @@
             </a:ln>
             <a:extLst>
               <a:ext uri="{91240B29-F687-4f45-9708-019B960494DF}">
-                <a14:hiddenLine xmlns:a14="http://schemas.microsoft.com/office/drawing/2010/main" xmlns="" w="9525">
+                <a14:hiddenLine xmlns="" xmlns:a14="http://schemas.microsoft.com/office/drawing/2010/main" w="9525">
                   <a:solidFill>
                     <a:srgbClr val="000000"/>
                   </a:solidFill>
@@ -1283,7 +1740,7 @@
             </a:ln>
             <a:extLst>
               <a:ext uri="{91240B29-F687-4f45-9708-019B960494DF}">
-                <a14:hiddenLine xmlns:a14="http://schemas.microsoft.com/office/drawing/2010/main" xmlns="" w="9525">
+                <a14:hiddenLine xmlns="" xmlns:a14="http://schemas.microsoft.com/office/drawing/2010/main" w="9525">
                   <a:solidFill>
                     <a:srgbClr val="000000"/>
                   </a:solidFill>
@@ -1373,7 +1830,7 @@
             </a:ln>
             <a:extLst>
               <a:ext uri="{91240B29-F687-4f45-9708-019B960494DF}">
-                <a14:hiddenLine xmlns:a14="http://schemas.microsoft.com/office/drawing/2010/main" xmlns="" w="9525">
+                <a14:hiddenLine xmlns="" xmlns:a14="http://schemas.microsoft.com/office/drawing/2010/main" w="9525">
                   <a:solidFill>
                     <a:srgbClr val="000000"/>
                   </a:solidFill>
@@ -1463,7 +1920,7 @@
             </a:ln>
             <a:extLst>
               <a:ext uri="{91240B29-F687-4f45-9708-019B960494DF}">
-                <a14:hiddenLine xmlns:a14="http://schemas.microsoft.com/office/drawing/2010/main" xmlns="" w="9525">
+                <a14:hiddenLine xmlns="" xmlns:a14="http://schemas.microsoft.com/office/drawing/2010/main" w="9525">
                   <a:solidFill>
                     <a:srgbClr val="000000"/>
                   </a:solidFill>
@@ -1525,7 +1982,7 @@
             </a:ln>
             <a:extLst>
               <a:ext uri="{91240B29-F687-4f45-9708-019B960494DF}">
-                <a14:hiddenLine xmlns:a14="http://schemas.microsoft.com/office/drawing/2010/main" xmlns="" w="9525">
+                <a14:hiddenLine xmlns="" xmlns:a14="http://schemas.microsoft.com/office/drawing/2010/main" w="9525">
                   <a:solidFill>
                     <a:srgbClr val="000000"/>
                   </a:solidFill>
@@ -1615,7 +2072,7 @@
             </a:ln>
             <a:extLst>
               <a:ext uri="{91240B29-F687-4f45-9708-019B960494DF}">
-                <a14:hiddenLine xmlns:a14="http://schemas.microsoft.com/office/drawing/2010/main" xmlns="" w="9525">
+                <a14:hiddenLine xmlns="" xmlns:a14="http://schemas.microsoft.com/office/drawing/2010/main" w="9525">
                   <a:solidFill>
                     <a:srgbClr val="000000"/>
                   </a:solidFill>
@@ -1705,7 +2162,7 @@
             </a:ln>
             <a:extLst>
               <a:ext uri="{91240B29-F687-4f45-9708-019B960494DF}">
-                <a14:hiddenLine xmlns:a14="http://schemas.microsoft.com/office/drawing/2010/main" xmlns="" w="9525">
+                <a14:hiddenLine xmlns="" xmlns:a14="http://schemas.microsoft.com/office/drawing/2010/main" w="9525">
                   <a:solidFill>
                     <a:srgbClr val="000000"/>
                   </a:solidFill>
@@ -1761,7 +2218,7 @@
             </a:ln>
             <a:extLst>
               <a:ext uri="{91240B29-F687-4f45-9708-019B960494DF}">
-                <a14:hiddenLine xmlns:a14="http://schemas.microsoft.com/office/drawing/2010/main" xmlns="" w="9525">
+                <a14:hiddenLine xmlns="" xmlns:a14="http://schemas.microsoft.com/office/drawing/2010/main" w="9525">
                   <a:solidFill>
                     <a:srgbClr val="000000"/>
                   </a:solidFill>
@@ -1851,7 +2308,7 @@
             </a:ln>
             <a:extLst>
               <a:ext uri="{91240B29-F687-4f45-9708-019B960494DF}">
-                <a14:hiddenLine xmlns:a14="http://schemas.microsoft.com/office/drawing/2010/main" xmlns="" w="9525">
+                <a14:hiddenLine xmlns="" xmlns:a14="http://schemas.microsoft.com/office/drawing/2010/main" w="9525">
                   <a:solidFill>
                     <a:srgbClr val="000000"/>
                   </a:solidFill>
@@ -1907,7 +2364,7 @@
             </a:ln>
             <a:extLst>
               <a:ext uri="{91240B29-F687-4f45-9708-019B960494DF}">
-                <a14:hiddenLine xmlns:a14="http://schemas.microsoft.com/office/drawing/2010/main" xmlns="" w="9525">
+                <a14:hiddenLine xmlns="" xmlns:a14="http://schemas.microsoft.com/office/drawing/2010/main" w="9525">
                   <a:solidFill>
                     <a:srgbClr val="000000"/>
                   </a:solidFill>
@@ -1997,7 +2454,7 @@
             </a:ln>
             <a:extLst>
               <a:ext uri="{91240B29-F687-4f45-9708-019B960494DF}">
-                <a14:hiddenLine xmlns:a14="http://schemas.microsoft.com/office/drawing/2010/main" xmlns="" w="9525">
+                <a14:hiddenLine xmlns="" xmlns:a14="http://schemas.microsoft.com/office/drawing/2010/main" w="9525">
                   <a:solidFill>
                     <a:srgbClr val="000000"/>
                   </a:solidFill>
@@ -2065,7 +2522,7 @@
             </a:ln>
             <a:extLst>
               <a:ext uri="{91240B29-F687-4f45-9708-019B960494DF}">
-                <a14:hiddenLine xmlns:a14="http://schemas.microsoft.com/office/drawing/2010/main" xmlns="" w="9525">
+                <a14:hiddenLine xmlns="" xmlns:a14="http://schemas.microsoft.com/office/drawing/2010/main" w="9525">
                   <a:solidFill>
                     <a:srgbClr val="000000"/>
                   </a:solidFill>
@@ -2155,7 +2612,7 @@
             </a:ln>
             <a:extLst>
               <a:ext uri="{91240B29-F687-4f45-9708-019B960494DF}">
-                <a14:hiddenLine xmlns:a14="http://schemas.microsoft.com/office/drawing/2010/main" xmlns="" w="9525">
+                <a14:hiddenLine xmlns="" xmlns:a14="http://schemas.microsoft.com/office/drawing/2010/main" w="9525">
                   <a:solidFill>
                     <a:srgbClr val="000000"/>
                   </a:solidFill>
@@ -2223,7 +2680,7 @@
             </a:ln>
             <a:extLst>
               <a:ext uri="{91240B29-F687-4f45-9708-019B960494DF}">
-                <a14:hiddenLine xmlns:a14="http://schemas.microsoft.com/office/drawing/2010/main" xmlns="" w="9525">
+                <a14:hiddenLine xmlns="" xmlns:a14="http://schemas.microsoft.com/office/drawing/2010/main" w="9525">
                   <a:solidFill>
                     <a:srgbClr val="000000"/>
                   </a:solidFill>
@@ -2313,7 +2770,7 @@
             </a:ln>
             <a:extLst>
               <a:ext uri="{91240B29-F687-4f45-9708-019B960494DF}">
-                <a14:hiddenLine xmlns:a14="http://schemas.microsoft.com/office/drawing/2010/main" xmlns="" w="9525">
+                <a14:hiddenLine xmlns="" xmlns:a14="http://schemas.microsoft.com/office/drawing/2010/main" w="9525">
                   <a:solidFill>
                     <a:srgbClr val="000000"/>
                   </a:solidFill>
@@ -2347,7 +2804,7 @@
             </a:ln>
             <a:extLst>
               <a:ext uri="{91240B29-F687-4f45-9708-019B960494DF}">
-                <a14:hiddenLine xmlns:a14="http://schemas.microsoft.com/office/drawing/2010/main" xmlns="" w="9525">
+                <a14:hiddenLine xmlns="" xmlns:a14="http://schemas.microsoft.com/office/drawing/2010/main" w="9525">
                   <a:solidFill>
                     <a:srgbClr val="000000"/>
                   </a:solidFill>
@@ -2437,7 +2894,7 @@
             </a:ln>
             <a:extLst>
               <a:ext uri="{91240B29-F687-4f45-9708-019B960494DF}">
-                <a14:hiddenLine xmlns:a14="http://schemas.microsoft.com/office/drawing/2010/main" xmlns="" w="9525">
+                <a14:hiddenLine xmlns="" xmlns:a14="http://schemas.microsoft.com/office/drawing/2010/main" w="9525">
                   <a:solidFill>
                     <a:srgbClr val="000000"/>
                   </a:solidFill>
@@ -2499,7 +2956,7 @@
             </a:ln>
             <a:extLst>
               <a:ext uri="{91240B29-F687-4f45-9708-019B960494DF}">
-                <a14:hiddenLine xmlns:a14="http://schemas.microsoft.com/office/drawing/2010/main" xmlns="" w="9525">
+                <a14:hiddenLine xmlns="" xmlns:a14="http://schemas.microsoft.com/office/drawing/2010/main" w="9525">
                   <a:solidFill>
                     <a:srgbClr val="000000"/>
                   </a:solidFill>
@@ -2561,7 +3018,7 @@
             </a:ln>
             <a:extLst>
               <a:ext uri="{91240B29-F687-4f45-9708-019B960494DF}">
-                <a14:hiddenLine xmlns:a14="http://schemas.microsoft.com/office/drawing/2010/main" xmlns="" w="9525">
+                <a14:hiddenLine xmlns="" xmlns:a14="http://schemas.microsoft.com/office/drawing/2010/main" w="9525">
                   <a:solidFill>
                     <a:srgbClr val="000000"/>
                   </a:solidFill>
@@ -2651,7 +3108,7 @@
             </a:ln>
             <a:extLst>
               <a:ext uri="{91240B29-F687-4f45-9708-019B960494DF}">
-                <a14:hiddenLine xmlns:a14="http://schemas.microsoft.com/office/drawing/2010/main" xmlns="" w="9525">
+                <a14:hiddenLine xmlns="" xmlns:a14="http://schemas.microsoft.com/office/drawing/2010/main" w="9525">
                   <a:solidFill>
                     <a:srgbClr val="000000"/>
                   </a:solidFill>
@@ -2719,7 +3176,7 @@
             </a:ln>
             <a:extLst>
               <a:ext uri="{91240B29-F687-4f45-9708-019B960494DF}">
-                <a14:hiddenLine xmlns:a14="http://schemas.microsoft.com/office/drawing/2010/main" xmlns="" w="9525">
+                <a14:hiddenLine xmlns="" xmlns:a14="http://schemas.microsoft.com/office/drawing/2010/main" w="9525">
                   <a:solidFill>
                     <a:srgbClr val="000000"/>
                   </a:solidFill>
@@ -2781,7 +3238,7 @@
             </a:ln>
             <a:extLst>
               <a:ext uri="{91240B29-F687-4f45-9708-019B960494DF}">
-                <a14:hiddenLine xmlns:a14="http://schemas.microsoft.com/office/drawing/2010/main" xmlns="" w="9525">
+                <a14:hiddenLine xmlns="" xmlns:a14="http://schemas.microsoft.com/office/drawing/2010/main" w="9525">
                   <a:solidFill>
                     <a:srgbClr val="000000"/>
                   </a:solidFill>
@@ -2871,7 +3328,7 @@
             </a:ln>
             <a:extLst>
               <a:ext uri="{91240B29-F687-4f45-9708-019B960494DF}">
-                <a14:hiddenLine xmlns:a14="http://schemas.microsoft.com/office/drawing/2010/main" xmlns="" w="9525">
+                <a14:hiddenLine xmlns="" xmlns:a14="http://schemas.microsoft.com/office/drawing/2010/main" w="9525">
                   <a:solidFill>
                     <a:srgbClr val="000000"/>
                   </a:solidFill>
@@ -2933,7 +3390,7 @@
             </a:ln>
             <a:extLst>
               <a:ext uri="{91240B29-F687-4f45-9708-019B960494DF}">
-                <a14:hiddenLine xmlns:a14="http://schemas.microsoft.com/office/drawing/2010/main" xmlns="" w="9525">
+                <a14:hiddenLine xmlns="" xmlns:a14="http://schemas.microsoft.com/office/drawing/2010/main" w="9525">
                   <a:solidFill>
                     <a:srgbClr val="000000"/>
                   </a:solidFill>
@@ -3023,7 +3480,7 @@
             </a:ln>
             <a:extLst>
               <a:ext uri="{91240B29-F687-4f45-9708-019B960494DF}">
-                <a14:hiddenLine xmlns:a14="http://schemas.microsoft.com/office/drawing/2010/main" xmlns="" w="9525">
+                <a14:hiddenLine xmlns="" xmlns:a14="http://schemas.microsoft.com/office/drawing/2010/main" w="9525">
                   <a:solidFill>
                     <a:srgbClr val="000000"/>
                   </a:solidFill>
@@ -3085,7 +3542,7 @@
             </a:ln>
             <a:extLst>
               <a:ext uri="{91240B29-F687-4f45-9708-019B960494DF}">
-                <a14:hiddenLine xmlns:a14="http://schemas.microsoft.com/office/drawing/2010/main" xmlns="" w="9525">
+                <a14:hiddenLine xmlns="" xmlns:a14="http://schemas.microsoft.com/office/drawing/2010/main" w="9525">
                   <a:solidFill>
                     <a:srgbClr val="000000"/>
                   </a:solidFill>
@@ -3175,7 +3632,7 @@
             </a:ln>
             <a:extLst>
               <a:ext uri="{91240B29-F687-4f45-9708-019B960494DF}">
-                <a14:hiddenLine xmlns:a14="http://schemas.microsoft.com/office/drawing/2010/main" xmlns="" w="9525">
+                <a14:hiddenLine xmlns="" xmlns:a14="http://schemas.microsoft.com/office/drawing/2010/main" w="9525">
                   <a:solidFill>
                     <a:srgbClr val="000000"/>
                   </a:solidFill>
@@ -3209,7 +3666,7 @@
             </a:ln>
             <a:extLst>
               <a:ext uri="{91240B29-F687-4f45-9708-019B960494DF}">
-                <a14:hiddenLine xmlns:a14="http://schemas.microsoft.com/office/drawing/2010/main" xmlns="" w="9525">
+                <a14:hiddenLine xmlns="" xmlns:a14="http://schemas.microsoft.com/office/drawing/2010/main" w="9525">
                   <a:solidFill>
                     <a:srgbClr val="000000"/>
                   </a:solidFill>
@@ -3274,7 +3731,7 @@
             </a:ln>
             <a:extLst>
               <a:ext uri="{91240B29-F687-4f45-9708-019B960494DF}">
-                <a14:hiddenLine xmlns:a14="http://schemas.microsoft.com/office/drawing/2010/main" xmlns="" w="9525">
+                <a14:hiddenLine xmlns="" xmlns:a14="http://schemas.microsoft.com/office/drawing/2010/main" w="9525">
                   <a:solidFill>
                     <a:srgbClr val="000000"/>
                   </a:solidFill>
@@ -3364,7 +3821,7 @@
             </a:ln>
             <a:extLst>
               <a:ext uri="{91240B29-F687-4f45-9708-019B960494DF}">
-                <a14:hiddenLine xmlns:a14="http://schemas.microsoft.com/office/drawing/2010/main" xmlns="" w="9525">
+                <a14:hiddenLine xmlns="" xmlns:a14="http://schemas.microsoft.com/office/drawing/2010/main" w="9525">
                   <a:solidFill>
                     <a:srgbClr val="000000"/>
                   </a:solidFill>
@@ -3426,7 +3883,7 @@
             </a:ln>
             <a:extLst>
               <a:ext uri="{91240B29-F687-4f45-9708-019B960494DF}">
-                <a14:hiddenLine xmlns:a14="http://schemas.microsoft.com/office/drawing/2010/main" xmlns="" w="9525">
+                <a14:hiddenLine xmlns="" xmlns:a14="http://schemas.microsoft.com/office/drawing/2010/main" w="9525">
                   <a:solidFill>
                     <a:srgbClr val="000000"/>
                   </a:solidFill>
@@ -3516,7 +3973,7 @@
             </a:ln>
             <a:extLst>
               <a:ext uri="{91240B29-F687-4f45-9708-019B960494DF}">
-                <a14:hiddenLine xmlns:a14="http://schemas.microsoft.com/office/drawing/2010/main" xmlns="" w="9525">
+                <a14:hiddenLine xmlns="" xmlns:a14="http://schemas.microsoft.com/office/drawing/2010/main" w="9525">
                   <a:solidFill>
                     <a:srgbClr val="000000"/>
                   </a:solidFill>
@@ -3606,7 +4063,7 @@
             </a:ln>
             <a:extLst>
               <a:ext uri="{91240B29-F687-4f45-9708-019B960494DF}">
-                <a14:hiddenLine xmlns:a14="http://schemas.microsoft.com/office/drawing/2010/main" xmlns="" w="9525">
+                <a14:hiddenLine xmlns="" xmlns:a14="http://schemas.microsoft.com/office/drawing/2010/main" w="9525">
                   <a:solidFill>
                     <a:srgbClr val="000000"/>
                   </a:solidFill>
@@ -3671,7 +4128,7 @@
             </a:ln>
             <a:extLst>
               <a:ext uri="{91240B29-F687-4f45-9708-019B960494DF}">
-                <a14:hiddenLine xmlns:a14="http://schemas.microsoft.com/office/drawing/2010/main" xmlns="" w="9525">
+                <a14:hiddenLine xmlns="" xmlns:a14="http://schemas.microsoft.com/office/drawing/2010/main" w="9525">
                   <a:solidFill>
                     <a:srgbClr val="000000"/>
                   </a:solidFill>
@@ -3733,7 +4190,7 @@
             </a:ln>
             <a:extLst>
               <a:ext uri="{91240B29-F687-4f45-9708-019B960494DF}">
-                <a14:hiddenLine xmlns:a14="http://schemas.microsoft.com/office/drawing/2010/main" xmlns="" w="9525">
+                <a14:hiddenLine xmlns="" xmlns:a14="http://schemas.microsoft.com/office/drawing/2010/main" w="9525">
                   <a:solidFill>
                     <a:srgbClr val="000000"/>
                   </a:solidFill>
@@ -3823,7 +4280,7 @@
             </a:ln>
             <a:extLst>
               <a:ext uri="{91240B29-F687-4f45-9708-019B960494DF}">
-                <a14:hiddenLine xmlns:a14="http://schemas.microsoft.com/office/drawing/2010/main" xmlns="" w="9525">
+                <a14:hiddenLine xmlns="" xmlns:a14="http://schemas.microsoft.com/office/drawing/2010/main" w="9525">
                   <a:solidFill>
                     <a:srgbClr val="000000"/>
                   </a:solidFill>
@@ -3913,7 +4370,7 @@
             </a:ln>
             <a:extLst>
               <a:ext uri="{91240B29-F687-4f45-9708-019B960494DF}">
-                <a14:hiddenLine xmlns:a14="http://schemas.microsoft.com/office/drawing/2010/main" xmlns="" w="9525">
+                <a14:hiddenLine xmlns="" xmlns:a14="http://schemas.microsoft.com/office/drawing/2010/main" w="9525">
                   <a:solidFill>
                     <a:srgbClr val="000000"/>
                   </a:solidFill>
@@ -3975,7 +4432,7 @@
             </a:ln>
             <a:extLst>
               <a:ext uri="{91240B29-F687-4f45-9708-019B960494DF}">
-                <a14:hiddenLine xmlns:a14="http://schemas.microsoft.com/office/drawing/2010/main" xmlns="" w="9525">
+                <a14:hiddenLine xmlns="" xmlns:a14="http://schemas.microsoft.com/office/drawing/2010/main" w="9525">
                   <a:solidFill>
                     <a:srgbClr val="000000"/>
                   </a:solidFill>
@@ -4095,7 +4552,7 @@
             </a:ln>
             <a:extLst>
               <a:ext uri="{91240B29-F687-4f45-9708-019B960494DF}">
-                <a14:hiddenLine xmlns:a14="http://schemas.microsoft.com/office/drawing/2010/main" xmlns="" w="9525">
+                <a14:hiddenLine xmlns="" xmlns:a14="http://schemas.microsoft.com/office/drawing/2010/main" w="9525">
                   <a:solidFill>
                     <a:srgbClr val="000000"/>
                   </a:solidFill>
@@ -4163,7 +4620,7 @@
             </a:ln>
             <a:extLst>
               <a:ext uri="{91240B29-F687-4f45-9708-019B960494DF}">
-                <a14:hiddenLine xmlns:a14="http://schemas.microsoft.com/office/drawing/2010/main" xmlns="" w="9525">
+                <a14:hiddenLine xmlns="" xmlns:a14="http://schemas.microsoft.com/office/drawing/2010/main" w="9525">
                   <a:solidFill>
                     <a:srgbClr val="000000"/>
                   </a:solidFill>
@@ -4253,7 +4710,7 @@
             </a:ln>
             <a:extLst>
               <a:ext uri="{91240B29-F687-4f45-9708-019B960494DF}">
-                <a14:hiddenLine xmlns:a14="http://schemas.microsoft.com/office/drawing/2010/main" xmlns="" w="9525">
+                <a14:hiddenLine xmlns="" xmlns:a14="http://schemas.microsoft.com/office/drawing/2010/main" w="9525">
                   <a:solidFill>
                     <a:srgbClr val="000000"/>
                   </a:solidFill>
@@ -4393,7 +4850,7 @@
           <a:p>
             <a:fld id="{48A87A34-81AB-432B-8DAE-1953F412C126}" type="datetimeFigureOut">
               <a:rPr lang="en-US" dirty="0"/>
-              <a:t>11/29/18</a:t>
+              <a:t>12/11/18</a:t>
             </a:fld>
             <a:endParaRPr lang="en-US" dirty="0"/>
           </a:p>
@@ -4655,7 +5112,7 @@
           <a:p>
             <a:fld id="{48A87A34-81AB-432B-8DAE-1953F412C126}" type="datetimeFigureOut">
               <a:rPr lang="en-US" dirty="0"/>
-              <a:t>11/29/18</a:t>
+              <a:t>12/11/18</a:t>
             </a:fld>
             <a:endParaRPr lang="en-US" dirty="0"/>
           </a:p>
@@ -4846,7 +5303,7 @@
           <a:p>
             <a:fld id="{48A87A34-81AB-432B-8DAE-1953F412C126}" type="datetimeFigureOut">
               <a:rPr lang="en-US" dirty="0"/>
-              <a:t>11/29/18</a:t>
+              <a:t>12/11/18</a:t>
             </a:fld>
             <a:endParaRPr lang="en-US" dirty="0"/>
           </a:p>
@@ -5104,7 +5561,7 @@
           <a:p>
             <a:fld id="{48A87A34-81AB-432B-8DAE-1953F412C126}" type="datetimeFigureOut">
               <a:rPr lang="en-US" dirty="0"/>
-              <a:t>11/29/18</a:t>
+              <a:t>12/11/18</a:t>
             </a:fld>
             <a:endParaRPr lang="en-US" dirty="0"/>
           </a:p>
@@ -5533,7 +5990,7 @@
           <a:p>
             <a:fld id="{48A87A34-81AB-432B-8DAE-1953F412C126}" type="datetimeFigureOut">
               <a:rPr lang="en-US" dirty="0"/>
-              <a:t>11/29/18</a:t>
+              <a:t>12/11/18</a:t>
             </a:fld>
             <a:endParaRPr lang="en-US" dirty="0"/>
           </a:p>
@@ -6074,7 +6531,7 @@
           <a:p>
             <a:fld id="{48A87A34-81AB-432B-8DAE-1953F412C126}" type="datetimeFigureOut">
               <a:rPr lang="en-US" dirty="0"/>
-              <a:t>11/29/18</a:t>
+              <a:t>12/11/18</a:t>
             </a:fld>
             <a:endParaRPr lang="en-US" dirty="0"/>
           </a:p>
@@ -6789,7 +7246,7 @@
           <a:p>
             <a:fld id="{48A87A34-81AB-432B-8DAE-1953F412C126}" type="datetimeFigureOut">
               <a:rPr lang="en-US" dirty="0"/>
-              <a:t>11/29/18</a:t>
+              <a:t>12/11/18</a:t>
             </a:fld>
             <a:endParaRPr lang="en-US" dirty="0"/>
           </a:p>
@@ -6954,7 +7411,7 @@
           <a:p>
             <a:fld id="{48A87A34-81AB-432B-8DAE-1953F412C126}" type="datetimeFigureOut">
               <a:rPr lang="en-US" dirty="0"/>
-              <a:t>11/29/18</a:t>
+              <a:t>12/11/18</a:t>
             </a:fld>
             <a:endParaRPr lang="en-US" dirty="0"/>
           </a:p>
@@ -7129,7 +7586,7 @@
           <a:p>
             <a:fld id="{48A87A34-81AB-432B-8DAE-1953F412C126}" type="datetimeFigureOut">
               <a:rPr lang="en-US" dirty="0"/>
-              <a:t>11/29/18</a:t>
+              <a:t>12/11/18</a:t>
             </a:fld>
             <a:endParaRPr lang="en-US" dirty="0"/>
           </a:p>
@@ -7294,7 +7751,7 @@
           <a:p>
             <a:fld id="{48A87A34-81AB-432B-8DAE-1953F412C126}" type="datetimeFigureOut">
               <a:rPr lang="en-US" dirty="0"/>
-              <a:t>11/29/18</a:t>
+              <a:t>12/11/18</a:t>
             </a:fld>
             <a:endParaRPr lang="en-US" dirty="0"/>
           </a:p>
@@ -7539,7 +7996,7 @@
           <a:p>
             <a:fld id="{48A87A34-81AB-432B-8DAE-1953F412C126}" type="datetimeFigureOut">
               <a:rPr lang="en-US" dirty="0"/>
-              <a:t>11/29/18</a:t>
+              <a:t>12/11/18</a:t>
             </a:fld>
             <a:endParaRPr lang="en-US" dirty="0"/>
           </a:p>
@@ -7766,7 +8223,7 @@
           <a:p>
             <a:fld id="{48A87A34-81AB-432B-8DAE-1953F412C126}" type="datetimeFigureOut">
               <a:rPr lang="en-US" dirty="0"/>
-              <a:t>11/29/18</a:t>
+              <a:t>12/11/18</a:t>
             </a:fld>
             <a:endParaRPr lang="en-US" dirty="0"/>
           </a:p>
@@ -8142,7 +8599,7 @@
           <a:p>
             <a:fld id="{48A87A34-81AB-432B-8DAE-1953F412C126}" type="datetimeFigureOut">
               <a:rPr lang="en-US" dirty="0"/>
-              <a:t>11/29/18</a:t>
+              <a:t>12/11/18</a:t>
             </a:fld>
             <a:endParaRPr lang="en-US" dirty="0"/>
           </a:p>
@@ -8255,7 +8712,7 @@
           <a:p>
             <a:fld id="{48A87A34-81AB-432B-8DAE-1953F412C126}" type="datetimeFigureOut">
               <a:rPr lang="en-US" dirty="0"/>
-              <a:t>11/29/18</a:t>
+              <a:t>12/11/18</a:t>
             </a:fld>
             <a:endParaRPr lang="en-US" dirty="0"/>
           </a:p>
@@ -8345,7 +8802,7 @@
           <a:p>
             <a:fld id="{48A87A34-81AB-432B-8DAE-1953F412C126}" type="datetimeFigureOut">
               <a:rPr lang="en-US" dirty="0"/>
-              <a:t>11/29/18</a:t>
+              <a:t>12/11/18</a:t>
             </a:fld>
             <a:endParaRPr lang="en-US" dirty="0"/>
           </a:p>
@@ -8589,7 +9046,7 @@
           <a:p>
             <a:fld id="{48A87A34-81AB-432B-8DAE-1953F412C126}" type="datetimeFigureOut">
               <a:rPr lang="en-US" dirty="0"/>
-              <a:t>11/29/18</a:t>
+              <a:t>12/11/18</a:t>
             </a:fld>
             <a:endParaRPr lang="en-US" dirty="0"/>
           </a:p>
@@ -8864,7 +9321,7 @@
           <a:p>
             <a:fld id="{48A87A34-81AB-432B-8DAE-1953F412C126}" type="datetimeFigureOut">
               <a:rPr lang="en-US" dirty="0"/>
-              <a:t>11/29/18</a:t>
+              <a:t>12/11/18</a:t>
             </a:fld>
             <a:endParaRPr lang="en-US" dirty="0"/>
           </a:p>
@@ -8975,7 +9432,7 @@
           <a:noFill/>
           <a:extLst>
             <a:ext uri="{909E8E84-426E-40dd-AFC4-6F175D3DCCD1}">
-              <a14:hiddenFill xmlns:a14="http://schemas.microsoft.com/office/drawing/2010/main" xmlns="">
+              <a14:hiddenFill xmlns="" xmlns:a14="http://schemas.microsoft.com/office/drawing/2010/main">
                 <a:solidFill>
                   <a:srgbClr val="FFFFFF"/>
                 </a:solidFill>
@@ -9049,7 +9506,7 @@
               </a:ln>
               <a:extLst>
                 <a:ext uri="{91240B29-F687-4f45-9708-019B960494DF}">
-                  <a14:hiddenLine xmlns:a14="http://schemas.microsoft.com/office/drawing/2010/main" xmlns="" w="9525">
+                  <a14:hiddenLine xmlns="" xmlns:a14="http://schemas.microsoft.com/office/drawing/2010/main" w="9525">
                     <a:solidFill>
                       <a:srgbClr val="000000"/>
                     </a:solidFill>
@@ -9139,7 +9596,7 @@
               </a:ln>
               <a:extLst>
                 <a:ext uri="{91240B29-F687-4f45-9708-019B960494DF}">
-                  <a14:hiddenLine xmlns:a14="http://schemas.microsoft.com/office/drawing/2010/main" xmlns="" w="9525">
+                  <a14:hiddenLine xmlns="" xmlns:a14="http://schemas.microsoft.com/office/drawing/2010/main" w="9525">
                     <a:solidFill>
                       <a:srgbClr val="000000"/>
                     </a:solidFill>
@@ -9229,7 +9686,7 @@
               </a:ln>
               <a:extLst>
                 <a:ext uri="{91240B29-F687-4f45-9708-019B960494DF}">
-                  <a14:hiddenLine xmlns:a14="http://schemas.microsoft.com/office/drawing/2010/main" xmlns="" w="9525">
+                  <a14:hiddenLine xmlns="" xmlns:a14="http://schemas.microsoft.com/office/drawing/2010/main" w="9525">
                     <a:solidFill>
                       <a:srgbClr val="000000"/>
                     </a:solidFill>
@@ -9291,7 +9748,7 @@
               </a:ln>
               <a:extLst>
                 <a:ext uri="{91240B29-F687-4f45-9708-019B960494DF}">
-                  <a14:hiddenLine xmlns:a14="http://schemas.microsoft.com/office/drawing/2010/main" xmlns="" w="9525">
+                  <a14:hiddenLine xmlns="" xmlns:a14="http://schemas.microsoft.com/office/drawing/2010/main" w="9525">
                     <a:solidFill>
                       <a:srgbClr val="000000"/>
                     </a:solidFill>
@@ -9381,7 +9838,7 @@
               </a:ln>
               <a:extLst>
                 <a:ext uri="{91240B29-F687-4f45-9708-019B960494DF}">
-                  <a14:hiddenLine xmlns:a14="http://schemas.microsoft.com/office/drawing/2010/main" xmlns="" w="9525">
+                  <a14:hiddenLine xmlns="" xmlns:a14="http://schemas.microsoft.com/office/drawing/2010/main" w="9525">
                     <a:solidFill>
                       <a:srgbClr val="000000"/>
                     </a:solidFill>
@@ -9443,7 +9900,7 @@
               </a:ln>
               <a:extLst>
                 <a:ext uri="{91240B29-F687-4f45-9708-019B960494DF}">
-                  <a14:hiddenLine xmlns:a14="http://schemas.microsoft.com/office/drawing/2010/main" xmlns="" w="9525">
+                  <a14:hiddenLine xmlns="" xmlns:a14="http://schemas.microsoft.com/office/drawing/2010/main" w="9525">
                     <a:solidFill>
                       <a:srgbClr val="000000"/>
                     </a:solidFill>
@@ -9505,7 +9962,7 @@
               </a:ln>
               <a:extLst>
                 <a:ext uri="{91240B29-F687-4f45-9708-019B960494DF}">
-                  <a14:hiddenLine xmlns:a14="http://schemas.microsoft.com/office/drawing/2010/main" xmlns="" w="9525">
+                  <a14:hiddenLine xmlns="" xmlns:a14="http://schemas.microsoft.com/office/drawing/2010/main" w="9525">
                     <a:solidFill>
                       <a:srgbClr val="000000"/>
                     </a:solidFill>
@@ -9595,7 +10052,7 @@
               </a:ln>
               <a:extLst>
                 <a:ext uri="{91240B29-F687-4f45-9708-019B960494DF}">
-                  <a14:hiddenLine xmlns:a14="http://schemas.microsoft.com/office/drawing/2010/main" xmlns="" w="9525">
+                  <a14:hiddenLine xmlns="" xmlns:a14="http://schemas.microsoft.com/office/drawing/2010/main" w="9525">
                     <a:solidFill>
                       <a:srgbClr val="000000"/>
                     </a:solidFill>
@@ -9685,7 +10142,7 @@
               </a:ln>
               <a:extLst>
                 <a:ext uri="{91240B29-F687-4f45-9708-019B960494DF}">
-                  <a14:hiddenLine xmlns:a14="http://schemas.microsoft.com/office/drawing/2010/main" xmlns="" w="9525">
+                  <a14:hiddenLine xmlns="" xmlns:a14="http://schemas.microsoft.com/office/drawing/2010/main" w="9525">
                     <a:solidFill>
                       <a:srgbClr val="000000"/>
                     </a:solidFill>
@@ -9747,7 +10204,7 @@
               </a:ln>
               <a:extLst>
                 <a:ext uri="{91240B29-F687-4f45-9708-019B960494DF}">
-                  <a14:hiddenLine xmlns:a14="http://schemas.microsoft.com/office/drawing/2010/main" xmlns="" w="9525">
+                  <a14:hiddenLine xmlns="" xmlns:a14="http://schemas.microsoft.com/office/drawing/2010/main" w="9525">
                     <a:solidFill>
                       <a:srgbClr val="000000"/>
                     </a:solidFill>
@@ -9857,7 +10314,7 @@
               </a:ln>
               <a:extLst>
                 <a:ext uri="{91240B29-F687-4f45-9708-019B960494DF}">
-                  <a14:hiddenLine xmlns:a14="http://schemas.microsoft.com/office/drawing/2010/main" xmlns="" w="9525">
+                  <a14:hiddenLine xmlns="" xmlns:a14="http://schemas.microsoft.com/office/drawing/2010/main" w="9525">
                     <a:solidFill>
                       <a:srgbClr val="000000"/>
                     </a:solidFill>
@@ -9941,7 +10398,7 @@
               </a:ln>
               <a:extLst>
                 <a:ext uri="{91240B29-F687-4f45-9708-019B960494DF}">
-                  <a14:hiddenLine xmlns:a14="http://schemas.microsoft.com/office/drawing/2010/main" xmlns="" w="9525">
+                  <a14:hiddenLine xmlns="" xmlns:a14="http://schemas.microsoft.com/office/drawing/2010/main" w="9525">
                     <a:solidFill>
                       <a:srgbClr val="000000"/>
                     </a:solidFill>
@@ -10003,7 +10460,7 @@
               </a:ln>
               <a:extLst>
                 <a:ext uri="{91240B29-F687-4f45-9708-019B960494DF}">
-                  <a14:hiddenLine xmlns:a14="http://schemas.microsoft.com/office/drawing/2010/main" xmlns="" w="9525">
+                  <a14:hiddenLine xmlns="" xmlns:a14="http://schemas.microsoft.com/office/drawing/2010/main" w="9525">
                     <a:solidFill>
                       <a:srgbClr val="000000"/>
                     </a:solidFill>
@@ -10065,7 +10522,7 @@
               </a:ln>
               <a:extLst>
                 <a:ext uri="{91240B29-F687-4f45-9708-019B960494DF}">
-                  <a14:hiddenLine xmlns:a14="http://schemas.microsoft.com/office/drawing/2010/main" xmlns="" w="9525">
+                  <a14:hiddenLine xmlns="" xmlns:a14="http://schemas.microsoft.com/office/drawing/2010/main" w="9525">
                     <a:solidFill>
                       <a:srgbClr val="000000"/>
                     </a:solidFill>
@@ -10155,7 +10612,7 @@
               </a:ln>
               <a:extLst>
                 <a:ext uri="{91240B29-F687-4f45-9708-019B960494DF}">
-                  <a14:hiddenLine xmlns:a14="http://schemas.microsoft.com/office/drawing/2010/main" xmlns="" w="9525">
+                  <a14:hiddenLine xmlns="" xmlns:a14="http://schemas.microsoft.com/office/drawing/2010/main" w="9525">
                     <a:solidFill>
                       <a:srgbClr val="000000"/>
                     </a:solidFill>
@@ -10189,7 +10646,7 @@
               </a:ln>
               <a:extLst>
                 <a:ext uri="{91240B29-F687-4f45-9708-019B960494DF}">
-                  <a14:hiddenLine xmlns:a14="http://schemas.microsoft.com/office/drawing/2010/main" xmlns="" w="9525">
+                  <a14:hiddenLine xmlns="" xmlns:a14="http://schemas.microsoft.com/office/drawing/2010/main" w="9525">
                     <a:solidFill>
                       <a:srgbClr val="000000"/>
                     </a:solidFill>
@@ -10254,7 +10711,7 @@
               </a:ln>
               <a:extLst>
                 <a:ext uri="{91240B29-F687-4f45-9708-019B960494DF}">
-                  <a14:hiddenLine xmlns:a14="http://schemas.microsoft.com/office/drawing/2010/main" xmlns="" w="9525">
+                  <a14:hiddenLine xmlns="" xmlns:a14="http://schemas.microsoft.com/office/drawing/2010/main" w="9525">
                     <a:solidFill>
                       <a:srgbClr val="000000"/>
                     </a:solidFill>
@@ -10344,7 +10801,7 @@
               </a:ln>
               <a:extLst>
                 <a:ext uri="{91240B29-F687-4f45-9708-019B960494DF}">
-                  <a14:hiddenLine xmlns:a14="http://schemas.microsoft.com/office/drawing/2010/main" xmlns="" w="9525">
+                  <a14:hiddenLine xmlns="" xmlns:a14="http://schemas.microsoft.com/office/drawing/2010/main" w="9525">
                     <a:solidFill>
                       <a:srgbClr val="000000"/>
                     </a:solidFill>
@@ -10406,7 +10863,7 @@
               </a:ln>
               <a:extLst>
                 <a:ext uri="{91240B29-F687-4f45-9708-019B960494DF}">
-                  <a14:hiddenLine xmlns:a14="http://schemas.microsoft.com/office/drawing/2010/main" xmlns="" w="9525">
+                  <a14:hiddenLine xmlns="" xmlns:a14="http://schemas.microsoft.com/office/drawing/2010/main" w="9525">
                     <a:solidFill>
                       <a:srgbClr val="000000"/>
                     </a:solidFill>
@@ -10496,7 +10953,7 @@
               </a:ln>
               <a:extLst>
                 <a:ext uri="{91240B29-F687-4f45-9708-019B960494DF}">
-                  <a14:hiddenLine xmlns:a14="http://schemas.microsoft.com/office/drawing/2010/main" xmlns="" w="9525">
+                  <a14:hiddenLine xmlns="" xmlns:a14="http://schemas.microsoft.com/office/drawing/2010/main" w="9525">
                     <a:solidFill>
                       <a:srgbClr val="000000"/>
                     </a:solidFill>
@@ -10561,7 +11018,7 @@
               </a:ln>
               <a:extLst>
                 <a:ext uri="{91240B29-F687-4f45-9708-019B960494DF}">
-                  <a14:hiddenLine xmlns:a14="http://schemas.microsoft.com/office/drawing/2010/main" xmlns="" w="9525">
+                  <a14:hiddenLine xmlns="" xmlns:a14="http://schemas.microsoft.com/office/drawing/2010/main" w="9525">
                     <a:solidFill>
                       <a:srgbClr val="000000"/>
                     </a:solidFill>
@@ -10623,7 +11080,7 @@
               </a:ln>
               <a:extLst>
                 <a:ext uri="{91240B29-F687-4f45-9708-019B960494DF}">
-                  <a14:hiddenLine xmlns:a14="http://schemas.microsoft.com/office/drawing/2010/main" xmlns="" w="9525">
+                  <a14:hiddenLine xmlns="" xmlns:a14="http://schemas.microsoft.com/office/drawing/2010/main" w="9525">
                     <a:solidFill>
                       <a:srgbClr val="000000"/>
                     </a:solidFill>
@@ -10713,7 +11170,7 @@
               </a:ln>
               <a:extLst>
                 <a:ext uri="{91240B29-F687-4f45-9708-019B960494DF}">
-                  <a14:hiddenLine xmlns:a14="http://schemas.microsoft.com/office/drawing/2010/main" xmlns="" w="9525">
+                  <a14:hiddenLine xmlns="" xmlns:a14="http://schemas.microsoft.com/office/drawing/2010/main" w="9525">
                     <a:solidFill>
                       <a:srgbClr val="000000"/>
                     </a:solidFill>
@@ -10803,7 +11260,7 @@
               </a:ln>
               <a:extLst>
                 <a:ext uri="{91240B29-F687-4f45-9708-019B960494DF}">
-                  <a14:hiddenLine xmlns:a14="http://schemas.microsoft.com/office/drawing/2010/main" xmlns="" w="9525">
+                  <a14:hiddenLine xmlns="" xmlns:a14="http://schemas.microsoft.com/office/drawing/2010/main" w="9525">
                     <a:solidFill>
                       <a:srgbClr val="000000"/>
                     </a:solidFill>
@@ -10868,7 +11325,7 @@
               </a:ln>
               <a:extLst>
                 <a:ext uri="{91240B29-F687-4f45-9708-019B960494DF}">
-                  <a14:hiddenLine xmlns:a14="http://schemas.microsoft.com/office/drawing/2010/main" xmlns="" w="9525">
+                  <a14:hiddenLine xmlns="" xmlns:a14="http://schemas.microsoft.com/office/drawing/2010/main" w="9525">
                     <a:solidFill>
                       <a:srgbClr val="000000"/>
                     </a:solidFill>
@@ -10988,7 +11445,7 @@
               </a:ln>
               <a:extLst>
                 <a:ext uri="{91240B29-F687-4f45-9708-019B960494DF}">
-                  <a14:hiddenLine xmlns:a14="http://schemas.microsoft.com/office/drawing/2010/main" xmlns="" w="9525">
+                  <a14:hiddenLine xmlns="" xmlns:a14="http://schemas.microsoft.com/office/drawing/2010/main" w="9525">
                     <a:solidFill>
                       <a:srgbClr val="000000"/>
                     </a:solidFill>
@@ -11086,7 +11543,7 @@
               </a:ln>
               <a:extLst>
                 <a:ext uri="{91240B29-F687-4f45-9708-019B960494DF}">
-                  <a14:hiddenLine xmlns:a14="http://schemas.microsoft.com/office/drawing/2010/main" xmlns="" w="9525">
+                  <a14:hiddenLine xmlns="" xmlns:a14="http://schemas.microsoft.com/office/drawing/2010/main" w="9525">
                     <a:solidFill>
                       <a:srgbClr val="000000"/>
                     </a:solidFill>
@@ -11201,7 +11658,7 @@
               </a:ln>
               <a:extLst>
                 <a:ext uri="{91240B29-F687-4f45-9708-019B960494DF}">
-                  <a14:hiddenLine xmlns:a14="http://schemas.microsoft.com/office/drawing/2010/main" xmlns="" w="9525">
+                  <a14:hiddenLine xmlns="" xmlns:a14="http://schemas.microsoft.com/office/drawing/2010/main" w="9525">
                     <a:solidFill>
                       <a:srgbClr val="000000"/>
                     </a:solidFill>
@@ -11291,7 +11748,7 @@
               </a:ln>
               <a:extLst>
                 <a:ext uri="{91240B29-F687-4f45-9708-019B960494DF}">
-                  <a14:hiddenLine xmlns:a14="http://schemas.microsoft.com/office/drawing/2010/main" xmlns="" w="9525">
+                  <a14:hiddenLine xmlns="" xmlns:a14="http://schemas.microsoft.com/office/drawing/2010/main" w="9525">
                     <a:solidFill>
                       <a:srgbClr val="000000"/>
                     </a:solidFill>
@@ -11356,7 +11813,7 @@
               </a:ln>
               <a:extLst>
                 <a:ext uri="{91240B29-F687-4f45-9708-019B960494DF}">
-                  <a14:hiddenLine xmlns:a14="http://schemas.microsoft.com/office/drawing/2010/main" xmlns="" w="9525">
+                  <a14:hiddenLine xmlns="" xmlns:a14="http://schemas.microsoft.com/office/drawing/2010/main" w="9525">
                     <a:solidFill>
                       <a:srgbClr val="000000"/>
                     </a:solidFill>
@@ -11446,7 +11903,7 @@
               </a:ln>
               <a:extLst>
                 <a:ext uri="{91240B29-F687-4f45-9708-019B960494DF}">
-                  <a14:hiddenLine xmlns:a14="http://schemas.microsoft.com/office/drawing/2010/main" xmlns="" w="9525">
+                  <a14:hiddenLine xmlns="" xmlns:a14="http://schemas.microsoft.com/office/drawing/2010/main" w="9525">
                     <a:solidFill>
                       <a:srgbClr val="000000"/>
                     </a:solidFill>
@@ -11514,7 +11971,7 @@
               </a:ln>
               <a:extLst>
                 <a:ext uri="{91240B29-F687-4f45-9708-019B960494DF}">
-                  <a14:hiddenLine xmlns:a14="http://schemas.microsoft.com/office/drawing/2010/main" xmlns="" w="9525">
+                  <a14:hiddenLine xmlns="" xmlns:a14="http://schemas.microsoft.com/office/drawing/2010/main" w="9525">
                     <a:solidFill>
                       <a:srgbClr val="000000"/>
                     </a:solidFill>
@@ -11604,7 +12061,7 @@
               </a:ln>
               <a:extLst>
                 <a:ext uri="{91240B29-F687-4f45-9708-019B960494DF}">
-                  <a14:hiddenLine xmlns:a14="http://schemas.microsoft.com/office/drawing/2010/main" xmlns="" w="9525">
+                  <a14:hiddenLine xmlns="" xmlns:a14="http://schemas.microsoft.com/office/drawing/2010/main" w="9525">
                     <a:solidFill>
                       <a:srgbClr val="000000"/>
                     </a:solidFill>
@@ -11672,7 +12129,7 @@
               </a:ln>
               <a:extLst>
                 <a:ext uri="{91240B29-F687-4f45-9708-019B960494DF}">
-                  <a14:hiddenLine xmlns:a14="http://schemas.microsoft.com/office/drawing/2010/main" xmlns="" w="9525">
+                  <a14:hiddenLine xmlns="" xmlns:a14="http://schemas.microsoft.com/office/drawing/2010/main" w="9525">
                     <a:solidFill>
                       <a:srgbClr val="000000"/>
                     </a:solidFill>
@@ -11762,7 +12219,7 @@
               </a:ln>
               <a:extLst>
                 <a:ext uri="{91240B29-F687-4f45-9708-019B960494DF}">
-                  <a14:hiddenLine xmlns:a14="http://schemas.microsoft.com/office/drawing/2010/main" xmlns="" w="9525">
+                  <a14:hiddenLine xmlns="" xmlns:a14="http://schemas.microsoft.com/office/drawing/2010/main" w="9525">
                     <a:solidFill>
                       <a:srgbClr val="000000"/>
                     </a:solidFill>
@@ -11796,7 +12253,7 @@
               </a:ln>
               <a:extLst>
                 <a:ext uri="{91240B29-F687-4f45-9708-019B960494DF}">
-                  <a14:hiddenLine xmlns:a14="http://schemas.microsoft.com/office/drawing/2010/main" xmlns="" w="9525">
+                  <a14:hiddenLine xmlns="" xmlns:a14="http://schemas.microsoft.com/office/drawing/2010/main" w="9525">
                     <a:solidFill>
                       <a:srgbClr val="000000"/>
                     </a:solidFill>
@@ -11937,7 +12394,7 @@
             <a:fld id="{48A87A34-81AB-432B-8DAE-1953F412C126}" type="datetimeFigureOut">
               <a:rPr lang="en-US" dirty="0"/>
               <a:pPr/>
-              <a:t>11/29/18</a:t>
+              <a:t>12/11/18</a:t>
             </a:fld>
             <a:endParaRPr lang="en-US" dirty="0"/>
           </a:p>
@@ -12391,6 +12848,10 @@
           <a:bodyPr/>
           <a:lstStyle/>
           <a:p>
+            <a:r>
+              <a:rPr lang="en-US" dirty="0" smtClean="0"/>
+              <a:t>By Andrew Sneed</a:t>
+            </a:r>
             <a:endParaRPr lang="en-US" dirty="0"/>
           </a:p>
         </p:txBody>
@@ -12399,6 +12860,4173 @@
     <p:extLst>
       <p:ext uri="{BB962C8B-B14F-4D97-AF65-F5344CB8AC3E}">
         <p14:creationId xmlns:p14="http://schemas.microsoft.com/office/powerpoint/2010/main" val="1390710788"/>
+      </p:ext>
+    </p:extLst>
+  </p:cSld>
+  <p:clrMapOvr>
+    <a:masterClrMapping/>
+  </p:clrMapOvr>
+  <p:timing>
+    <p:tnLst>
+      <p:par>
+        <p:cTn id="1" dur="indefinite" restart="never" nodeType="tmRoot"/>
+      </p:par>
+    </p:tnLst>
+  </p:timing>
+</p:sld>
+</file>
+
+<file path=ppt/slides/slide10.xml><?xml version="1.0" encoding="utf-8"?>
+<p:sld xmlns:a="http://schemas.openxmlformats.org/drawingml/2006/main" xmlns:r="http://schemas.openxmlformats.org/officeDocument/2006/relationships" xmlns:p="http://schemas.openxmlformats.org/presentationml/2006/main">
+  <p:cSld>
+    <p:spTree>
+      <p:nvGrpSpPr>
+        <p:cNvPr id="1" name=""/>
+        <p:cNvGrpSpPr/>
+        <p:nvPr/>
+      </p:nvGrpSpPr>
+      <p:grpSpPr>
+        <a:xfrm>
+          <a:off x="0" y="0"/>
+          <a:ext cx="0" cy="0"/>
+          <a:chOff x="0" y="0"/>
+          <a:chExt cx="0" cy="0"/>
+        </a:xfrm>
+      </p:grpSpPr>
+      <p:sp>
+        <p:nvSpPr>
+          <p:cNvPr id="2" name="Title 1"/>
+          <p:cNvSpPr>
+            <a:spLocks noGrp="1"/>
+          </p:cNvSpPr>
+          <p:nvPr>
+            <p:ph type="title"/>
+          </p:nvPr>
+        </p:nvSpPr>
+        <p:spPr/>
+        <p:txBody>
+          <a:bodyPr/>
+          <a:lstStyle/>
+          <a:p>
+            <a:r>
+              <a:rPr lang="en-US" dirty="0" smtClean="0"/>
+              <a:t>View Reunion</a:t>
+            </a:r>
+            <a:endParaRPr lang="en-US" dirty="0"/>
+          </a:p>
+        </p:txBody>
+      </p:sp>
+      <p:sp>
+        <p:nvSpPr>
+          <p:cNvPr id="4" name="Text Placeholder 3"/>
+          <p:cNvSpPr>
+            <a:spLocks noGrp="1"/>
+          </p:cNvSpPr>
+          <p:nvPr>
+            <p:ph type="body" sz="half" idx="2"/>
+          </p:nvPr>
+        </p:nvSpPr>
+        <p:spPr>
+          <a:xfrm>
+            <a:off x="1667405" y="2249486"/>
+            <a:ext cx="3488795" cy="3541714"/>
+          </a:xfrm>
+        </p:spPr>
+        <p:txBody>
+          <a:bodyPr/>
+          <a:lstStyle/>
+          <a:p>
+            <a:pPr marL="285750" indent="-285750">
+              <a:buFont typeface="Arial" charset="0"/>
+              <a:buChar char="•"/>
+            </a:pPr>
+            <a:r>
+              <a:rPr lang="en-US" dirty="0" smtClean="0"/>
+              <a:t>Shows tiles that link to different parts of the reunion</a:t>
+            </a:r>
+          </a:p>
+          <a:p>
+            <a:pPr marL="285750" indent="-285750">
+              <a:buFont typeface="Arial" charset="0"/>
+              <a:buChar char="•"/>
+            </a:pPr>
+            <a:r>
+              <a:rPr lang="en-US" dirty="0" smtClean="0"/>
+              <a:t>Selecting family tree will show the family tree</a:t>
+            </a:r>
+          </a:p>
+          <a:p>
+            <a:pPr marL="285750" indent="-285750">
+              <a:buFont typeface="Arial" charset="0"/>
+              <a:buChar char="•"/>
+            </a:pPr>
+            <a:r>
+              <a:rPr lang="en-US" dirty="0" smtClean="0"/>
+              <a:t>”Edit Reunion” sends the user to a page of the same name, if they are allowed to edit. That page contains options to edit all the different parts of the reunion</a:t>
+            </a:r>
+            <a:endParaRPr lang="en-US" dirty="0" smtClean="0"/>
+          </a:p>
+        </p:txBody>
+      </p:sp>
+      <p:pic>
+        <p:nvPicPr>
+          <p:cNvPr id="9" name="Content Placeholder 8"/>
+          <p:cNvPicPr>
+            <a:picLocks noGrp="1" noChangeAspect="1"/>
+          </p:cNvPicPr>
+          <p:nvPr>
+            <p:ph idx="1"/>
+          </p:nvPr>
+        </p:nvPicPr>
+        <p:blipFill>
+          <a:blip r:embed="rId3">
+            <a:extLst>
+              <a:ext uri="{28A0092B-C50C-407E-A947-70E740481C1C}">
+                <a14:useLocalDpi xmlns:a14="http://schemas.microsoft.com/office/drawing/2010/main" val="0"/>
+              </a:ext>
+            </a:extLst>
+          </a:blip>
+          <a:stretch>
+            <a:fillRect/>
+          </a:stretch>
+        </p:blipFill>
+        <p:spPr>
+          <a:xfrm>
+            <a:off x="7369423" y="609601"/>
+            <a:ext cx="2526646" cy="5199062"/>
+          </a:xfrm>
+        </p:spPr>
+      </p:pic>
+      <p:sp>
+        <p:nvSpPr>
+          <p:cNvPr id="5" name="Text Placeholder 3"/>
+          <p:cNvSpPr txBox="1">
+            <a:spLocks/>
+          </p:cNvSpPr>
+          <p:nvPr/>
+        </p:nvSpPr>
+        <p:spPr>
+          <a:xfrm>
+            <a:off x="1819805" y="2401886"/>
+            <a:ext cx="3856037" cy="3541714"/>
+          </a:xfrm>
+          <a:prstGeom prst="rect">
+            <a:avLst/>
+          </a:prstGeom>
+        </p:spPr>
+        <p:txBody>
+          <a:bodyPr vert="horz" lIns="91440" tIns="45720" rIns="91440" bIns="45720" rtlCol="0">
+            <a:normAutofit/>
+          </a:bodyPr>
+          <a:lstStyle>
+            <a:lvl1pPr marL="0" indent="0" algn="l" defTabSz="914400" rtl="0" eaLnBrk="1" latinLnBrk="0" hangingPunct="1">
+              <a:lnSpc>
+                <a:spcPct val="120000"/>
+              </a:lnSpc>
+              <a:spcBef>
+                <a:spcPts val="1000"/>
+              </a:spcBef>
+              <a:buSzPct val="125000"/>
+              <a:buFont typeface="Arial" panose="020B0604020202020204" pitchFamily="34" charset="0"/>
+              <a:buNone/>
+              <a:defRPr sz="1600" kern="1200">
+                <a:solidFill>
+                  <a:schemeClr val="tx1"/>
+                </a:solidFill>
+                <a:latin typeface="+mn-lt"/>
+                <a:ea typeface="+mn-ea"/>
+                <a:cs typeface="+mn-cs"/>
+              </a:defRPr>
+            </a:lvl1pPr>
+            <a:lvl2pPr marL="457200" indent="0" algn="l" defTabSz="914400" rtl="0" eaLnBrk="1" latinLnBrk="0" hangingPunct="1">
+              <a:lnSpc>
+                <a:spcPct val="120000"/>
+              </a:lnSpc>
+              <a:spcBef>
+                <a:spcPts val="500"/>
+              </a:spcBef>
+              <a:buSzPct val="125000"/>
+              <a:buFont typeface="Arial" panose="020B0604020202020204" pitchFamily="34" charset="0"/>
+              <a:buNone/>
+              <a:defRPr sz="1400" kern="1200">
+                <a:solidFill>
+                  <a:schemeClr val="tx1"/>
+                </a:solidFill>
+                <a:latin typeface="+mn-lt"/>
+                <a:ea typeface="+mn-ea"/>
+                <a:cs typeface="+mn-cs"/>
+              </a:defRPr>
+            </a:lvl2pPr>
+            <a:lvl3pPr marL="914400" indent="0" algn="l" defTabSz="914400" rtl="0" eaLnBrk="1" latinLnBrk="0" hangingPunct="1">
+              <a:lnSpc>
+                <a:spcPct val="120000"/>
+              </a:lnSpc>
+              <a:spcBef>
+                <a:spcPts val="500"/>
+              </a:spcBef>
+              <a:buSzPct val="125000"/>
+              <a:buFont typeface="Arial" panose="020B0604020202020204" pitchFamily="34" charset="0"/>
+              <a:buNone/>
+              <a:defRPr sz="1200" kern="1200">
+                <a:solidFill>
+                  <a:schemeClr val="tx1"/>
+                </a:solidFill>
+                <a:latin typeface="+mn-lt"/>
+                <a:ea typeface="+mn-ea"/>
+                <a:cs typeface="+mn-cs"/>
+              </a:defRPr>
+            </a:lvl3pPr>
+            <a:lvl4pPr marL="1371600" indent="0" algn="l" defTabSz="914400" rtl="0" eaLnBrk="1" latinLnBrk="0" hangingPunct="1">
+              <a:lnSpc>
+                <a:spcPct val="120000"/>
+              </a:lnSpc>
+              <a:spcBef>
+                <a:spcPts val="500"/>
+              </a:spcBef>
+              <a:buSzPct val="125000"/>
+              <a:buFont typeface="Arial" panose="020B0604020202020204" pitchFamily="34" charset="0"/>
+              <a:buNone/>
+              <a:defRPr sz="1000" kern="1200">
+                <a:solidFill>
+                  <a:schemeClr val="tx1"/>
+                </a:solidFill>
+                <a:latin typeface="+mn-lt"/>
+                <a:ea typeface="+mn-ea"/>
+                <a:cs typeface="+mn-cs"/>
+              </a:defRPr>
+            </a:lvl4pPr>
+            <a:lvl5pPr marL="1828800" indent="0" algn="l" defTabSz="914400" rtl="0" eaLnBrk="1" latinLnBrk="0" hangingPunct="1">
+              <a:lnSpc>
+                <a:spcPct val="120000"/>
+              </a:lnSpc>
+              <a:spcBef>
+                <a:spcPts val="500"/>
+              </a:spcBef>
+              <a:buSzPct val="125000"/>
+              <a:buFont typeface="Arial" panose="020B0604020202020204" pitchFamily="34" charset="0"/>
+              <a:buNone/>
+              <a:defRPr sz="1000" kern="1200">
+                <a:solidFill>
+                  <a:schemeClr val="tx1"/>
+                </a:solidFill>
+                <a:latin typeface="+mn-lt"/>
+                <a:ea typeface="+mn-ea"/>
+                <a:cs typeface="+mn-cs"/>
+              </a:defRPr>
+            </a:lvl5pPr>
+            <a:lvl6pPr marL="2286000" indent="0" algn="l" defTabSz="914400" rtl="0" eaLnBrk="1" latinLnBrk="0" hangingPunct="1">
+              <a:lnSpc>
+                <a:spcPct val="120000"/>
+              </a:lnSpc>
+              <a:spcBef>
+                <a:spcPts val="500"/>
+              </a:spcBef>
+              <a:buSzPct val="125000"/>
+              <a:buFont typeface="Arial" panose="020B0604020202020204" pitchFamily="34" charset="0"/>
+              <a:buNone/>
+              <a:defRPr sz="1000" kern="1200">
+                <a:solidFill>
+                  <a:schemeClr val="tx1"/>
+                </a:solidFill>
+                <a:latin typeface="+mn-lt"/>
+                <a:ea typeface="+mn-ea"/>
+                <a:cs typeface="+mn-cs"/>
+              </a:defRPr>
+            </a:lvl6pPr>
+            <a:lvl7pPr marL="2743200" indent="0" algn="l" defTabSz="914400" rtl="0" eaLnBrk="1" latinLnBrk="0" hangingPunct="1">
+              <a:lnSpc>
+                <a:spcPct val="120000"/>
+              </a:lnSpc>
+              <a:spcBef>
+                <a:spcPts val="500"/>
+              </a:spcBef>
+              <a:buSzPct val="125000"/>
+              <a:buFont typeface="Arial" panose="020B0604020202020204" pitchFamily="34" charset="0"/>
+              <a:buNone/>
+              <a:defRPr sz="1000" kern="1200">
+                <a:solidFill>
+                  <a:schemeClr val="tx1"/>
+                </a:solidFill>
+                <a:latin typeface="+mn-lt"/>
+                <a:ea typeface="+mn-ea"/>
+                <a:cs typeface="+mn-cs"/>
+              </a:defRPr>
+            </a:lvl7pPr>
+            <a:lvl8pPr marL="3200400" indent="0" algn="l" defTabSz="914400" rtl="0" eaLnBrk="1" latinLnBrk="0" hangingPunct="1">
+              <a:lnSpc>
+                <a:spcPct val="120000"/>
+              </a:lnSpc>
+              <a:spcBef>
+                <a:spcPts val="500"/>
+              </a:spcBef>
+              <a:buSzPct val="125000"/>
+              <a:buFont typeface="Arial" panose="020B0604020202020204" pitchFamily="34" charset="0"/>
+              <a:buNone/>
+              <a:defRPr sz="1000" kern="1200">
+                <a:solidFill>
+                  <a:schemeClr val="tx1"/>
+                </a:solidFill>
+                <a:latin typeface="+mn-lt"/>
+                <a:ea typeface="+mn-ea"/>
+                <a:cs typeface="+mn-cs"/>
+              </a:defRPr>
+            </a:lvl8pPr>
+            <a:lvl9pPr marL="3657600" indent="0" algn="l" defTabSz="914400" rtl="0" eaLnBrk="1" latinLnBrk="0" hangingPunct="1">
+              <a:lnSpc>
+                <a:spcPct val="120000"/>
+              </a:lnSpc>
+              <a:spcBef>
+                <a:spcPts val="500"/>
+              </a:spcBef>
+              <a:buSzPct val="125000"/>
+              <a:buFont typeface="Arial" panose="020B0604020202020204" pitchFamily="34" charset="0"/>
+              <a:buNone/>
+              <a:defRPr sz="1000" kern="1200">
+                <a:solidFill>
+                  <a:schemeClr val="tx1"/>
+                </a:solidFill>
+                <a:latin typeface="+mn-lt"/>
+                <a:ea typeface="+mn-ea"/>
+                <a:cs typeface="+mn-cs"/>
+              </a:defRPr>
+            </a:lvl9pPr>
+          </a:lstStyle>
+          <a:p>
+            <a:pPr marL="285750" indent="-285750">
+              <a:buFont typeface="Arial" charset="0"/>
+              <a:buChar char="•"/>
+            </a:pPr>
+            <a:endParaRPr lang="en-US" dirty="0" smtClean="0"/>
+          </a:p>
+        </p:txBody>
+      </p:sp>
+      <p:sp>
+        <p:nvSpPr>
+          <p:cNvPr id="12" name="Action Button: Custom 11">
+            <a:hlinkClick r:id="rId4" action="ppaction://hlinksldjump" highlightClick="1"/>
+          </p:cNvPr>
+          <p:cNvSpPr/>
+          <p:nvPr/>
+        </p:nvSpPr>
+        <p:spPr>
+          <a:xfrm>
+            <a:off x="7541342" y="1258529"/>
+            <a:ext cx="270797" cy="271206"/>
+          </a:xfrm>
+          <a:prstGeom prst="actionButtonBlank">
+            <a:avLst/>
+          </a:prstGeom>
+          <a:noFill/>
+        </p:spPr>
+        <p:style>
+          <a:lnRef idx="2">
+            <a:schemeClr val="accent6"/>
+          </a:lnRef>
+          <a:fillRef idx="1">
+            <a:schemeClr val="lt1"/>
+          </a:fillRef>
+          <a:effectRef idx="0">
+            <a:schemeClr val="accent6"/>
+          </a:effectRef>
+          <a:fontRef idx="minor">
+            <a:schemeClr val="dk1"/>
+          </a:fontRef>
+        </p:style>
+        <p:txBody>
+          <a:bodyPr rtlCol="0" anchor="ctr"/>
+          <a:lstStyle/>
+          <a:p>
+            <a:pPr algn="ctr"/>
+            <a:endParaRPr lang="en-US"/>
+          </a:p>
+        </p:txBody>
+      </p:sp>
+      <p:sp>
+        <p:nvSpPr>
+          <p:cNvPr id="13" name="Action Button: Custom 12">
+            <a:hlinkClick r:id="rId5" action="ppaction://hlinksldjump" highlightClick="1"/>
+          </p:cNvPr>
+          <p:cNvSpPr/>
+          <p:nvPr/>
+        </p:nvSpPr>
+        <p:spPr>
+          <a:xfrm>
+            <a:off x="9023146" y="4559300"/>
+            <a:ext cx="720622" cy="571500"/>
+          </a:xfrm>
+          <a:prstGeom prst="actionButtonBlank">
+            <a:avLst/>
+          </a:prstGeom>
+          <a:noFill/>
+        </p:spPr>
+        <p:style>
+          <a:lnRef idx="2">
+            <a:schemeClr val="accent6"/>
+          </a:lnRef>
+          <a:fillRef idx="1">
+            <a:schemeClr val="lt1"/>
+          </a:fillRef>
+          <a:effectRef idx="0">
+            <a:schemeClr val="accent6"/>
+          </a:effectRef>
+          <a:fontRef idx="minor">
+            <a:schemeClr val="dk1"/>
+          </a:fontRef>
+        </p:style>
+        <p:txBody>
+          <a:bodyPr rtlCol="0" anchor="ctr"/>
+          <a:lstStyle/>
+          <a:p>
+            <a:pPr algn="ctr"/>
+            <a:endParaRPr lang="en-US"/>
+          </a:p>
+        </p:txBody>
+      </p:sp>
+      <p:sp>
+        <p:nvSpPr>
+          <p:cNvPr id="16" name="Action Button: Custom 15">
+            <a:hlinkClick r:id="rId6" action="ppaction://hlinksldjump" highlightClick="1"/>
+          </p:cNvPr>
+          <p:cNvSpPr/>
+          <p:nvPr/>
+        </p:nvSpPr>
+        <p:spPr>
+          <a:xfrm>
+            <a:off x="7505700" y="4559300"/>
+            <a:ext cx="711200" cy="571500"/>
+          </a:xfrm>
+          <a:prstGeom prst="actionButtonBlank">
+            <a:avLst/>
+          </a:prstGeom>
+          <a:noFill/>
+        </p:spPr>
+        <p:style>
+          <a:lnRef idx="2">
+            <a:schemeClr val="accent6"/>
+          </a:lnRef>
+          <a:fillRef idx="1">
+            <a:schemeClr val="lt1"/>
+          </a:fillRef>
+          <a:effectRef idx="0">
+            <a:schemeClr val="accent6"/>
+          </a:effectRef>
+          <a:fontRef idx="minor">
+            <a:schemeClr val="dk1"/>
+          </a:fontRef>
+        </p:style>
+        <p:txBody>
+          <a:bodyPr rtlCol="0" anchor="ctr"/>
+          <a:lstStyle/>
+          <a:p>
+            <a:pPr algn="ctr"/>
+            <a:endParaRPr lang="en-US"/>
+          </a:p>
+        </p:txBody>
+      </p:sp>
+      <p:sp>
+        <p:nvSpPr>
+          <p:cNvPr id="17" name="Action Button: Custom 16">
+            <a:hlinkClick r:id="rId7" action="ppaction://hlinksldjump" highlightClick="1"/>
+          </p:cNvPr>
+          <p:cNvSpPr/>
+          <p:nvPr/>
+        </p:nvSpPr>
+        <p:spPr>
+          <a:xfrm>
+            <a:off x="8216900" y="4559300"/>
+            <a:ext cx="786606" cy="571500"/>
+          </a:xfrm>
+          <a:prstGeom prst="actionButtonBlank">
+            <a:avLst/>
+          </a:prstGeom>
+          <a:noFill/>
+        </p:spPr>
+        <p:style>
+          <a:lnRef idx="2">
+            <a:schemeClr val="accent6"/>
+          </a:lnRef>
+          <a:fillRef idx="1">
+            <a:schemeClr val="lt1"/>
+          </a:fillRef>
+          <a:effectRef idx="0">
+            <a:schemeClr val="accent6"/>
+          </a:effectRef>
+          <a:fontRef idx="minor">
+            <a:schemeClr val="dk1"/>
+          </a:fontRef>
+        </p:style>
+        <p:txBody>
+          <a:bodyPr rtlCol="0" anchor="ctr"/>
+          <a:lstStyle/>
+          <a:p>
+            <a:pPr algn="ctr"/>
+            <a:endParaRPr lang="en-US"/>
+          </a:p>
+        </p:txBody>
+      </p:sp>
+      <p:sp>
+        <p:nvSpPr>
+          <p:cNvPr id="18" name="Action Button: Custom 17">
+            <a:hlinkClick r:id="rId8" action="ppaction://hlinksldjump" highlightClick="1"/>
+          </p:cNvPr>
+          <p:cNvSpPr/>
+          <p:nvPr/>
+        </p:nvSpPr>
+        <p:spPr>
+          <a:xfrm>
+            <a:off x="7666908" y="3601242"/>
+            <a:ext cx="867492" cy="882267"/>
+          </a:xfrm>
+          <a:prstGeom prst="actionButtonBlank">
+            <a:avLst/>
+          </a:prstGeom>
+          <a:noFill/>
+        </p:spPr>
+        <p:style>
+          <a:lnRef idx="2">
+            <a:schemeClr val="accent6"/>
+          </a:lnRef>
+          <a:fillRef idx="1">
+            <a:schemeClr val="lt1"/>
+          </a:fillRef>
+          <a:effectRef idx="0">
+            <a:schemeClr val="accent6"/>
+          </a:effectRef>
+          <a:fontRef idx="minor">
+            <a:schemeClr val="dk1"/>
+          </a:fontRef>
+        </p:style>
+        <p:txBody>
+          <a:bodyPr rtlCol="0" anchor="ctr"/>
+          <a:lstStyle/>
+          <a:p>
+            <a:pPr algn="ctr"/>
+            <a:endParaRPr lang="en-US"/>
+          </a:p>
+        </p:txBody>
+      </p:sp>
+    </p:spTree>
+    <p:extLst>
+      <p:ext uri="{BB962C8B-B14F-4D97-AF65-F5344CB8AC3E}">
+        <p14:creationId xmlns:p14="http://schemas.microsoft.com/office/powerpoint/2010/main" val="2133882442"/>
+      </p:ext>
+    </p:extLst>
+  </p:cSld>
+  <p:clrMapOvr>
+    <a:masterClrMapping/>
+  </p:clrMapOvr>
+  <p:timing>
+    <p:tnLst>
+      <p:par>
+        <p:cTn id="1" dur="indefinite" restart="never" nodeType="tmRoot"/>
+      </p:par>
+    </p:tnLst>
+  </p:timing>
+</p:sld>
+</file>
+
+<file path=ppt/slides/slide11.xml><?xml version="1.0" encoding="utf-8"?>
+<p:sld xmlns:a="http://schemas.openxmlformats.org/drawingml/2006/main" xmlns:r="http://schemas.openxmlformats.org/officeDocument/2006/relationships" xmlns:p="http://schemas.openxmlformats.org/presentationml/2006/main">
+  <p:cSld>
+    <p:spTree>
+      <p:nvGrpSpPr>
+        <p:cNvPr id="1" name=""/>
+        <p:cNvGrpSpPr/>
+        <p:nvPr/>
+      </p:nvGrpSpPr>
+      <p:grpSpPr>
+        <a:xfrm>
+          <a:off x="0" y="0"/>
+          <a:ext cx="0" cy="0"/>
+          <a:chOff x="0" y="0"/>
+          <a:chExt cx="0" cy="0"/>
+        </a:xfrm>
+      </p:grpSpPr>
+      <p:sp>
+        <p:nvSpPr>
+          <p:cNvPr id="2" name="Title 1"/>
+          <p:cNvSpPr>
+            <a:spLocks noGrp="1"/>
+          </p:cNvSpPr>
+          <p:nvPr>
+            <p:ph type="title"/>
+          </p:nvPr>
+        </p:nvSpPr>
+        <p:spPr/>
+        <p:txBody>
+          <a:bodyPr/>
+          <a:lstStyle/>
+          <a:p>
+            <a:r>
+              <a:rPr lang="en-US" dirty="0" smtClean="0"/>
+              <a:t>View Photos</a:t>
+            </a:r>
+            <a:endParaRPr lang="en-US" dirty="0"/>
+          </a:p>
+        </p:txBody>
+      </p:sp>
+      <p:sp>
+        <p:nvSpPr>
+          <p:cNvPr id="4" name="Text Placeholder 3"/>
+          <p:cNvSpPr>
+            <a:spLocks noGrp="1"/>
+          </p:cNvSpPr>
+          <p:nvPr>
+            <p:ph type="body" sz="half" idx="2"/>
+          </p:nvPr>
+        </p:nvSpPr>
+        <p:spPr>
+          <a:xfrm>
+            <a:off x="1667405" y="2249486"/>
+            <a:ext cx="3488795" cy="3541714"/>
+          </a:xfrm>
+        </p:spPr>
+        <p:txBody>
+          <a:bodyPr/>
+          <a:lstStyle/>
+          <a:p>
+            <a:pPr marL="285750" indent="-285750">
+              <a:buFont typeface="Arial" charset="0"/>
+              <a:buChar char="•"/>
+            </a:pPr>
+            <a:r>
+              <a:rPr lang="en-US" dirty="0" smtClean="0"/>
+              <a:t>Displays photos scrapbook/collage style, checkmarks are photo’s people like.</a:t>
+            </a:r>
+          </a:p>
+          <a:p>
+            <a:pPr marL="285750" indent="-285750">
+              <a:buFont typeface="Arial" charset="0"/>
+              <a:buChar char="•"/>
+            </a:pPr>
+            <a:r>
+              <a:rPr lang="en-US" dirty="0" smtClean="0"/>
+              <a:t>Option to add photo opens recent photos taken.</a:t>
+            </a:r>
+          </a:p>
+          <a:p>
+            <a:pPr marL="285750" indent="-285750">
+              <a:buFont typeface="Arial" charset="0"/>
+              <a:buChar char="•"/>
+            </a:pPr>
+            <a:r>
+              <a:rPr lang="en-US" dirty="0" smtClean="0"/>
+              <a:t>Can select photos to view/write comments</a:t>
+            </a:r>
+            <a:endParaRPr lang="en-US" dirty="0" smtClean="0"/>
+          </a:p>
+        </p:txBody>
+      </p:sp>
+      <p:pic>
+        <p:nvPicPr>
+          <p:cNvPr id="6" name="Content Placeholder 5"/>
+          <p:cNvPicPr>
+            <a:picLocks noGrp="1" noChangeAspect="1"/>
+          </p:cNvPicPr>
+          <p:nvPr>
+            <p:ph idx="1"/>
+          </p:nvPr>
+        </p:nvPicPr>
+        <p:blipFill>
+          <a:blip r:embed="rId2">
+            <a:extLst>
+              <a:ext uri="{28A0092B-C50C-407E-A947-70E740481C1C}">
+                <a14:useLocalDpi xmlns:a14="http://schemas.microsoft.com/office/drawing/2010/main" val="0"/>
+              </a:ext>
+            </a:extLst>
+          </a:blip>
+          <a:stretch>
+            <a:fillRect/>
+          </a:stretch>
+        </p:blipFill>
+        <p:spPr>
+          <a:xfrm>
+            <a:off x="7369423" y="592138"/>
+            <a:ext cx="2526646" cy="5199062"/>
+          </a:xfrm>
+        </p:spPr>
+      </p:pic>
+      <p:sp>
+        <p:nvSpPr>
+          <p:cNvPr id="5" name="Text Placeholder 3"/>
+          <p:cNvSpPr txBox="1">
+            <a:spLocks/>
+          </p:cNvSpPr>
+          <p:nvPr/>
+        </p:nvSpPr>
+        <p:spPr>
+          <a:xfrm>
+            <a:off x="1819805" y="2401886"/>
+            <a:ext cx="3856037" cy="3541714"/>
+          </a:xfrm>
+          <a:prstGeom prst="rect">
+            <a:avLst/>
+          </a:prstGeom>
+        </p:spPr>
+        <p:txBody>
+          <a:bodyPr vert="horz" lIns="91440" tIns="45720" rIns="91440" bIns="45720" rtlCol="0">
+            <a:normAutofit/>
+          </a:bodyPr>
+          <a:lstStyle>
+            <a:lvl1pPr marL="0" indent="0" algn="l" defTabSz="914400" rtl="0" eaLnBrk="1" latinLnBrk="0" hangingPunct="1">
+              <a:lnSpc>
+                <a:spcPct val="120000"/>
+              </a:lnSpc>
+              <a:spcBef>
+                <a:spcPts val="1000"/>
+              </a:spcBef>
+              <a:buSzPct val="125000"/>
+              <a:buFont typeface="Arial" panose="020B0604020202020204" pitchFamily="34" charset="0"/>
+              <a:buNone/>
+              <a:defRPr sz="1600" kern="1200">
+                <a:solidFill>
+                  <a:schemeClr val="tx1"/>
+                </a:solidFill>
+                <a:latin typeface="+mn-lt"/>
+                <a:ea typeface="+mn-ea"/>
+                <a:cs typeface="+mn-cs"/>
+              </a:defRPr>
+            </a:lvl1pPr>
+            <a:lvl2pPr marL="457200" indent="0" algn="l" defTabSz="914400" rtl="0" eaLnBrk="1" latinLnBrk="0" hangingPunct="1">
+              <a:lnSpc>
+                <a:spcPct val="120000"/>
+              </a:lnSpc>
+              <a:spcBef>
+                <a:spcPts val="500"/>
+              </a:spcBef>
+              <a:buSzPct val="125000"/>
+              <a:buFont typeface="Arial" panose="020B0604020202020204" pitchFamily="34" charset="0"/>
+              <a:buNone/>
+              <a:defRPr sz="1400" kern="1200">
+                <a:solidFill>
+                  <a:schemeClr val="tx1"/>
+                </a:solidFill>
+                <a:latin typeface="+mn-lt"/>
+                <a:ea typeface="+mn-ea"/>
+                <a:cs typeface="+mn-cs"/>
+              </a:defRPr>
+            </a:lvl2pPr>
+            <a:lvl3pPr marL="914400" indent="0" algn="l" defTabSz="914400" rtl="0" eaLnBrk="1" latinLnBrk="0" hangingPunct="1">
+              <a:lnSpc>
+                <a:spcPct val="120000"/>
+              </a:lnSpc>
+              <a:spcBef>
+                <a:spcPts val="500"/>
+              </a:spcBef>
+              <a:buSzPct val="125000"/>
+              <a:buFont typeface="Arial" panose="020B0604020202020204" pitchFamily="34" charset="0"/>
+              <a:buNone/>
+              <a:defRPr sz="1200" kern="1200">
+                <a:solidFill>
+                  <a:schemeClr val="tx1"/>
+                </a:solidFill>
+                <a:latin typeface="+mn-lt"/>
+                <a:ea typeface="+mn-ea"/>
+                <a:cs typeface="+mn-cs"/>
+              </a:defRPr>
+            </a:lvl3pPr>
+            <a:lvl4pPr marL="1371600" indent="0" algn="l" defTabSz="914400" rtl="0" eaLnBrk="1" latinLnBrk="0" hangingPunct="1">
+              <a:lnSpc>
+                <a:spcPct val="120000"/>
+              </a:lnSpc>
+              <a:spcBef>
+                <a:spcPts val="500"/>
+              </a:spcBef>
+              <a:buSzPct val="125000"/>
+              <a:buFont typeface="Arial" panose="020B0604020202020204" pitchFamily="34" charset="0"/>
+              <a:buNone/>
+              <a:defRPr sz="1000" kern="1200">
+                <a:solidFill>
+                  <a:schemeClr val="tx1"/>
+                </a:solidFill>
+                <a:latin typeface="+mn-lt"/>
+                <a:ea typeface="+mn-ea"/>
+                <a:cs typeface="+mn-cs"/>
+              </a:defRPr>
+            </a:lvl4pPr>
+            <a:lvl5pPr marL="1828800" indent="0" algn="l" defTabSz="914400" rtl="0" eaLnBrk="1" latinLnBrk="0" hangingPunct="1">
+              <a:lnSpc>
+                <a:spcPct val="120000"/>
+              </a:lnSpc>
+              <a:spcBef>
+                <a:spcPts val="500"/>
+              </a:spcBef>
+              <a:buSzPct val="125000"/>
+              <a:buFont typeface="Arial" panose="020B0604020202020204" pitchFamily="34" charset="0"/>
+              <a:buNone/>
+              <a:defRPr sz="1000" kern="1200">
+                <a:solidFill>
+                  <a:schemeClr val="tx1"/>
+                </a:solidFill>
+                <a:latin typeface="+mn-lt"/>
+                <a:ea typeface="+mn-ea"/>
+                <a:cs typeface="+mn-cs"/>
+              </a:defRPr>
+            </a:lvl5pPr>
+            <a:lvl6pPr marL="2286000" indent="0" algn="l" defTabSz="914400" rtl="0" eaLnBrk="1" latinLnBrk="0" hangingPunct="1">
+              <a:lnSpc>
+                <a:spcPct val="120000"/>
+              </a:lnSpc>
+              <a:spcBef>
+                <a:spcPts val="500"/>
+              </a:spcBef>
+              <a:buSzPct val="125000"/>
+              <a:buFont typeface="Arial" panose="020B0604020202020204" pitchFamily="34" charset="0"/>
+              <a:buNone/>
+              <a:defRPr sz="1000" kern="1200">
+                <a:solidFill>
+                  <a:schemeClr val="tx1"/>
+                </a:solidFill>
+                <a:latin typeface="+mn-lt"/>
+                <a:ea typeface="+mn-ea"/>
+                <a:cs typeface="+mn-cs"/>
+              </a:defRPr>
+            </a:lvl6pPr>
+            <a:lvl7pPr marL="2743200" indent="0" algn="l" defTabSz="914400" rtl="0" eaLnBrk="1" latinLnBrk="0" hangingPunct="1">
+              <a:lnSpc>
+                <a:spcPct val="120000"/>
+              </a:lnSpc>
+              <a:spcBef>
+                <a:spcPts val="500"/>
+              </a:spcBef>
+              <a:buSzPct val="125000"/>
+              <a:buFont typeface="Arial" panose="020B0604020202020204" pitchFamily="34" charset="0"/>
+              <a:buNone/>
+              <a:defRPr sz="1000" kern="1200">
+                <a:solidFill>
+                  <a:schemeClr val="tx1"/>
+                </a:solidFill>
+                <a:latin typeface="+mn-lt"/>
+                <a:ea typeface="+mn-ea"/>
+                <a:cs typeface="+mn-cs"/>
+              </a:defRPr>
+            </a:lvl7pPr>
+            <a:lvl8pPr marL="3200400" indent="0" algn="l" defTabSz="914400" rtl="0" eaLnBrk="1" latinLnBrk="0" hangingPunct="1">
+              <a:lnSpc>
+                <a:spcPct val="120000"/>
+              </a:lnSpc>
+              <a:spcBef>
+                <a:spcPts val="500"/>
+              </a:spcBef>
+              <a:buSzPct val="125000"/>
+              <a:buFont typeface="Arial" panose="020B0604020202020204" pitchFamily="34" charset="0"/>
+              <a:buNone/>
+              <a:defRPr sz="1000" kern="1200">
+                <a:solidFill>
+                  <a:schemeClr val="tx1"/>
+                </a:solidFill>
+                <a:latin typeface="+mn-lt"/>
+                <a:ea typeface="+mn-ea"/>
+                <a:cs typeface="+mn-cs"/>
+              </a:defRPr>
+            </a:lvl8pPr>
+            <a:lvl9pPr marL="3657600" indent="0" algn="l" defTabSz="914400" rtl="0" eaLnBrk="1" latinLnBrk="0" hangingPunct="1">
+              <a:lnSpc>
+                <a:spcPct val="120000"/>
+              </a:lnSpc>
+              <a:spcBef>
+                <a:spcPts val="500"/>
+              </a:spcBef>
+              <a:buSzPct val="125000"/>
+              <a:buFont typeface="Arial" panose="020B0604020202020204" pitchFamily="34" charset="0"/>
+              <a:buNone/>
+              <a:defRPr sz="1000" kern="1200">
+                <a:solidFill>
+                  <a:schemeClr val="tx1"/>
+                </a:solidFill>
+                <a:latin typeface="+mn-lt"/>
+                <a:ea typeface="+mn-ea"/>
+                <a:cs typeface="+mn-cs"/>
+              </a:defRPr>
+            </a:lvl9pPr>
+          </a:lstStyle>
+          <a:p>
+            <a:pPr marL="285750" indent="-285750">
+              <a:buFont typeface="Arial" charset="0"/>
+              <a:buChar char="•"/>
+            </a:pPr>
+            <a:endParaRPr lang="en-US" dirty="0" smtClean="0"/>
+          </a:p>
+        </p:txBody>
+      </p:sp>
+      <p:sp>
+        <p:nvSpPr>
+          <p:cNvPr id="9" name="Action Button: Custom 8">
+            <a:hlinkClick r:id="rId3" action="ppaction://hlinksldjump" highlightClick="1"/>
+          </p:cNvPr>
+          <p:cNvSpPr/>
+          <p:nvPr/>
+        </p:nvSpPr>
+        <p:spPr>
+          <a:xfrm>
+            <a:off x="7541342" y="1258529"/>
+            <a:ext cx="270797" cy="271206"/>
+          </a:xfrm>
+          <a:prstGeom prst="actionButtonBlank">
+            <a:avLst/>
+          </a:prstGeom>
+          <a:noFill/>
+        </p:spPr>
+        <p:style>
+          <a:lnRef idx="2">
+            <a:schemeClr val="accent6"/>
+          </a:lnRef>
+          <a:fillRef idx="1">
+            <a:schemeClr val="lt1"/>
+          </a:fillRef>
+          <a:effectRef idx="0">
+            <a:schemeClr val="accent6"/>
+          </a:effectRef>
+          <a:fontRef idx="minor">
+            <a:schemeClr val="dk1"/>
+          </a:fontRef>
+        </p:style>
+        <p:txBody>
+          <a:bodyPr rtlCol="0" anchor="ctr"/>
+          <a:lstStyle/>
+          <a:p>
+            <a:pPr algn="ctr"/>
+            <a:endParaRPr lang="en-US"/>
+          </a:p>
+        </p:txBody>
+      </p:sp>
+      <p:sp>
+        <p:nvSpPr>
+          <p:cNvPr id="10" name="Action Button: Custom 9">
+            <a:hlinkClick r:id="rId4" action="ppaction://hlinksldjump" highlightClick="1"/>
+          </p:cNvPr>
+          <p:cNvSpPr/>
+          <p:nvPr/>
+        </p:nvSpPr>
+        <p:spPr>
+          <a:xfrm>
+            <a:off x="8467621" y="3734592"/>
+            <a:ext cx="1089333" cy="824707"/>
+          </a:xfrm>
+          <a:prstGeom prst="actionButtonBlank">
+            <a:avLst/>
+          </a:prstGeom>
+          <a:noFill/>
+        </p:spPr>
+        <p:style>
+          <a:lnRef idx="2">
+            <a:schemeClr val="accent6"/>
+          </a:lnRef>
+          <a:fillRef idx="1">
+            <a:schemeClr val="lt1"/>
+          </a:fillRef>
+          <a:effectRef idx="0">
+            <a:schemeClr val="accent6"/>
+          </a:effectRef>
+          <a:fontRef idx="minor">
+            <a:schemeClr val="dk1"/>
+          </a:fontRef>
+        </p:style>
+        <p:txBody>
+          <a:bodyPr rtlCol="0" anchor="ctr"/>
+          <a:lstStyle/>
+          <a:p>
+            <a:pPr algn="ctr"/>
+            <a:endParaRPr lang="en-US"/>
+          </a:p>
+        </p:txBody>
+      </p:sp>
+      <p:sp>
+        <p:nvSpPr>
+          <p:cNvPr id="11" name="Action Button: Custom 10">
+            <a:hlinkClick r:id="rId5" action="ppaction://hlinksldjump" highlightClick="1"/>
+          </p:cNvPr>
+          <p:cNvSpPr/>
+          <p:nvPr/>
+        </p:nvSpPr>
+        <p:spPr>
+          <a:xfrm>
+            <a:off x="7505700" y="4559300"/>
+            <a:ext cx="711200" cy="571500"/>
+          </a:xfrm>
+          <a:prstGeom prst="actionButtonBlank">
+            <a:avLst/>
+          </a:prstGeom>
+          <a:noFill/>
+        </p:spPr>
+        <p:style>
+          <a:lnRef idx="2">
+            <a:schemeClr val="accent6"/>
+          </a:lnRef>
+          <a:fillRef idx="1">
+            <a:schemeClr val="lt1"/>
+          </a:fillRef>
+          <a:effectRef idx="0">
+            <a:schemeClr val="accent6"/>
+          </a:effectRef>
+          <a:fontRef idx="minor">
+            <a:schemeClr val="dk1"/>
+          </a:fontRef>
+        </p:style>
+        <p:txBody>
+          <a:bodyPr rtlCol="0" anchor="ctr"/>
+          <a:lstStyle/>
+          <a:p>
+            <a:pPr algn="ctr"/>
+            <a:endParaRPr lang="en-US"/>
+          </a:p>
+        </p:txBody>
+      </p:sp>
+      <p:sp>
+        <p:nvSpPr>
+          <p:cNvPr id="12" name="Action Button: Custom 11">
+            <a:hlinkClick r:id="rId6" action="ppaction://hlinksldjump" highlightClick="1"/>
+          </p:cNvPr>
+          <p:cNvSpPr/>
+          <p:nvPr/>
+        </p:nvSpPr>
+        <p:spPr>
+          <a:xfrm>
+            <a:off x="8216900" y="4559300"/>
+            <a:ext cx="786606" cy="571500"/>
+          </a:xfrm>
+          <a:prstGeom prst="actionButtonBlank">
+            <a:avLst/>
+          </a:prstGeom>
+          <a:noFill/>
+        </p:spPr>
+        <p:style>
+          <a:lnRef idx="2">
+            <a:schemeClr val="accent6"/>
+          </a:lnRef>
+          <a:fillRef idx="1">
+            <a:schemeClr val="lt1"/>
+          </a:fillRef>
+          <a:effectRef idx="0">
+            <a:schemeClr val="accent6"/>
+          </a:effectRef>
+          <a:fontRef idx="minor">
+            <a:schemeClr val="dk1"/>
+          </a:fontRef>
+        </p:style>
+        <p:txBody>
+          <a:bodyPr rtlCol="0" anchor="ctr"/>
+          <a:lstStyle/>
+          <a:p>
+            <a:pPr algn="ctr"/>
+            <a:endParaRPr lang="en-US"/>
+          </a:p>
+        </p:txBody>
+      </p:sp>
+      <p:sp>
+        <p:nvSpPr>
+          <p:cNvPr id="13" name="Action Button: Custom 12">
+            <a:hlinkClick r:id="rId7" action="ppaction://hlinksldjump" highlightClick="1"/>
+          </p:cNvPr>
+          <p:cNvSpPr/>
+          <p:nvPr/>
+        </p:nvSpPr>
+        <p:spPr>
+          <a:xfrm>
+            <a:off x="7590503" y="1637889"/>
+            <a:ext cx="2054942" cy="220408"/>
+          </a:xfrm>
+          <a:prstGeom prst="actionButtonBlank">
+            <a:avLst/>
+          </a:prstGeom>
+          <a:noFill/>
+        </p:spPr>
+        <p:style>
+          <a:lnRef idx="2">
+            <a:schemeClr val="accent6"/>
+          </a:lnRef>
+          <a:fillRef idx="1">
+            <a:schemeClr val="lt1"/>
+          </a:fillRef>
+          <a:effectRef idx="0">
+            <a:schemeClr val="accent6"/>
+          </a:effectRef>
+          <a:fontRef idx="minor">
+            <a:schemeClr val="dk1"/>
+          </a:fontRef>
+        </p:style>
+        <p:txBody>
+          <a:bodyPr rtlCol="0" anchor="ctr"/>
+          <a:lstStyle/>
+          <a:p>
+            <a:pPr algn="ctr"/>
+            <a:endParaRPr lang="en-US"/>
+          </a:p>
+        </p:txBody>
+      </p:sp>
+      <p:sp>
+        <p:nvSpPr>
+          <p:cNvPr id="14" name="Action Button: Custom 13">
+            <a:hlinkClick r:id="rId8" action="ppaction://hlinksldjump" highlightClick="1"/>
+          </p:cNvPr>
+          <p:cNvSpPr/>
+          <p:nvPr/>
+        </p:nvSpPr>
+        <p:spPr>
+          <a:xfrm>
+            <a:off x="9023146" y="4559300"/>
+            <a:ext cx="720622" cy="571500"/>
+          </a:xfrm>
+          <a:prstGeom prst="actionButtonBlank">
+            <a:avLst/>
+          </a:prstGeom>
+          <a:noFill/>
+        </p:spPr>
+        <p:style>
+          <a:lnRef idx="2">
+            <a:schemeClr val="accent6"/>
+          </a:lnRef>
+          <a:fillRef idx="1">
+            <a:schemeClr val="lt1"/>
+          </a:fillRef>
+          <a:effectRef idx="0">
+            <a:schemeClr val="accent6"/>
+          </a:effectRef>
+          <a:fontRef idx="minor">
+            <a:schemeClr val="dk1"/>
+          </a:fontRef>
+        </p:style>
+        <p:txBody>
+          <a:bodyPr rtlCol="0" anchor="ctr"/>
+          <a:lstStyle/>
+          <a:p>
+            <a:pPr algn="ctr"/>
+            <a:endParaRPr lang="en-US"/>
+          </a:p>
+        </p:txBody>
+      </p:sp>
+    </p:spTree>
+    <p:extLst>
+      <p:ext uri="{BB962C8B-B14F-4D97-AF65-F5344CB8AC3E}">
+        <p14:creationId xmlns:p14="http://schemas.microsoft.com/office/powerpoint/2010/main" val="1064562341"/>
+      </p:ext>
+    </p:extLst>
+  </p:cSld>
+  <p:clrMapOvr>
+    <a:masterClrMapping/>
+  </p:clrMapOvr>
+  <p:timing>
+    <p:tnLst>
+      <p:par>
+        <p:cTn id="1" dur="indefinite" restart="never" nodeType="tmRoot"/>
+      </p:par>
+    </p:tnLst>
+  </p:timing>
+</p:sld>
+</file>
+
+<file path=ppt/slides/slide12.xml><?xml version="1.0" encoding="utf-8"?>
+<p:sld xmlns:a="http://schemas.openxmlformats.org/drawingml/2006/main" xmlns:r="http://schemas.openxmlformats.org/officeDocument/2006/relationships" xmlns:p="http://schemas.openxmlformats.org/presentationml/2006/main">
+  <p:cSld>
+    <p:spTree>
+      <p:nvGrpSpPr>
+        <p:cNvPr id="1" name=""/>
+        <p:cNvGrpSpPr/>
+        <p:nvPr/>
+      </p:nvGrpSpPr>
+      <p:grpSpPr>
+        <a:xfrm>
+          <a:off x="0" y="0"/>
+          <a:ext cx="0" cy="0"/>
+          <a:chOff x="0" y="0"/>
+          <a:chExt cx="0" cy="0"/>
+        </a:xfrm>
+      </p:grpSpPr>
+      <p:sp>
+        <p:nvSpPr>
+          <p:cNvPr id="2" name="Title 1"/>
+          <p:cNvSpPr>
+            <a:spLocks noGrp="1"/>
+          </p:cNvSpPr>
+          <p:nvPr>
+            <p:ph type="title"/>
+          </p:nvPr>
+        </p:nvSpPr>
+        <p:spPr/>
+        <p:txBody>
+          <a:bodyPr/>
+          <a:lstStyle/>
+          <a:p>
+            <a:r>
+              <a:rPr lang="en-US" dirty="0" smtClean="0"/>
+              <a:t>Add Photo</a:t>
+            </a:r>
+            <a:endParaRPr lang="en-US" dirty="0"/>
+          </a:p>
+        </p:txBody>
+      </p:sp>
+      <p:sp>
+        <p:nvSpPr>
+          <p:cNvPr id="4" name="Text Placeholder 3"/>
+          <p:cNvSpPr>
+            <a:spLocks noGrp="1"/>
+          </p:cNvSpPr>
+          <p:nvPr>
+            <p:ph type="body" sz="half" idx="2"/>
+          </p:nvPr>
+        </p:nvSpPr>
+        <p:spPr>
+          <a:xfrm>
+            <a:off x="1667405" y="2249486"/>
+            <a:ext cx="3488795" cy="3541714"/>
+          </a:xfrm>
+        </p:spPr>
+        <p:txBody>
+          <a:bodyPr/>
+          <a:lstStyle/>
+          <a:p>
+            <a:pPr marL="285750" indent="-285750">
+              <a:buFont typeface="Arial" charset="0"/>
+              <a:buChar char="•"/>
+            </a:pPr>
+            <a:r>
+              <a:rPr lang="en-US" dirty="0" smtClean="0"/>
+              <a:t>Upload photo lets the user select a photo, as well as make edits beforehand</a:t>
+            </a:r>
+          </a:p>
+          <a:p>
+            <a:pPr marL="285750" indent="-285750">
+              <a:buFont typeface="Arial" charset="0"/>
+              <a:buChar char="•"/>
+            </a:pPr>
+            <a:r>
+              <a:rPr lang="en-US" dirty="0" smtClean="0"/>
+              <a:t>The proprietary Nick Cage filter uses deep learning and neural networks to substitute the face everyone in a photo with that of Nicholas Cage</a:t>
+            </a:r>
+          </a:p>
+          <a:p>
+            <a:pPr marL="285750" indent="-285750">
+              <a:buFont typeface="Arial" charset="0"/>
+              <a:buChar char="•"/>
+            </a:pPr>
+            <a:r>
+              <a:rPr lang="en-US" dirty="0" smtClean="0"/>
+              <a:t>Selecting the ”+” uploads the photo to the current reunion photo album </a:t>
+            </a:r>
+            <a:endParaRPr lang="en-US" dirty="0"/>
+          </a:p>
+        </p:txBody>
+      </p:sp>
+      <p:pic>
+        <p:nvPicPr>
+          <p:cNvPr id="6" name="Content Placeholder 5"/>
+          <p:cNvPicPr>
+            <a:picLocks noGrp="1" noChangeAspect="1"/>
+          </p:cNvPicPr>
+          <p:nvPr>
+            <p:ph idx="1"/>
+          </p:nvPr>
+        </p:nvPicPr>
+        <p:blipFill>
+          <a:blip r:embed="rId2">
+            <a:extLst>
+              <a:ext uri="{28A0092B-C50C-407E-A947-70E740481C1C}">
+                <a14:useLocalDpi xmlns:a14="http://schemas.microsoft.com/office/drawing/2010/main" val="0"/>
+              </a:ext>
+            </a:extLst>
+          </a:blip>
+          <a:stretch>
+            <a:fillRect/>
+          </a:stretch>
+        </p:blipFill>
+        <p:spPr>
+          <a:xfrm>
+            <a:off x="7369425" y="592138"/>
+            <a:ext cx="2526646" cy="5199062"/>
+          </a:xfrm>
+        </p:spPr>
+      </p:pic>
+      <p:sp>
+        <p:nvSpPr>
+          <p:cNvPr id="5" name="Text Placeholder 3"/>
+          <p:cNvSpPr txBox="1">
+            <a:spLocks/>
+          </p:cNvSpPr>
+          <p:nvPr/>
+        </p:nvSpPr>
+        <p:spPr>
+          <a:xfrm>
+            <a:off x="1819805" y="2401886"/>
+            <a:ext cx="3856037" cy="3541714"/>
+          </a:xfrm>
+          <a:prstGeom prst="rect">
+            <a:avLst/>
+          </a:prstGeom>
+        </p:spPr>
+        <p:txBody>
+          <a:bodyPr vert="horz" lIns="91440" tIns="45720" rIns="91440" bIns="45720" rtlCol="0">
+            <a:normAutofit/>
+          </a:bodyPr>
+          <a:lstStyle>
+            <a:lvl1pPr marL="0" indent="0" algn="l" defTabSz="914400" rtl="0" eaLnBrk="1" latinLnBrk="0" hangingPunct="1">
+              <a:lnSpc>
+                <a:spcPct val="120000"/>
+              </a:lnSpc>
+              <a:spcBef>
+                <a:spcPts val="1000"/>
+              </a:spcBef>
+              <a:buSzPct val="125000"/>
+              <a:buFont typeface="Arial" panose="020B0604020202020204" pitchFamily="34" charset="0"/>
+              <a:buNone/>
+              <a:defRPr sz="1600" kern="1200">
+                <a:solidFill>
+                  <a:schemeClr val="tx1"/>
+                </a:solidFill>
+                <a:latin typeface="+mn-lt"/>
+                <a:ea typeface="+mn-ea"/>
+                <a:cs typeface="+mn-cs"/>
+              </a:defRPr>
+            </a:lvl1pPr>
+            <a:lvl2pPr marL="457200" indent="0" algn="l" defTabSz="914400" rtl="0" eaLnBrk="1" latinLnBrk="0" hangingPunct="1">
+              <a:lnSpc>
+                <a:spcPct val="120000"/>
+              </a:lnSpc>
+              <a:spcBef>
+                <a:spcPts val="500"/>
+              </a:spcBef>
+              <a:buSzPct val="125000"/>
+              <a:buFont typeface="Arial" panose="020B0604020202020204" pitchFamily="34" charset="0"/>
+              <a:buNone/>
+              <a:defRPr sz="1400" kern="1200">
+                <a:solidFill>
+                  <a:schemeClr val="tx1"/>
+                </a:solidFill>
+                <a:latin typeface="+mn-lt"/>
+                <a:ea typeface="+mn-ea"/>
+                <a:cs typeface="+mn-cs"/>
+              </a:defRPr>
+            </a:lvl2pPr>
+            <a:lvl3pPr marL="914400" indent="0" algn="l" defTabSz="914400" rtl="0" eaLnBrk="1" latinLnBrk="0" hangingPunct="1">
+              <a:lnSpc>
+                <a:spcPct val="120000"/>
+              </a:lnSpc>
+              <a:spcBef>
+                <a:spcPts val="500"/>
+              </a:spcBef>
+              <a:buSzPct val="125000"/>
+              <a:buFont typeface="Arial" panose="020B0604020202020204" pitchFamily="34" charset="0"/>
+              <a:buNone/>
+              <a:defRPr sz="1200" kern="1200">
+                <a:solidFill>
+                  <a:schemeClr val="tx1"/>
+                </a:solidFill>
+                <a:latin typeface="+mn-lt"/>
+                <a:ea typeface="+mn-ea"/>
+                <a:cs typeface="+mn-cs"/>
+              </a:defRPr>
+            </a:lvl3pPr>
+            <a:lvl4pPr marL="1371600" indent="0" algn="l" defTabSz="914400" rtl="0" eaLnBrk="1" latinLnBrk="0" hangingPunct="1">
+              <a:lnSpc>
+                <a:spcPct val="120000"/>
+              </a:lnSpc>
+              <a:spcBef>
+                <a:spcPts val="500"/>
+              </a:spcBef>
+              <a:buSzPct val="125000"/>
+              <a:buFont typeface="Arial" panose="020B0604020202020204" pitchFamily="34" charset="0"/>
+              <a:buNone/>
+              <a:defRPr sz="1000" kern="1200">
+                <a:solidFill>
+                  <a:schemeClr val="tx1"/>
+                </a:solidFill>
+                <a:latin typeface="+mn-lt"/>
+                <a:ea typeface="+mn-ea"/>
+                <a:cs typeface="+mn-cs"/>
+              </a:defRPr>
+            </a:lvl4pPr>
+            <a:lvl5pPr marL="1828800" indent="0" algn="l" defTabSz="914400" rtl="0" eaLnBrk="1" latinLnBrk="0" hangingPunct="1">
+              <a:lnSpc>
+                <a:spcPct val="120000"/>
+              </a:lnSpc>
+              <a:spcBef>
+                <a:spcPts val="500"/>
+              </a:spcBef>
+              <a:buSzPct val="125000"/>
+              <a:buFont typeface="Arial" panose="020B0604020202020204" pitchFamily="34" charset="0"/>
+              <a:buNone/>
+              <a:defRPr sz="1000" kern="1200">
+                <a:solidFill>
+                  <a:schemeClr val="tx1"/>
+                </a:solidFill>
+                <a:latin typeface="+mn-lt"/>
+                <a:ea typeface="+mn-ea"/>
+                <a:cs typeface="+mn-cs"/>
+              </a:defRPr>
+            </a:lvl5pPr>
+            <a:lvl6pPr marL="2286000" indent="0" algn="l" defTabSz="914400" rtl="0" eaLnBrk="1" latinLnBrk="0" hangingPunct="1">
+              <a:lnSpc>
+                <a:spcPct val="120000"/>
+              </a:lnSpc>
+              <a:spcBef>
+                <a:spcPts val="500"/>
+              </a:spcBef>
+              <a:buSzPct val="125000"/>
+              <a:buFont typeface="Arial" panose="020B0604020202020204" pitchFamily="34" charset="0"/>
+              <a:buNone/>
+              <a:defRPr sz="1000" kern="1200">
+                <a:solidFill>
+                  <a:schemeClr val="tx1"/>
+                </a:solidFill>
+                <a:latin typeface="+mn-lt"/>
+                <a:ea typeface="+mn-ea"/>
+                <a:cs typeface="+mn-cs"/>
+              </a:defRPr>
+            </a:lvl6pPr>
+            <a:lvl7pPr marL="2743200" indent="0" algn="l" defTabSz="914400" rtl="0" eaLnBrk="1" latinLnBrk="0" hangingPunct="1">
+              <a:lnSpc>
+                <a:spcPct val="120000"/>
+              </a:lnSpc>
+              <a:spcBef>
+                <a:spcPts val="500"/>
+              </a:spcBef>
+              <a:buSzPct val="125000"/>
+              <a:buFont typeface="Arial" panose="020B0604020202020204" pitchFamily="34" charset="0"/>
+              <a:buNone/>
+              <a:defRPr sz="1000" kern="1200">
+                <a:solidFill>
+                  <a:schemeClr val="tx1"/>
+                </a:solidFill>
+                <a:latin typeface="+mn-lt"/>
+                <a:ea typeface="+mn-ea"/>
+                <a:cs typeface="+mn-cs"/>
+              </a:defRPr>
+            </a:lvl7pPr>
+            <a:lvl8pPr marL="3200400" indent="0" algn="l" defTabSz="914400" rtl="0" eaLnBrk="1" latinLnBrk="0" hangingPunct="1">
+              <a:lnSpc>
+                <a:spcPct val="120000"/>
+              </a:lnSpc>
+              <a:spcBef>
+                <a:spcPts val="500"/>
+              </a:spcBef>
+              <a:buSzPct val="125000"/>
+              <a:buFont typeface="Arial" panose="020B0604020202020204" pitchFamily="34" charset="0"/>
+              <a:buNone/>
+              <a:defRPr sz="1000" kern="1200">
+                <a:solidFill>
+                  <a:schemeClr val="tx1"/>
+                </a:solidFill>
+                <a:latin typeface="+mn-lt"/>
+                <a:ea typeface="+mn-ea"/>
+                <a:cs typeface="+mn-cs"/>
+              </a:defRPr>
+            </a:lvl8pPr>
+            <a:lvl9pPr marL="3657600" indent="0" algn="l" defTabSz="914400" rtl="0" eaLnBrk="1" latinLnBrk="0" hangingPunct="1">
+              <a:lnSpc>
+                <a:spcPct val="120000"/>
+              </a:lnSpc>
+              <a:spcBef>
+                <a:spcPts val="500"/>
+              </a:spcBef>
+              <a:buSzPct val="125000"/>
+              <a:buFont typeface="Arial" panose="020B0604020202020204" pitchFamily="34" charset="0"/>
+              <a:buNone/>
+              <a:defRPr sz="1000" kern="1200">
+                <a:solidFill>
+                  <a:schemeClr val="tx1"/>
+                </a:solidFill>
+                <a:latin typeface="+mn-lt"/>
+                <a:ea typeface="+mn-ea"/>
+                <a:cs typeface="+mn-cs"/>
+              </a:defRPr>
+            </a:lvl9pPr>
+          </a:lstStyle>
+          <a:p>
+            <a:pPr marL="285750" indent="-285750">
+              <a:buFont typeface="Arial" charset="0"/>
+              <a:buChar char="•"/>
+            </a:pPr>
+            <a:endParaRPr lang="en-US" dirty="0" smtClean="0"/>
+          </a:p>
+        </p:txBody>
+      </p:sp>
+      <p:sp>
+        <p:nvSpPr>
+          <p:cNvPr id="9" name="Action Button: Custom 8">
+            <a:hlinkClick r:id="rId3" action="ppaction://hlinksldjump" highlightClick="1"/>
+          </p:cNvPr>
+          <p:cNvSpPr/>
+          <p:nvPr/>
+        </p:nvSpPr>
+        <p:spPr>
+          <a:xfrm>
+            <a:off x="7541342" y="1258529"/>
+            <a:ext cx="270797" cy="271206"/>
+          </a:xfrm>
+          <a:prstGeom prst="actionButtonBlank">
+            <a:avLst/>
+          </a:prstGeom>
+          <a:noFill/>
+        </p:spPr>
+        <p:style>
+          <a:lnRef idx="2">
+            <a:schemeClr val="accent6"/>
+          </a:lnRef>
+          <a:fillRef idx="1">
+            <a:schemeClr val="lt1"/>
+          </a:fillRef>
+          <a:effectRef idx="0">
+            <a:schemeClr val="accent6"/>
+          </a:effectRef>
+          <a:fontRef idx="minor">
+            <a:schemeClr val="dk1"/>
+          </a:fontRef>
+        </p:style>
+        <p:txBody>
+          <a:bodyPr rtlCol="0" anchor="ctr"/>
+          <a:lstStyle/>
+          <a:p>
+            <a:pPr algn="ctr"/>
+            <a:endParaRPr lang="en-US"/>
+          </a:p>
+        </p:txBody>
+      </p:sp>
+      <p:sp>
+        <p:nvSpPr>
+          <p:cNvPr id="10" name="Action Button: Custom 9">
+            <a:hlinkClick r:id="rId4" action="ppaction://hlinksldjump" highlightClick="1"/>
+          </p:cNvPr>
+          <p:cNvSpPr/>
+          <p:nvPr/>
+        </p:nvSpPr>
+        <p:spPr>
+          <a:xfrm>
+            <a:off x="9355394" y="4172743"/>
+            <a:ext cx="270797" cy="271206"/>
+          </a:xfrm>
+          <a:prstGeom prst="actionButtonBlank">
+            <a:avLst/>
+          </a:prstGeom>
+          <a:noFill/>
+        </p:spPr>
+        <p:style>
+          <a:lnRef idx="2">
+            <a:schemeClr val="accent6"/>
+          </a:lnRef>
+          <a:fillRef idx="1">
+            <a:schemeClr val="lt1"/>
+          </a:fillRef>
+          <a:effectRef idx="0">
+            <a:schemeClr val="accent6"/>
+          </a:effectRef>
+          <a:fontRef idx="minor">
+            <a:schemeClr val="dk1"/>
+          </a:fontRef>
+        </p:style>
+        <p:txBody>
+          <a:bodyPr rtlCol="0" anchor="ctr"/>
+          <a:lstStyle/>
+          <a:p>
+            <a:pPr algn="ctr"/>
+            <a:endParaRPr lang="en-US"/>
+          </a:p>
+        </p:txBody>
+      </p:sp>
+      <p:sp>
+        <p:nvSpPr>
+          <p:cNvPr id="11" name="Action Button: Custom 10">
+            <a:hlinkClick r:id="rId5" action="ppaction://hlinksldjump" highlightClick="1"/>
+          </p:cNvPr>
+          <p:cNvSpPr/>
+          <p:nvPr/>
+        </p:nvSpPr>
+        <p:spPr>
+          <a:xfrm>
+            <a:off x="7505700" y="4559300"/>
+            <a:ext cx="711200" cy="571500"/>
+          </a:xfrm>
+          <a:prstGeom prst="actionButtonBlank">
+            <a:avLst/>
+          </a:prstGeom>
+          <a:noFill/>
+        </p:spPr>
+        <p:style>
+          <a:lnRef idx="2">
+            <a:schemeClr val="accent6"/>
+          </a:lnRef>
+          <a:fillRef idx="1">
+            <a:schemeClr val="lt1"/>
+          </a:fillRef>
+          <a:effectRef idx="0">
+            <a:schemeClr val="accent6"/>
+          </a:effectRef>
+          <a:fontRef idx="minor">
+            <a:schemeClr val="dk1"/>
+          </a:fontRef>
+        </p:style>
+        <p:txBody>
+          <a:bodyPr rtlCol="0" anchor="ctr"/>
+          <a:lstStyle/>
+          <a:p>
+            <a:pPr algn="ctr"/>
+            <a:endParaRPr lang="en-US"/>
+          </a:p>
+        </p:txBody>
+      </p:sp>
+      <p:sp>
+        <p:nvSpPr>
+          <p:cNvPr id="12" name="Action Button: Custom 11">
+            <a:hlinkClick r:id="rId6" action="ppaction://hlinksldjump" highlightClick="1"/>
+          </p:cNvPr>
+          <p:cNvSpPr/>
+          <p:nvPr/>
+        </p:nvSpPr>
+        <p:spPr>
+          <a:xfrm>
+            <a:off x="8216900" y="4559300"/>
+            <a:ext cx="786606" cy="571500"/>
+          </a:xfrm>
+          <a:prstGeom prst="actionButtonBlank">
+            <a:avLst/>
+          </a:prstGeom>
+          <a:noFill/>
+        </p:spPr>
+        <p:style>
+          <a:lnRef idx="2">
+            <a:schemeClr val="accent6"/>
+          </a:lnRef>
+          <a:fillRef idx="1">
+            <a:schemeClr val="lt1"/>
+          </a:fillRef>
+          <a:effectRef idx="0">
+            <a:schemeClr val="accent6"/>
+          </a:effectRef>
+          <a:fontRef idx="minor">
+            <a:schemeClr val="dk1"/>
+          </a:fontRef>
+        </p:style>
+        <p:txBody>
+          <a:bodyPr rtlCol="0" anchor="ctr"/>
+          <a:lstStyle/>
+          <a:p>
+            <a:pPr algn="ctr"/>
+            <a:endParaRPr lang="en-US"/>
+          </a:p>
+        </p:txBody>
+      </p:sp>
+      <p:sp>
+        <p:nvSpPr>
+          <p:cNvPr id="13" name="Action Button: Custom 12">
+            <a:hlinkClick r:id="rId7" action="ppaction://hlinksldjump" highlightClick="1"/>
+          </p:cNvPr>
+          <p:cNvSpPr/>
+          <p:nvPr/>
+        </p:nvSpPr>
+        <p:spPr>
+          <a:xfrm>
+            <a:off x="9023146" y="4559300"/>
+            <a:ext cx="720622" cy="571500"/>
+          </a:xfrm>
+          <a:prstGeom prst="actionButtonBlank">
+            <a:avLst/>
+          </a:prstGeom>
+          <a:noFill/>
+        </p:spPr>
+        <p:style>
+          <a:lnRef idx="2">
+            <a:schemeClr val="accent6"/>
+          </a:lnRef>
+          <a:fillRef idx="1">
+            <a:schemeClr val="lt1"/>
+          </a:fillRef>
+          <a:effectRef idx="0">
+            <a:schemeClr val="accent6"/>
+          </a:effectRef>
+          <a:fontRef idx="minor">
+            <a:schemeClr val="dk1"/>
+          </a:fontRef>
+        </p:style>
+        <p:txBody>
+          <a:bodyPr rtlCol="0" anchor="ctr"/>
+          <a:lstStyle/>
+          <a:p>
+            <a:pPr algn="ctr"/>
+            <a:endParaRPr lang="en-US"/>
+          </a:p>
+        </p:txBody>
+      </p:sp>
+    </p:spTree>
+    <p:extLst>
+      <p:ext uri="{BB962C8B-B14F-4D97-AF65-F5344CB8AC3E}">
+        <p14:creationId xmlns:p14="http://schemas.microsoft.com/office/powerpoint/2010/main" val="1463279110"/>
+      </p:ext>
+    </p:extLst>
+  </p:cSld>
+  <p:clrMapOvr>
+    <a:masterClrMapping/>
+  </p:clrMapOvr>
+  <p:timing>
+    <p:tnLst>
+      <p:par>
+        <p:cTn id="1" dur="indefinite" restart="never" nodeType="tmRoot"/>
+      </p:par>
+    </p:tnLst>
+  </p:timing>
+</p:sld>
+</file>
+
+<file path=ppt/slides/slide13.xml><?xml version="1.0" encoding="utf-8"?>
+<p:sld xmlns:a="http://schemas.openxmlformats.org/drawingml/2006/main" xmlns:r="http://schemas.openxmlformats.org/officeDocument/2006/relationships" xmlns:p="http://schemas.openxmlformats.org/presentationml/2006/main">
+  <p:cSld>
+    <p:spTree>
+      <p:nvGrpSpPr>
+        <p:cNvPr id="1" name=""/>
+        <p:cNvGrpSpPr/>
+        <p:nvPr/>
+      </p:nvGrpSpPr>
+      <p:grpSpPr>
+        <a:xfrm>
+          <a:off x="0" y="0"/>
+          <a:ext cx="0" cy="0"/>
+          <a:chOff x="0" y="0"/>
+          <a:chExt cx="0" cy="0"/>
+        </a:xfrm>
+      </p:grpSpPr>
+      <p:sp>
+        <p:nvSpPr>
+          <p:cNvPr id="2" name="Title 1"/>
+          <p:cNvSpPr>
+            <a:spLocks noGrp="1"/>
+          </p:cNvSpPr>
+          <p:nvPr>
+            <p:ph type="title"/>
+          </p:nvPr>
+        </p:nvSpPr>
+        <p:spPr/>
+        <p:txBody>
+          <a:bodyPr/>
+          <a:lstStyle/>
+          <a:p>
+            <a:r>
+              <a:rPr lang="en-US" dirty="0" smtClean="0"/>
+              <a:t>Upgrade to Premium</a:t>
+            </a:r>
+            <a:endParaRPr lang="en-US" dirty="0"/>
+          </a:p>
+        </p:txBody>
+      </p:sp>
+      <p:sp>
+        <p:nvSpPr>
+          <p:cNvPr id="4" name="Text Placeholder 3"/>
+          <p:cNvSpPr>
+            <a:spLocks noGrp="1"/>
+          </p:cNvSpPr>
+          <p:nvPr>
+            <p:ph type="body" sz="half" idx="2"/>
+          </p:nvPr>
+        </p:nvSpPr>
+        <p:spPr>
+          <a:xfrm>
+            <a:off x="1667405" y="2249486"/>
+            <a:ext cx="4212285" cy="3541714"/>
+          </a:xfrm>
+        </p:spPr>
+        <p:txBody>
+          <a:bodyPr>
+            <a:normAutofit/>
+          </a:bodyPr>
+          <a:lstStyle/>
+          <a:p>
+            <a:pPr marL="285750" indent="-285750">
+              <a:buFont typeface="Arial" charset="0"/>
+              <a:buChar char="•"/>
+            </a:pPr>
+            <a:r>
+              <a:rPr lang="en-US" dirty="0" smtClean="0"/>
+              <a:t>Unfortunately we have to feed our families, so we’re charging money for certain functionality. A message similar to this will appear whenever the user tries to do something requiring premium</a:t>
+            </a:r>
+          </a:p>
+          <a:p>
+            <a:pPr marL="285750" indent="-285750">
+              <a:buFont typeface="Arial" charset="0"/>
+              <a:buChar char="•"/>
+            </a:pPr>
+            <a:r>
+              <a:rPr lang="en-US" dirty="0" smtClean="0"/>
+              <a:t>It’s important to note: we handle this through the </a:t>
+            </a:r>
+            <a:r>
+              <a:rPr lang="en-US" dirty="0"/>
+              <a:t>A</a:t>
+            </a:r>
+            <a:r>
+              <a:rPr lang="en-US" dirty="0" smtClean="0"/>
+              <a:t>pp Store/Google Play Store. Yes, they’ll get a cut of the revenue, but we’ll save more in the long run from not having to secure customer credit card information, manage receipts, etc.</a:t>
+            </a:r>
+            <a:endParaRPr lang="en-US" dirty="0"/>
+          </a:p>
+        </p:txBody>
+      </p:sp>
+      <p:pic>
+        <p:nvPicPr>
+          <p:cNvPr id="6" name="Content Placeholder 5"/>
+          <p:cNvPicPr>
+            <a:picLocks noGrp="1" noChangeAspect="1"/>
+          </p:cNvPicPr>
+          <p:nvPr>
+            <p:ph idx="1"/>
+          </p:nvPr>
+        </p:nvPicPr>
+        <p:blipFill>
+          <a:blip r:embed="rId2">
+            <a:extLst>
+              <a:ext uri="{28A0092B-C50C-407E-A947-70E740481C1C}">
+                <a14:useLocalDpi xmlns:a14="http://schemas.microsoft.com/office/drawing/2010/main" val="0"/>
+              </a:ext>
+            </a:extLst>
+          </a:blip>
+          <a:stretch>
+            <a:fillRect/>
+          </a:stretch>
+        </p:blipFill>
+        <p:spPr>
+          <a:xfrm>
+            <a:off x="7369423" y="592138"/>
+            <a:ext cx="2526646" cy="5199062"/>
+          </a:xfrm>
+        </p:spPr>
+      </p:pic>
+      <p:sp>
+        <p:nvSpPr>
+          <p:cNvPr id="5" name="Text Placeholder 3"/>
+          <p:cNvSpPr txBox="1">
+            <a:spLocks/>
+          </p:cNvSpPr>
+          <p:nvPr/>
+        </p:nvSpPr>
+        <p:spPr>
+          <a:xfrm>
+            <a:off x="1819805" y="2401886"/>
+            <a:ext cx="3856037" cy="3541714"/>
+          </a:xfrm>
+          <a:prstGeom prst="rect">
+            <a:avLst/>
+          </a:prstGeom>
+        </p:spPr>
+        <p:txBody>
+          <a:bodyPr vert="horz" lIns="91440" tIns="45720" rIns="91440" bIns="45720" rtlCol="0">
+            <a:normAutofit/>
+          </a:bodyPr>
+          <a:lstStyle>
+            <a:lvl1pPr marL="0" indent="0" algn="l" defTabSz="914400" rtl="0" eaLnBrk="1" latinLnBrk="0" hangingPunct="1">
+              <a:lnSpc>
+                <a:spcPct val="120000"/>
+              </a:lnSpc>
+              <a:spcBef>
+                <a:spcPts val="1000"/>
+              </a:spcBef>
+              <a:buSzPct val="125000"/>
+              <a:buFont typeface="Arial" panose="020B0604020202020204" pitchFamily="34" charset="0"/>
+              <a:buNone/>
+              <a:defRPr sz="1600" kern="1200">
+                <a:solidFill>
+                  <a:schemeClr val="tx1"/>
+                </a:solidFill>
+                <a:latin typeface="+mn-lt"/>
+                <a:ea typeface="+mn-ea"/>
+                <a:cs typeface="+mn-cs"/>
+              </a:defRPr>
+            </a:lvl1pPr>
+            <a:lvl2pPr marL="457200" indent="0" algn="l" defTabSz="914400" rtl="0" eaLnBrk="1" latinLnBrk="0" hangingPunct="1">
+              <a:lnSpc>
+                <a:spcPct val="120000"/>
+              </a:lnSpc>
+              <a:spcBef>
+                <a:spcPts val="500"/>
+              </a:spcBef>
+              <a:buSzPct val="125000"/>
+              <a:buFont typeface="Arial" panose="020B0604020202020204" pitchFamily="34" charset="0"/>
+              <a:buNone/>
+              <a:defRPr sz="1400" kern="1200">
+                <a:solidFill>
+                  <a:schemeClr val="tx1"/>
+                </a:solidFill>
+                <a:latin typeface="+mn-lt"/>
+                <a:ea typeface="+mn-ea"/>
+                <a:cs typeface="+mn-cs"/>
+              </a:defRPr>
+            </a:lvl2pPr>
+            <a:lvl3pPr marL="914400" indent="0" algn="l" defTabSz="914400" rtl="0" eaLnBrk="1" latinLnBrk="0" hangingPunct="1">
+              <a:lnSpc>
+                <a:spcPct val="120000"/>
+              </a:lnSpc>
+              <a:spcBef>
+                <a:spcPts val="500"/>
+              </a:spcBef>
+              <a:buSzPct val="125000"/>
+              <a:buFont typeface="Arial" panose="020B0604020202020204" pitchFamily="34" charset="0"/>
+              <a:buNone/>
+              <a:defRPr sz="1200" kern="1200">
+                <a:solidFill>
+                  <a:schemeClr val="tx1"/>
+                </a:solidFill>
+                <a:latin typeface="+mn-lt"/>
+                <a:ea typeface="+mn-ea"/>
+                <a:cs typeface="+mn-cs"/>
+              </a:defRPr>
+            </a:lvl3pPr>
+            <a:lvl4pPr marL="1371600" indent="0" algn="l" defTabSz="914400" rtl="0" eaLnBrk="1" latinLnBrk="0" hangingPunct="1">
+              <a:lnSpc>
+                <a:spcPct val="120000"/>
+              </a:lnSpc>
+              <a:spcBef>
+                <a:spcPts val="500"/>
+              </a:spcBef>
+              <a:buSzPct val="125000"/>
+              <a:buFont typeface="Arial" panose="020B0604020202020204" pitchFamily="34" charset="0"/>
+              <a:buNone/>
+              <a:defRPr sz="1000" kern="1200">
+                <a:solidFill>
+                  <a:schemeClr val="tx1"/>
+                </a:solidFill>
+                <a:latin typeface="+mn-lt"/>
+                <a:ea typeface="+mn-ea"/>
+                <a:cs typeface="+mn-cs"/>
+              </a:defRPr>
+            </a:lvl4pPr>
+            <a:lvl5pPr marL="1828800" indent="0" algn="l" defTabSz="914400" rtl="0" eaLnBrk="1" latinLnBrk="0" hangingPunct="1">
+              <a:lnSpc>
+                <a:spcPct val="120000"/>
+              </a:lnSpc>
+              <a:spcBef>
+                <a:spcPts val="500"/>
+              </a:spcBef>
+              <a:buSzPct val="125000"/>
+              <a:buFont typeface="Arial" panose="020B0604020202020204" pitchFamily="34" charset="0"/>
+              <a:buNone/>
+              <a:defRPr sz="1000" kern="1200">
+                <a:solidFill>
+                  <a:schemeClr val="tx1"/>
+                </a:solidFill>
+                <a:latin typeface="+mn-lt"/>
+                <a:ea typeface="+mn-ea"/>
+                <a:cs typeface="+mn-cs"/>
+              </a:defRPr>
+            </a:lvl5pPr>
+            <a:lvl6pPr marL="2286000" indent="0" algn="l" defTabSz="914400" rtl="0" eaLnBrk="1" latinLnBrk="0" hangingPunct="1">
+              <a:lnSpc>
+                <a:spcPct val="120000"/>
+              </a:lnSpc>
+              <a:spcBef>
+                <a:spcPts val="500"/>
+              </a:spcBef>
+              <a:buSzPct val="125000"/>
+              <a:buFont typeface="Arial" panose="020B0604020202020204" pitchFamily="34" charset="0"/>
+              <a:buNone/>
+              <a:defRPr sz="1000" kern="1200">
+                <a:solidFill>
+                  <a:schemeClr val="tx1"/>
+                </a:solidFill>
+                <a:latin typeface="+mn-lt"/>
+                <a:ea typeface="+mn-ea"/>
+                <a:cs typeface="+mn-cs"/>
+              </a:defRPr>
+            </a:lvl6pPr>
+            <a:lvl7pPr marL="2743200" indent="0" algn="l" defTabSz="914400" rtl="0" eaLnBrk="1" latinLnBrk="0" hangingPunct="1">
+              <a:lnSpc>
+                <a:spcPct val="120000"/>
+              </a:lnSpc>
+              <a:spcBef>
+                <a:spcPts val="500"/>
+              </a:spcBef>
+              <a:buSzPct val="125000"/>
+              <a:buFont typeface="Arial" panose="020B0604020202020204" pitchFamily="34" charset="0"/>
+              <a:buNone/>
+              <a:defRPr sz="1000" kern="1200">
+                <a:solidFill>
+                  <a:schemeClr val="tx1"/>
+                </a:solidFill>
+                <a:latin typeface="+mn-lt"/>
+                <a:ea typeface="+mn-ea"/>
+                <a:cs typeface="+mn-cs"/>
+              </a:defRPr>
+            </a:lvl7pPr>
+            <a:lvl8pPr marL="3200400" indent="0" algn="l" defTabSz="914400" rtl="0" eaLnBrk="1" latinLnBrk="0" hangingPunct="1">
+              <a:lnSpc>
+                <a:spcPct val="120000"/>
+              </a:lnSpc>
+              <a:spcBef>
+                <a:spcPts val="500"/>
+              </a:spcBef>
+              <a:buSzPct val="125000"/>
+              <a:buFont typeface="Arial" panose="020B0604020202020204" pitchFamily="34" charset="0"/>
+              <a:buNone/>
+              <a:defRPr sz="1000" kern="1200">
+                <a:solidFill>
+                  <a:schemeClr val="tx1"/>
+                </a:solidFill>
+                <a:latin typeface="+mn-lt"/>
+                <a:ea typeface="+mn-ea"/>
+                <a:cs typeface="+mn-cs"/>
+              </a:defRPr>
+            </a:lvl8pPr>
+            <a:lvl9pPr marL="3657600" indent="0" algn="l" defTabSz="914400" rtl="0" eaLnBrk="1" latinLnBrk="0" hangingPunct="1">
+              <a:lnSpc>
+                <a:spcPct val="120000"/>
+              </a:lnSpc>
+              <a:spcBef>
+                <a:spcPts val="500"/>
+              </a:spcBef>
+              <a:buSzPct val="125000"/>
+              <a:buFont typeface="Arial" panose="020B0604020202020204" pitchFamily="34" charset="0"/>
+              <a:buNone/>
+              <a:defRPr sz="1000" kern="1200">
+                <a:solidFill>
+                  <a:schemeClr val="tx1"/>
+                </a:solidFill>
+                <a:latin typeface="+mn-lt"/>
+                <a:ea typeface="+mn-ea"/>
+                <a:cs typeface="+mn-cs"/>
+              </a:defRPr>
+            </a:lvl9pPr>
+          </a:lstStyle>
+          <a:p>
+            <a:pPr marL="285750" indent="-285750">
+              <a:buFont typeface="Arial" charset="0"/>
+              <a:buChar char="•"/>
+            </a:pPr>
+            <a:endParaRPr lang="en-US" dirty="0" smtClean="0"/>
+          </a:p>
+        </p:txBody>
+      </p:sp>
+      <p:sp>
+        <p:nvSpPr>
+          <p:cNvPr id="9" name="Action Button: Custom 8">
+            <a:hlinkClick r:id="rId3" action="ppaction://hlinksldjump" highlightClick="1"/>
+          </p:cNvPr>
+          <p:cNvSpPr/>
+          <p:nvPr/>
+        </p:nvSpPr>
+        <p:spPr>
+          <a:xfrm>
+            <a:off x="7541342" y="1258529"/>
+            <a:ext cx="270797" cy="271206"/>
+          </a:xfrm>
+          <a:prstGeom prst="actionButtonBlank">
+            <a:avLst/>
+          </a:prstGeom>
+          <a:noFill/>
+        </p:spPr>
+        <p:style>
+          <a:lnRef idx="2">
+            <a:schemeClr val="accent6"/>
+          </a:lnRef>
+          <a:fillRef idx="1">
+            <a:schemeClr val="lt1"/>
+          </a:fillRef>
+          <a:effectRef idx="0">
+            <a:schemeClr val="accent6"/>
+          </a:effectRef>
+          <a:fontRef idx="minor">
+            <a:schemeClr val="dk1"/>
+          </a:fontRef>
+        </p:style>
+        <p:txBody>
+          <a:bodyPr rtlCol="0" anchor="ctr"/>
+          <a:lstStyle/>
+          <a:p>
+            <a:pPr algn="ctr"/>
+            <a:endParaRPr lang="en-US"/>
+          </a:p>
+        </p:txBody>
+      </p:sp>
+      <p:sp>
+        <p:nvSpPr>
+          <p:cNvPr id="10" name="Action Button: Custom 9">
+            <a:hlinkClick r:id="rId4" action="ppaction://hlinksldjump" highlightClick="1"/>
+          </p:cNvPr>
+          <p:cNvSpPr/>
+          <p:nvPr/>
+        </p:nvSpPr>
+        <p:spPr>
+          <a:xfrm>
+            <a:off x="7505700" y="4559300"/>
+            <a:ext cx="711200" cy="571500"/>
+          </a:xfrm>
+          <a:prstGeom prst="actionButtonBlank">
+            <a:avLst/>
+          </a:prstGeom>
+          <a:noFill/>
+        </p:spPr>
+        <p:style>
+          <a:lnRef idx="2">
+            <a:schemeClr val="accent6"/>
+          </a:lnRef>
+          <a:fillRef idx="1">
+            <a:schemeClr val="lt1"/>
+          </a:fillRef>
+          <a:effectRef idx="0">
+            <a:schemeClr val="accent6"/>
+          </a:effectRef>
+          <a:fontRef idx="minor">
+            <a:schemeClr val="dk1"/>
+          </a:fontRef>
+        </p:style>
+        <p:txBody>
+          <a:bodyPr rtlCol="0" anchor="ctr"/>
+          <a:lstStyle/>
+          <a:p>
+            <a:pPr algn="ctr"/>
+            <a:endParaRPr lang="en-US"/>
+          </a:p>
+        </p:txBody>
+      </p:sp>
+      <p:sp>
+        <p:nvSpPr>
+          <p:cNvPr id="11" name="Action Button: Custom 10">
+            <a:hlinkClick r:id="rId5" action="ppaction://hlinksldjump" highlightClick="1"/>
+          </p:cNvPr>
+          <p:cNvSpPr/>
+          <p:nvPr/>
+        </p:nvSpPr>
+        <p:spPr>
+          <a:xfrm>
+            <a:off x="8216900" y="4559300"/>
+            <a:ext cx="786606" cy="571500"/>
+          </a:xfrm>
+          <a:prstGeom prst="actionButtonBlank">
+            <a:avLst/>
+          </a:prstGeom>
+          <a:noFill/>
+        </p:spPr>
+        <p:style>
+          <a:lnRef idx="2">
+            <a:schemeClr val="accent6"/>
+          </a:lnRef>
+          <a:fillRef idx="1">
+            <a:schemeClr val="lt1"/>
+          </a:fillRef>
+          <a:effectRef idx="0">
+            <a:schemeClr val="accent6"/>
+          </a:effectRef>
+          <a:fontRef idx="minor">
+            <a:schemeClr val="dk1"/>
+          </a:fontRef>
+        </p:style>
+        <p:txBody>
+          <a:bodyPr rtlCol="0" anchor="ctr"/>
+          <a:lstStyle/>
+          <a:p>
+            <a:pPr algn="ctr"/>
+            <a:endParaRPr lang="en-US"/>
+          </a:p>
+        </p:txBody>
+      </p:sp>
+      <p:sp>
+        <p:nvSpPr>
+          <p:cNvPr id="12" name="Action Button: Custom 11">
+            <a:hlinkClick r:id="rId3" action="ppaction://hlinksldjump" highlightClick="1"/>
+          </p:cNvPr>
+          <p:cNvSpPr/>
+          <p:nvPr/>
+        </p:nvSpPr>
+        <p:spPr>
+          <a:xfrm>
+            <a:off x="8642578" y="4020343"/>
+            <a:ext cx="341264" cy="217360"/>
+          </a:xfrm>
+          <a:prstGeom prst="actionButtonBlank">
+            <a:avLst/>
+          </a:prstGeom>
+          <a:noFill/>
+        </p:spPr>
+        <p:style>
+          <a:lnRef idx="2">
+            <a:schemeClr val="accent6"/>
+          </a:lnRef>
+          <a:fillRef idx="1">
+            <a:schemeClr val="lt1"/>
+          </a:fillRef>
+          <a:effectRef idx="0">
+            <a:schemeClr val="accent6"/>
+          </a:effectRef>
+          <a:fontRef idx="minor">
+            <a:schemeClr val="dk1"/>
+          </a:fontRef>
+        </p:style>
+        <p:txBody>
+          <a:bodyPr rtlCol="0" anchor="ctr"/>
+          <a:lstStyle/>
+          <a:p>
+            <a:pPr algn="ctr"/>
+            <a:endParaRPr lang="en-US"/>
+          </a:p>
+        </p:txBody>
+      </p:sp>
+      <p:sp>
+        <p:nvSpPr>
+          <p:cNvPr id="13" name="Action Button: Custom 12">
+            <a:hlinkClick r:id="rId6" action="ppaction://hlinksldjump" highlightClick="1"/>
+          </p:cNvPr>
+          <p:cNvSpPr/>
+          <p:nvPr/>
+        </p:nvSpPr>
+        <p:spPr>
+          <a:xfrm>
+            <a:off x="9023146" y="4559300"/>
+            <a:ext cx="720622" cy="571500"/>
+          </a:xfrm>
+          <a:prstGeom prst="actionButtonBlank">
+            <a:avLst/>
+          </a:prstGeom>
+          <a:noFill/>
+        </p:spPr>
+        <p:style>
+          <a:lnRef idx="2">
+            <a:schemeClr val="accent6"/>
+          </a:lnRef>
+          <a:fillRef idx="1">
+            <a:schemeClr val="lt1"/>
+          </a:fillRef>
+          <a:effectRef idx="0">
+            <a:schemeClr val="accent6"/>
+          </a:effectRef>
+          <a:fontRef idx="minor">
+            <a:schemeClr val="dk1"/>
+          </a:fontRef>
+        </p:style>
+        <p:txBody>
+          <a:bodyPr rtlCol="0" anchor="ctr"/>
+          <a:lstStyle/>
+          <a:p>
+            <a:pPr algn="ctr"/>
+            <a:endParaRPr lang="en-US"/>
+          </a:p>
+        </p:txBody>
+      </p:sp>
+    </p:spTree>
+    <p:extLst>
+      <p:ext uri="{BB962C8B-B14F-4D97-AF65-F5344CB8AC3E}">
+        <p14:creationId xmlns:p14="http://schemas.microsoft.com/office/powerpoint/2010/main" val="1400573517"/>
+      </p:ext>
+    </p:extLst>
+  </p:cSld>
+  <p:clrMapOvr>
+    <a:masterClrMapping/>
+  </p:clrMapOvr>
+  <p:timing>
+    <p:tnLst>
+      <p:par>
+        <p:cTn id="1" dur="indefinite" restart="never" nodeType="tmRoot"/>
+      </p:par>
+    </p:tnLst>
+  </p:timing>
+</p:sld>
+</file>
+
+<file path=ppt/slides/slide14.xml><?xml version="1.0" encoding="utf-8"?>
+<p:sld xmlns:a="http://schemas.openxmlformats.org/drawingml/2006/main" xmlns:r="http://schemas.openxmlformats.org/officeDocument/2006/relationships" xmlns:p="http://schemas.openxmlformats.org/presentationml/2006/main">
+  <p:cSld>
+    <p:spTree>
+      <p:nvGrpSpPr>
+        <p:cNvPr id="1" name=""/>
+        <p:cNvGrpSpPr/>
+        <p:nvPr/>
+      </p:nvGrpSpPr>
+      <p:grpSpPr>
+        <a:xfrm>
+          <a:off x="0" y="0"/>
+          <a:ext cx="0" cy="0"/>
+          <a:chOff x="0" y="0"/>
+          <a:chExt cx="0" cy="0"/>
+        </a:xfrm>
+      </p:grpSpPr>
+      <p:sp>
+        <p:nvSpPr>
+          <p:cNvPr id="2" name="Title 1"/>
+          <p:cNvSpPr>
+            <a:spLocks noGrp="1"/>
+          </p:cNvSpPr>
+          <p:nvPr>
+            <p:ph type="title"/>
+          </p:nvPr>
+        </p:nvSpPr>
+        <p:spPr/>
+        <p:txBody>
+          <a:bodyPr/>
+          <a:lstStyle/>
+          <a:p>
+            <a:r>
+              <a:rPr lang="en-US" dirty="0" smtClean="0"/>
+              <a:t>View/Comment </a:t>
+            </a:r>
+            <a:br>
+              <a:rPr lang="en-US" dirty="0" smtClean="0"/>
+            </a:br>
+            <a:r>
+              <a:rPr lang="en-US" dirty="0" smtClean="0"/>
+              <a:t>on photos</a:t>
+            </a:r>
+            <a:endParaRPr lang="en-US" dirty="0"/>
+          </a:p>
+        </p:txBody>
+      </p:sp>
+      <p:sp>
+        <p:nvSpPr>
+          <p:cNvPr id="4" name="Text Placeholder 3"/>
+          <p:cNvSpPr>
+            <a:spLocks noGrp="1"/>
+          </p:cNvSpPr>
+          <p:nvPr>
+            <p:ph type="body" sz="half" idx="2"/>
+          </p:nvPr>
+        </p:nvSpPr>
+        <p:spPr>
+          <a:xfrm>
+            <a:off x="1667405" y="2249486"/>
+            <a:ext cx="3488795" cy="3541714"/>
+          </a:xfrm>
+        </p:spPr>
+        <p:txBody>
+          <a:bodyPr/>
+          <a:lstStyle/>
+          <a:p>
+            <a:pPr marL="285750" indent="-285750">
+              <a:buFont typeface="Arial" charset="0"/>
+              <a:buChar char="•"/>
+            </a:pPr>
+            <a:r>
+              <a:rPr lang="en-US" dirty="0" smtClean="0"/>
+              <a:t>Pick a photo in particular</a:t>
+            </a:r>
+          </a:p>
+          <a:p>
+            <a:pPr marL="285750" indent="-285750">
+              <a:buFont typeface="Arial" charset="0"/>
+              <a:buChar char="•"/>
+            </a:pPr>
+            <a:r>
+              <a:rPr lang="en-US" dirty="0" smtClean="0"/>
+              <a:t>Like or comment</a:t>
+            </a:r>
+            <a:endParaRPr lang="en-US" dirty="0"/>
+          </a:p>
+          <a:p>
+            <a:pPr marL="285750" indent="-285750">
+              <a:buFont typeface="Arial" charset="0"/>
+              <a:buChar char="•"/>
+            </a:pPr>
+            <a:r>
+              <a:rPr lang="en-US" dirty="0" smtClean="0"/>
+              <a:t>View comments of others</a:t>
+            </a:r>
+            <a:endParaRPr lang="en-US" dirty="0" smtClean="0"/>
+          </a:p>
+        </p:txBody>
+      </p:sp>
+      <p:pic>
+        <p:nvPicPr>
+          <p:cNvPr id="6" name="Content Placeholder 5"/>
+          <p:cNvPicPr>
+            <a:picLocks noGrp="1" noChangeAspect="1"/>
+          </p:cNvPicPr>
+          <p:nvPr>
+            <p:ph idx="1"/>
+          </p:nvPr>
+        </p:nvPicPr>
+        <p:blipFill>
+          <a:blip r:embed="rId2">
+            <a:extLst>
+              <a:ext uri="{28A0092B-C50C-407E-A947-70E740481C1C}">
+                <a14:useLocalDpi xmlns:a14="http://schemas.microsoft.com/office/drawing/2010/main" val="0"/>
+              </a:ext>
+            </a:extLst>
+          </a:blip>
+          <a:stretch>
+            <a:fillRect/>
+          </a:stretch>
+        </p:blipFill>
+        <p:spPr>
+          <a:xfrm>
+            <a:off x="7369425" y="592138"/>
+            <a:ext cx="2526646" cy="5199062"/>
+          </a:xfrm>
+        </p:spPr>
+      </p:pic>
+      <p:sp>
+        <p:nvSpPr>
+          <p:cNvPr id="5" name="Text Placeholder 3"/>
+          <p:cNvSpPr txBox="1">
+            <a:spLocks/>
+          </p:cNvSpPr>
+          <p:nvPr/>
+        </p:nvSpPr>
+        <p:spPr>
+          <a:xfrm>
+            <a:off x="1819805" y="2401886"/>
+            <a:ext cx="3856037" cy="3541714"/>
+          </a:xfrm>
+          <a:prstGeom prst="rect">
+            <a:avLst/>
+          </a:prstGeom>
+        </p:spPr>
+        <p:txBody>
+          <a:bodyPr vert="horz" lIns="91440" tIns="45720" rIns="91440" bIns="45720" rtlCol="0">
+            <a:normAutofit/>
+          </a:bodyPr>
+          <a:lstStyle>
+            <a:lvl1pPr marL="0" indent="0" algn="l" defTabSz="914400" rtl="0" eaLnBrk="1" latinLnBrk="0" hangingPunct="1">
+              <a:lnSpc>
+                <a:spcPct val="120000"/>
+              </a:lnSpc>
+              <a:spcBef>
+                <a:spcPts val="1000"/>
+              </a:spcBef>
+              <a:buSzPct val="125000"/>
+              <a:buFont typeface="Arial" panose="020B0604020202020204" pitchFamily="34" charset="0"/>
+              <a:buNone/>
+              <a:defRPr sz="1600" kern="1200">
+                <a:solidFill>
+                  <a:schemeClr val="tx1"/>
+                </a:solidFill>
+                <a:latin typeface="+mn-lt"/>
+                <a:ea typeface="+mn-ea"/>
+                <a:cs typeface="+mn-cs"/>
+              </a:defRPr>
+            </a:lvl1pPr>
+            <a:lvl2pPr marL="457200" indent="0" algn="l" defTabSz="914400" rtl="0" eaLnBrk="1" latinLnBrk="0" hangingPunct="1">
+              <a:lnSpc>
+                <a:spcPct val="120000"/>
+              </a:lnSpc>
+              <a:spcBef>
+                <a:spcPts val="500"/>
+              </a:spcBef>
+              <a:buSzPct val="125000"/>
+              <a:buFont typeface="Arial" panose="020B0604020202020204" pitchFamily="34" charset="0"/>
+              <a:buNone/>
+              <a:defRPr sz="1400" kern="1200">
+                <a:solidFill>
+                  <a:schemeClr val="tx1"/>
+                </a:solidFill>
+                <a:latin typeface="+mn-lt"/>
+                <a:ea typeface="+mn-ea"/>
+                <a:cs typeface="+mn-cs"/>
+              </a:defRPr>
+            </a:lvl2pPr>
+            <a:lvl3pPr marL="914400" indent="0" algn="l" defTabSz="914400" rtl="0" eaLnBrk="1" latinLnBrk="0" hangingPunct="1">
+              <a:lnSpc>
+                <a:spcPct val="120000"/>
+              </a:lnSpc>
+              <a:spcBef>
+                <a:spcPts val="500"/>
+              </a:spcBef>
+              <a:buSzPct val="125000"/>
+              <a:buFont typeface="Arial" panose="020B0604020202020204" pitchFamily="34" charset="0"/>
+              <a:buNone/>
+              <a:defRPr sz="1200" kern="1200">
+                <a:solidFill>
+                  <a:schemeClr val="tx1"/>
+                </a:solidFill>
+                <a:latin typeface="+mn-lt"/>
+                <a:ea typeface="+mn-ea"/>
+                <a:cs typeface="+mn-cs"/>
+              </a:defRPr>
+            </a:lvl3pPr>
+            <a:lvl4pPr marL="1371600" indent="0" algn="l" defTabSz="914400" rtl="0" eaLnBrk="1" latinLnBrk="0" hangingPunct="1">
+              <a:lnSpc>
+                <a:spcPct val="120000"/>
+              </a:lnSpc>
+              <a:spcBef>
+                <a:spcPts val="500"/>
+              </a:spcBef>
+              <a:buSzPct val="125000"/>
+              <a:buFont typeface="Arial" panose="020B0604020202020204" pitchFamily="34" charset="0"/>
+              <a:buNone/>
+              <a:defRPr sz="1000" kern="1200">
+                <a:solidFill>
+                  <a:schemeClr val="tx1"/>
+                </a:solidFill>
+                <a:latin typeface="+mn-lt"/>
+                <a:ea typeface="+mn-ea"/>
+                <a:cs typeface="+mn-cs"/>
+              </a:defRPr>
+            </a:lvl4pPr>
+            <a:lvl5pPr marL="1828800" indent="0" algn="l" defTabSz="914400" rtl="0" eaLnBrk="1" latinLnBrk="0" hangingPunct="1">
+              <a:lnSpc>
+                <a:spcPct val="120000"/>
+              </a:lnSpc>
+              <a:spcBef>
+                <a:spcPts val="500"/>
+              </a:spcBef>
+              <a:buSzPct val="125000"/>
+              <a:buFont typeface="Arial" panose="020B0604020202020204" pitchFamily="34" charset="0"/>
+              <a:buNone/>
+              <a:defRPr sz="1000" kern="1200">
+                <a:solidFill>
+                  <a:schemeClr val="tx1"/>
+                </a:solidFill>
+                <a:latin typeface="+mn-lt"/>
+                <a:ea typeface="+mn-ea"/>
+                <a:cs typeface="+mn-cs"/>
+              </a:defRPr>
+            </a:lvl5pPr>
+            <a:lvl6pPr marL="2286000" indent="0" algn="l" defTabSz="914400" rtl="0" eaLnBrk="1" latinLnBrk="0" hangingPunct="1">
+              <a:lnSpc>
+                <a:spcPct val="120000"/>
+              </a:lnSpc>
+              <a:spcBef>
+                <a:spcPts val="500"/>
+              </a:spcBef>
+              <a:buSzPct val="125000"/>
+              <a:buFont typeface="Arial" panose="020B0604020202020204" pitchFamily="34" charset="0"/>
+              <a:buNone/>
+              <a:defRPr sz="1000" kern="1200">
+                <a:solidFill>
+                  <a:schemeClr val="tx1"/>
+                </a:solidFill>
+                <a:latin typeface="+mn-lt"/>
+                <a:ea typeface="+mn-ea"/>
+                <a:cs typeface="+mn-cs"/>
+              </a:defRPr>
+            </a:lvl6pPr>
+            <a:lvl7pPr marL="2743200" indent="0" algn="l" defTabSz="914400" rtl="0" eaLnBrk="1" latinLnBrk="0" hangingPunct="1">
+              <a:lnSpc>
+                <a:spcPct val="120000"/>
+              </a:lnSpc>
+              <a:spcBef>
+                <a:spcPts val="500"/>
+              </a:spcBef>
+              <a:buSzPct val="125000"/>
+              <a:buFont typeface="Arial" panose="020B0604020202020204" pitchFamily="34" charset="0"/>
+              <a:buNone/>
+              <a:defRPr sz="1000" kern="1200">
+                <a:solidFill>
+                  <a:schemeClr val="tx1"/>
+                </a:solidFill>
+                <a:latin typeface="+mn-lt"/>
+                <a:ea typeface="+mn-ea"/>
+                <a:cs typeface="+mn-cs"/>
+              </a:defRPr>
+            </a:lvl7pPr>
+            <a:lvl8pPr marL="3200400" indent="0" algn="l" defTabSz="914400" rtl="0" eaLnBrk="1" latinLnBrk="0" hangingPunct="1">
+              <a:lnSpc>
+                <a:spcPct val="120000"/>
+              </a:lnSpc>
+              <a:spcBef>
+                <a:spcPts val="500"/>
+              </a:spcBef>
+              <a:buSzPct val="125000"/>
+              <a:buFont typeface="Arial" panose="020B0604020202020204" pitchFamily="34" charset="0"/>
+              <a:buNone/>
+              <a:defRPr sz="1000" kern="1200">
+                <a:solidFill>
+                  <a:schemeClr val="tx1"/>
+                </a:solidFill>
+                <a:latin typeface="+mn-lt"/>
+                <a:ea typeface="+mn-ea"/>
+                <a:cs typeface="+mn-cs"/>
+              </a:defRPr>
+            </a:lvl8pPr>
+            <a:lvl9pPr marL="3657600" indent="0" algn="l" defTabSz="914400" rtl="0" eaLnBrk="1" latinLnBrk="0" hangingPunct="1">
+              <a:lnSpc>
+                <a:spcPct val="120000"/>
+              </a:lnSpc>
+              <a:spcBef>
+                <a:spcPts val="500"/>
+              </a:spcBef>
+              <a:buSzPct val="125000"/>
+              <a:buFont typeface="Arial" panose="020B0604020202020204" pitchFamily="34" charset="0"/>
+              <a:buNone/>
+              <a:defRPr sz="1000" kern="1200">
+                <a:solidFill>
+                  <a:schemeClr val="tx1"/>
+                </a:solidFill>
+                <a:latin typeface="+mn-lt"/>
+                <a:ea typeface="+mn-ea"/>
+                <a:cs typeface="+mn-cs"/>
+              </a:defRPr>
+            </a:lvl9pPr>
+          </a:lstStyle>
+          <a:p>
+            <a:pPr marL="285750" indent="-285750">
+              <a:buFont typeface="Arial" charset="0"/>
+              <a:buChar char="•"/>
+            </a:pPr>
+            <a:endParaRPr lang="en-US" dirty="0" smtClean="0"/>
+          </a:p>
+        </p:txBody>
+      </p:sp>
+      <p:sp>
+        <p:nvSpPr>
+          <p:cNvPr id="7" name="Action Button: Custom 6">
+            <a:hlinkClick r:id="rId3" action="ppaction://hlinksldjump" highlightClick="1"/>
+          </p:cNvPr>
+          <p:cNvSpPr/>
+          <p:nvPr/>
+        </p:nvSpPr>
+        <p:spPr>
+          <a:xfrm>
+            <a:off x="7541342" y="1258529"/>
+            <a:ext cx="270797" cy="271206"/>
+          </a:xfrm>
+          <a:prstGeom prst="actionButtonBlank">
+            <a:avLst/>
+          </a:prstGeom>
+          <a:noFill/>
+        </p:spPr>
+        <p:style>
+          <a:lnRef idx="2">
+            <a:schemeClr val="accent6"/>
+          </a:lnRef>
+          <a:fillRef idx="1">
+            <a:schemeClr val="lt1"/>
+          </a:fillRef>
+          <a:effectRef idx="0">
+            <a:schemeClr val="accent6"/>
+          </a:effectRef>
+          <a:fontRef idx="minor">
+            <a:schemeClr val="dk1"/>
+          </a:fontRef>
+        </p:style>
+        <p:txBody>
+          <a:bodyPr rtlCol="0" anchor="ctr"/>
+          <a:lstStyle/>
+          <a:p>
+            <a:pPr algn="ctr"/>
+            <a:endParaRPr lang="en-US"/>
+          </a:p>
+        </p:txBody>
+      </p:sp>
+      <p:sp>
+        <p:nvSpPr>
+          <p:cNvPr id="8" name="Action Button: Custom 7">
+            <a:hlinkClick r:id="rId4" action="ppaction://hlinksldjump" highlightClick="1"/>
+          </p:cNvPr>
+          <p:cNvSpPr/>
+          <p:nvPr/>
+        </p:nvSpPr>
+        <p:spPr>
+          <a:xfrm>
+            <a:off x="7505700" y="4559300"/>
+            <a:ext cx="711200" cy="571500"/>
+          </a:xfrm>
+          <a:prstGeom prst="actionButtonBlank">
+            <a:avLst/>
+          </a:prstGeom>
+          <a:noFill/>
+        </p:spPr>
+        <p:style>
+          <a:lnRef idx="2">
+            <a:schemeClr val="accent6"/>
+          </a:lnRef>
+          <a:fillRef idx="1">
+            <a:schemeClr val="lt1"/>
+          </a:fillRef>
+          <a:effectRef idx="0">
+            <a:schemeClr val="accent6"/>
+          </a:effectRef>
+          <a:fontRef idx="minor">
+            <a:schemeClr val="dk1"/>
+          </a:fontRef>
+        </p:style>
+        <p:txBody>
+          <a:bodyPr rtlCol="0" anchor="ctr"/>
+          <a:lstStyle/>
+          <a:p>
+            <a:pPr algn="ctr"/>
+            <a:endParaRPr lang="en-US"/>
+          </a:p>
+        </p:txBody>
+      </p:sp>
+      <p:sp>
+        <p:nvSpPr>
+          <p:cNvPr id="9" name="Action Button: Custom 8">
+            <a:hlinkClick r:id="rId5" action="ppaction://hlinksldjump" highlightClick="1"/>
+          </p:cNvPr>
+          <p:cNvSpPr/>
+          <p:nvPr/>
+        </p:nvSpPr>
+        <p:spPr>
+          <a:xfrm>
+            <a:off x="8216900" y="4559300"/>
+            <a:ext cx="786606" cy="571500"/>
+          </a:xfrm>
+          <a:prstGeom prst="actionButtonBlank">
+            <a:avLst/>
+          </a:prstGeom>
+          <a:noFill/>
+        </p:spPr>
+        <p:style>
+          <a:lnRef idx="2">
+            <a:schemeClr val="accent6"/>
+          </a:lnRef>
+          <a:fillRef idx="1">
+            <a:schemeClr val="lt1"/>
+          </a:fillRef>
+          <a:effectRef idx="0">
+            <a:schemeClr val="accent6"/>
+          </a:effectRef>
+          <a:fontRef idx="minor">
+            <a:schemeClr val="dk1"/>
+          </a:fontRef>
+        </p:style>
+        <p:txBody>
+          <a:bodyPr rtlCol="0" anchor="ctr"/>
+          <a:lstStyle/>
+          <a:p>
+            <a:pPr algn="ctr"/>
+            <a:endParaRPr lang="en-US"/>
+          </a:p>
+        </p:txBody>
+      </p:sp>
+      <p:sp>
+        <p:nvSpPr>
+          <p:cNvPr id="10" name="Action Button: Custom 9">
+            <a:hlinkClick r:id="rId6" action="ppaction://hlinksldjump" highlightClick="1"/>
+          </p:cNvPr>
+          <p:cNvSpPr/>
+          <p:nvPr/>
+        </p:nvSpPr>
+        <p:spPr>
+          <a:xfrm>
+            <a:off x="9023146" y="4559300"/>
+            <a:ext cx="720622" cy="571500"/>
+          </a:xfrm>
+          <a:prstGeom prst="actionButtonBlank">
+            <a:avLst/>
+          </a:prstGeom>
+          <a:noFill/>
+        </p:spPr>
+        <p:style>
+          <a:lnRef idx="2">
+            <a:schemeClr val="accent6"/>
+          </a:lnRef>
+          <a:fillRef idx="1">
+            <a:schemeClr val="lt1"/>
+          </a:fillRef>
+          <a:effectRef idx="0">
+            <a:schemeClr val="accent6"/>
+          </a:effectRef>
+          <a:fontRef idx="minor">
+            <a:schemeClr val="dk1"/>
+          </a:fontRef>
+        </p:style>
+        <p:txBody>
+          <a:bodyPr rtlCol="0" anchor="ctr"/>
+          <a:lstStyle/>
+          <a:p>
+            <a:pPr algn="ctr"/>
+            <a:endParaRPr lang="en-US"/>
+          </a:p>
+        </p:txBody>
+      </p:sp>
+    </p:spTree>
+    <p:extLst>
+      <p:ext uri="{BB962C8B-B14F-4D97-AF65-F5344CB8AC3E}">
+        <p14:creationId xmlns:p14="http://schemas.microsoft.com/office/powerpoint/2010/main" val="651694961"/>
+      </p:ext>
+    </p:extLst>
+  </p:cSld>
+  <p:clrMapOvr>
+    <a:masterClrMapping/>
+  </p:clrMapOvr>
+  <p:timing>
+    <p:tnLst>
+      <p:par>
+        <p:cTn id="1" dur="indefinite" restart="never" nodeType="tmRoot"/>
+      </p:par>
+    </p:tnLst>
+  </p:timing>
+</p:sld>
+</file>
+
+<file path=ppt/slides/slide15.xml><?xml version="1.0" encoding="utf-8"?>
+<p:sld xmlns:a="http://schemas.openxmlformats.org/drawingml/2006/main" xmlns:r="http://schemas.openxmlformats.org/officeDocument/2006/relationships" xmlns:p="http://schemas.openxmlformats.org/presentationml/2006/main">
+  <p:cSld>
+    <p:spTree>
+      <p:nvGrpSpPr>
+        <p:cNvPr id="1" name=""/>
+        <p:cNvGrpSpPr/>
+        <p:nvPr/>
+      </p:nvGrpSpPr>
+      <p:grpSpPr>
+        <a:xfrm>
+          <a:off x="0" y="0"/>
+          <a:ext cx="0" cy="0"/>
+          <a:chOff x="0" y="0"/>
+          <a:chExt cx="0" cy="0"/>
+        </a:xfrm>
+      </p:grpSpPr>
+      <p:sp>
+        <p:nvSpPr>
+          <p:cNvPr id="2" name="Title 1"/>
+          <p:cNvSpPr>
+            <a:spLocks noGrp="1"/>
+          </p:cNvSpPr>
+          <p:nvPr>
+            <p:ph type="title"/>
+          </p:nvPr>
+        </p:nvSpPr>
+        <p:spPr/>
+        <p:txBody>
+          <a:bodyPr/>
+          <a:lstStyle/>
+          <a:p>
+            <a:r>
+              <a:rPr lang="en-US" dirty="0" smtClean="0"/>
+              <a:t>Family Page</a:t>
+            </a:r>
+            <a:endParaRPr lang="en-US" dirty="0"/>
+          </a:p>
+        </p:txBody>
+      </p:sp>
+      <p:sp>
+        <p:nvSpPr>
+          <p:cNvPr id="4" name="Text Placeholder 3"/>
+          <p:cNvSpPr>
+            <a:spLocks noGrp="1"/>
+          </p:cNvSpPr>
+          <p:nvPr>
+            <p:ph type="body" sz="half" idx="2"/>
+          </p:nvPr>
+        </p:nvSpPr>
+        <p:spPr>
+          <a:xfrm>
+            <a:off x="1667405" y="2249486"/>
+            <a:ext cx="3856037" cy="3541714"/>
+          </a:xfrm>
+        </p:spPr>
+        <p:txBody>
+          <a:bodyPr/>
+          <a:lstStyle/>
+          <a:p>
+            <a:pPr marL="285750" indent="-285750">
+              <a:buFont typeface="Arial" charset="0"/>
+              <a:buChar char="•"/>
+            </a:pPr>
+            <a:r>
+              <a:rPr lang="en-US" dirty="0" smtClean="0"/>
+              <a:t>First time the Family Tree option becomes available, click to view</a:t>
+            </a:r>
+          </a:p>
+          <a:p>
+            <a:pPr marL="285750" indent="-285750">
+              <a:buFont typeface="Arial" charset="0"/>
+              <a:buChar char="•"/>
+            </a:pPr>
+            <a:r>
+              <a:rPr lang="en-US" dirty="0" smtClean="0"/>
+              <a:t>Displays family banner(separate from group photo displayed in search results)</a:t>
+            </a:r>
+            <a:endParaRPr lang="en-US" dirty="0" smtClean="0"/>
+          </a:p>
+          <a:p>
+            <a:pPr marL="285750" indent="-285750">
+              <a:buFont typeface="Arial" charset="0"/>
+              <a:buChar char="•"/>
+            </a:pPr>
+            <a:r>
+              <a:rPr lang="en-US" dirty="0" smtClean="0"/>
+              <a:t>Contains links to:</a:t>
+            </a:r>
+          </a:p>
+          <a:p>
+            <a:pPr marL="742950" lvl="1" indent="-285750">
+              <a:buFont typeface="Arial" charset="0"/>
+              <a:buChar char="•"/>
+            </a:pPr>
+            <a:r>
+              <a:rPr lang="en-US" dirty="0" smtClean="0"/>
+              <a:t>Old reunions</a:t>
+            </a:r>
+          </a:p>
+          <a:p>
+            <a:pPr marL="742950" lvl="1" indent="-285750">
+              <a:buFont typeface="Arial" charset="0"/>
+              <a:buChar char="•"/>
+            </a:pPr>
+            <a:r>
+              <a:rPr lang="en-US" dirty="0" smtClean="0"/>
+              <a:t>Current reunion (next reunion by default, unless one is currently going)</a:t>
+            </a:r>
+          </a:p>
+          <a:p>
+            <a:pPr marL="742950" lvl="1" indent="-285750">
+              <a:buFont typeface="Arial" charset="0"/>
+              <a:buChar char="•"/>
+            </a:pPr>
+            <a:r>
+              <a:rPr lang="en-US" dirty="0"/>
+              <a:t>P</a:t>
+            </a:r>
+            <a:r>
+              <a:rPr lang="en-US" dirty="0" smtClean="0"/>
+              <a:t>hoto collections</a:t>
+            </a:r>
+          </a:p>
+          <a:p>
+            <a:pPr marL="742950" lvl="1" indent="-285750">
+              <a:buFont typeface="Arial" charset="0"/>
+              <a:buChar char="•"/>
+            </a:pPr>
+            <a:r>
+              <a:rPr lang="en-US" dirty="0" smtClean="0"/>
+              <a:t>Calendar</a:t>
+            </a:r>
+            <a:endParaRPr lang="en-US" dirty="0"/>
+          </a:p>
+        </p:txBody>
+      </p:sp>
+      <p:pic>
+        <p:nvPicPr>
+          <p:cNvPr id="6" name="Content Placeholder 5"/>
+          <p:cNvPicPr>
+            <a:picLocks noGrp="1" noChangeAspect="1"/>
+          </p:cNvPicPr>
+          <p:nvPr>
+            <p:ph idx="1"/>
+          </p:nvPr>
+        </p:nvPicPr>
+        <p:blipFill>
+          <a:blip r:embed="rId2">
+            <a:extLst>
+              <a:ext uri="{28A0092B-C50C-407E-A947-70E740481C1C}">
+                <a14:useLocalDpi xmlns:a14="http://schemas.microsoft.com/office/drawing/2010/main" val="0"/>
+              </a:ext>
+            </a:extLst>
+          </a:blip>
+          <a:stretch>
+            <a:fillRect/>
+          </a:stretch>
+        </p:blipFill>
+        <p:spPr>
+          <a:xfrm>
+            <a:off x="7369416" y="592138"/>
+            <a:ext cx="2526646" cy="5199062"/>
+          </a:xfrm>
+        </p:spPr>
+      </p:pic>
+      <p:sp>
+        <p:nvSpPr>
+          <p:cNvPr id="5" name="Text Placeholder 3"/>
+          <p:cNvSpPr txBox="1">
+            <a:spLocks/>
+          </p:cNvSpPr>
+          <p:nvPr/>
+        </p:nvSpPr>
+        <p:spPr>
+          <a:xfrm>
+            <a:off x="1819805" y="2401886"/>
+            <a:ext cx="3856037" cy="3541714"/>
+          </a:xfrm>
+          <a:prstGeom prst="rect">
+            <a:avLst/>
+          </a:prstGeom>
+        </p:spPr>
+        <p:txBody>
+          <a:bodyPr vert="horz" lIns="91440" tIns="45720" rIns="91440" bIns="45720" rtlCol="0">
+            <a:normAutofit/>
+          </a:bodyPr>
+          <a:lstStyle>
+            <a:lvl1pPr marL="0" indent="0" algn="l" defTabSz="914400" rtl="0" eaLnBrk="1" latinLnBrk="0" hangingPunct="1">
+              <a:lnSpc>
+                <a:spcPct val="120000"/>
+              </a:lnSpc>
+              <a:spcBef>
+                <a:spcPts val="1000"/>
+              </a:spcBef>
+              <a:buSzPct val="125000"/>
+              <a:buFont typeface="Arial" panose="020B0604020202020204" pitchFamily="34" charset="0"/>
+              <a:buNone/>
+              <a:defRPr sz="1600" kern="1200">
+                <a:solidFill>
+                  <a:schemeClr val="tx1"/>
+                </a:solidFill>
+                <a:latin typeface="+mn-lt"/>
+                <a:ea typeface="+mn-ea"/>
+                <a:cs typeface="+mn-cs"/>
+              </a:defRPr>
+            </a:lvl1pPr>
+            <a:lvl2pPr marL="457200" indent="0" algn="l" defTabSz="914400" rtl="0" eaLnBrk="1" latinLnBrk="0" hangingPunct="1">
+              <a:lnSpc>
+                <a:spcPct val="120000"/>
+              </a:lnSpc>
+              <a:spcBef>
+                <a:spcPts val="500"/>
+              </a:spcBef>
+              <a:buSzPct val="125000"/>
+              <a:buFont typeface="Arial" panose="020B0604020202020204" pitchFamily="34" charset="0"/>
+              <a:buNone/>
+              <a:defRPr sz="1400" kern="1200">
+                <a:solidFill>
+                  <a:schemeClr val="tx1"/>
+                </a:solidFill>
+                <a:latin typeface="+mn-lt"/>
+                <a:ea typeface="+mn-ea"/>
+                <a:cs typeface="+mn-cs"/>
+              </a:defRPr>
+            </a:lvl2pPr>
+            <a:lvl3pPr marL="914400" indent="0" algn="l" defTabSz="914400" rtl="0" eaLnBrk="1" latinLnBrk="0" hangingPunct="1">
+              <a:lnSpc>
+                <a:spcPct val="120000"/>
+              </a:lnSpc>
+              <a:spcBef>
+                <a:spcPts val="500"/>
+              </a:spcBef>
+              <a:buSzPct val="125000"/>
+              <a:buFont typeface="Arial" panose="020B0604020202020204" pitchFamily="34" charset="0"/>
+              <a:buNone/>
+              <a:defRPr sz="1200" kern="1200">
+                <a:solidFill>
+                  <a:schemeClr val="tx1"/>
+                </a:solidFill>
+                <a:latin typeface="+mn-lt"/>
+                <a:ea typeface="+mn-ea"/>
+                <a:cs typeface="+mn-cs"/>
+              </a:defRPr>
+            </a:lvl3pPr>
+            <a:lvl4pPr marL="1371600" indent="0" algn="l" defTabSz="914400" rtl="0" eaLnBrk="1" latinLnBrk="0" hangingPunct="1">
+              <a:lnSpc>
+                <a:spcPct val="120000"/>
+              </a:lnSpc>
+              <a:spcBef>
+                <a:spcPts val="500"/>
+              </a:spcBef>
+              <a:buSzPct val="125000"/>
+              <a:buFont typeface="Arial" panose="020B0604020202020204" pitchFamily="34" charset="0"/>
+              <a:buNone/>
+              <a:defRPr sz="1000" kern="1200">
+                <a:solidFill>
+                  <a:schemeClr val="tx1"/>
+                </a:solidFill>
+                <a:latin typeface="+mn-lt"/>
+                <a:ea typeface="+mn-ea"/>
+                <a:cs typeface="+mn-cs"/>
+              </a:defRPr>
+            </a:lvl4pPr>
+            <a:lvl5pPr marL="1828800" indent="0" algn="l" defTabSz="914400" rtl="0" eaLnBrk="1" latinLnBrk="0" hangingPunct="1">
+              <a:lnSpc>
+                <a:spcPct val="120000"/>
+              </a:lnSpc>
+              <a:spcBef>
+                <a:spcPts val="500"/>
+              </a:spcBef>
+              <a:buSzPct val="125000"/>
+              <a:buFont typeface="Arial" panose="020B0604020202020204" pitchFamily="34" charset="0"/>
+              <a:buNone/>
+              <a:defRPr sz="1000" kern="1200">
+                <a:solidFill>
+                  <a:schemeClr val="tx1"/>
+                </a:solidFill>
+                <a:latin typeface="+mn-lt"/>
+                <a:ea typeface="+mn-ea"/>
+                <a:cs typeface="+mn-cs"/>
+              </a:defRPr>
+            </a:lvl5pPr>
+            <a:lvl6pPr marL="2286000" indent="0" algn="l" defTabSz="914400" rtl="0" eaLnBrk="1" latinLnBrk="0" hangingPunct="1">
+              <a:lnSpc>
+                <a:spcPct val="120000"/>
+              </a:lnSpc>
+              <a:spcBef>
+                <a:spcPts val="500"/>
+              </a:spcBef>
+              <a:buSzPct val="125000"/>
+              <a:buFont typeface="Arial" panose="020B0604020202020204" pitchFamily="34" charset="0"/>
+              <a:buNone/>
+              <a:defRPr sz="1000" kern="1200">
+                <a:solidFill>
+                  <a:schemeClr val="tx1"/>
+                </a:solidFill>
+                <a:latin typeface="+mn-lt"/>
+                <a:ea typeface="+mn-ea"/>
+                <a:cs typeface="+mn-cs"/>
+              </a:defRPr>
+            </a:lvl6pPr>
+            <a:lvl7pPr marL="2743200" indent="0" algn="l" defTabSz="914400" rtl="0" eaLnBrk="1" latinLnBrk="0" hangingPunct="1">
+              <a:lnSpc>
+                <a:spcPct val="120000"/>
+              </a:lnSpc>
+              <a:spcBef>
+                <a:spcPts val="500"/>
+              </a:spcBef>
+              <a:buSzPct val="125000"/>
+              <a:buFont typeface="Arial" panose="020B0604020202020204" pitchFamily="34" charset="0"/>
+              <a:buNone/>
+              <a:defRPr sz="1000" kern="1200">
+                <a:solidFill>
+                  <a:schemeClr val="tx1"/>
+                </a:solidFill>
+                <a:latin typeface="+mn-lt"/>
+                <a:ea typeface="+mn-ea"/>
+                <a:cs typeface="+mn-cs"/>
+              </a:defRPr>
+            </a:lvl7pPr>
+            <a:lvl8pPr marL="3200400" indent="0" algn="l" defTabSz="914400" rtl="0" eaLnBrk="1" latinLnBrk="0" hangingPunct="1">
+              <a:lnSpc>
+                <a:spcPct val="120000"/>
+              </a:lnSpc>
+              <a:spcBef>
+                <a:spcPts val="500"/>
+              </a:spcBef>
+              <a:buSzPct val="125000"/>
+              <a:buFont typeface="Arial" panose="020B0604020202020204" pitchFamily="34" charset="0"/>
+              <a:buNone/>
+              <a:defRPr sz="1000" kern="1200">
+                <a:solidFill>
+                  <a:schemeClr val="tx1"/>
+                </a:solidFill>
+                <a:latin typeface="+mn-lt"/>
+                <a:ea typeface="+mn-ea"/>
+                <a:cs typeface="+mn-cs"/>
+              </a:defRPr>
+            </a:lvl8pPr>
+            <a:lvl9pPr marL="3657600" indent="0" algn="l" defTabSz="914400" rtl="0" eaLnBrk="1" latinLnBrk="0" hangingPunct="1">
+              <a:lnSpc>
+                <a:spcPct val="120000"/>
+              </a:lnSpc>
+              <a:spcBef>
+                <a:spcPts val="500"/>
+              </a:spcBef>
+              <a:buSzPct val="125000"/>
+              <a:buFont typeface="Arial" panose="020B0604020202020204" pitchFamily="34" charset="0"/>
+              <a:buNone/>
+              <a:defRPr sz="1000" kern="1200">
+                <a:solidFill>
+                  <a:schemeClr val="tx1"/>
+                </a:solidFill>
+                <a:latin typeface="+mn-lt"/>
+                <a:ea typeface="+mn-ea"/>
+                <a:cs typeface="+mn-cs"/>
+              </a:defRPr>
+            </a:lvl9pPr>
+          </a:lstStyle>
+          <a:p>
+            <a:pPr marL="285750" indent="-285750">
+              <a:buFont typeface="Arial" charset="0"/>
+              <a:buChar char="•"/>
+            </a:pPr>
+            <a:endParaRPr lang="en-US" dirty="0" smtClean="0"/>
+          </a:p>
+        </p:txBody>
+      </p:sp>
+      <p:sp>
+        <p:nvSpPr>
+          <p:cNvPr id="7" name="Action Button: Custom 6">
+            <a:hlinkClick r:id="rId3" action="ppaction://hlinksldjump" highlightClick="1"/>
+          </p:cNvPr>
+          <p:cNvSpPr/>
+          <p:nvPr/>
+        </p:nvSpPr>
+        <p:spPr>
+          <a:xfrm>
+            <a:off x="9023146" y="4559300"/>
+            <a:ext cx="720622" cy="571500"/>
+          </a:xfrm>
+          <a:prstGeom prst="actionButtonBlank">
+            <a:avLst/>
+          </a:prstGeom>
+          <a:noFill/>
+        </p:spPr>
+        <p:style>
+          <a:lnRef idx="2">
+            <a:schemeClr val="accent6"/>
+          </a:lnRef>
+          <a:fillRef idx="1">
+            <a:schemeClr val="lt1"/>
+          </a:fillRef>
+          <a:effectRef idx="0">
+            <a:schemeClr val="accent6"/>
+          </a:effectRef>
+          <a:fontRef idx="minor">
+            <a:schemeClr val="dk1"/>
+          </a:fontRef>
+        </p:style>
+        <p:txBody>
+          <a:bodyPr rtlCol="0" anchor="ctr"/>
+          <a:lstStyle/>
+          <a:p>
+            <a:pPr algn="ctr"/>
+            <a:endParaRPr lang="en-US"/>
+          </a:p>
+        </p:txBody>
+      </p:sp>
+      <p:sp>
+        <p:nvSpPr>
+          <p:cNvPr id="14" name="Action Button: Custom 13">
+            <a:hlinkClick r:id="rId4" action="ppaction://hlinksldjump" highlightClick="1"/>
+          </p:cNvPr>
+          <p:cNvSpPr/>
+          <p:nvPr/>
+        </p:nvSpPr>
+        <p:spPr>
+          <a:xfrm>
+            <a:off x="7541342" y="1258529"/>
+            <a:ext cx="270797" cy="271206"/>
+          </a:xfrm>
+          <a:prstGeom prst="actionButtonBlank">
+            <a:avLst/>
+          </a:prstGeom>
+          <a:noFill/>
+        </p:spPr>
+        <p:style>
+          <a:lnRef idx="2">
+            <a:schemeClr val="accent6"/>
+          </a:lnRef>
+          <a:fillRef idx="1">
+            <a:schemeClr val="lt1"/>
+          </a:fillRef>
+          <a:effectRef idx="0">
+            <a:schemeClr val="accent6"/>
+          </a:effectRef>
+          <a:fontRef idx="minor">
+            <a:schemeClr val="dk1"/>
+          </a:fontRef>
+        </p:style>
+        <p:txBody>
+          <a:bodyPr rtlCol="0" anchor="ctr"/>
+          <a:lstStyle/>
+          <a:p>
+            <a:pPr algn="ctr"/>
+            <a:endParaRPr lang="en-US"/>
+          </a:p>
+        </p:txBody>
+      </p:sp>
+      <p:sp>
+        <p:nvSpPr>
+          <p:cNvPr id="15" name="Action Button: Custom 14">
+            <a:hlinkClick r:id="rId5" action="ppaction://hlinksldjump" highlightClick="1"/>
+          </p:cNvPr>
+          <p:cNvSpPr/>
+          <p:nvPr/>
+        </p:nvSpPr>
+        <p:spPr>
+          <a:xfrm>
+            <a:off x="7505700" y="4559300"/>
+            <a:ext cx="711200" cy="571500"/>
+          </a:xfrm>
+          <a:prstGeom prst="actionButtonBlank">
+            <a:avLst/>
+          </a:prstGeom>
+          <a:noFill/>
+        </p:spPr>
+        <p:style>
+          <a:lnRef idx="2">
+            <a:schemeClr val="accent6"/>
+          </a:lnRef>
+          <a:fillRef idx="1">
+            <a:schemeClr val="lt1"/>
+          </a:fillRef>
+          <a:effectRef idx="0">
+            <a:schemeClr val="accent6"/>
+          </a:effectRef>
+          <a:fontRef idx="minor">
+            <a:schemeClr val="dk1"/>
+          </a:fontRef>
+        </p:style>
+        <p:txBody>
+          <a:bodyPr rtlCol="0" anchor="ctr"/>
+          <a:lstStyle/>
+          <a:p>
+            <a:pPr algn="ctr"/>
+            <a:endParaRPr lang="en-US"/>
+          </a:p>
+        </p:txBody>
+      </p:sp>
+      <p:sp>
+        <p:nvSpPr>
+          <p:cNvPr id="16" name="Action Button: Custom 15">
+            <a:hlinkClick r:id="rId4" action="ppaction://hlinksldjump" highlightClick="1"/>
+          </p:cNvPr>
+          <p:cNvSpPr/>
+          <p:nvPr/>
+        </p:nvSpPr>
+        <p:spPr>
+          <a:xfrm>
+            <a:off x="8216900" y="4559300"/>
+            <a:ext cx="786606" cy="571500"/>
+          </a:xfrm>
+          <a:prstGeom prst="actionButtonBlank">
+            <a:avLst/>
+          </a:prstGeom>
+          <a:noFill/>
+        </p:spPr>
+        <p:style>
+          <a:lnRef idx="2">
+            <a:schemeClr val="accent6"/>
+          </a:lnRef>
+          <a:fillRef idx="1">
+            <a:schemeClr val="lt1"/>
+          </a:fillRef>
+          <a:effectRef idx="0">
+            <a:schemeClr val="accent6"/>
+          </a:effectRef>
+          <a:fontRef idx="minor">
+            <a:schemeClr val="dk1"/>
+          </a:fontRef>
+        </p:style>
+        <p:txBody>
+          <a:bodyPr rtlCol="0" anchor="ctr"/>
+          <a:lstStyle/>
+          <a:p>
+            <a:pPr algn="ctr"/>
+            <a:endParaRPr lang="en-US"/>
+          </a:p>
+        </p:txBody>
+      </p:sp>
+      <p:sp>
+        <p:nvSpPr>
+          <p:cNvPr id="17" name="Action Button: Custom 16">
+            <a:hlinkClick r:id="rId6" action="ppaction://hlinksldjump" highlightClick="1"/>
+          </p:cNvPr>
+          <p:cNvSpPr/>
+          <p:nvPr/>
+        </p:nvSpPr>
+        <p:spPr>
+          <a:xfrm>
+            <a:off x="7644809" y="3573176"/>
+            <a:ext cx="893134" cy="892498"/>
+          </a:xfrm>
+          <a:prstGeom prst="actionButtonBlank">
+            <a:avLst/>
+          </a:prstGeom>
+          <a:noFill/>
+        </p:spPr>
+        <p:style>
+          <a:lnRef idx="2">
+            <a:schemeClr val="accent6"/>
+          </a:lnRef>
+          <a:fillRef idx="1">
+            <a:schemeClr val="lt1"/>
+          </a:fillRef>
+          <a:effectRef idx="0">
+            <a:schemeClr val="accent6"/>
+          </a:effectRef>
+          <a:fontRef idx="minor">
+            <a:schemeClr val="dk1"/>
+          </a:fontRef>
+        </p:style>
+        <p:txBody>
+          <a:bodyPr rtlCol="0" anchor="ctr"/>
+          <a:lstStyle/>
+          <a:p>
+            <a:pPr algn="ctr"/>
+            <a:endParaRPr lang="en-US"/>
+          </a:p>
+        </p:txBody>
+      </p:sp>
+      <p:sp>
+        <p:nvSpPr>
+          <p:cNvPr id="18" name="Action Button: Custom 17">
+            <a:hlinkClick r:id="rId7" action="ppaction://hlinksldjump" highlightClick="1"/>
+          </p:cNvPr>
+          <p:cNvSpPr/>
+          <p:nvPr/>
+        </p:nvSpPr>
+        <p:spPr>
+          <a:xfrm>
+            <a:off x="8675271" y="2577260"/>
+            <a:ext cx="893134" cy="892498"/>
+          </a:xfrm>
+          <a:prstGeom prst="actionButtonBlank">
+            <a:avLst/>
+          </a:prstGeom>
+          <a:noFill/>
+        </p:spPr>
+        <p:style>
+          <a:lnRef idx="2">
+            <a:schemeClr val="accent6"/>
+          </a:lnRef>
+          <a:fillRef idx="1">
+            <a:schemeClr val="lt1"/>
+          </a:fillRef>
+          <a:effectRef idx="0">
+            <a:schemeClr val="accent6"/>
+          </a:effectRef>
+          <a:fontRef idx="minor">
+            <a:schemeClr val="dk1"/>
+          </a:fontRef>
+        </p:style>
+        <p:txBody>
+          <a:bodyPr rtlCol="0" anchor="ctr"/>
+          <a:lstStyle/>
+          <a:p>
+            <a:pPr algn="ctr"/>
+            <a:endParaRPr lang="en-US"/>
+          </a:p>
+        </p:txBody>
+      </p:sp>
+    </p:spTree>
+    <p:extLst>
+      <p:ext uri="{BB962C8B-B14F-4D97-AF65-F5344CB8AC3E}">
+        <p14:creationId xmlns:p14="http://schemas.microsoft.com/office/powerpoint/2010/main" val="1589404072"/>
+      </p:ext>
+    </p:extLst>
+  </p:cSld>
+  <p:clrMapOvr>
+    <a:masterClrMapping/>
+  </p:clrMapOvr>
+  <p:timing>
+    <p:tnLst>
+      <p:par>
+        <p:cTn id="1" dur="indefinite" restart="never" nodeType="tmRoot"/>
+      </p:par>
+    </p:tnLst>
+  </p:timing>
+</p:sld>
+</file>
+
+<file path=ppt/slides/slide16.xml><?xml version="1.0" encoding="utf-8"?>
+<p:sld xmlns:a="http://schemas.openxmlformats.org/drawingml/2006/main" xmlns:r="http://schemas.openxmlformats.org/officeDocument/2006/relationships" xmlns:p="http://schemas.openxmlformats.org/presentationml/2006/main">
+  <p:cSld>
+    <p:spTree>
+      <p:nvGrpSpPr>
+        <p:cNvPr id="1" name=""/>
+        <p:cNvGrpSpPr/>
+        <p:nvPr/>
+      </p:nvGrpSpPr>
+      <p:grpSpPr>
+        <a:xfrm>
+          <a:off x="0" y="0"/>
+          <a:ext cx="0" cy="0"/>
+          <a:chOff x="0" y="0"/>
+          <a:chExt cx="0" cy="0"/>
+        </a:xfrm>
+      </p:grpSpPr>
+      <p:sp>
+        <p:nvSpPr>
+          <p:cNvPr id="2" name="Title 1"/>
+          <p:cNvSpPr>
+            <a:spLocks noGrp="1"/>
+          </p:cNvSpPr>
+          <p:nvPr>
+            <p:ph type="title"/>
+          </p:nvPr>
+        </p:nvSpPr>
+        <p:spPr/>
+        <p:txBody>
+          <a:bodyPr/>
+          <a:lstStyle/>
+          <a:p>
+            <a:r>
+              <a:rPr lang="en-US" dirty="0" smtClean="0"/>
+              <a:t>Family Tree</a:t>
+            </a:r>
+            <a:endParaRPr lang="en-US" dirty="0"/>
+          </a:p>
+        </p:txBody>
+      </p:sp>
+      <p:sp>
+        <p:nvSpPr>
+          <p:cNvPr id="4" name="Text Placeholder 3"/>
+          <p:cNvSpPr>
+            <a:spLocks noGrp="1"/>
+          </p:cNvSpPr>
+          <p:nvPr>
+            <p:ph type="body" sz="half" idx="2"/>
+          </p:nvPr>
+        </p:nvSpPr>
+        <p:spPr>
+          <a:xfrm>
+            <a:off x="1667406" y="2249486"/>
+            <a:ext cx="3456454" cy="3541714"/>
+          </a:xfrm>
+        </p:spPr>
+        <p:txBody>
+          <a:bodyPr/>
+          <a:lstStyle/>
+          <a:p>
+            <a:pPr marL="285750" indent="-285750">
+              <a:buFont typeface="Arial" charset="0"/>
+              <a:buChar char="•"/>
+            </a:pPr>
+            <a:r>
+              <a:rPr lang="en-US" dirty="0" smtClean="0"/>
+              <a:t>Live, accurate </a:t>
+            </a:r>
+            <a:r>
+              <a:rPr lang="en-US" dirty="0"/>
+              <a:t>genealogy chart </a:t>
+            </a:r>
+            <a:r>
+              <a:rPr lang="en-US" dirty="0" smtClean="0"/>
+              <a:t>of reunion participants</a:t>
+            </a:r>
+          </a:p>
+          <a:p>
+            <a:pPr marL="285750" indent="-285750">
+              <a:buFont typeface="Arial" charset="0"/>
+              <a:buChar char="•"/>
+            </a:pPr>
+            <a:r>
+              <a:rPr lang="en-US" dirty="0" smtClean="0"/>
+              <a:t>Works if family is of types military, social, or Scouts. Uses separate algorithms to generate each tree</a:t>
+            </a:r>
+            <a:endParaRPr lang="en-US" dirty="0"/>
+          </a:p>
+          <a:p>
+            <a:pPr marL="285750" indent="-285750">
+              <a:buFont typeface="Arial" charset="0"/>
+              <a:buChar char="•"/>
+            </a:pPr>
+            <a:r>
+              <a:rPr lang="en-US" dirty="0" smtClean="0"/>
+              <a:t>Automatically generated each time a user joins the </a:t>
+            </a:r>
+            <a:r>
+              <a:rPr lang="en-US" dirty="0" smtClean="0"/>
+              <a:t>reunion</a:t>
+            </a:r>
+            <a:endParaRPr lang="en-US" dirty="0"/>
+          </a:p>
+          <a:p>
+            <a:pPr marL="285750" indent="-285750">
+              <a:buFont typeface="Arial" charset="0"/>
+              <a:buChar char="•"/>
+            </a:pPr>
+            <a:r>
+              <a:rPr lang="en-US" dirty="0" smtClean="0"/>
+              <a:t>Tap on the picture of a family member to view their leaf</a:t>
+            </a:r>
+          </a:p>
+          <a:p>
+            <a:pPr marL="285750" indent="-285750">
+              <a:buFont typeface="Arial" charset="0"/>
+              <a:buChar char="•"/>
+            </a:pPr>
+            <a:endParaRPr lang="en-US" dirty="0"/>
+          </a:p>
+        </p:txBody>
+      </p:sp>
+      <p:pic>
+        <p:nvPicPr>
+          <p:cNvPr id="5" name="Content Placeholder 4"/>
+          <p:cNvPicPr>
+            <a:picLocks noGrp="1" noChangeAspect="1"/>
+          </p:cNvPicPr>
+          <p:nvPr>
+            <p:ph idx="1"/>
+          </p:nvPr>
+        </p:nvPicPr>
+        <p:blipFill>
+          <a:blip r:embed="rId2">
+            <a:extLst>
+              <a:ext uri="{28A0092B-C50C-407E-A947-70E740481C1C}">
+                <a14:useLocalDpi xmlns:a14="http://schemas.microsoft.com/office/drawing/2010/main" val="0"/>
+              </a:ext>
+            </a:extLst>
+          </a:blip>
+          <a:stretch>
+            <a:fillRect/>
+          </a:stretch>
+        </p:blipFill>
+        <p:spPr>
+          <a:xfrm>
+            <a:off x="7364919" y="592138"/>
+            <a:ext cx="2526646" cy="5199062"/>
+          </a:xfrm>
+        </p:spPr>
+      </p:pic>
+      <p:sp>
+        <p:nvSpPr>
+          <p:cNvPr id="8" name="Action Button: Custom 7">
+            <a:hlinkClick r:id="rId3" action="ppaction://hlinksldjump" highlightClick="1"/>
+          </p:cNvPr>
+          <p:cNvSpPr/>
+          <p:nvPr/>
+        </p:nvSpPr>
+        <p:spPr>
+          <a:xfrm>
+            <a:off x="8410268" y="3191669"/>
+            <a:ext cx="419100" cy="491331"/>
+          </a:xfrm>
+          <a:prstGeom prst="actionButtonBlank">
+            <a:avLst/>
+          </a:prstGeom>
+          <a:noFill/>
+        </p:spPr>
+        <p:style>
+          <a:lnRef idx="2">
+            <a:schemeClr val="accent6"/>
+          </a:lnRef>
+          <a:fillRef idx="1">
+            <a:schemeClr val="lt1"/>
+          </a:fillRef>
+          <a:effectRef idx="0">
+            <a:schemeClr val="accent6"/>
+          </a:effectRef>
+          <a:fontRef idx="minor">
+            <a:schemeClr val="dk1"/>
+          </a:fontRef>
+        </p:style>
+        <p:txBody>
+          <a:bodyPr rtlCol="0" anchor="ctr"/>
+          <a:lstStyle/>
+          <a:p>
+            <a:pPr algn="ctr"/>
+            <a:endParaRPr lang="en-US"/>
+          </a:p>
+        </p:txBody>
+      </p:sp>
+      <p:sp>
+        <p:nvSpPr>
+          <p:cNvPr id="14" name="Action Button: Custom 13">
+            <a:hlinkClick r:id="rId4" action="ppaction://hlinksldjump" highlightClick="1"/>
+          </p:cNvPr>
+          <p:cNvSpPr/>
+          <p:nvPr/>
+        </p:nvSpPr>
+        <p:spPr>
+          <a:xfrm>
+            <a:off x="7541342" y="1258529"/>
+            <a:ext cx="270797" cy="271206"/>
+          </a:xfrm>
+          <a:prstGeom prst="actionButtonBlank">
+            <a:avLst/>
+          </a:prstGeom>
+          <a:noFill/>
+        </p:spPr>
+        <p:style>
+          <a:lnRef idx="2">
+            <a:schemeClr val="accent6"/>
+          </a:lnRef>
+          <a:fillRef idx="1">
+            <a:schemeClr val="lt1"/>
+          </a:fillRef>
+          <a:effectRef idx="0">
+            <a:schemeClr val="accent6"/>
+          </a:effectRef>
+          <a:fontRef idx="minor">
+            <a:schemeClr val="dk1"/>
+          </a:fontRef>
+        </p:style>
+        <p:txBody>
+          <a:bodyPr rtlCol="0" anchor="ctr"/>
+          <a:lstStyle/>
+          <a:p>
+            <a:pPr algn="ctr"/>
+            <a:endParaRPr lang="en-US"/>
+          </a:p>
+        </p:txBody>
+      </p:sp>
+      <p:sp>
+        <p:nvSpPr>
+          <p:cNvPr id="15" name="Action Button: Custom 14">
+            <a:hlinkClick r:id="rId3" action="ppaction://hlinksldjump" highlightClick="1"/>
+          </p:cNvPr>
+          <p:cNvSpPr/>
+          <p:nvPr/>
+        </p:nvSpPr>
+        <p:spPr>
+          <a:xfrm>
+            <a:off x="7505700" y="4559300"/>
+            <a:ext cx="711200" cy="571500"/>
+          </a:xfrm>
+          <a:prstGeom prst="actionButtonBlank">
+            <a:avLst/>
+          </a:prstGeom>
+          <a:noFill/>
+        </p:spPr>
+        <p:style>
+          <a:lnRef idx="2">
+            <a:schemeClr val="accent6"/>
+          </a:lnRef>
+          <a:fillRef idx="1">
+            <a:schemeClr val="lt1"/>
+          </a:fillRef>
+          <a:effectRef idx="0">
+            <a:schemeClr val="accent6"/>
+          </a:effectRef>
+          <a:fontRef idx="minor">
+            <a:schemeClr val="dk1"/>
+          </a:fontRef>
+        </p:style>
+        <p:txBody>
+          <a:bodyPr rtlCol="0" anchor="ctr"/>
+          <a:lstStyle/>
+          <a:p>
+            <a:pPr algn="ctr"/>
+            <a:endParaRPr lang="en-US"/>
+          </a:p>
+        </p:txBody>
+      </p:sp>
+      <p:sp>
+        <p:nvSpPr>
+          <p:cNvPr id="16" name="Action Button: Custom 15">
+            <a:hlinkClick r:id="rId5" action="ppaction://hlinksldjump" highlightClick="1"/>
+          </p:cNvPr>
+          <p:cNvSpPr/>
+          <p:nvPr/>
+        </p:nvSpPr>
+        <p:spPr>
+          <a:xfrm>
+            <a:off x="8216900" y="4559300"/>
+            <a:ext cx="786606" cy="571500"/>
+          </a:xfrm>
+          <a:prstGeom prst="actionButtonBlank">
+            <a:avLst/>
+          </a:prstGeom>
+          <a:noFill/>
+        </p:spPr>
+        <p:style>
+          <a:lnRef idx="2">
+            <a:schemeClr val="accent6"/>
+          </a:lnRef>
+          <a:fillRef idx="1">
+            <a:schemeClr val="lt1"/>
+          </a:fillRef>
+          <a:effectRef idx="0">
+            <a:schemeClr val="accent6"/>
+          </a:effectRef>
+          <a:fontRef idx="minor">
+            <a:schemeClr val="dk1"/>
+          </a:fontRef>
+        </p:style>
+        <p:txBody>
+          <a:bodyPr rtlCol="0" anchor="ctr"/>
+          <a:lstStyle/>
+          <a:p>
+            <a:pPr algn="ctr"/>
+            <a:endParaRPr lang="en-US"/>
+          </a:p>
+        </p:txBody>
+      </p:sp>
+    </p:spTree>
+    <p:extLst>
+      <p:ext uri="{BB962C8B-B14F-4D97-AF65-F5344CB8AC3E}">
+        <p14:creationId xmlns:p14="http://schemas.microsoft.com/office/powerpoint/2010/main" val="1253579265"/>
+      </p:ext>
+    </p:extLst>
+  </p:cSld>
+  <p:clrMapOvr>
+    <a:masterClrMapping/>
+  </p:clrMapOvr>
+  <p:timing>
+    <p:tnLst>
+      <p:par>
+        <p:cTn id="1" dur="indefinite" restart="never" nodeType="tmRoot"/>
+      </p:par>
+    </p:tnLst>
+  </p:timing>
+</p:sld>
+</file>
+
+<file path=ppt/slides/slide17.xml><?xml version="1.0" encoding="utf-8"?>
+<p:sld xmlns:a="http://schemas.openxmlformats.org/drawingml/2006/main" xmlns:r="http://schemas.openxmlformats.org/officeDocument/2006/relationships" xmlns:p="http://schemas.openxmlformats.org/presentationml/2006/main">
+  <p:cSld>
+    <p:spTree>
+      <p:nvGrpSpPr>
+        <p:cNvPr id="1" name=""/>
+        <p:cNvGrpSpPr/>
+        <p:nvPr/>
+      </p:nvGrpSpPr>
+      <p:grpSpPr>
+        <a:xfrm>
+          <a:off x="0" y="0"/>
+          <a:ext cx="0" cy="0"/>
+          <a:chOff x="0" y="0"/>
+          <a:chExt cx="0" cy="0"/>
+        </a:xfrm>
+      </p:grpSpPr>
+      <p:sp>
+        <p:nvSpPr>
+          <p:cNvPr id="2" name="Title 1"/>
+          <p:cNvSpPr>
+            <a:spLocks noGrp="1"/>
+          </p:cNvSpPr>
+          <p:nvPr>
+            <p:ph type="title"/>
+          </p:nvPr>
+        </p:nvSpPr>
+        <p:spPr/>
+        <p:txBody>
+          <a:bodyPr/>
+          <a:lstStyle/>
+          <a:p>
+            <a:r>
+              <a:rPr lang="en-US" dirty="0" smtClean="0"/>
+              <a:t>Leaf Page</a:t>
+            </a:r>
+            <a:endParaRPr lang="en-US" dirty="0"/>
+          </a:p>
+        </p:txBody>
+      </p:sp>
+      <p:sp>
+        <p:nvSpPr>
+          <p:cNvPr id="4" name="Text Placeholder 3"/>
+          <p:cNvSpPr>
+            <a:spLocks noGrp="1"/>
+          </p:cNvSpPr>
+          <p:nvPr>
+            <p:ph type="body" sz="half" idx="2"/>
+          </p:nvPr>
+        </p:nvSpPr>
+        <p:spPr>
+          <a:xfrm>
+            <a:off x="1667405" y="2249486"/>
+            <a:ext cx="3856037" cy="3541714"/>
+          </a:xfrm>
+        </p:spPr>
+        <p:txBody>
+          <a:bodyPr/>
+          <a:lstStyle/>
+          <a:p>
+            <a:pPr marL="285750" indent="-285750">
+              <a:buFont typeface="Arial" charset="0"/>
+              <a:buChar char="•"/>
+            </a:pPr>
+            <a:r>
+              <a:rPr lang="en-US" dirty="0" smtClean="0"/>
+              <a:t>The user’s profile</a:t>
+            </a:r>
+          </a:p>
+          <a:p>
+            <a:pPr marL="285750" indent="-285750">
+              <a:buFont typeface="Arial" charset="0"/>
+              <a:buChar char="•"/>
+            </a:pPr>
+            <a:endParaRPr lang="en-US" dirty="0"/>
+          </a:p>
+          <a:p>
+            <a:pPr marL="285750" indent="-285750">
+              <a:buFont typeface="Arial" charset="0"/>
+              <a:buChar char="•"/>
+            </a:pPr>
+            <a:r>
+              <a:rPr lang="en-US" dirty="0" smtClean="0"/>
+              <a:t>Contains the relevant relationship information</a:t>
+            </a:r>
+          </a:p>
+          <a:p>
+            <a:pPr marL="285750" indent="-285750">
+              <a:buFont typeface="Arial" charset="0"/>
+              <a:buChar char="•"/>
+            </a:pPr>
+            <a:endParaRPr lang="en-US" dirty="0"/>
+          </a:p>
+          <a:p>
+            <a:pPr marL="285750" indent="-285750">
+              <a:buFont typeface="Arial" charset="0"/>
+              <a:buChar char="•"/>
+            </a:pPr>
+            <a:r>
+              <a:rPr lang="en-US" dirty="0" smtClean="0"/>
+              <a:t>When joining a reunion, this data is automatically added to the Family Tree</a:t>
+            </a:r>
+            <a:endParaRPr lang="en-US" dirty="0"/>
+          </a:p>
+        </p:txBody>
+      </p:sp>
+      <p:pic>
+        <p:nvPicPr>
+          <p:cNvPr id="6" name="Content Placeholder 5"/>
+          <p:cNvPicPr>
+            <a:picLocks noGrp="1" noChangeAspect="1"/>
+          </p:cNvPicPr>
+          <p:nvPr>
+            <p:ph idx="1"/>
+          </p:nvPr>
+        </p:nvPicPr>
+        <p:blipFill>
+          <a:blip r:embed="rId2">
+            <a:extLst>
+              <a:ext uri="{28A0092B-C50C-407E-A947-70E740481C1C}">
+                <a14:useLocalDpi xmlns:a14="http://schemas.microsoft.com/office/drawing/2010/main" val="0"/>
+              </a:ext>
+            </a:extLst>
+          </a:blip>
+          <a:stretch>
+            <a:fillRect/>
+          </a:stretch>
+        </p:blipFill>
+        <p:spPr>
+          <a:xfrm>
+            <a:off x="7364919" y="592138"/>
+            <a:ext cx="2526646" cy="5199062"/>
+          </a:xfrm>
+        </p:spPr>
+      </p:pic>
+      <p:sp>
+        <p:nvSpPr>
+          <p:cNvPr id="9" name="Action Button: Custom 8">
+            <a:hlinkClick r:id="rId3" action="ppaction://hlinksldjump" highlightClick="1"/>
+          </p:cNvPr>
+          <p:cNvSpPr/>
+          <p:nvPr/>
+        </p:nvSpPr>
+        <p:spPr>
+          <a:xfrm>
+            <a:off x="7551174" y="1258529"/>
+            <a:ext cx="270797" cy="271206"/>
+          </a:xfrm>
+          <a:prstGeom prst="actionButtonBlank">
+            <a:avLst/>
+          </a:prstGeom>
+          <a:noFill/>
+        </p:spPr>
+        <p:style>
+          <a:lnRef idx="2">
+            <a:schemeClr val="accent6"/>
+          </a:lnRef>
+          <a:fillRef idx="1">
+            <a:schemeClr val="lt1"/>
+          </a:fillRef>
+          <a:effectRef idx="0">
+            <a:schemeClr val="accent6"/>
+          </a:effectRef>
+          <a:fontRef idx="minor">
+            <a:schemeClr val="dk1"/>
+          </a:fontRef>
+        </p:style>
+        <p:txBody>
+          <a:bodyPr rtlCol="0" anchor="ctr"/>
+          <a:lstStyle/>
+          <a:p>
+            <a:pPr algn="ctr"/>
+            <a:endParaRPr lang="en-US"/>
+          </a:p>
+        </p:txBody>
+      </p:sp>
+      <p:sp>
+        <p:nvSpPr>
+          <p:cNvPr id="10" name="Action Button: Custom 9">
+            <a:hlinkClick r:id="rId4" action="ppaction://hlinksldjump" highlightClick="1"/>
+          </p:cNvPr>
+          <p:cNvSpPr/>
+          <p:nvPr/>
+        </p:nvSpPr>
+        <p:spPr>
+          <a:xfrm>
+            <a:off x="7505700" y="4559300"/>
+            <a:ext cx="711200" cy="571500"/>
+          </a:xfrm>
+          <a:prstGeom prst="actionButtonBlank">
+            <a:avLst/>
+          </a:prstGeom>
+          <a:noFill/>
+        </p:spPr>
+        <p:style>
+          <a:lnRef idx="2">
+            <a:schemeClr val="accent6"/>
+          </a:lnRef>
+          <a:fillRef idx="1">
+            <a:schemeClr val="lt1"/>
+          </a:fillRef>
+          <a:effectRef idx="0">
+            <a:schemeClr val="accent6"/>
+          </a:effectRef>
+          <a:fontRef idx="minor">
+            <a:schemeClr val="dk1"/>
+          </a:fontRef>
+        </p:style>
+        <p:txBody>
+          <a:bodyPr rtlCol="0" anchor="ctr"/>
+          <a:lstStyle/>
+          <a:p>
+            <a:pPr algn="ctr"/>
+            <a:endParaRPr lang="en-US"/>
+          </a:p>
+        </p:txBody>
+      </p:sp>
+      <p:sp>
+        <p:nvSpPr>
+          <p:cNvPr id="11" name="Action Button: Custom 10">
+            <a:hlinkClick r:id="rId3" action="ppaction://hlinksldjump" highlightClick="1"/>
+          </p:cNvPr>
+          <p:cNvSpPr/>
+          <p:nvPr/>
+        </p:nvSpPr>
+        <p:spPr>
+          <a:xfrm>
+            <a:off x="8216900" y="4559300"/>
+            <a:ext cx="786606" cy="571500"/>
+          </a:xfrm>
+          <a:prstGeom prst="actionButtonBlank">
+            <a:avLst/>
+          </a:prstGeom>
+          <a:noFill/>
+        </p:spPr>
+        <p:style>
+          <a:lnRef idx="2">
+            <a:schemeClr val="accent6"/>
+          </a:lnRef>
+          <a:fillRef idx="1">
+            <a:schemeClr val="lt1"/>
+          </a:fillRef>
+          <a:effectRef idx="0">
+            <a:schemeClr val="accent6"/>
+          </a:effectRef>
+          <a:fontRef idx="minor">
+            <a:schemeClr val="dk1"/>
+          </a:fontRef>
+        </p:style>
+        <p:txBody>
+          <a:bodyPr rtlCol="0" anchor="ctr"/>
+          <a:lstStyle/>
+          <a:p>
+            <a:pPr algn="ctr"/>
+            <a:endParaRPr lang="en-US"/>
+          </a:p>
+        </p:txBody>
+      </p:sp>
+    </p:spTree>
+    <p:extLst>
+      <p:ext uri="{BB962C8B-B14F-4D97-AF65-F5344CB8AC3E}">
+        <p14:creationId xmlns:p14="http://schemas.microsoft.com/office/powerpoint/2010/main" val="960190744"/>
+      </p:ext>
+    </p:extLst>
+  </p:cSld>
+  <p:clrMapOvr>
+    <a:masterClrMapping/>
+  </p:clrMapOvr>
+  <p:timing>
+    <p:tnLst>
+      <p:par>
+        <p:cTn id="1" dur="indefinite" restart="never" nodeType="tmRoot"/>
+      </p:par>
+    </p:tnLst>
+  </p:timing>
+</p:sld>
+</file>
+
+<file path=ppt/slides/slide18.xml><?xml version="1.0" encoding="utf-8"?>
+<p:sld xmlns:a="http://schemas.openxmlformats.org/drawingml/2006/main" xmlns:r="http://schemas.openxmlformats.org/officeDocument/2006/relationships" xmlns:p="http://schemas.openxmlformats.org/presentationml/2006/main">
+  <p:cSld>
+    <p:spTree>
+      <p:nvGrpSpPr>
+        <p:cNvPr id="1" name=""/>
+        <p:cNvGrpSpPr/>
+        <p:nvPr/>
+      </p:nvGrpSpPr>
+      <p:grpSpPr>
+        <a:xfrm>
+          <a:off x="0" y="0"/>
+          <a:ext cx="0" cy="0"/>
+          <a:chOff x="0" y="0"/>
+          <a:chExt cx="0" cy="0"/>
+        </a:xfrm>
+      </p:grpSpPr>
+      <p:sp>
+        <p:nvSpPr>
+          <p:cNvPr id="2" name="Title 1"/>
+          <p:cNvSpPr>
+            <a:spLocks noGrp="1"/>
+          </p:cNvSpPr>
+          <p:nvPr>
+            <p:ph type="title"/>
+          </p:nvPr>
+        </p:nvSpPr>
+        <p:spPr/>
+        <p:txBody>
+          <a:bodyPr/>
+          <a:lstStyle/>
+          <a:p>
+            <a:r>
+              <a:rPr lang="en-US" dirty="0" smtClean="0"/>
+              <a:t>Credits</a:t>
+            </a:r>
+            <a:endParaRPr lang="en-US" dirty="0"/>
+          </a:p>
+        </p:txBody>
+      </p:sp>
+      <p:sp>
+        <p:nvSpPr>
+          <p:cNvPr id="4" name="Text Placeholder 3"/>
+          <p:cNvSpPr>
+            <a:spLocks noGrp="1"/>
+          </p:cNvSpPr>
+          <p:nvPr>
+            <p:ph type="body" sz="half" idx="2"/>
+          </p:nvPr>
+        </p:nvSpPr>
+        <p:spPr>
+          <a:xfrm>
+            <a:off x="1667405" y="2249486"/>
+            <a:ext cx="3856037" cy="3541714"/>
+          </a:xfrm>
+        </p:spPr>
+        <p:txBody>
+          <a:bodyPr/>
+          <a:lstStyle/>
+          <a:p>
+            <a:pPr marL="285750" indent="-285750">
+              <a:buFont typeface="Arial" charset="0"/>
+              <a:buChar char="•"/>
+            </a:pPr>
+            <a:r>
+              <a:rPr lang="en-US" dirty="0" smtClean="0"/>
+              <a:t>UI images made in Sketch</a:t>
+            </a:r>
+          </a:p>
+          <a:p>
+            <a:pPr marL="285750" indent="-285750">
+              <a:buFont typeface="Arial" charset="0"/>
+              <a:buChar char="•"/>
+            </a:pPr>
+            <a:endParaRPr lang="en-US" dirty="0"/>
+          </a:p>
+          <a:p>
+            <a:pPr marL="285750" indent="-285750">
+              <a:buFont typeface="Arial" charset="0"/>
+              <a:buChar char="•"/>
+            </a:pPr>
+            <a:r>
+              <a:rPr lang="en-US" dirty="0" smtClean="0"/>
+              <a:t>Google and H.P. Lovecraft wiki for images</a:t>
+            </a:r>
+          </a:p>
+          <a:p>
+            <a:pPr marL="285750" indent="-285750">
+              <a:buFont typeface="Arial" charset="0"/>
+              <a:buChar char="•"/>
+            </a:pPr>
+            <a:endParaRPr lang="en-US" dirty="0" smtClean="0"/>
+          </a:p>
+          <a:p>
+            <a:pPr marL="285750" indent="-285750">
+              <a:buFont typeface="Arial" charset="0"/>
+              <a:buChar char="•"/>
+            </a:pPr>
+            <a:r>
+              <a:rPr lang="en-US" dirty="0" err="1" smtClean="0"/>
+              <a:t>Chacho’s</a:t>
+            </a:r>
+            <a:endParaRPr lang="en-US" dirty="0" smtClean="0"/>
+          </a:p>
+          <a:p>
+            <a:pPr marL="285750" indent="-285750">
+              <a:buFont typeface="Arial" charset="0"/>
+              <a:buChar char="•"/>
+            </a:pPr>
+            <a:endParaRPr lang="en-US" dirty="0"/>
+          </a:p>
+          <a:p>
+            <a:pPr marL="285750" indent="-285750">
+              <a:buFont typeface="Arial" charset="0"/>
+              <a:buChar char="•"/>
+            </a:pPr>
+            <a:endParaRPr lang="en-US" dirty="0"/>
+          </a:p>
+          <a:p>
+            <a:pPr marL="285750" indent="-285750">
+              <a:buFont typeface="Arial" charset="0"/>
+              <a:buChar char="•"/>
+            </a:pPr>
+            <a:endParaRPr lang="en-US" dirty="0" smtClean="0"/>
+          </a:p>
+        </p:txBody>
+      </p:sp>
+      <p:sp>
+        <p:nvSpPr>
+          <p:cNvPr id="3" name="Content Placeholder 2"/>
+          <p:cNvSpPr>
+            <a:spLocks noGrp="1"/>
+          </p:cNvSpPr>
+          <p:nvPr>
+            <p:ph idx="1"/>
+          </p:nvPr>
+        </p:nvSpPr>
+        <p:spPr/>
+        <p:txBody>
+          <a:bodyPr/>
+          <a:lstStyle/>
+          <a:p>
+            <a:endParaRPr lang="en-US" dirty="0"/>
+          </a:p>
+        </p:txBody>
+      </p:sp>
+    </p:spTree>
+    <p:extLst>
+      <p:ext uri="{BB962C8B-B14F-4D97-AF65-F5344CB8AC3E}">
+        <p14:creationId xmlns:p14="http://schemas.microsoft.com/office/powerpoint/2010/main" val="1835487933"/>
       </p:ext>
     </p:extLst>
   </p:cSld>
@@ -12448,42 +17076,13 @@
           <a:lstStyle/>
           <a:p>
             <a:r>
-              <a:rPr lang="en-US" dirty="0" err="1" smtClean="0"/>
-              <a:t>Startpage</a:t>
+              <a:rPr lang="en-US" dirty="0" smtClean="0"/>
+              <a:t>Notes before you start</a:t>
             </a:r>
             <a:endParaRPr lang="en-US" dirty="0"/>
           </a:p>
         </p:txBody>
       </p:sp>
-      <p:pic>
-        <p:nvPicPr>
-          <p:cNvPr id="5" name="Content Placeholder 4"/>
-          <p:cNvPicPr>
-            <a:picLocks noGrp="1" noChangeAspect="1"/>
-          </p:cNvPicPr>
-          <p:nvPr>
-            <p:ph idx="1"/>
-          </p:nvPr>
-        </p:nvPicPr>
-        <p:blipFill>
-          <a:blip r:embed="rId2">
-            <a:extLst>
-              <a:ext uri="{28A0092B-C50C-407E-A947-70E740481C1C}">
-                <a14:useLocalDpi xmlns:a14="http://schemas.microsoft.com/office/drawing/2010/main" val="0"/>
-              </a:ext>
-            </a:extLst>
-          </a:blip>
-          <a:stretch>
-            <a:fillRect/>
-          </a:stretch>
-        </p:blipFill>
-        <p:spPr>
-          <a:xfrm>
-            <a:off x="7384583" y="592138"/>
-            <a:ext cx="2526646" cy="5199062"/>
-          </a:xfrm>
-        </p:spPr>
-      </p:pic>
       <p:sp>
         <p:nvSpPr>
           <p:cNvPr id="4" name="Text Placeholder 3"/>
@@ -12497,7 +17096,7 @@
         <p:spPr>
           <a:xfrm>
             <a:off x="1667405" y="2249486"/>
-            <a:ext cx="3856037" cy="3541714"/>
+            <a:ext cx="3488795" cy="3541714"/>
           </a:xfrm>
         </p:spPr>
         <p:txBody>
@@ -12510,15 +17109,8 @@
             </a:pPr>
             <a:r>
               <a:rPr lang="en-US" dirty="0" smtClean="0"/>
-              <a:t>Displays after user logs in</a:t>
+              <a:t>You can reach any part of the app, from any other part of the app.</a:t>
             </a:r>
-          </a:p>
-          <a:p>
-            <a:pPr marL="285750" indent="-285750">
-              <a:buFont typeface="Arial" charset="0"/>
-              <a:buChar char="•"/>
-            </a:pPr>
-            <a:endParaRPr lang="en-US" dirty="0"/>
           </a:p>
           <a:p>
             <a:pPr marL="285750" indent="-285750">
@@ -12527,15 +17119,8 @@
             </a:pPr>
             <a:r>
               <a:rPr lang="en-US" dirty="0" smtClean="0"/>
-              <a:t>Offers the options to Create/Join Family groups</a:t>
+              <a:t>Navigation is achieved by click on the light green boxes surrounding the navigation options</a:t>
             </a:r>
-          </a:p>
-          <a:p>
-            <a:pPr marL="285750" indent="-285750">
-              <a:buFont typeface="Arial" charset="0"/>
-              <a:buChar char="•"/>
-            </a:pPr>
-            <a:endParaRPr lang="en-US" dirty="0"/>
           </a:p>
           <a:p>
             <a:pPr marL="285750" indent="-285750">
@@ -12544,15 +17129,7 @@
             </a:pPr>
             <a:r>
               <a:rPr lang="en-US" dirty="0" smtClean="0"/>
-              <a:t>Leaf </a:t>
-            </a:r>
-            <a:r>
-              <a:rPr lang="mr-IN" dirty="0" smtClean="0"/>
-              <a:t>–</a:t>
-            </a:r>
-            <a:r>
-              <a:rPr lang="en-US" dirty="0" smtClean="0"/>
-              <a:t> Links to user profile</a:t>
+              <a:t>The boxes look like this:</a:t>
             </a:r>
           </a:p>
           <a:p>
@@ -12569,15 +17146,15 @@
             </a:pPr>
             <a:r>
               <a:rPr lang="en-US" dirty="0" smtClean="0"/>
-              <a:t>People </a:t>
+              <a:t>Note: Some of the Cthulhu themed stuff is still in here. I </a:t>
             </a:r>
             <a:r>
-              <a:rPr lang="mr-IN" dirty="0" smtClean="0"/>
-              <a:t>–</a:t>
+              <a:rPr lang="en-US" dirty="0" err="1" smtClean="0"/>
+              <a:t>dind’t</a:t>
             </a:r>
             <a:r>
               <a:rPr lang="en-US" dirty="0" smtClean="0"/>
-              <a:t> Opens list of reunions user is a member of</a:t>
+              <a:t> have time to switch them over to the new theme</a:t>
             </a:r>
             <a:endParaRPr lang="en-US" dirty="0"/>
           </a:p>
@@ -12585,16 +17162,242 @@
       </p:sp>
       <p:sp>
         <p:nvSpPr>
-          <p:cNvPr id="3" name="Action Button: Custom 2">
-            <a:hlinkClick r:id="rId3" action="ppaction://hlinksldjump" highlightClick="1"/>
+          <p:cNvPr id="3" name="Content Placeholder 2"/>
+          <p:cNvSpPr>
+            <a:spLocks noGrp="1"/>
+          </p:cNvSpPr>
+          <p:nvPr>
+            <p:ph idx="1"/>
+          </p:nvPr>
+        </p:nvSpPr>
+        <p:spPr/>
+        <p:txBody>
+          <a:bodyPr/>
+          <a:lstStyle/>
+          <a:p>
+            <a:r>
+              <a:rPr lang="en-US" dirty="0" smtClean="0"/>
+              <a:t>Thanks for a great semester!</a:t>
+            </a:r>
+            <a:endParaRPr lang="en-US" dirty="0"/>
+          </a:p>
+        </p:txBody>
+      </p:sp>
+      <p:sp>
+        <p:nvSpPr>
+          <p:cNvPr id="5" name="Text Placeholder 3"/>
+          <p:cNvSpPr txBox="1">
+            <a:spLocks/>
+          </p:cNvSpPr>
+          <p:nvPr/>
+        </p:nvSpPr>
+        <p:spPr>
+          <a:xfrm>
+            <a:off x="1819805" y="2401886"/>
+            <a:ext cx="3856037" cy="3541714"/>
+          </a:xfrm>
+          <a:prstGeom prst="rect">
+            <a:avLst/>
+          </a:prstGeom>
+        </p:spPr>
+        <p:txBody>
+          <a:bodyPr vert="horz" lIns="91440" tIns="45720" rIns="91440" bIns="45720" rtlCol="0">
+            <a:normAutofit/>
+          </a:bodyPr>
+          <a:lstStyle>
+            <a:lvl1pPr marL="0" indent="0" algn="l" defTabSz="914400" rtl="0" eaLnBrk="1" latinLnBrk="0" hangingPunct="1">
+              <a:lnSpc>
+                <a:spcPct val="120000"/>
+              </a:lnSpc>
+              <a:spcBef>
+                <a:spcPts val="1000"/>
+              </a:spcBef>
+              <a:buSzPct val="125000"/>
+              <a:buFont typeface="Arial" panose="020B0604020202020204" pitchFamily="34" charset="0"/>
+              <a:buNone/>
+              <a:defRPr sz="1600" kern="1200">
+                <a:solidFill>
+                  <a:schemeClr val="tx1"/>
+                </a:solidFill>
+                <a:latin typeface="+mn-lt"/>
+                <a:ea typeface="+mn-ea"/>
+                <a:cs typeface="+mn-cs"/>
+              </a:defRPr>
+            </a:lvl1pPr>
+            <a:lvl2pPr marL="457200" indent="0" algn="l" defTabSz="914400" rtl="0" eaLnBrk="1" latinLnBrk="0" hangingPunct="1">
+              <a:lnSpc>
+                <a:spcPct val="120000"/>
+              </a:lnSpc>
+              <a:spcBef>
+                <a:spcPts val="500"/>
+              </a:spcBef>
+              <a:buSzPct val="125000"/>
+              <a:buFont typeface="Arial" panose="020B0604020202020204" pitchFamily="34" charset="0"/>
+              <a:buNone/>
+              <a:defRPr sz="1400" kern="1200">
+                <a:solidFill>
+                  <a:schemeClr val="tx1"/>
+                </a:solidFill>
+                <a:latin typeface="+mn-lt"/>
+                <a:ea typeface="+mn-ea"/>
+                <a:cs typeface="+mn-cs"/>
+              </a:defRPr>
+            </a:lvl2pPr>
+            <a:lvl3pPr marL="914400" indent="0" algn="l" defTabSz="914400" rtl="0" eaLnBrk="1" latinLnBrk="0" hangingPunct="1">
+              <a:lnSpc>
+                <a:spcPct val="120000"/>
+              </a:lnSpc>
+              <a:spcBef>
+                <a:spcPts val="500"/>
+              </a:spcBef>
+              <a:buSzPct val="125000"/>
+              <a:buFont typeface="Arial" panose="020B0604020202020204" pitchFamily="34" charset="0"/>
+              <a:buNone/>
+              <a:defRPr sz="1200" kern="1200">
+                <a:solidFill>
+                  <a:schemeClr val="tx1"/>
+                </a:solidFill>
+                <a:latin typeface="+mn-lt"/>
+                <a:ea typeface="+mn-ea"/>
+                <a:cs typeface="+mn-cs"/>
+              </a:defRPr>
+            </a:lvl3pPr>
+            <a:lvl4pPr marL="1371600" indent="0" algn="l" defTabSz="914400" rtl="0" eaLnBrk="1" latinLnBrk="0" hangingPunct="1">
+              <a:lnSpc>
+                <a:spcPct val="120000"/>
+              </a:lnSpc>
+              <a:spcBef>
+                <a:spcPts val="500"/>
+              </a:spcBef>
+              <a:buSzPct val="125000"/>
+              <a:buFont typeface="Arial" panose="020B0604020202020204" pitchFamily="34" charset="0"/>
+              <a:buNone/>
+              <a:defRPr sz="1000" kern="1200">
+                <a:solidFill>
+                  <a:schemeClr val="tx1"/>
+                </a:solidFill>
+                <a:latin typeface="+mn-lt"/>
+                <a:ea typeface="+mn-ea"/>
+                <a:cs typeface="+mn-cs"/>
+              </a:defRPr>
+            </a:lvl4pPr>
+            <a:lvl5pPr marL="1828800" indent="0" algn="l" defTabSz="914400" rtl="0" eaLnBrk="1" latinLnBrk="0" hangingPunct="1">
+              <a:lnSpc>
+                <a:spcPct val="120000"/>
+              </a:lnSpc>
+              <a:spcBef>
+                <a:spcPts val="500"/>
+              </a:spcBef>
+              <a:buSzPct val="125000"/>
+              <a:buFont typeface="Arial" panose="020B0604020202020204" pitchFamily="34" charset="0"/>
+              <a:buNone/>
+              <a:defRPr sz="1000" kern="1200">
+                <a:solidFill>
+                  <a:schemeClr val="tx1"/>
+                </a:solidFill>
+                <a:latin typeface="+mn-lt"/>
+                <a:ea typeface="+mn-ea"/>
+                <a:cs typeface="+mn-cs"/>
+              </a:defRPr>
+            </a:lvl5pPr>
+            <a:lvl6pPr marL="2286000" indent="0" algn="l" defTabSz="914400" rtl="0" eaLnBrk="1" latinLnBrk="0" hangingPunct="1">
+              <a:lnSpc>
+                <a:spcPct val="120000"/>
+              </a:lnSpc>
+              <a:spcBef>
+                <a:spcPts val="500"/>
+              </a:spcBef>
+              <a:buSzPct val="125000"/>
+              <a:buFont typeface="Arial" panose="020B0604020202020204" pitchFamily="34" charset="0"/>
+              <a:buNone/>
+              <a:defRPr sz="1000" kern="1200">
+                <a:solidFill>
+                  <a:schemeClr val="tx1"/>
+                </a:solidFill>
+                <a:latin typeface="+mn-lt"/>
+                <a:ea typeface="+mn-ea"/>
+                <a:cs typeface="+mn-cs"/>
+              </a:defRPr>
+            </a:lvl6pPr>
+            <a:lvl7pPr marL="2743200" indent="0" algn="l" defTabSz="914400" rtl="0" eaLnBrk="1" latinLnBrk="0" hangingPunct="1">
+              <a:lnSpc>
+                <a:spcPct val="120000"/>
+              </a:lnSpc>
+              <a:spcBef>
+                <a:spcPts val="500"/>
+              </a:spcBef>
+              <a:buSzPct val="125000"/>
+              <a:buFont typeface="Arial" panose="020B0604020202020204" pitchFamily="34" charset="0"/>
+              <a:buNone/>
+              <a:defRPr sz="1000" kern="1200">
+                <a:solidFill>
+                  <a:schemeClr val="tx1"/>
+                </a:solidFill>
+                <a:latin typeface="+mn-lt"/>
+                <a:ea typeface="+mn-ea"/>
+                <a:cs typeface="+mn-cs"/>
+              </a:defRPr>
+            </a:lvl7pPr>
+            <a:lvl8pPr marL="3200400" indent="0" algn="l" defTabSz="914400" rtl="0" eaLnBrk="1" latinLnBrk="0" hangingPunct="1">
+              <a:lnSpc>
+                <a:spcPct val="120000"/>
+              </a:lnSpc>
+              <a:spcBef>
+                <a:spcPts val="500"/>
+              </a:spcBef>
+              <a:buSzPct val="125000"/>
+              <a:buFont typeface="Arial" panose="020B0604020202020204" pitchFamily="34" charset="0"/>
+              <a:buNone/>
+              <a:defRPr sz="1000" kern="1200">
+                <a:solidFill>
+                  <a:schemeClr val="tx1"/>
+                </a:solidFill>
+                <a:latin typeface="+mn-lt"/>
+                <a:ea typeface="+mn-ea"/>
+                <a:cs typeface="+mn-cs"/>
+              </a:defRPr>
+            </a:lvl8pPr>
+            <a:lvl9pPr marL="3657600" indent="0" algn="l" defTabSz="914400" rtl="0" eaLnBrk="1" latinLnBrk="0" hangingPunct="1">
+              <a:lnSpc>
+                <a:spcPct val="120000"/>
+              </a:lnSpc>
+              <a:spcBef>
+                <a:spcPts val="500"/>
+              </a:spcBef>
+              <a:buSzPct val="125000"/>
+              <a:buFont typeface="Arial" panose="020B0604020202020204" pitchFamily="34" charset="0"/>
+              <a:buNone/>
+              <a:defRPr sz="1000" kern="1200">
+                <a:solidFill>
+                  <a:schemeClr val="tx1"/>
+                </a:solidFill>
+                <a:latin typeface="+mn-lt"/>
+                <a:ea typeface="+mn-ea"/>
+                <a:cs typeface="+mn-cs"/>
+              </a:defRPr>
+            </a:lvl9pPr>
+          </a:lstStyle>
+          <a:p>
+            <a:pPr marL="285750" indent="-285750">
+              <a:buFont typeface="Arial" charset="0"/>
+              <a:buChar char="•"/>
+            </a:pPr>
+            <a:endParaRPr lang="en-US" dirty="0" smtClean="0"/>
+          </a:p>
+        </p:txBody>
+      </p:sp>
+      <p:sp>
+        <p:nvSpPr>
+          <p:cNvPr id="6" name="Action Button: Custom 5">
+            <a:hlinkClick r:id="rId2" action="ppaction://hlinksldjump" highlightClick="1"/>
           </p:cNvPr>
           <p:cNvSpPr/>
           <p:nvPr/>
         </p:nvSpPr>
         <p:spPr>
           <a:xfrm>
-            <a:off x="7505700" y="4559300"/>
-            <a:ext cx="711200" cy="571500"/>
+            <a:off x="2030068" y="4444262"/>
+            <a:ext cx="408374" cy="363574"/>
           </a:xfrm>
           <a:prstGeom prst="actionButtonBlank">
             <a:avLst/>
@@ -12626,16 +17429,16 @@
       </p:sp>
       <p:sp>
         <p:nvSpPr>
-          <p:cNvPr id="6" name="Action Button: Custom 5">
-            <a:hlinkClick r:id="rId4" action="ppaction://hlinksldjump" highlightClick="1"/>
+          <p:cNvPr id="7" name="Action Button: Custom 6">
+            <a:hlinkClick r:id="rId3" action="ppaction://hlinksldjump" highlightClick="1"/>
           </p:cNvPr>
           <p:cNvSpPr/>
           <p:nvPr/>
         </p:nvSpPr>
         <p:spPr>
           <a:xfrm>
-            <a:off x="8216900" y="4559300"/>
-            <a:ext cx="786606" cy="571500"/>
+            <a:off x="2851915" y="4474240"/>
+            <a:ext cx="786606" cy="267881"/>
           </a:xfrm>
           <a:prstGeom prst="actionButtonBlank">
             <a:avLst/>
@@ -12665,10 +17468,51 @@
           </a:p>
         </p:txBody>
       </p:sp>
+      <p:sp>
+        <p:nvSpPr>
+          <p:cNvPr id="8" name="Action Button: Custom 7">
+            <a:hlinkClick r:id="rId4" action="ppaction://hlinksldjump" highlightClick="1"/>
+          </p:cNvPr>
+          <p:cNvSpPr/>
+          <p:nvPr/>
+        </p:nvSpPr>
+        <p:spPr>
+          <a:xfrm>
+            <a:off x="4106639" y="4474240"/>
+            <a:ext cx="316505" cy="303619"/>
+          </a:xfrm>
+          <a:prstGeom prst="actionButtonBlank">
+            <a:avLst/>
+          </a:prstGeom>
+          <a:noFill/>
+        </p:spPr>
+        <p:style>
+          <a:lnRef idx="2">
+            <a:schemeClr val="accent6"/>
+          </a:lnRef>
+          <a:fillRef idx="1">
+            <a:schemeClr val="lt1"/>
+          </a:fillRef>
+          <a:effectRef idx="0">
+            <a:schemeClr val="accent6"/>
+          </a:effectRef>
+          <a:fontRef idx="minor">
+            <a:schemeClr val="dk1"/>
+          </a:fontRef>
+        </p:style>
+        <p:txBody>
+          <a:bodyPr rtlCol="0" anchor="ctr"/>
+          <a:lstStyle/>
+          <a:p>
+            <a:pPr algn="ctr"/>
+            <a:endParaRPr lang="en-US"/>
+          </a:p>
+        </p:txBody>
+      </p:sp>
     </p:spTree>
     <p:extLst>
       <p:ext uri="{BB962C8B-B14F-4D97-AF65-F5344CB8AC3E}">
-        <p14:creationId xmlns:p14="http://schemas.microsoft.com/office/powerpoint/2010/main" val="861419952"/>
+        <p14:creationId xmlns:p14="http://schemas.microsoft.com/office/powerpoint/2010/main" val="1169396698"/>
       </p:ext>
     </p:extLst>
   </p:cSld>
@@ -12718,64 +17562,16 @@
           <a:lstStyle/>
           <a:p>
             <a:r>
-              <a:rPr lang="en-US" dirty="0" smtClean="0"/>
-              <a:t>Reunion List</a:t>
+              <a:rPr lang="en-US" dirty="0" err="1" smtClean="0"/>
+              <a:t>Startpage</a:t>
             </a:r>
             <a:endParaRPr lang="en-US" dirty="0"/>
           </a:p>
         </p:txBody>
       </p:sp>
-      <p:sp>
-        <p:nvSpPr>
-          <p:cNvPr id="4" name="Text Placeholder 3"/>
-          <p:cNvSpPr>
-            <a:spLocks noGrp="1"/>
-          </p:cNvSpPr>
-          <p:nvPr>
-            <p:ph type="body" sz="half" idx="2"/>
-          </p:nvPr>
-        </p:nvSpPr>
-        <p:spPr>
-          <a:xfrm>
-            <a:off x="1667405" y="2249486"/>
-            <a:ext cx="3856037" cy="3541714"/>
-          </a:xfrm>
-        </p:spPr>
-        <p:txBody>
-          <a:bodyPr/>
-          <a:lstStyle/>
-          <a:p>
-            <a:pPr marL="285750" indent="-285750">
-              <a:buFont typeface="Arial" charset="0"/>
-              <a:buChar char="•"/>
-            </a:pPr>
-            <a:r>
-              <a:rPr lang="en-US" dirty="0" smtClean="0"/>
-              <a:t>Easy to select a reunion</a:t>
-            </a:r>
-          </a:p>
-          <a:p>
-            <a:pPr marL="285750" indent="-285750">
-              <a:buFont typeface="Arial" charset="0"/>
-              <a:buChar char="•"/>
-            </a:pPr>
-            <a:endParaRPr lang="en-US" dirty="0"/>
-          </a:p>
-          <a:p>
-            <a:pPr marL="285750" indent="-285750">
-              <a:buFont typeface="Arial" charset="0"/>
-              <a:buChar char="•"/>
-            </a:pPr>
-            <a:r>
-              <a:rPr lang="en-US" dirty="0" smtClean="0"/>
-              <a:t>Organized alphabetically</a:t>
-            </a:r>
-          </a:p>
-        </p:txBody>
-      </p:sp>
       <p:pic>
         <p:nvPicPr>
-          <p:cNvPr id="9" name="Content Placeholder 8"/>
+          <p:cNvPr id="5" name="Content Placeholder 4"/>
           <p:cNvPicPr>
             <a:picLocks noGrp="1" noChangeAspect="1"/>
           </p:cNvPicPr>
@@ -12797,14 +17593,121 @@
         </p:blipFill>
         <p:spPr>
           <a:xfrm>
-            <a:off x="7384583" y="592138"/>
+            <a:off x="7374751" y="592138"/>
             <a:ext cx="2526646" cy="5199062"/>
           </a:xfrm>
         </p:spPr>
       </p:pic>
       <p:sp>
         <p:nvSpPr>
-          <p:cNvPr id="6" name="Action Button: Custom 5">
+          <p:cNvPr id="4" name="Text Placeholder 3"/>
+          <p:cNvSpPr>
+            <a:spLocks noGrp="1"/>
+          </p:cNvSpPr>
+          <p:nvPr>
+            <p:ph type="body" sz="half" idx="2"/>
+          </p:nvPr>
+        </p:nvSpPr>
+        <p:spPr>
+          <a:xfrm>
+            <a:off x="1667405" y="2249486"/>
+            <a:ext cx="3856037" cy="3541714"/>
+          </a:xfrm>
+        </p:spPr>
+        <p:txBody>
+          <a:bodyPr/>
+          <a:lstStyle/>
+          <a:p>
+            <a:pPr marL="285750" indent="-285750">
+              <a:buFont typeface="Arial" charset="0"/>
+              <a:buChar char="•"/>
+            </a:pPr>
+            <a:r>
+              <a:rPr lang="en-US" dirty="0" smtClean="0"/>
+              <a:t>Displays after user logs in</a:t>
+            </a:r>
+          </a:p>
+          <a:p>
+            <a:pPr marL="285750" indent="-285750">
+              <a:buFont typeface="Arial" charset="0"/>
+              <a:buChar char="•"/>
+            </a:pPr>
+            <a:endParaRPr lang="en-US" dirty="0"/>
+          </a:p>
+          <a:p>
+            <a:pPr marL="285750" indent="-285750">
+              <a:buFont typeface="Arial" charset="0"/>
+              <a:buChar char="•"/>
+            </a:pPr>
+            <a:r>
+              <a:rPr lang="en-US" dirty="0" smtClean="0"/>
+              <a:t>Offers the options to Create/Join Family groups</a:t>
+            </a:r>
+          </a:p>
+          <a:p>
+            <a:pPr marL="285750" indent="-285750">
+              <a:buFont typeface="Arial" charset="0"/>
+              <a:buChar char="•"/>
+            </a:pPr>
+            <a:endParaRPr lang="en-US" dirty="0"/>
+          </a:p>
+          <a:p>
+            <a:pPr marL="285750" indent="-285750">
+              <a:buFont typeface="Arial" charset="0"/>
+              <a:buChar char="•"/>
+            </a:pPr>
+            <a:r>
+              <a:rPr lang="en-US" dirty="0" smtClean="0"/>
+              <a:t>Leaf </a:t>
+            </a:r>
+            <a:r>
+              <a:rPr lang="mr-IN" dirty="0" smtClean="0"/>
+              <a:t>–</a:t>
+            </a:r>
+            <a:r>
+              <a:rPr lang="en-US" dirty="0" smtClean="0"/>
+              <a:t> Links to user profile</a:t>
+            </a:r>
+          </a:p>
+          <a:p>
+            <a:pPr marL="285750" indent="-285750">
+              <a:buFont typeface="Arial" charset="0"/>
+              <a:buChar char="•"/>
+            </a:pPr>
+            <a:endParaRPr lang="en-US" dirty="0"/>
+          </a:p>
+          <a:p>
+            <a:pPr marL="285750" indent="-285750">
+              <a:buFont typeface="Arial" charset="0"/>
+              <a:buChar char="•"/>
+            </a:pPr>
+            <a:r>
+              <a:rPr lang="en-US" dirty="0" smtClean="0"/>
+              <a:t>People </a:t>
+            </a:r>
+            <a:r>
+              <a:rPr lang="mr-IN" dirty="0" smtClean="0"/>
+              <a:t>–</a:t>
+            </a:r>
+            <a:r>
+              <a:rPr lang="en-US" dirty="0" smtClean="0"/>
+              <a:t> Opens list of </a:t>
+            </a:r>
+            <a:r>
+              <a:rPr lang="en-US" dirty="0" smtClean="0"/>
+              <a:t>families the </a:t>
+            </a:r>
+            <a:r>
+              <a:rPr lang="en-US" dirty="0" smtClean="0"/>
+              <a:t>user is a member of</a:t>
+            </a:r>
+            <a:endParaRPr lang="en-US" dirty="0"/>
+          </a:p>
+        </p:txBody>
+      </p:sp>
+      <p:sp>
+        <p:nvSpPr>
+          <p:cNvPr id="7" name="Action Button: Custom 6">
             <a:hlinkClick r:id="rId3" action="ppaction://hlinksldjump" highlightClick="1"/>
           </p:cNvPr>
           <p:cNvSpPr/>
@@ -12812,8 +17715,8 @@
         </p:nvSpPr>
         <p:spPr>
           <a:xfrm>
-            <a:off x="7531100" y="4571999"/>
-            <a:ext cx="660399" cy="560439"/>
+            <a:off x="7631881" y="3191669"/>
+            <a:ext cx="351913" cy="347944"/>
           </a:xfrm>
           <a:prstGeom prst="actionButtonBlank">
             <a:avLst/>
@@ -12845,7 +17748,7 @@
       </p:sp>
       <p:sp>
         <p:nvSpPr>
-          <p:cNvPr id="7" name="Action Button: Custom 6">
+          <p:cNvPr id="8" name="Action Button: Custom 7">
             <a:hlinkClick r:id="rId4" action="ppaction://hlinksldjump" highlightClick="1"/>
           </p:cNvPr>
           <p:cNvSpPr/>
@@ -12853,7 +17756,89 @@
         </p:nvSpPr>
         <p:spPr>
           <a:xfrm>
-            <a:off x="8264758" y="4560938"/>
+            <a:off x="7631880" y="2284722"/>
+            <a:ext cx="351913" cy="347944"/>
+          </a:xfrm>
+          <a:prstGeom prst="actionButtonBlank">
+            <a:avLst/>
+          </a:prstGeom>
+          <a:noFill/>
+        </p:spPr>
+        <p:style>
+          <a:lnRef idx="2">
+            <a:schemeClr val="accent6"/>
+          </a:lnRef>
+          <a:fillRef idx="1">
+            <a:schemeClr val="lt1"/>
+          </a:fillRef>
+          <a:effectRef idx="0">
+            <a:schemeClr val="accent6"/>
+          </a:effectRef>
+          <a:fontRef idx="minor">
+            <a:schemeClr val="dk1"/>
+          </a:fontRef>
+        </p:style>
+        <p:txBody>
+          <a:bodyPr rtlCol="0" anchor="ctr"/>
+          <a:lstStyle/>
+          <a:p>
+            <a:pPr algn="ctr"/>
+            <a:endParaRPr lang="en-US"/>
+          </a:p>
+        </p:txBody>
+      </p:sp>
+      <p:sp>
+        <p:nvSpPr>
+          <p:cNvPr id="9" name="Action Button: Custom 8">
+            <a:hlinkClick r:id="rId5" action="ppaction://hlinksldjump" highlightClick="1"/>
+          </p:cNvPr>
+          <p:cNvSpPr/>
+          <p:nvPr/>
+        </p:nvSpPr>
+        <p:spPr>
+          <a:xfrm>
+            <a:off x="7505700" y="4559300"/>
+            <a:ext cx="711200" cy="571500"/>
+          </a:xfrm>
+          <a:prstGeom prst="actionButtonBlank">
+            <a:avLst/>
+          </a:prstGeom>
+          <a:noFill/>
+        </p:spPr>
+        <p:style>
+          <a:lnRef idx="2">
+            <a:schemeClr val="accent6"/>
+          </a:lnRef>
+          <a:fillRef idx="1">
+            <a:schemeClr val="lt1"/>
+          </a:fillRef>
+          <a:effectRef idx="0">
+            <a:schemeClr val="accent6"/>
+          </a:effectRef>
+          <a:fontRef idx="minor">
+            <a:schemeClr val="dk1"/>
+          </a:fontRef>
+        </p:style>
+        <p:txBody>
+          <a:bodyPr rtlCol="0" anchor="ctr"/>
+          <a:lstStyle/>
+          <a:p>
+            <a:pPr algn="ctr"/>
+            <a:endParaRPr lang="en-US"/>
+          </a:p>
+        </p:txBody>
+      </p:sp>
+      <p:sp>
+        <p:nvSpPr>
+          <p:cNvPr id="10" name="Action Button: Custom 9">
+            <a:hlinkClick r:id="rId6" action="ppaction://hlinksldjump" highlightClick="1"/>
+          </p:cNvPr>
+          <p:cNvSpPr/>
+          <p:nvPr/>
+        </p:nvSpPr>
+        <p:spPr>
+          <a:xfrm>
+            <a:off x="8236564" y="4559300"/>
             <a:ext cx="786606" cy="571500"/>
           </a:xfrm>
           <a:prstGeom prst="actionButtonBlank">
@@ -12884,51 +17869,10 @@
           </a:p>
         </p:txBody>
       </p:sp>
-      <p:sp>
-        <p:nvSpPr>
-          <p:cNvPr id="3" name="Action Button: Custom 2">
-            <a:hlinkClick r:id="rId5" action="ppaction://hlinksldjump" highlightClick="1"/>
-          </p:cNvPr>
-          <p:cNvSpPr/>
-          <p:nvPr/>
-        </p:nvSpPr>
-        <p:spPr>
-          <a:xfrm>
-            <a:off x="7505699" y="1187404"/>
-            <a:ext cx="355600" cy="342331"/>
-          </a:xfrm>
-          <a:prstGeom prst="actionButtonBlank">
-            <a:avLst/>
-          </a:prstGeom>
-          <a:noFill/>
-        </p:spPr>
-        <p:style>
-          <a:lnRef idx="2">
-            <a:schemeClr val="accent6"/>
-          </a:lnRef>
-          <a:fillRef idx="1">
-            <a:schemeClr val="lt1"/>
-          </a:fillRef>
-          <a:effectRef idx="0">
-            <a:schemeClr val="accent6"/>
-          </a:effectRef>
-          <a:fontRef idx="minor">
-            <a:schemeClr val="dk1"/>
-          </a:fontRef>
-        </p:style>
-        <p:txBody>
-          <a:bodyPr rtlCol="0" anchor="ctr"/>
-          <a:lstStyle/>
-          <a:p>
-            <a:pPr algn="ctr"/>
-            <a:endParaRPr lang="en-US"/>
-          </a:p>
-        </p:txBody>
-      </p:sp>
     </p:spTree>
     <p:extLst>
       <p:ext uri="{BB962C8B-B14F-4D97-AF65-F5344CB8AC3E}">
-        <p14:creationId xmlns:p14="http://schemas.microsoft.com/office/powerpoint/2010/main" val="313107412"/>
+        <p14:creationId xmlns:p14="http://schemas.microsoft.com/office/powerpoint/2010/main" val="861419952"/>
       </p:ext>
     </p:extLst>
   </p:cSld>
@@ -12979,7 +17923,7 @@
           <a:p>
             <a:r>
               <a:rPr lang="en-US" dirty="0" smtClean="0"/>
-              <a:t>Leaf Page</a:t>
+              <a:t>Create A Family</a:t>
             </a:r>
             <a:endParaRPr lang="en-US" dirty="0"/>
           </a:p>
@@ -12998,7 +17942,7 @@
         <p:spPr>
           <a:xfrm>
             <a:off x="1667405" y="2249486"/>
-            <a:ext cx="3856037" cy="3541714"/>
+            <a:ext cx="3488795" cy="3541714"/>
           </a:xfrm>
         </p:spPr>
         <p:txBody>
@@ -13011,15 +17955,8 @@
             </a:pPr>
             <a:r>
               <a:rPr lang="en-US" dirty="0" smtClean="0"/>
-              <a:t>The user’s profile</a:t>
+              <a:t>Enter a name to replace the template</a:t>
             </a:r>
-          </a:p>
-          <a:p>
-            <a:pPr marL="285750" indent="-285750">
-              <a:buFont typeface="Arial" charset="0"/>
-              <a:buChar char="•"/>
-            </a:pPr>
-            <a:endParaRPr lang="en-US" dirty="0"/>
           </a:p>
           <a:p>
             <a:pPr marL="285750" indent="-285750">
@@ -13028,15 +17965,16 @@
             </a:pPr>
             <a:r>
               <a:rPr lang="en-US" dirty="0" smtClean="0"/>
-              <a:t>Contains the relevant relationship information</a:t>
+              <a:t>Enter a location, hooks into </a:t>
             </a:r>
-          </a:p>
-          <a:p>
-            <a:pPr marL="285750" indent="-285750">
-              <a:buFont typeface="Arial" charset="0"/>
-              <a:buChar char="•"/>
-            </a:pPr>
-            <a:endParaRPr lang="en-US" dirty="0"/>
+            <a:r>
+              <a:rPr lang="en-US" dirty="0" err="1" smtClean="0"/>
+              <a:t>Gmaps</a:t>
+            </a:r>
+            <a:r>
+              <a:rPr lang="en-US" dirty="0" smtClean="0"/>
+              <a:t> API to confirm</a:t>
+            </a:r>
           </a:p>
           <a:p>
             <a:pPr marL="285750" indent="-285750">
@@ -13045,9 +17983,19 @@
             </a:pPr>
             <a:r>
               <a:rPr lang="en-US" dirty="0" smtClean="0"/>
-              <a:t>When joining a reunion, this data is automatically added to the Family Tree</a:t>
+              <a:t>Pick family type, Biological by Default</a:t>
             </a:r>
-            <a:endParaRPr lang="en-US" dirty="0"/>
+          </a:p>
+          <a:p>
+            <a:pPr marL="285750" indent="-285750">
+              <a:buFont typeface="Arial" charset="0"/>
+              <a:buChar char="•"/>
+            </a:pPr>
+            <a:r>
+              <a:rPr lang="en-US" dirty="0" smtClean="0"/>
+              <a:t>Selecting “Create!” sends user to the “View Families” page</a:t>
+            </a:r>
+            <a:endParaRPr lang="en-US" dirty="0" smtClean="0"/>
           </a:p>
         </p:txBody>
       </p:sp>
@@ -13075,14 +18023,217 @@
         </p:blipFill>
         <p:spPr>
           <a:xfrm>
-            <a:off x="7384583" y="592138"/>
+            <a:off x="7369429" y="592138"/>
             <a:ext cx="2526646" cy="5199062"/>
           </a:xfrm>
         </p:spPr>
       </p:pic>
       <p:sp>
         <p:nvSpPr>
-          <p:cNvPr id="5" name="Action Button: Custom 4">
+          <p:cNvPr id="5" name="Text Placeholder 3"/>
+          <p:cNvSpPr txBox="1">
+            <a:spLocks/>
+          </p:cNvSpPr>
+          <p:nvPr/>
+        </p:nvSpPr>
+        <p:spPr>
+          <a:xfrm>
+            <a:off x="1819805" y="2401886"/>
+            <a:ext cx="3856037" cy="3541714"/>
+          </a:xfrm>
+          <a:prstGeom prst="rect">
+            <a:avLst/>
+          </a:prstGeom>
+        </p:spPr>
+        <p:txBody>
+          <a:bodyPr vert="horz" lIns="91440" tIns="45720" rIns="91440" bIns="45720" rtlCol="0">
+            <a:normAutofit/>
+          </a:bodyPr>
+          <a:lstStyle>
+            <a:lvl1pPr marL="0" indent="0" algn="l" defTabSz="914400" rtl="0" eaLnBrk="1" latinLnBrk="0" hangingPunct="1">
+              <a:lnSpc>
+                <a:spcPct val="120000"/>
+              </a:lnSpc>
+              <a:spcBef>
+                <a:spcPts val="1000"/>
+              </a:spcBef>
+              <a:buSzPct val="125000"/>
+              <a:buFont typeface="Arial" panose="020B0604020202020204" pitchFamily="34" charset="0"/>
+              <a:buNone/>
+              <a:defRPr sz="1600" kern="1200">
+                <a:solidFill>
+                  <a:schemeClr val="tx1"/>
+                </a:solidFill>
+                <a:latin typeface="+mn-lt"/>
+                <a:ea typeface="+mn-ea"/>
+                <a:cs typeface="+mn-cs"/>
+              </a:defRPr>
+            </a:lvl1pPr>
+            <a:lvl2pPr marL="457200" indent="0" algn="l" defTabSz="914400" rtl="0" eaLnBrk="1" latinLnBrk="0" hangingPunct="1">
+              <a:lnSpc>
+                <a:spcPct val="120000"/>
+              </a:lnSpc>
+              <a:spcBef>
+                <a:spcPts val="500"/>
+              </a:spcBef>
+              <a:buSzPct val="125000"/>
+              <a:buFont typeface="Arial" panose="020B0604020202020204" pitchFamily="34" charset="0"/>
+              <a:buNone/>
+              <a:defRPr sz="1400" kern="1200">
+                <a:solidFill>
+                  <a:schemeClr val="tx1"/>
+                </a:solidFill>
+                <a:latin typeface="+mn-lt"/>
+                <a:ea typeface="+mn-ea"/>
+                <a:cs typeface="+mn-cs"/>
+              </a:defRPr>
+            </a:lvl2pPr>
+            <a:lvl3pPr marL="914400" indent="0" algn="l" defTabSz="914400" rtl="0" eaLnBrk="1" latinLnBrk="0" hangingPunct="1">
+              <a:lnSpc>
+                <a:spcPct val="120000"/>
+              </a:lnSpc>
+              <a:spcBef>
+                <a:spcPts val="500"/>
+              </a:spcBef>
+              <a:buSzPct val="125000"/>
+              <a:buFont typeface="Arial" panose="020B0604020202020204" pitchFamily="34" charset="0"/>
+              <a:buNone/>
+              <a:defRPr sz="1200" kern="1200">
+                <a:solidFill>
+                  <a:schemeClr val="tx1"/>
+                </a:solidFill>
+                <a:latin typeface="+mn-lt"/>
+                <a:ea typeface="+mn-ea"/>
+                <a:cs typeface="+mn-cs"/>
+              </a:defRPr>
+            </a:lvl3pPr>
+            <a:lvl4pPr marL="1371600" indent="0" algn="l" defTabSz="914400" rtl="0" eaLnBrk="1" latinLnBrk="0" hangingPunct="1">
+              <a:lnSpc>
+                <a:spcPct val="120000"/>
+              </a:lnSpc>
+              <a:spcBef>
+                <a:spcPts val="500"/>
+              </a:spcBef>
+              <a:buSzPct val="125000"/>
+              <a:buFont typeface="Arial" panose="020B0604020202020204" pitchFamily="34" charset="0"/>
+              <a:buNone/>
+              <a:defRPr sz="1000" kern="1200">
+                <a:solidFill>
+                  <a:schemeClr val="tx1"/>
+                </a:solidFill>
+                <a:latin typeface="+mn-lt"/>
+                <a:ea typeface="+mn-ea"/>
+                <a:cs typeface="+mn-cs"/>
+              </a:defRPr>
+            </a:lvl4pPr>
+            <a:lvl5pPr marL="1828800" indent="0" algn="l" defTabSz="914400" rtl="0" eaLnBrk="1" latinLnBrk="0" hangingPunct="1">
+              <a:lnSpc>
+                <a:spcPct val="120000"/>
+              </a:lnSpc>
+              <a:spcBef>
+                <a:spcPts val="500"/>
+              </a:spcBef>
+              <a:buSzPct val="125000"/>
+              <a:buFont typeface="Arial" panose="020B0604020202020204" pitchFamily="34" charset="0"/>
+              <a:buNone/>
+              <a:defRPr sz="1000" kern="1200">
+                <a:solidFill>
+                  <a:schemeClr val="tx1"/>
+                </a:solidFill>
+                <a:latin typeface="+mn-lt"/>
+                <a:ea typeface="+mn-ea"/>
+                <a:cs typeface="+mn-cs"/>
+              </a:defRPr>
+            </a:lvl5pPr>
+            <a:lvl6pPr marL="2286000" indent="0" algn="l" defTabSz="914400" rtl="0" eaLnBrk="1" latinLnBrk="0" hangingPunct="1">
+              <a:lnSpc>
+                <a:spcPct val="120000"/>
+              </a:lnSpc>
+              <a:spcBef>
+                <a:spcPts val="500"/>
+              </a:spcBef>
+              <a:buSzPct val="125000"/>
+              <a:buFont typeface="Arial" panose="020B0604020202020204" pitchFamily="34" charset="0"/>
+              <a:buNone/>
+              <a:defRPr sz="1000" kern="1200">
+                <a:solidFill>
+                  <a:schemeClr val="tx1"/>
+                </a:solidFill>
+                <a:latin typeface="+mn-lt"/>
+                <a:ea typeface="+mn-ea"/>
+                <a:cs typeface="+mn-cs"/>
+              </a:defRPr>
+            </a:lvl6pPr>
+            <a:lvl7pPr marL="2743200" indent="0" algn="l" defTabSz="914400" rtl="0" eaLnBrk="1" latinLnBrk="0" hangingPunct="1">
+              <a:lnSpc>
+                <a:spcPct val="120000"/>
+              </a:lnSpc>
+              <a:spcBef>
+                <a:spcPts val="500"/>
+              </a:spcBef>
+              <a:buSzPct val="125000"/>
+              <a:buFont typeface="Arial" panose="020B0604020202020204" pitchFamily="34" charset="0"/>
+              <a:buNone/>
+              <a:defRPr sz="1000" kern="1200">
+                <a:solidFill>
+                  <a:schemeClr val="tx1"/>
+                </a:solidFill>
+                <a:latin typeface="+mn-lt"/>
+                <a:ea typeface="+mn-ea"/>
+                <a:cs typeface="+mn-cs"/>
+              </a:defRPr>
+            </a:lvl7pPr>
+            <a:lvl8pPr marL="3200400" indent="0" algn="l" defTabSz="914400" rtl="0" eaLnBrk="1" latinLnBrk="0" hangingPunct="1">
+              <a:lnSpc>
+                <a:spcPct val="120000"/>
+              </a:lnSpc>
+              <a:spcBef>
+                <a:spcPts val="500"/>
+              </a:spcBef>
+              <a:buSzPct val="125000"/>
+              <a:buFont typeface="Arial" panose="020B0604020202020204" pitchFamily="34" charset="0"/>
+              <a:buNone/>
+              <a:defRPr sz="1000" kern="1200">
+                <a:solidFill>
+                  <a:schemeClr val="tx1"/>
+                </a:solidFill>
+                <a:latin typeface="+mn-lt"/>
+                <a:ea typeface="+mn-ea"/>
+                <a:cs typeface="+mn-cs"/>
+              </a:defRPr>
+            </a:lvl8pPr>
+            <a:lvl9pPr marL="3657600" indent="0" algn="l" defTabSz="914400" rtl="0" eaLnBrk="1" latinLnBrk="0" hangingPunct="1">
+              <a:lnSpc>
+                <a:spcPct val="120000"/>
+              </a:lnSpc>
+              <a:spcBef>
+                <a:spcPts val="500"/>
+              </a:spcBef>
+              <a:buSzPct val="125000"/>
+              <a:buFont typeface="Arial" panose="020B0604020202020204" pitchFamily="34" charset="0"/>
+              <a:buNone/>
+              <a:defRPr sz="1000" kern="1200">
+                <a:solidFill>
+                  <a:schemeClr val="tx1"/>
+                </a:solidFill>
+                <a:latin typeface="+mn-lt"/>
+                <a:ea typeface="+mn-ea"/>
+                <a:cs typeface="+mn-cs"/>
+              </a:defRPr>
+            </a:lvl9pPr>
+          </a:lstStyle>
+          <a:p>
+            <a:pPr marL="285750" indent="-285750">
+              <a:buFont typeface="Arial" charset="0"/>
+              <a:buChar char="•"/>
+            </a:pPr>
+            <a:endParaRPr lang="en-US" dirty="0" smtClean="0"/>
+          </a:p>
+        </p:txBody>
+      </p:sp>
+      <p:sp>
+        <p:nvSpPr>
+          <p:cNvPr id="11" name="Action Button: Custom 10">
             <a:hlinkClick r:id="rId3" action="ppaction://hlinksldjump" highlightClick="1"/>
           </p:cNvPr>
           <p:cNvSpPr/>
@@ -13090,8 +18241,8 @@
         </p:nvSpPr>
         <p:spPr>
           <a:xfrm>
-            <a:off x="7505700" y="1207069"/>
-            <a:ext cx="355600" cy="342331"/>
+            <a:off x="7602294" y="4059671"/>
+            <a:ext cx="2052983" cy="374677"/>
           </a:xfrm>
           <a:prstGeom prst="actionButtonBlank">
             <a:avLst/>
@@ -13123,7 +18274,7 @@
       </p:sp>
       <p:sp>
         <p:nvSpPr>
-          <p:cNvPr id="7" name="Action Button: Custom 6">
+          <p:cNvPr id="12" name="Action Button: Custom 11">
             <a:hlinkClick r:id="rId4" action="ppaction://hlinksldjump" highlightClick="1"/>
           </p:cNvPr>
           <p:cNvSpPr/>
@@ -13164,7 +18315,7 @@
       </p:sp>
       <p:sp>
         <p:nvSpPr>
-          <p:cNvPr id="8" name="Action Button: Custom 7">
+          <p:cNvPr id="13" name="Action Button: Custom 12">
             <a:hlinkClick r:id="rId5" action="ppaction://hlinksldjump" highlightClick="1"/>
           </p:cNvPr>
           <p:cNvSpPr/>
@@ -13203,10 +18354,51 @@
           </a:p>
         </p:txBody>
       </p:sp>
+      <p:sp>
+        <p:nvSpPr>
+          <p:cNvPr id="14" name="Action Button: Custom 13">
+            <a:hlinkClick r:id="rId6" action="ppaction://hlinksldjump" highlightClick="1"/>
+          </p:cNvPr>
+          <p:cNvSpPr/>
+          <p:nvPr/>
+        </p:nvSpPr>
+        <p:spPr>
+          <a:xfrm>
+            <a:off x="7541342" y="1258529"/>
+            <a:ext cx="270797" cy="271206"/>
+          </a:xfrm>
+          <a:prstGeom prst="actionButtonBlank">
+            <a:avLst/>
+          </a:prstGeom>
+          <a:noFill/>
+        </p:spPr>
+        <p:style>
+          <a:lnRef idx="2">
+            <a:schemeClr val="accent6"/>
+          </a:lnRef>
+          <a:fillRef idx="1">
+            <a:schemeClr val="lt1"/>
+          </a:fillRef>
+          <a:effectRef idx="0">
+            <a:schemeClr val="accent6"/>
+          </a:effectRef>
+          <a:fontRef idx="minor">
+            <a:schemeClr val="dk1"/>
+          </a:fontRef>
+        </p:style>
+        <p:txBody>
+          <a:bodyPr rtlCol="0" anchor="ctr"/>
+          <a:lstStyle/>
+          <a:p>
+            <a:pPr algn="ctr"/>
+            <a:endParaRPr lang="en-US"/>
+          </a:p>
+        </p:txBody>
+      </p:sp>
     </p:spTree>
     <p:extLst>
       <p:ext uri="{BB962C8B-B14F-4D97-AF65-F5344CB8AC3E}">
-        <p14:creationId xmlns:p14="http://schemas.microsoft.com/office/powerpoint/2010/main" val="960190744"/>
+        <p14:creationId xmlns:p14="http://schemas.microsoft.com/office/powerpoint/2010/main" val="935328484"/>
       </p:ext>
     </p:extLst>
   </p:cSld>
@@ -13256,10 +18448,10 @@
           <a:lstStyle/>
           <a:p>
             <a:r>
-              <a:rPr lang="en-US" dirty="0" smtClean="0"/>
-              <a:t>Family Tree</a:t>
+              <a:rPr lang="en-US" sz="3000" dirty="0" smtClean="0"/>
+              <a:t>Join A family Group</a:t>
             </a:r>
-            <a:endParaRPr lang="en-US" dirty="0"/>
+            <a:endParaRPr lang="en-US" sz="3000" dirty="0"/>
           </a:p>
         </p:txBody>
       </p:sp>
@@ -13289,15 +18481,7 @@
             </a:pPr>
             <a:r>
               <a:rPr lang="en-US" dirty="0" smtClean="0"/>
-              <a:t>Live, accurate </a:t>
-            </a:r>
-            <a:r>
-              <a:rPr lang="en-US" dirty="0"/>
-              <a:t>genealogy chart </a:t>
-            </a:r>
-            <a:r>
-              <a:rPr lang="en-US" dirty="0" smtClean="0"/>
-              <a:t>of reunion participants</a:t>
+              <a:t>Search by family name, but there is an option to make family private(unsearchable)</a:t>
             </a:r>
           </a:p>
           <a:p>
@@ -13314,7 +18498,11 @@
             </a:pPr>
             <a:r>
               <a:rPr lang="en-US" dirty="0" smtClean="0"/>
-              <a:t>Automatically generated each time a user joins the reunion</a:t>
+              <a:t>Results only reveal designated group</a:t>
+            </a:r>
+            <a:r>
+              <a:rPr lang="en-US" dirty="0" smtClean="0"/>
+              <a:t> photo, Family Name, and City</a:t>
             </a:r>
           </a:p>
           <a:p>
@@ -13324,28 +18512,214 @@
             </a:pPr>
             <a:endParaRPr lang="en-US" dirty="0"/>
           </a:p>
+        </p:txBody>
+      </p:sp>
+      <p:sp>
+        <p:nvSpPr>
+          <p:cNvPr id="5" name="Text Placeholder 3"/>
+          <p:cNvSpPr txBox="1">
+            <a:spLocks/>
+          </p:cNvSpPr>
+          <p:nvPr/>
+        </p:nvSpPr>
+        <p:spPr>
+          <a:xfrm>
+            <a:off x="1819805" y="2401886"/>
+            <a:ext cx="3856037" cy="3541714"/>
+          </a:xfrm>
+          <a:prstGeom prst="rect">
+            <a:avLst/>
+          </a:prstGeom>
+        </p:spPr>
+        <p:txBody>
+          <a:bodyPr vert="horz" lIns="91440" tIns="45720" rIns="91440" bIns="45720" rtlCol="0">
+            <a:normAutofit/>
+          </a:bodyPr>
+          <a:lstStyle>
+            <a:lvl1pPr marL="0" indent="0" algn="l" defTabSz="914400" rtl="0" eaLnBrk="1" latinLnBrk="0" hangingPunct="1">
+              <a:lnSpc>
+                <a:spcPct val="120000"/>
+              </a:lnSpc>
+              <a:spcBef>
+                <a:spcPts val="1000"/>
+              </a:spcBef>
+              <a:buSzPct val="125000"/>
+              <a:buFont typeface="Arial" panose="020B0604020202020204" pitchFamily="34" charset="0"/>
+              <a:buNone/>
+              <a:defRPr sz="1600" kern="1200">
+                <a:solidFill>
+                  <a:schemeClr val="tx1"/>
+                </a:solidFill>
+                <a:latin typeface="+mn-lt"/>
+                <a:ea typeface="+mn-ea"/>
+                <a:cs typeface="+mn-cs"/>
+              </a:defRPr>
+            </a:lvl1pPr>
+            <a:lvl2pPr marL="457200" indent="0" algn="l" defTabSz="914400" rtl="0" eaLnBrk="1" latinLnBrk="0" hangingPunct="1">
+              <a:lnSpc>
+                <a:spcPct val="120000"/>
+              </a:lnSpc>
+              <a:spcBef>
+                <a:spcPts val="500"/>
+              </a:spcBef>
+              <a:buSzPct val="125000"/>
+              <a:buFont typeface="Arial" panose="020B0604020202020204" pitchFamily="34" charset="0"/>
+              <a:buNone/>
+              <a:defRPr sz="1400" kern="1200">
+                <a:solidFill>
+                  <a:schemeClr val="tx1"/>
+                </a:solidFill>
+                <a:latin typeface="+mn-lt"/>
+                <a:ea typeface="+mn-ea"/>
+                <a:cs typeface="+mn-cs"/>
+              </a:defRPr>
+            </a:lvl2pPr>
+            <a:lvl3pPr marL="914400" indent="0" algn="l" defTabSz="914400" rtl="0" eaLnBrk="1" latinLnBrk="0" hangingPunct="1">
+              <a:lnSpc>
+                <a:spcPct val="120000"/>
+              </a:lnSpc>
+              <a:spcBef>
+                <a:spcPts val="500"/>
+              </a:spcBef>
+              <a:buSzPct val="125000"/>
+              <a:buFont typeface="Arial" panose="020B0604020202020204" pitchFamily="34" charset="0"/>
+              <a:buNone/>
+              <a:defRPr sz="1200" kern="1200">
+                <a:solidFill>
+                  <a:schemeClr val="tx1"/>
+                </a:solidFill>
+                <a:latin typeface="+mn-lt"/>
+                <a:ea typeface="+mn-ea"/>
+                <a:cs typeface="+mn-cs"/>
+              </a:defRPr>
+            </a:lvl3pPr>
+            <a:lvl4pPr marL="1371600" indent="0" algn="l" defTabSz="914400" rtl="0" eaLnBrk="1" latinLnBrk="0" hangingPunct="1">
+              <a:lnSpc>
+                <a:spcPct val="120000"/>
+              </a:lnSpc>
+              <a:spcBef>
+                <a:spcPts val="500"/>
+              </a:spcBef>
+              <a:buSzPct val="125000"/>
+              <a:buFont typeface="Arial" panose="020B0604020202020204" pitchFamily="34" charset="0"/>
+              <a:buNone/>
+              <a:defRPr sz="1000" kern="1200">
+                <a:solidFill>
+                  <a:schemeClr val="tx1"/>
+                </a:solidFill>
+                <a:latin typeface="+mn-lt"/>
+                <a:ea typeface="+mn-ea"/>
+                <a:cs typeface="+mn-cs"/>
+              </a:defRPr>
+            </a:lvl4pPr>
+            <a:lvl5pPr marL="1828800" indent="0" algn="l" defTabSz="914400" rtl="0" eaLnBrk="1" latinLnBrk="0" hangingPunct="1">
+              <a:lnSpc>
+                <a:spcPct val="120000"/>
+              </a:lnSpc>
+              <a:spcBef>
+                <a:spcPts val="500"/>
+              </a:spcBef>
+              <a:buSzPct val="125000"/>
+              <a:buFont typeface="Arial" panose="020B0604020202020204" pitchFamily="34" charset="0"/>
+              <a:buNone/>
+              <a:defRPr sz="1000" kern="1200">
+                <a:solidFill>
+                  <a:schemeClr val="tx1"/>
+                </a:solidFill>
+                <a:latin typeface="+mn-lt"/>
+                <a:ea typeface="+mn-ea"/>
+                <a:cs typeface="+mn-cs"/>
+              </a:defRPr>
+            </a:lvl5pPr>
+            <a:lvl6pPr marL="2286000" indent="0" algn="l" defTabSz="914400" rtl="0" eaLnBrk="1" latinLnBrk="0" hangingPunct="1">
+              <a:lnSpc>
+                <a:spcPct val="120000"/>
+              </a:lnSpc>
+              <a:spcBef>
+                <a:spcPts val="500"/>
+              </a:spcBef>
+              <a:buSzPct val="125000"/>
+              <a:buFont typeface="Arial" panose="020B0604020202020204" pitchFamily="34" charset="0"/>
+              <a:buNone/>
+              <a:defRPr sz="1000" kern="1200">
+                <a:solidFill>
+                  <a:schemeClr val="tx1"/>
+                </a:solidFill>
+                <a:latin typeface="+mn-lt"/>
+                <a:ea typeface="+mn-ea"/>
+                <a:cs typeface="+mn-cs"/>
+              </a:defRPr>
+            </a:lvl6pPr>
+            <a:lvl7pPr marL="2743200" indent="0" algn="l" defTabSz="914400" rtl="0" eaLnBrk="1" latinLnBrk="0" hangingPunct="1">
+              <a:lnSpc>
+                <a:spcPct val="120000"/>
+              </a:lnSpc>
+              <a:spcBef>
+                <a:spcPts val="500"/>
+              </a:spcBef>
+              <a:buSzPct val="125000"/>
+              <a:buFont typeface="Arial" panose="020B0604020202020204" pitchFamily="34" charset="0"/>
+              <a:buNone/>
+              <a:defRPr sz="1000" kern="1200">
+                <a:solidFill>
+                  <a:schemeClr val="tx1"/>
+                </a:solidFill>
+                <a:latin typeface="+mn-lt"/>
+                <a:ea typeface="+mn-ea"/>
+                <a:cs typeface="+mn-cs"/>
+              </a:defRPr>
+            </a:lvl7pPr>
+            <a:lvl8pPr marL="3200400" indent="0" algn="l" defTabSz="914400" rtl="0" eaLnBrk="1" latinLnBrk="0" hangingPunct="1">
+              <a:lnSpc>
+                <a:spcPct val="120000"/>
+              </a:lnSpc>
+              <a:spcBef>
+                <a:spcPts val="500"/>
+              </a:spcBef>
+              <a:buSzPct val="125000"/>
+              <a:buFont typeface="Arial" panose="020B0604020202020204" pitchFamily="34" charset="0"/>
+              <a:buNone/>
+              <a:defRPr sz="1000" kern="1200">
+                <a:solidFill>
+                  <a:schemeClr val="tx1"/>
+                </a:solidFill>
+                <a:latin typeface="+mn-lt"/>
+                <a:ea typeface="+mn-ea"/>
+                <a:cs typeface="+mn-cs"/>
+              </a:defRPr>
+            </a:lvl8pPr>
+            <a:lvl9pPr marL="3657600" indent="0" algn="l" defTabSz="914400" rtl="0" eaLnBrk="1" latinLnBrk="0" hangingPunct="1">
+              <a:lnSpc>
+                <a:spcPct val="120000"/>
+              </a:lnSpc>
+              <a:spcBef>
+                <a:spcPts val="500"/>
+              </a:spcBef>
+              <a:buSzPct val="125000"/>
+              <a:buFont typeface="Arial" panose="020B0604020202020204" pitchFamily="34" charset="0"/>
+              <a:buNone/>
+              <a:defRPr sz="1000" kern="1200">
+                <a:solidFill>
+                  <a:schemeClr val="tx1"/>
+                </a:solidFill>
+                <a:latin typeface="+mn-lt"/>
+                <a:ea typeface="+mn-ea"/>
+                <a:cs typeface="+mn-cs"/>
+              </a:defRPr>
+            </a:lvl9pPr>
+          </a:lstStyle>
           <a:p>
             <a:pPr marL="285750" indent="-285750">
               <a:buFont typeface="Arial" charset="0"/>
               <a:buChar char="•"/>
             </a:pPr>
-            <a:r>
-              <a:rPr lang="en-US" dirty="0" smtClean="0"/>
-              <a:t>Tap on the picture of a family member to view their leaf</a:t>
-            </a:r>
-          </a:p>
-          <a:p>
-            <a:pPr marL="285750" indent="-285750">
-              <a:buFont typeface="Arial" charset="0"/>
-              <a:buChar char="•"/>
-            </a:pPr>
-            <a:endParaRPr lang="en-US" dirty="0"/>
+            <a:endParaRPr lang="en-US" dirty="0" smtClean="0"/>
           </a:p>
         </p:txBody>
       </p:sp>
       <p:pic>
         <p:nvPicPr>
-          <p:cNvPr id="5" name="Content Placeholder 4"/>
+          <p:cNvPr id="8" name="Content Placeholder 7"/>
           <p:cNvPicPr>
             <a:picLocks noGrp="1" noChangeAspect="1"/>
           </p:cNvPicPr>
@@ -13367,14 +18741,14 @@
         </p:blipFill>
         <p:spPr>
           <a:xfrm>
-            <a:off x="7384583" y="592138"/>
+            <a:off x="7369429" y="592138"/>
             <a:ext cx="2526646" cy="5199062"/>
           </a:xfrm>
         </p:spPr>
       </p:pic>
       <p:sp>
         <p:nvSpPr>
-          <p:cNvPr id="6" name="Action Button: Custom 5">
+          <p:cNvPr id="11" name="Action Button: Custom 10">
             <a:hlinkClick r:id="rId3" action="ppaction://hlinksldjump" highlightClick="1"/>
           </p:cNvPr>
           <p:cNvSpPr/>
@@ -13382,8 +18756,8 @@
         </p:nvSpPr>
         <p:spPr>
           <a:xfrm>
-            <a:off x="7505700" y="1207069"/>
-            <a:ext cx="355600" cy="342331"/>
+            <a:off x="7541342" y="1258529"/>
+            <a:ext cx="270797" cy="271206"/>
           </a:xfrm>
           <a:prstGeom prst="actionButtonBlank">
             <a:avLst/>
@@ -13415,8 +18789,49 @@
       </p:sp>
       <p:sp>
         <p:nvSpPr>
-          <p:cNvPr id="7" name="Action Button: Custom 6">
+          <p:cNvPr id="14" name="Action Button: Custom 13">
             <a:hlinkClick r:id="rId4" action="ppaction://hlinksldjump" highlightClick="1"/>
+          </p:cNvPr>
+          <p:cNvSpPr/>
+          <p:nvPr/>
+        </p:nvSpPr>
+        <p:spPr>
+          <a:xfrm>
+            <a:off x="7598083" y="2116136"/>
+            <a:ext cx="2057193" cy="774548"/>
+          </a:xfrm>
+          <a:prstGeom prst="actionButtonBlank">
+            <a:avLst/>
+          </a:prstGeom>
+          <a:noFill/>
+        </p:spPr>
+        <p:style>
+          <a:lnRef idx="2">
+            <a:schemeClr val="accent6"/>
+          </a:lnRef>
+          <a:fillRef idx="1">
+            <a:schemeClr val="lt1"/>
+          </a:fillRef>
+          <a:effectRef idx="0">
+            <a:schemeClr val="accent6"/>
+          </a:effectRef>
+          <a:fontRef idx="minor">
+            <a:schemeClr val="dk1"/>
+          </a:fontRef>
+        </p:style>
+        <p:txBody>
+          <a:bodyPr rtlCol="0" anchor="ctr"/>
+          <a:lstStyle/>
+          <a:p>
+            <a:pPr algn="ctr"/>
+            <a:endParaRPr lang="en-US"/>
+          </a:p>
+        </p:txBody>
+      </p:sp>
+      <p:sp>
+        <p:nvSpPr>
+          <p:cNvPr id="17" name="Action Button: Custom 16">
+            <a:hlinkClick r:id="rId5" action="ppaction://hlinksldjump" highlightClick="1"/>
           </p:cNvPr>
           <p:cNvSpPr/>
           <p:nvPr/>
@@ -13456,49 +18871,8 @@
       </p:sp>
       <p:sp>
         <p:nvSpPr>
-          <p:cNvPr id="8" name="Action Button: Custom 7">
-            <a:hlinkClick r:id="rId4" action="ppaction://hlinksldjump" highlightClick="1"/>
-          </p:cNvPr>
-          <p:cNvSpPr/>
-          <p:nvPr/>
-        </p:nvSpPr>
-        <p:spPr>
-          <a:xfrm>
-            <a:off x="8420100" y="3191669"/>
-            <a:ext cx="419100" cy="491331"/>
-          </a:xfrm>
-          <a:prstGeom prst="actionButtonBlank">
-            <a:avLst/>
-          </a:prstGeom>
-          <a:noFill/>
-        </p:spPr>
-        <p:style>
-          <a:lnRef idx="2">
-            <a:schemeClr val="accent6"/>
-          </a:lnRef>
-          <a:fillRef idx="1">
-            <a:schemeClr val="lt1"/>
-          </a:fillRef>
-          <a:effectRef idx="0">
-            <a:schemeClr val="accent6"/>
-          </a:effectRef>
-          <a:fontRef idx="minor">
-            <a:schemeClr val="dk1"/>
-          </a:fontRef>
-        </p:style>
-        <p:txBody>
-          <a:bodyPr rtlCol="0" anchor="ctr"/>
-          <a:lstStyle/>
-          <a:p>
-            <a:pPr algn="ctr"/>
-            <a:endParaRPr lang="en-US"/>
-          </a:p>
-        </p:txBody>
-      </p:sp>
-      <p:sp>
-        <p:nvSpPr>
-          <p:cNvPr id="9" name="Action Button: Custom 8">
-            <a:hlinkClick r:id="rId5" action="ppaction://hlinksldjump" highlightClick="1"/>
+          <p:cNvPr id="18" name="Action Button: Custom 17">
+            <a:hlinkClick r:id="rId6" action="ppaction://hlinksldjump" highlightClick="1"/>
           </p:cNvPr>
           <p:cNvSpPr/>
           <p:nvPr/>
@@ -13539,7 +18913,7 @@
     </p:spTree>
     <p:extLst>
       <p:ext uri="{BB962C8B-B14F-4D97-AF65-F5344CB8AC3E}">
-        <p14:creationId xmlns:p14="http://schemas.microsoft.com/office/powerpoint/2010/main" val="1253579265"/>
+        <p14:creationId xmlns:p14="http://schemas.microsoft.com/office/powerpoint/2010/main" val="118266349"/>
       </p:ext>
     </p:extLst>
   </p:cSld>
@@ -13589,10 +18963,10 @@
           <a:lstStyle/>
           <a:p>
             <a:r>
-              <a:rPr lang="en-US" dirty="0" smtClean="0"/>
-              <a:t>Credits</a:t>
+              <a:rPr lang="en-US" sz="3000" dirty="0" smtClean="0"/>
+              <a:t>Request Membership</a:t>
             </a:r>
-            <a:endParaRPr lang="en-US" dirty="0"/>
+            <a:endParaRPr lang="en-US" sz="3000" dirty="0"/>
           </a:p>
         </p:txBody>
       </p:sp>
@@ -13609,7 +18983,7 @@
         <p:spPr>
           <a:xfrm>
             <a:off x="1667405" y="2249486"/>
-            <a:ext cx="3856037" cy="3541714"/>
+            <a:ext cx="3488795" cy="3541714"/>
           </a:xfrm>
         </p:spPr>
         <p:txBody>
@@ -13622,7 +18996,11 @@
             </a:pPr>
             <a:r>
               <a:rPr lang="en-US" dirty="0" smtClean="0"/>
-              <a:t>UI images made in Sketch</a:t>
+              <a:t>Sends a text message to the head of the family group, 1-255 characters long</a:t>
+            </a:r>
+            <a:r>
+              <a:rPr lang="en-US" dirty="0" smtClean="0"/>
+              <a:t>. The default message is shown.</a:t>
             </a:r>
           </a:p>
           <a:p>
@@ -13630,8 +19008,497 @@
               <a:buFont typeface="Arial" charset="0"/>
               <a:buChar char="•"/>
             </a:pPr>
+            <a:r>
+              <a:rPr lang="en-US" dirty="0"/>
+              <a:t>Selecting </a:t>
+            </a:r>
+            <a:r>
+              <a:rPr lang="en-US" dirty="0" smtClean="0"/>
+              <a:t>“Request Membership” sends </a:t>
+            </a:r>
+            <a:r>
+              <a:rPr lang="en-US" dirty="0"/>
+              <a:t>user to the “View Families” page</a:t>
+            </a:r>
             <a:endParaRPr lang="en-US" dirty="0"/>
           </a:p>
+        </p:txBody>
+      </p:sp>
+      <p:pic>
+        <p:nvPicPr>
+          <p:cNvPr id="6" name="Content Placeholder 5"/>
+          <p:cNvPicPr>
+            <a:picLocks noGrp="1" noChangeAspect="1"/>
+          </p:cNvPicPr>
+          <p:nvPr>
+            <p:ph idx="1"/>
+          </p:nvPr>
+        </p:nvPicPr>
+        <p:blipFill>
+          <a:blip r:embed="rId2">
+            <a:extLst>
+              <a:ext uri="{28A0092B-C50C-407E-A947-70E740481C1C}">
+                <a14:useLocalDpi xmlns:a14="http://schemas.microsoft.com/office/drawing/2010/main" val="0"/>
+              </a:ext>
+            </a:extLst>
+          </a:blip>
+          <a:stretch>
+            <a:fillRect/>
+          </a:stretch>
+        </p:blipFill>
+        <p:spPr>
+          <a:xfrm>
+            <a:off x="7369422" y="592138"/>
+            <a:ext cx="2526646" cy="5199062"/>
+          </a:xfrm>
+        </p:spPr>
+      </p:pic>
+      <p:sp>
+        <p:nvSpPr>
+          <p:cNvPr id="5" name="Text Placeholder 3"/>
+          <p:cNvSpPr txBox="1">
+            <a:spLocks/>
+          </p:cNvSpPr>
+          <p:nvPr/>
+        </p:nvSpPr>
+        <p:spPr>
+          <a:xfrm>
+            <a:off x="1819805" y="2401886"/>
+            <a:ext cx="3856037" cy="3541714"/>
+          </a:xfrm>
+          <a:prstGeom prst="rect">
+            <a:avLst/>
+          </a:prstGeom>
+        </p:spPr>
+        <p:txBody>
+          <a:bodyPr vert="horz" lIns="91440" tIns="45720" rIns="91440" bIns="45720" rtlCol="0">
+            <a:normAutofit/>
+          </a:bodyPr>
+          <a:lstStyle>
+            <a:lvl1pPr marL="0" indent="0" algn="l" defTabSz="914400" rtl="0" eaLnBrk="1" latinLnBrk="0" hangingPunct="1">
+              <a:lnSpc>
+                <a:spcPct val="120000"/>
+              </a:lnSpc>
+              <a:spcBef>
+                <a:spcPts val="1000"/>
+              </a:spcBef>
+              <a:buSzPct val="125000"/>
+              <a:buFont typeface="Arial" panose="020B0604020202020204" pitchFamily="34" charset="0"/>
+              <a:buNone/>
+              <a:defRPr sz="1600" kern="1200">
+                <a:solidFill>
+                  <a:schemeClr val="tx1"/>
+                </a:solidFill>
+                <a:latin typeface="+mn-lt"/>
+                <a:ea typeface="+mn-ea"/>
+                <a:cs typeface="+mn-cs"/>
+              </a:defRPr>
+            </a:lvl1pPr>
+            <a:lvl2pPr marL="457200" indent="0" algn="l" defTabSz="914400" rtl="0" eaLnBrk="1" latinLnBrk="0" hangingPunct="1">
+              <a:lnSpc>
+                <a:spcPct val="120000"/>
+              </a:lnSpc>
+              <a:spcBef>
+                <a:spcPts val="500"/>
+              </a:spcBef>
+              <a:buSzPct val="125000"/>
+              <a:buFont typeface="Arial" panose="020B0604020202020204" pitchFamily="34" charset="0"/>
+              <a:buNone/>
+              <a:defRPr sz="1400" kern="1200">
+                <a:solidFill>
+                  <a:schemeClr val="tx1"/>
+                </a:solidFill>
+                <a:latin typeface="+mn-lt"/>
+                <a:ea typeface="+mn-ea"/>
+                <a:cs typeface="+mn-cs"/>
+              </a:defRPr>
+            </a:lvl2pPr>
+            <a:lvl3pPr marL="914400" indent="0" algn="l" defTabSz="914400" rtl="0" eaLnBrk="1" latinLnBrk="0" hangingPunct="1">
+              <a:lnSpc>
+                <a:spcPct val="120000"/>
+              </a:lnSpc>
+              <a:spcBef>
+                <a:spcPts val="500"/>
+              </a:spcBef>
+              <a:buSzPct val="125000"/>
+              <a:buFont typeface="Arial" panose="020B0604020202020204" pitchFamily="34" charset="0"/>
+              <a:buNone/>
+              <a:defRPr sz="1200" kern="1200">
+                <a:solidFill>
+                  <a:schemeClr val="tx1"/>
+                </a:solidFill>
+                <a:latin typeface="+mn-lt"/>
+                <a:ea typeface="+mn-ea"/>
+                <a:cs typeface="+mn-cs"/>
+              </a:defRPr>
+            </a:lvl3pPr>
+            <a:lvl4pPr marL="1371600" indent="0" algn="l" defTabSz="914400" rtl="0" eaLnBrk="1" latinLnBrk="0" hangingPunct="1">
+              <a:lnSpc>
+                <a:spcPct val="120000"/>
+              </a:lnSpc>
+              <a:spcBef>
+                <a:spcPts val="500"/>
+              </a:spcBef>
+              <a:buSzPct val="125000"/>
+              <a:buFont typeface="Arial" panose="020B0604020202020204" pitchFamily="34" charset="0"/>
+              <a:buNone/>
+              <a:defRPr sz="1000" kern="1200">
+                <a:solidFill>
+                  <a:schemeClr val="tx1"/>
+                </a:solidFill>
+                <a:latin typeface="+mn-lt"/>
+                <a:ea typeface="+mn-ea"/>
+                <a:cs typeface="+mn-cs"/>
+              </a:defRPr>
+            </a:lvl4pPr>
+            <a:lvl5pPr marL="1828800" indent="0" algn="l" defTabSz="914400" rtl="0" eaLnBrk="1" latinLnBrk="0" hangingPunct="1">
+              <a:lnSpc>
+                <a:spcPct val="120000"/>
+              </a:lnSpc>
+              <a:spcBef>
+                <a:spcPts val="500"/>
+              </a:spcBef>
+              <a:buSzPct val="125000"/>
+              <a:buFont typeface="Arial" panose="020B0604020202020204" pitchFamily="34" charset="0"/>
+              <a:buNone/>
+              <a:defRPr sz="1000" kern="1200">
+                <a:solidFill>
+                  <a:schemeClr val="tx1"/>
+                </a:solidFill>
+                <a:latin typeface="+mn-lt"/>
+                <a:ea typeface="+mn-ea"/>
+                <a:cs typeface="+mn-cs"/>
+              </a:defRPr>
+            </a:lvl5pPr>
+            <a:lvl6pPr marL="2286000" indent="0" algn="l" defTabSz="914400" rtl="0" eaLnBrk="1" latinLnBrk="0" hangingPunct="1">
+              <a:lnSpc>
+                <a:spcPct val="120000"/>
+              </a:lnSpc>
+              <a:spcBef>
+                <a:spcPts val="500"/>
+              </a:spcBef>
+              <a:buSzPct val="125000"/>
+              <a:buFont typeface="Arial" panose="020B0604020202020204" pitchFamily="34" charset="0"/>
+              <a:buNone/>
+              <a:defRPr sz="1000" kern="1200">
+                <a:solidFill>
+                  <a:schemeClr val="tx1"/>
+                </a:solidFill>
+                <a:latin typeface="+mn-lt"/>
+                <a:ea typeface="+mn-ea"/>
+                <a:cs typeface="+mn-cs"/>
+              </a:defRPr>
+            </a:lvl6pPr>
+            <a:lvl7pPr marL="2743200" indent="0" algn="l" defTabSz="914400" rtl="0" eaLnBrk="1" latinLnBrk="0" hangingPunct="1">
+              <a:lnSpc>
+                <a:spcPct val="120000"/>
+              </a:lnSpc>
+              <a:spcBef>
+                <a:spcPts val="500"/>
+              </a:spcBef>
+              <a:buSzPct val="125000"/>
+              <a:buFont typeface="Arial" panose="020B0604020202020204" pitchFamily="34" charset="0"/>
+              <a:buNone/>
+              <a:defRPr sz="1000" kern="1200">
+                <a:solidFill>
+                  <a:schemeClr val="tx1"/>
+                </a:solidFill>
+                <a:latin typeface="+mn-lt"/>
+                <a:ea typeface="+mn-ea"/>
+                <a:cs typeface="+mn-cs"/>
+              </a:defRPr>
+            </a:lvl7pPr>
+            <a:lvl8pPr marL="3200400" indent="0" algn="l" defTabSz="914400" rtl="0" eaLnBrk="1" latinLnBrk="0" hangingPunct="1">
+              <a:lnSpc>
+                <a:spcPct val="120000"/>
+              </a:lnSpc>
+              <a:spcBef>
+                <a:spcPts val="500"/>
+              </a:spcBef>
+              <a:buSzPct val="125000"/>
+              <a:buFont typeface="Arial" panose="020B0604020202020204" pitchFamily="34" charset="0"/>
+              <a:buNone/>
+              <a:defRPr sz="1000" kern="1200">
+                <a:solidFill>
+                  <a:schemeClr val="tx1"/>
+                </a:solidFill>
+                <a:latin typeface="+mn-lt"/>
+                <a:ea typeface="+mn-ea"/>
+                <a:cs typeface="+mn-cs"/>
+              </a:defRPr>
+            </a:lvl8pPr>
+            <a:lvl9pPr marL="3657600" indent="0" algn="l" defTabSz="914400" rtl="0" eaLnBrk="1" latinLnBrk="0" hangingPunct="1">
+              <a:lnSpc>
+                <a:spcPct val="120000"/>
+              </a:lnSpc>
+              <a:spcBef>
+                <a:spcPts val="500"/>
+              </a:spcBef>
+              <a:buSzPct val="125000"/>
+              <a:buFont typeface="Arial" panose="020B0604020202020204" pitchFamily="34" charset="0"/>
+              <a:buNone/>
+              <a:defRPr sz="1000" kern="1200">
+                <a:solidFill>
+                  <a:schemeClr val="tx1"/>
+                </a:solidFill>
+                <a:latin typeface="+mn-lt"/>
+                <a:ea typeface="+mn-ea"/>
+                <a:cs typeface="+mn-cs"/>
+              </a:defRPr>
+            </a:lvl9pPr>
+          </a:lstStyle>
+          <a:p>
+            <a:pPr marL="285750" indent="-285750">
+              <a:buFont typeface="Arial" charset="0"/>
+              <a:buChar char="•"/>
+            </a:pPr>
+            <a:endParaRPr lang="en-US" dirty="0" smtClean="0"/>
+          </a:p>
+        </p:txBody>
+      </p:sp>
+      <p:sp>
+        <p:nvSpPr>
+          <p:cNvPr id="10" name="Action Button: Custom 9">
+            <a:hlinkClick r:id="rId3" action="ppaction://hlinksldjump" highlightClick="1"/>
+          </p:cNvPr>
+          <p:cNvSpPr/>
+          <p:nvPr/>
+        </p:nvSpPr>
+        <p:spPr>
+          <a:xfrm>
+            <a:off x="7861300" y="3365927"/>
+            <a:ext cx="1518674" cy="172885"/>
+          </a:xfrm>
+          <a:prstGeom prst="actionButtonBlank">
+            <a:avLst/>
+          </a:prstGeom>
+          <a:noFill/>
+        </p:spPr>
+        <p:style>
+          <a:lnRef idx="2">
+            <a:schemeClr val="accent6"/>
+          </a:lnRef>
+          <a:fillRef idx="1">
+            <a:schemeClr val="lt1"/>
+          </a:fillRef>
+          <a:effectRef idx="0">
+            <a:schemeClr val="accent6"/>
+          </a:effectRef>
+          <a:fontRef idx="minor">
+            <a:schemeClr val="dk1"/>
+          </a:fontRef>
+        </p:style>
+        <p:txBody>
+          <a:bodyPr rtlCol="0" anchor="ctr"/>
+          <a:lstStyle/>
+          <a:p>
+            <a:pPr algn="ctr"/>
+            <a:endParaRPr lang="en-US"/>
+          </a:p>
+        </p:txBody>
+      </p:sp>
+      <p:sp>
+        <p:nvSpPr>
+          <p:cNvPr id="11" name="Action Button: Custom 10">
+            <a:hlinkClick r:id="rId4" action="ppaction://hlinksldjump" highlightClick="1"/>
+          </p:cNvPr>
+          <p:cNvSpPr/>
+          <p:nvPr/>
+        </p:nvSpPr>
+        <p:spPr>
+          <a:xfrm>
+            <a:off x="7541342" y="1258529"/>
+            <a:ext cx="270797" cy="271206"/>
+          </a:xfrm>
+          <a:prstGeom prst="actionButtonBlank">
+            <a:avLst/>
+          </a:prstGeom>
+          <a:noFill/>
+        </p:spPr>
+        <p:style>
+          <a:lnRef idx="2">
+            <a:schemeClr val="accent6"/>
+          </a:lnRef>
+          <a:fillRef idx="1">
+            <a:schemeClr val="lt1"/>
+          </a:fillRef>
+          <a:effectRef idx="0">
+            <a:schemeClr val="accent6"/>
+          </a:effectRef>
+          <a:fontRef idx="minor">
+            <a:schemeClr val="dk1"/>
+          </a:fontRef>
+        </p:style>
+        <p:txBody>
+          <a:bodyPr rtlCol="0" anchor="ctr"/>
+          <a:lstStyle/>
+          <a:p>
+            <a:pPr algn="ctr"/>
+            <a:endParaRPr lang="en-US"/>
+          </a:p>
+        </p:txBody>
+      </p:sp>
+      <p:sp>
+        <p:nvSpPr>
+          <p:cNvPr id="14" name="Action Button: Custom 13">
+            <a:hlinkClick r:id="rId5" action="ppaction://hlinksldjump" highlightClick="1"/>
+          </p:cNvPr>
+          <p:cNvSpPr/>
+          <p:nvPr/>
+        </p:nvSpPr>
+        <p:spPr>
+          <a:xfrm>
+            <a:off x="7505700" y="4559300"/>
+            <a:ext cx="711200" cy="571500"/>
+          </a:xfrm>
+          <a:prstGeom prst="actionButtonBlank">
+            <a:avLst/>
+          </a:prstGeom>
+          <a:noFill/>
+        </p:spPr>
+        <p:style>
+          <a:lnRef idx="2">
+            <a:schemeClr val="accent6"/>
+          </a:lnRef>
+          <a:fillRef idx="1">
+            <a:schemeClr val="lt1"/>
+          </a:fillRef>
+          <a:effectRef idx="0">
+            <a:schemeClr val="accent6"/>
+          </a:effectRef>
+          <a:fontRef idx="minor">
+            <a:schemeClr val="dk1"/>
+          </a:fontRef>
+        </p:style>
+        <p:txBody>
+          <a:bodyPr rtlCol="0" anchor="ctr"/>
+          <a:lstStyle/>
+          <a:p>
+            <a:pPr algn="ctr"/>
+            <a:endParaRPr lang="en-US"/>
+          </a:p>
+        </p:txBody>
+      </p:sp>
+      <p:sp>
+        <p:nvSpPr>
+          <p:cNvPr id="15" name="Action Button: Custom 14">
+            <a:hlinkClick r:id="rId3" action="ppaction://hlinksldjump" highlightClick="1"/>
+          </p:cNvPr>
+          <p:cNvSpPr/>
+          <p:nvPr/>
+        </p:nvSpPr>
+        <p:spPr>
+          <a:xfrm>
+            <a:off x="8216900" y="4559300"/>
+            <a:ext cx="786606" cy="571500"/>
+          </a:xfrm>
+          <a:prstGeom prst="actionButtonBlank">
+            <a:avLst/>
+          </a:prstGeom>
+          <a:noFill/>
+        </p:spPr>
+        <p:style>
+          <a:lnRef idx="2">
+            <a:schemeClr val="accent6"/>
+          </a:lnRef>
+          <a:fillRef idx="1">
+            <a:schemeClr val="lt1"/>
+          </a:fillRef>
+          <a:effectRef idx="0">
+            <a:schemeClr val="accent6"/>
+          </a:effectRef>
+          <a:fontRef idx="minor">
+            <a:schemeClr val="dk1"/>
+          </a:fontRef>
+        </p:style>
+        <p:txBody>
+          <a:bodyPr rtlCol="0" anchor="ctr"/>
+          <a:lstStyle/>
+          <a:p>
+            <a:pPr algn="ctr"/>
+            <a:endParaRPr lang="en-US"/>
+          </a:p>
+        </p:txBody>
+      </p:sp>
+    </p:spTree>
+    <p:extLst>
+      <p:ext uri="{BB962C8B-B14F-4D97-AF65-F5344CB8AC3E}">
+        <p14:creationId xmlns:p14="http://schemas.microsoft.com/office/powerpoint/2010/main" val="180645116"/>
+      </p:ext>
+    </p:extLst>
+  </p:cSld>
+  <p:clrMapOvr>
+    <a:masterClrMapping/>
+  </p:clrMapOvr>
+  <p:timing>
+    <p:tnLst>
+      <p:par>
+        <p:cTn id="1" dur="indefinite" restart="never" nodeType="tmRoot"/>
+      </p:par>
+    </p:tnLst>
+  </p:timing>
+</p:sld>
+</file>
+
+<file path=ppt/slides/slide7.xml><?xml version="1.0" encoding="utf-8"?>
+<p:sld xmlns:a="http://schemas.openxmlformats.org/drawingml/2006/main" xmlns:r="http://schemas.openxmlformats.org/officeDocument/2006/relationships" xmlns:p="http://schemas.openxmlformats.org/presentationml/2006/main">
+  <p:cSld>
+    <p:spTree>
+      <p:nvGrpSpPr>
+        <p:cNvPr id="1" name=""/>
+        <p:cNvGrpSpPr/>
+        <p:nvPr/>
+      </p:nvGrpSpPr>
+      <p:grpSpPr>
+        <a:xfrm>
+          <a:off x="0" y="0"/>
+          <a:ext cx="0" cy="0"/>
+          <a:chOff x="0" y="0"/>
+          <a:chExt cx="0" cy="0"/>
+        </a:xfrm>
+      </p:grpSpPr>
+      <p:sp>
+        <p:nvSpPr>
+          <p:cNvPr id="2" name="Title 1"/>
+          <p:cNvSpPr>
+            <a:spLocks noGrp="1"/>
+          </p:cNvSpPr>
+          <p:nvPr>
+            <p:ph type="title"/>
+          </p:nvPr>
+        </p:nvSpPr>
+        <p:spPr/>
+        <p:txBody>
+          <a:bodyPr/>
+          <a:lstStyle/>
+          <a:p>
+            <a:r>
+              <a:rPr lang="en-US" dirty="0" smtClean="0"/>
+              <a:t>View Families</a:t>
+            </a:r>
+            <a:endParaRPr lang="en-US" dirty="0"/>
+          </a:p>
+        </p:txBody>
+      </p:sp>
+      <p:sp>
+        <p:nvSpPr>
+          <p:cNvPr id="4" name="Text Placeholder 3"/>
+          <p:cNvSpPr>
+            <a:spLocks noGrp="1"/>
+          </p:cNvSpPr>
+          <p:nvPr>
+            <p:ph type="body" sz="half" idx="2"/>
+          </p:nvPr>
+        </p:nvSpPr>
+        <p:spPr>
+          <a:xfrm>
+            <a:off x="1667405" y="2249486"/>
+            <a:ext cx="3488795" cy="3541714"/>
+          </a:xfrm>
+        </p:spPr>
+        <p:txBody>
+          <a:bodyPr/>
+          <a:lstStyle/>
           <a:p>
             <a:pPr marL="285750" indent="-285750">
               <a:buFont typeface="Arial" charset="0"/>
@@ -13639,9 +19506,252 @@
             </a:pPr>
             <a:r>
               <a:rPr lang="en-US" dirty="0" smtClean="0"/>
-              <a:t>Google and H.P. Lovecraft wiki for images</a:t>
+              <a:t>Top option always offers to display a list of all the reunions</a:t>
             </a:r>
           </a:p>
+          <a:p>
+            <a:pPr marL="285750" indent="-285750">
+              <a:buFont typeface="Arial" charset="0"/>
+              <a:buChar char="•"/>
+            </a:pPr>
+            <a:endParaRPr lang="en-US" dirty="0"/>
+          </a:p>
+          <a:p>
+            <a:pPr marL="285750" indent="-285750">
+              <a:buFont typeface="Arial" charset="0"/>
+              <a:buChar char="•"/>
+            </a:pPr>
+            <a:r>
+              <a:rPr lang="en-US" dirty="0" smtClean="0"/>
+              <a:t>Just shows a list containing group photo and Family Name</a:t>
+            </a:r>
+            <a:endParaRPr lang="en-US" dirty="0" smtClean="0"/>
+          </a:p>
+        </p:txBody>
+      </p:sp>
+      <p:pic>
+        <p:nvPicPr>
+          <p:cNvPr id="6" name="Content Placeholder 5"/>
+          <p:cNvPicPr>
+            <a:picLocks noGrp="1" noChangeAspect="1"/>
+          </p:cNvPicPr>
+          <p:nvPr>
+            <p:ph idx="1"/>
+          </p:nvPr>
+        </p:nvPicPr>
+        <p:blipFill>
+          <a:blip r:embed="rId2">
+            <a:extLst>
+              <a:ext uri="{28A0092B-C50C-407E-A947-70E740481C1C}">
+                <a14:useLocalDpi xmlns:a14="http://schemas.microsoft.com/office/drawing/2010/main" val="0"/>
+              </a:ext>
+            </a:extLst>
+          </a:blip>
+          <a:stretch>
+            <a:fillRect/>
+          </a:stretch>
+        </p:blipFill>
+        <p:spPr>
+          <a:xfrm>
+            <a:off x="7369429" y="592138"/>
+            <a:ext cx="2526646" cy="5199062"/>
+          </a:xfrm>
+        </p:spPr>
+      </p:pic>
+      <p:sp>
+        <p:nvSpPr>
+          <p:cNvPr id="5" name="Text Placeholder 3"/>
+          <p:cNvSpPr txBox="1">
+            <a:spLocks/>
+          </p:cNvSpPr>
+          <p:nvPr/>
+        </p:nvSpPr>
+        <p:spPr>
+          <a:xfrm>
+            <a:off x="1819805" y="2401886"/>
+            <a:ext cx="3856037" cy="3541714"/>
+          </a:xfrm>
+          <a:prstGeom prst="rect">
+            <a:avLst/>
+          </a:prstGeom>
+        </p:spPr>
+        <p:txBody>
+          <a:bodyPr vert="horz" lIns="91440" tIns="45720" rIns="91440" bIns="45720" rtlCol="0">
+            <a:normAutofit/>
+          </a:bodyPr>
+          <a:lstStyle>
+            <a:lvl1pPr marL="0" indent="0" algn="l" defTabSz="914400" rtl="0" eaLnBrk="1" latinLnBrk="0" hangingPunct="1">
+              <a:lnSpc>
+                <a:spcPct val="120000"/>
+              </a:lnSpc>
+              <a:spcBef>
+                <a:spcPts val="1000"/>
+              </a:spcBef>
+              <a:buSzPct val="125000"/>
+              <a:buFont typeface="Arial" panose="020B0604020202020204" pitchFamily="34" charset="0"/>
+              <a:buNone/>
+              <a:defRPr sz="1600" kern="1200">
+                <a:solidFill>
+                  <a:schemeClr val="tx1"/>
+                </a:solidFill>
+                <a:latin typeface="+mn-lt"/>
+                <a:ea typeface="+mn-ea"/>
+                <a:cs typeface="+mn-cs"/>
+              </a:defRPr>
+            </a:lvl1pPr>
+            <a:lvl2pPr marL="457200" indent="0" algn="l" defTabSz="914400" rtl="0" eaLnBrk="1" latinLnBrk="0" hangingPunct="1">
+              <a:lnSpc>
+                <a:spcPct val="120000"/>
+              </a:lnSpc>
+              <a:spcBef>
+                <a:spcPts val="500"/>
+              </a:spcBef>
+              <a:buSzPct val="125000"/>
+              <a:buFont typeface="Arial" panose="020B0604020202020204" pitchFamily="34" charset="0"/>
+              <a:buNone/>
+              <a:defRPr sz="1400" kern="1200">
+                <a:solidFill>
+                  <a:schemeClr val="tx1"/>
+                </a:solidFill>
+                <a:latin typeface="+mn-lt"/>
+                <a:ea typeface="+mn-ea"/>
+                <a:cs typeface="+mn-cs"/>
+              </a:defRPr>
+            </a:lvl2pPr>
+            <a:lvl3pPr marL="914400" indent="0" algn="l" defTabSz="914400" rtl="0" eaLnBrk="1" latinLnBrk="0" hangingPunct="1">
+              <a:lnSpc>
+                <a:spcPct val="120000"/>
+              </a:lnSpc>
+              <a:spcBef>
+                <a:spcPts val="500"/>
+              </a:spcBef>
+              <a:buSzPct val="125000"/>
+              <a:buFont typeface="Arial" panose="020B0604020202020204" pitchFamily="34" charset="0"/>
+              <a:buNone/>
+              <a:defRPr sz="1200" kern="1200">
+                <a:solidFill>
+                  <a:schemeClr val="tx1"/>
+                </a:solidFill>
+                <a:latin typeface="+mn-lt"/>
+                <a:ea typeface="+mn-ea"/>
+                <a:cs typeface="+mn-cs"/>
+              </a:defRPr>
+            </a:lvl3pPr>
+            <a:lvl4pPr marL="1371600" indent="0" algn="l" defTabSz="914400" rtl="0" eaLnBrk="1" latinLnBrk="0" hangingPunct="1">
+              <a:lnSpc>
+                <a:spcPct val="120000"/>
+              </a:lnSpc>
+              <a:spcBef>
+                <a:spcPts val="500"/>
+              </a:spcBef>
+              <a:buSzPct val="125000"/>
+              <a:buFont typeface="Arial" panose="020B0604020202020204" pitchFamily="34" charset="0"/>
+              <a:buNone/>
+              <a:defRPr sz="1000" kern="1200">
+                <a:solidFill>
+                  <a:schemeClr val="tx1"/>
+                </a:solidFill>
+                <a:latin typeface="+mn-lt"/>
+                <a:ea typeface="+mn-ea"/>
+                <a:cs typeface="+mn-cs"/>
+              </a:defRPr>
+            </a:lvl4pPr>
+            <a:lvl5pPr marL="1828800" indent="0" algn="l" defTabSz="914400" rtl="0" eaLnBrk="1" latinLnBrk="0" hangingPunct="1">
+              <a:lnSpc>
+                <a:spcPct val="120000"/>
+              </a:lnSpc>
+              <a:spcBef>
+                <a:spcPts val="500"/>
+              </a:spcBef>
+              <a:buSzPct val="125000"/>
+              <a:buFont typeface="Arial" panose="020B0604020202020204" pitchFamily="34" charset="0"/>
+              <a:buNone/>
+              <a:defRPr sz="1000" kern="1200">
+                <a:solidFill>
+                  <a:schemeClr val="tx1"/>
+                </a:solidFill>
+                <a:latin typeface="+mn-lt"/>
+                <a:ea typeface="+mn-ea"/>
+                <a:cs typeface="+mn-cs"/>
+              </a:defRPr>
+            </a:lvl5pPr>
+            <a:lvl6pPr marL="2286000" indent="0" algn="l" defTabSz="914400" rtl="0" eaLnBrk="1" latinLnBrk="0" hangingPunct="1">
+              <a:lnSpc>
+                <a:spcPct val="120000"/>
+              </a:lnSpc>
+              <a:spcBef>
+                <a:spcPts val="500"/>
+              </a:spcBef>
+              <a:buSzPct val="125000"/>
+              <a:buFont typeface="Arial" panose="020B0604020202020204" pitchFamily="34" charset="0"/>
+              <a:buNone/>
+              <a:defRPr sz="1000" kern="1200">
+                <a:solidFill>
+                  <a:schemeClr val="tx1"/>
+                </a:solidFill>
+                <a:latin typeface="+mn-lt"/>
+                <a:ea typeface="+mn-ea"/>
+                <a:cs typeface="+mn-cs"/>
+              </a:defRPr>
+            </a:lvl6pPr>
+            <a:lvl7pPr marL="2743200" indent="0" algn="l" defTabSz="914400" rtl="0" eaLnBrk="1" latinLnBrk="0" hangingPunct="1">
+              <a:lnSpc>
+                <a:spcPct val="120000"/>
+              </a:lnSpc>
+              <a:spcBef>
+                <a:spcPts val="500"/>
+              </a:spcBef>
+              <a:buSzPct val="125000"/>
+              <a:buFont typeface="Arial" panose="020B0604020202020204" pitchFamily="34" charset="0"/>
+              <a:buNone/>
+              <a:defRPr sz="1000" kern="1200">
+                <a:solidFill>
+                  <a:schemeClr val="tx1"/>
+                </a:solidFill>
+                <a:latin typeface="+mn-lt"/>
+                <a:ea typeface="+mn-ea"/>
+                <a:cs typeface="+mn-cs"/>
+              </a:defRPr>
+            </a:lvl7pPr>
+            <a:lvl8pPr marL="3200400" indent="0" algn="l" defTabSz="914400" rtl="0" eaLnBrk="1" latinLnBrk="0" hangingPunct="1">
+              <a:lnSpc>
+                <a:spcPct val="120000"/>
+              </a:lnSpc>
+              <a:spcBef>
+                <a:spcPts val="500"/>
+              </a:spcBef>
+              <a:buSzPct val="125000"/>
+              <a:buFont typeface="Arial" panose="020B0604020202020204" pitchFamily="34" charset="0"/>
+              <a:buNone/>
+              <a:defRPr sz="1000" kern="1200">
+                <a:solidFill>
+                  <a:schemeClr val="tx1"/>
+                </a:solidFill>
+                <a:latin typeface="+mn-lt"/>
+                <a:ea typeface="+mn-ea"/>
+                <a:cs typeface="+mn-cs"/>
+              </a:defRPr>
+            </a:lvl8pPr>
+            <a:lvl9pPr marL="3657600" indent="0" algn="l" defTabSz="914400" rtl="0" eaLnBrk="1" latinLnBrk="0" hangingPunct="1">
+              <a:lnSpc>
+                <a:spcPct val="120000"/>
+              </a:lnSpc>
+              <a:spcBef>
+                <a:spcPts val="500"/>
+              </a:spcBef>
+              <a:buSzPct val="125000"/>
+              <a:buFont typeface="Arial" panose="020B0604020202020204" pitchFamily="34" charset="0"/>
+              <a:buNone/>
+              <a:defRPr sz="1000" kern="1200">
+                <a:solidFill>
+                  <a:schemeClr val="tx1"/>
+                </a:solidFill>
+                <a:latin typeface="+mn-lt"/>
+                <a:ea typeface="+mn-ea"/>
+                <a:cs typeface="+mn-cs"/>
+              </a:defRPr>
+            </a:lvl9pPr>
+          </a:lstStyle>
           <a:p>
             <a:pPr marL="285750" indent="-285750">
               <a:buFont typeface="Arial" charset="0"/>
@@ -13649,16 +19759,289 @@
             </a:pPr>
             <a:endParaRPr lang="en-US" dirty="0" smtClean="0"/>
           </a:p>
+        </p:txBody>
+      </p:sp>
+      <p:sp>
+        <p:nvSpPr>
+          <p:cNvPr id="9" name="Action Button: Custom 8">
+            <a:hlinkClick r:id="rId3" action="ppaction://hlinksldjump" highlightClick="1"/>
+          </p:cNvPr>
+          <p:cNvSpPr/>
+          <p:nvPr/>
+        </p:nvSpPr>
+        <p:spPr>
+          <a:xfrm>
+            <a:off x="7541342" y="1258529"/>
+            <a:ext cx="270797" cy="271206"/>
+          </a:xfrm>
+          <a:prstGeom prst="actionButtonBlank">
+            <a:avLst/>
+          </a:prstGeom>
+          <a:noFill/>
+        </p:spPr>
+        <p:style>
+          <a:lnRef idx="2">
+            <a:schemeClr val="accent6"/>
+          </a:lnRef>
+          <a:fillRef idx="1">
+            <a:schemeClr val="lt1"/>
+          </a:fillRef>
+          <a:effectRef idx="0">
+            <a:schemeClr val="accent6"/>
+          </a:effectRef>
+          <a:fontRef idx="minor">
+            <a:schemeClr val="dk1"/>
+          </a:fontRef>
+        </p:style>
+        <p:txBody>
+          <a:bodyPr rtlCol="0" anchor="ctr"/>
+          <a:lstStyle/>
+          <a:p>
+            <a:pPr algn="ctr"/>
+            <a:endParaRPr lang="en-US"/>
+          </a:p>
+        </p:txBody>
+      </p:sp>
+      <p:sp>
+        <p:nvSpPr>
+          <p:cNvPr id="10" name="Action Button: Custom 9">
+            <a:hlinkClick r:id="rId4" action="ppaction://hlinksldjump" highlightClick="1"/>
+          </p:cNvPr>
+          <p:cNvSpPr/>
+          <p:nvPr/>
+        </p:nvSpPr>
+        <p:spPr>
+          <a:xfrm>
+            <a:off x="7605008" y="3526539"/>
+            <a:ext cx="2050269" cy="779990"/>
+          </a:xfrm>
+          <a:prstGeom prst="actionButtonBlank">
+            <a:avLst/>
+          </a:prstGeom>
+          <a:noFill/>
+        </p:spPr>
+        <p:style>
+          <a:lnRef idx="2">
+            <a:schemeClr val="accent6"/>
+          </a:lnRef>
+          <a:fillRef idx="1">
+            <a:schemeClr val="lt1"/>
+          </a:fillRef>
+          <a:effectRef idx="0">
+            <a:schemeClr val="accent6"/>
+          </a:effectRef>
+          <a:fontRef idx="minor">
+            <a:schemeClr val="dk1"/>
+          </a:fontRef>
+        </p:style>
+        <p:txBody>
+          <a:bodyPr rtlCol="0" anchor="ctr"/>
+          <a:lstStyle/>
+          <a:p>
+            <a:pPr algn="ctr"/>
+            <a:endParaRPr lang="en-US"/>
+          </a:p>
+        </p:txBody>
+      </p:sp>
+      <p:sp>
+        <p:nvSpPr>
+          <p:cNvPr id="11" name="Action Button: Custom 10">
+            <a:hlinkClick r:id="rId5" action="ppaction://hlinksldjump" highlightClick="1"/>
+          </p:cNvPr>
+          <p:cNvSpPr/>
+          <p:nvPr/>
+        </p:nvSpPr>
+        <p:spPr>
+          <a:xfrm>
+            <a:off x="7505700" y="4559300"/>
+            <a:ext cx="711200" cy="571500"/>
+          </a:xfrm>
+          <a:prstGeom prst="actionButtonBlank">
+            <a:avLst/>
+          </a:prstGeom>
+          <a:noFill/>
+        </p:spPr>
+        <p:style>
+          <a:lnRef idx="2">
+            <a:schemeClr val="accent6"/>
+          </a:lnRef>
+          <a:fillRef idx="1">
+            <a:schemeClr val="lt1"/>
+          </a:fillRef>
+          <a:effectRef idx="0">
+            <a:schemeClr val="accent6"/>
+          </a:effectRef>
+          <a:fontRef idx="minor">
+            <a:schemeClr val="dk1"/>
+          </a:fontRef>
+        </p:style>
+        <p:txBody>
+          <a:bodyPr rtlCol="0" anchor="ctr"/>
+          <a:lstStyle/>
+          <a:p>
+            <a:pPr algn="ctr"/>
+            <a:endParaRPr lang="en-US"/>
+          </a:p>
+        </p:txBody>
+      </p:sp>
+      <p:sp>
+        <p:nvSpPr>
+          <p:cNvPr id="12" name="Action Button: Custom 11">
+            <a:hlinkClick r:id="rId6" action="ppaction://hlinksldjump" highlightClick="1"/>
+          </p:cNvPr>
+          <p:cNvSpPr/>
+          <p:nvPr/>
+        </p:nvSpPr>
+        <p:spPr>
+          <a:xfrm>
+            <a:off x="8216900" y="4559300"/>
+            <a:ext cx="786606" cy="571500"/>
+          </a:xfrm>
+          <a:prstGeom prst="actionButtonBlank">
+            <a:avLst/>
+          </a:prstGeom>
+          <a:noFill/>
+        </p:spPr>
+        <p:style>
+          <a:lnRef idx="2">
+            <a:schemeClr val="accent6"/>
+          </a:lnRef>
+          <a:fillRef idx="1">
+            <a:schemeClr val="lt1"/>
+          </a:fillRef>
+          <a:effectRef idx="0">
+            <a:schemeClr val="accent6"/>
+          </a:effectRef>
+          <a:fontRef idx="minor">
+            <a:schemeClr val="dk1"/>
+          </a:fontRef>
+        </p:style>
+        <p:txBody>
+          <a:bodyPr rtlCol="0" anchor="ctr"/>
+          <a:lstStyle/>
+          <a:p>
+            <a:pPr algn="ctr"/>
+            <a:endParaRPr lang="en-US"/>
+          </a:p>
+        </p:txBody>
+      </p:sp>
+    </p:spTree>
+    <p:extLst>
+      <p:ext uri="{BB962C8B-B14F-4D97-AF65-F5344CB8AC3E}">
+        <p14:creationId xmlns:p14="http://schemas.microsoft.com/office/powerpoint/2010/main" val="51642804"/>
+      </p:ext>
+    </p:extLst>
+  </p:cSld>
+  <p:clrMapOvr>
+    <a:masterClrMapping/>
+  </p:clrMapOvr>
+  <p:timing>
+    <p:tnLst>
+      <p:par>
+        <p:cTn id="1" dur="indefinite" restart="never" nodeType="tmRoot"/>
+      </p:par>
+    </p:tnLst>
+  </p:timing>
+</p:sld>
+</file>
+
+<file path=ppt/slides/slide8.xml><?xml version="1.0" encoding="utf-8"?>
+<p:sld xmlns:a="http://schemas.openxmlformats.org/drawingml/2006/main" xmlns:r="http://schemas.openxmlformats.org/officeDocument/2006/relationships" xmlns:p="http://schemas.openxmlformats.org/presentationml/2006/main">
+  <p:cSld>
+    <p:spTree>
+      <p:nvGrpSpPr>
+        <p:cNvPr id="1" name=""/>
+        <p:cNvGrpSpPr/>
+        <p:nvPr/>
+      </p:nvGrpSpPr>
+      <p:grpSpPr>
+        <a:xfrm>
+          <a:off x="0" y="0"/>
+          <a:ext cx="0" cy="0"/>
+          <a:chOff x="0" y="0"/>
+          <a:chExt cx="0" cy="0"/>
+        </a:xfrm>
+      </p:grpSpPr>
+      <p:pic>
+        <p:nvPicPr>
+          <p:cNvPr id="16" name="Content Placeholder 15"/>
+          <p:cNvPicPr>
+            <a:picLocks noGrp="1" noChangeAspect="1"/>
+          </p:cNvPicPr>
+          <p:nvPr>
+            <p:ph idx="1"/>
+          </p:nvPr>
+        </p:nvPicPr>
+        <p:blipFill>
+          <a:blip r:embed="rId2">
+            <a:extLst>
+              <a:ext uri="{28A0092B-C50C-407E-A947-70E740481C1C}">
+                <a14:useLocalDpi xmlns:a14="http://schemas.microsoft.com/office/drawing/2010/main" val="0"/>
+              </a:ext>
+            </a:extLst>
+          </a:blip>
+          <a:stretch>
+            <a:fillRect/>
+          </a:stretch>
+        </p:blipFill>
+        <p:spPr>
+          <a:xfrm>
+            <a:off x="7370117" y="592138"/>
+            <a:ext cx="2526646" cy="5199062"/>
+          </a:xfrm>
+        </p:spPr>
+      </p:pic>
+      <p:sp>
+        <p:nvSpPr>
+          <p:cNvPr id="2" name="Title 1"/>
+          <p:cNvSpPr>
+            <a:spLocks noGrp="1"/>
+          </p:cNvSpPr>
+          <p:nvPr>
+            <p:ph type="title"/>
+          </p:nvPr>
+        </p:nvSpPr>
+        <p:spPr/>
+        <p:txBody>
+          <a:bodyPr/>
+          <a:lstStyle/>
+          <a:p>
+            <a:r>
+              <a:rPr lang="en-US" dirty="0" smtClean="0"/>
+              <a:t>Reunion List</a:t>
+            </a:r>
+            <a:endParaRPr lang="en-US" dirty="0"/>
+          </a:p>
+        </p:txBody>
+      </p:sp>
+      <p:sp>
+        <p:nvSpPr>
+          <p:cNvPr id="4" name="Text Placeholder 3"/>
+          <p:cNvSpPr>
+            <a:spLocks noGrp="1"/>
+          </p:cNvSpPr>
+          <p:nvPr>
+            <p:ph type="body" sz="half" idx="2"/>
+          </p:nvPr>
+        </p:nvSpPr>
+        <p:spPr>
+          <a:xfrm>
+            <a:off x="1667405" y="2249486"/>
+            <a:ext cx="3856037" cy="3541714"/>
+          </a:xfrm>
+        </p:spPr>
+        <p:txBody>
+          <a:bodyPr/>
+          <a:lstStyle/>
           <a:p>
             <a:pPr marL="285750" indent="-285750">
               <a:buFont typeface="Arial" charset="0"/>
               <a:buChar char="•"/>
             </a:pPr>
             <a:r>
-              <a:rPr lang="en-US" dirty="0" err="1" smtClean="0"/>
-              <a:t>Chacho’s</a:t>
+              <a:rPr lang="en-US" dirty="0" smtClean="0"/>
+              <a:t>Easy to select a reunion</a:t>
             </a:r>
-            <a:endParaRPr lang="en-US" dirty="0" smtClean="0"/>
           </a:p>
           <a:p>
             <a:pPr marL="285750" indent="-285750">
@@ -13672,8 +20055,580 @@
               <a:buFont typeface="Arial" charset="0"/>
               <a:buChar char="•"/>
             </a:pPr>
+            <a:r>
+              <a:rPr lang="en-US" dirty="0" smtClean="0"/>
+              <a:t>Organized </a:t>
+            </a:r>
+            <a:r>
+              <a:rPr lang="en-US" dirty="0" smtClean="0"/>
+              <a:t>alphabetically</a:t>
+            </a:r>
+          </a:p>
+          <a:p>
+            <a:pPr marL="285750" indent="-285750">
+              <a:buFont typeface="Arial" charset="0"/>
+              <a:buChar char="•"/>
+            </a:pPr>
             <a:endParaRPr lang="en-US" dirty="0"/>
           </a:p>
+          <a:p>
+            <a:pPr marL="285750" indent="-285750">
+              <a:buFont typeface="Arial" charset="0"/>
+              <a:buChar char="•"/>
+            </a:pPr>
+            <a:r>
+              <a:rPr lang="en-US" dirty="0" smtClean="0"/>
+              <a:t>Option to create a reunion</a:t>
+            </a:r>
+            <a:endParaRPr lang="en-US" dirty="0"/>
+          </a:p>
+        </p:txBody>
+      </p:sp>
+      <p:sp>
+        <p:nvSpPr>
+          <p:cNvPr id="11" name="Action Button: Custom 10">
+            <a:hlinkClick r:id="rId3" action="ppaction://hlinksldjump" highlightClick="1"/>
+          </p:cNvPr>
+          <p:cNvSpPr/>
+          <p:nvPr/>
+        </p:nvSpPr>
+        <p:spPr>
+          <a:xfrm>
+            <a:off x="7541342" y="1258529"/>
+            <a:ext cx="270797" cy="271206"/>
+          </a:xfrm>
+          <a:prstGeom prst="actionButtonBlank">
+            <a:avLst/>
+          </a:prstGeom>
+          <a:noFill/>
+        </p:spPr>
+        <p:style>
+          <a:lnRef idx="2">
+            <a:schemeClr val="accent6"/>
+          </a:lnRef>
+          <a:fillRef idx="1">
+            <a:schemeClr val="lt1"/>
+          </a:fillRef>
+          <a:effectRef idx="0">
+            <a:schemeClr val="accent6"/>
+          </a:effectRef>
+          <a:fontRef idx="minor">
+            <a:schemeClr val="dk1"/>
+          </a:fontRef>
+        </p:style>
+        <p:txBody>
+          <a:bodyPr rtlCol="0" anchor="ctr"/>
+          <a:lstStyle/>
+          <a:p>
+            <a:pPr algn="ctr"/>
+            <a:endParaRPr lang="en-US"/>
+          </a:p>
+        </p:txBody>
+      </p:sp>
+      <p:sp>
+        <p:nvSpPr>
+          <p:cNvPr id="17" name="Action Button: Custom 16">
+            <a:hlinkClick r:id="rId4" action="ppaction://hlinksldjump" highlightClick="1"/>
+          </p:cNvPr>
+          <p:cNvSpPr/>
+          <p:nvPr/>
+        </p:nvSpPr>
+        <p:spPr>
+          <a:xfrm>
+            <a:off x="7505700" y="4559300"/>
+            <a:ext cx="711200" cy="571500"/>
+          </a:xfrm>
+          <a:prstGeom prst="actionButtonBlank">
+            <a:avLst/>
+          </a:prstGeom>
+          <a:noFill/>
+        </p:spPr>
+        <p:style>
+          <a:lnRef idx="2">
+            <a:schemeClr val="accent6"/>
+          </a:lnRef>
+          <a:fillRef idx="1">
+            <a:schemeClr val="lt1"/>
+          </a:fillRef>
+          <a:effectRef idx="0">
+            <a:schemeClr val="accent6"/>
+          </a:effectRef>
+          <a:fontRef idx="minor">
+            <a:schemeClr val="dk1"/>
+          </a:fontRef>
+        </p:style>
+        <p:txBody>
+          <a:bodyPr rtlCol="0" anchor="ctr"/>
+          <a:lstStyle/>
+          <a:p>
+            <a:pPr algn="ctr"/>
+            <a:endParaRPr lang="en-US"/>
+          </a:p>
+        </p:txBody>
+      </p:sp>
+      <p:sp>
+        <p:nvSpPr>
+          <p:cNvPr id="18" name="Action Button: Custom 17">
+            <a:hlinkClick r:id="rId3" action="ppaction://hlinksldjump" highlightClick="1"/>
+          </p:cNvPr>
+          <p:cNvSpPr/>
+          <p:nvPr/>
+        </p:nvSpPr>
+        <p:spPr>
+          <a:xfrm>
+            <a:off x="8216900" y="4559300"/>
+            <a:ext cx="786606" cy="571500"/>
+          </a:xfrm>
+          <a:prstGeom prst="actionButtonBlank">
+            <a:avLst/>
+          </a:prstGeom>
+          <a:noFill/>
+        </p:spPr>
+        <p:style>
+          <a:lnRef idx="2">
+            <a:schemeClr val="accent6"/>
+          </a:lnRef>
+          <a:fillRef idx="1">
+            <a:schemeClr val="lt1"/>
+          </a:fillRef>
+          <a:effectRef idx="0">
+            <a:schemeClr val="accent6"/>
+          </a:effectRef>
+          <a:fontRef idx="minor">
+            <a:schemeClr val="dk1"/>
+          </a:fontRef>
+        </p:style>
+        <p:txBody>
+          <a:bodyPr rtlCol="0" anchor="ctr"/>
+          <a:lstStyle/>
+          <a:p>
+            <a:pPr algn="ctr"/>
+            <a:endParaRPr lang="en-US"/>
+          </a:p>
+        </p:txBody>
+      </p:sp>
+      <p:sp>
+        <p:nvSpPr>
+          <p:cNvPr id="19" name="Action Button: Custom 18">
+            <a:hlinkClick r:id="rId5" action="ppaction://hlinksldjump" highlightClick="1"/>
+          </p:cNvPr>
+          <p:cNvSpPr/>
+          <p:nvPr/>
+        </p:nvSpPr>
+        <p:spPr>
+          <a:xfrm>
+            <a:off x="7593137" y="3427576"/>
+            <a:ext cx="2071858" cy="187493"/>
+          </a:xfrm>
+          <a:prstGeom prst="actionButtonBlank">
+            <a:avLst/>
+          </a:prstGeom>
+          <a:noFill/>
+        </p:spPr>
+        <p:style>
+          <a:lnRef idx="2">
+            <a:schemeClr val="accent6"/>
+          </a:lnRef>
+          <a:fillRef idx="1">
+            <a:schemeClr val="lt1"/>
+          </a:fillRef>
+          <a:effectRef idx="0">
+            <a:schemeClr val="accent6"/>
+          </a:effectRef>
+          <a:fontRef idx="minor">
+            <a:schemeClr val="dk1"/>
+          </a:fontRef>
+        </p:style>
+        <p:txBody>
+          <a:bodyPr rtlCol="0" anchor="ctr"/>
+          <a:lstStyle/>
+          <a:p>
+            <a:pPr algn="ctr"/>
+            <a:endParaRPr lang="en-US"/>
+          </a:p>
+        </p:txBody>
+      </p:sp>
+    </p:spTree>
+    <p:extLst>
+      <p:ext uri="{BB962C8B-B14F-4D97-AF65-F5344CB8AC3E}">
+        <p14:creationId xmlns:p14="http://schemas.microsoft.com/office/powerpoint/2010/main" val="313107412"/>
+      </p:ext>
+    </p:extLst>
+  </p:cSld>
+  <p:clrMapOvr>
+    <a:masterClrMapping/>
+  </p:clrMapOvr>
+  <p:timing>
+    <p:tnLst>
+      <p:par>
+        <p:cTn id="1" dur="indefinite" restart="never" nodeType="tmRoot"/>
+      </p:par>
+    </p:tnLst>
+  </p:timing>
+</p:sld>
+</file>
+
+<file path=ppt/slides/slide9.xml><?xml version="1.0" encoding="utf-8"?>
+<p:sld xmlns:a="http://schemas.openxmlformats.org/drawingml/2006/main" xmlns:r="http://schemas.openxmlformats.org/officeDocument/2006/relationships" xmlns:p="http://schemas.openxmlformats.org/presentationml/2006/main">
+  <p:cSld>
+    <p:spTree>
+      <p:nvGrpSpPr>
+        <p:cNvPr id="1" name=""/>
+        <p:cNvGrpSpPr/>
+        <p:nvPr/>
+      </p:nvGrpSpPr>
+      <p:grpSpPr>
+        <a:xfrm>
+          <a:off x="0" y="0"/>
+          <a:ext cx="0" cy="0"/>
+          <a:chOff x="0" y="0"/>
+          <a:chExt cx="0" cy="0"/>
+        </a:xfrm>
+      </p:grpSpPr>
+      <p:sp>
+        <p:nvSpPr>
+          <p:cNvPr id="2" name="Title 1"/>
+          <p:cNvSpPr>
+            <a:spLocks noGrp="1"/>
+          </p:cNvSpPr>
+          <p:nvPr>
+            <p:ph type="title"/>
+          </p:nvPr>
+        </p:nvSpPr>
+        <p:spPr/>
+        <p:txBody>
+          <a:bodyPr/>
+          <a:lstStyle/>
+          <a:p>
+            <a:r>
+              <a:rPr lang="en-US" dirty="0" smtClean="0"/>
+              <a:t>Create Reunion</a:t>
+            </a:r>
+            <a:endParaRPr lang="en-US" dirty="0"/>
+          </a:p>
+        </p:txBody>
+      </p:sp>
+      <p:sp>
+        <p:nvSpPr>
+          <p:cNvPr id="4" name="Text Placeholder 3"/>
+          <p:cNvSpPr>
+            <a:spLocks noGrp="1"/>
+          </p:cNvSpPr>
+          <p:nvPr>
+            <p:ph type="body" sz="half" idx="2"/>
+          </p:nvPr>
+        </p:nvSpPr>
+        <p:spPr>
+          <a:xfrm>
+            <a:off x="1667405" y="2249486"/>
+            <a:ext cx="3488795" cy="3541714"/>
+          </a:xfrm>
+        </p:spPr>
+        <p:txBody>
+          <a:bodyPr/>
+          <a:lstStyle/>
+          <a:p>
+            <a:pPr marL="285750" indent="-285750">
+              <a:buFont typeface="Arial" charset="0"/>
+              <a:buChar char="•"/>
+            </a:pPr>
+            <a:r>
+              <a:rPr lang="en-US" dirty="0"/>
+              <a:t>Enter a name to replace the template</a:t>
+            </a:r>
+          </a:p>
+          <a:p>
+            <a:pPr marL="285750" indent="-285750">
+              <a:buFont typeface="Arial" charset="0"/>
+              <a:buChar char="•"/>
+            </a:pPr>
+            <a:r>
+              <a:rPr lang="en-US" dirty="0"/>
+              <a:t>Enter a location, hooks into </a:t>
+            </a:r>
+            <a:r>
+              <a:rPr lang="en-US" dirty="0" err="1"/>
+              <a:t>Gmaps</a:t>
+            </a:r>
+            <a:r>
+              <a:rPr lang="en-US" dirty="0"/>
+              <a:t> API to confirm</a:t>
+            </a:r>
+          </a:p>
+          <a:p>
+            <a:pPr marL="285750" indent="-285750">
+              <a:buFont typeface="Arial" charset="0"/>
+              <a:buChar char="•"/>
+            </a:pPr>
+            <a:r>
+              <a:rPr lang="en-US" dirty="0" smtClean="0"/>
+              <a:t>Select the family that will gather at the reunion</a:t>
+            </a:r>
+          </a:p>
+          <a:p>
+            <a:pPr marL="285750" indent="-285750">
+              <a:buFont typeface="Arial" charset="0"/>
+              <a:buChar char="•"/>
+            </a:pPr>
+            <a:r>
+              <a:rPr lang="en-US" dirty="0" smtClean="0"/>
+              <a:t>1-255 character info blurb</a:t>
+            </a:r>
+          </a:p>
+          <a:p>
+            <a:pPr marL="285750" indent="-285750">
+              <a:buFont typeface="Arial" charset="0"/>
+              <a:buChar char="•"/>
+            </a:pPr>
+            <a:r>
+              <a:rPr lang="en-US" dirty="0"/>
+              <a:t>Selecting “Create!” </a:t>
+            </a:r>
+            <a:r>
+              <a:rPr lang="en-US" dirty="0" smtClean="0"/>
+              <a:t>sends </a:t>
+            </a:r>
+            <a:r>
+              <a:rPr lang="en-US" dirty="0"/>
+              <a:t>user to the </a:t>
+            </a:r>
+            <a:r>
+              <a:rPr lang="en-US" dirty="0" smtClean="0"/>
+              <a:t>newly-created Reunion page</a:t>
+            </a:r>
+          </a:p>
+          <a:p>
+            <a:pPr marL="285750" indent="-285750">
+              <a:buFont typeface="Arial" charset="0"/>
+              <a:buChar char="•"/>
+            </a:pPr>
+            <a:endParaRPr lang="en-US" dirty="0"/>
+          </a:p>
+        </p:txBody>
+      </p:sp>
+      <p:pic>
+        <p:nvPicPr>
+          <p:cNvPr id="6" name="Content Placeholder 5"/>
+          <p:cNvPicPr>
+            <a:picLocks noGrp="1" noChangeAspect="1"/>
+          </p:cNvPicPr>
+          <p:nvPr>
+            <p:ph idx="1"/>
+          </p:nvPr>
+        </p:nvPicPr>
+        <p:blipFill>
+          <a:blip r:embed="rId2">
+            <a:extLst>
+              <a:ext uri="{28A0092B-C50C-407E-A947-70E740481C1C}">
+                <a14:useLocalDpi xmlns:a14="http://schemas.microsoft.com/office/drawing/2010/main" val="0"/>
+              </a:ext>
+            </a:extLst>
+          </a:blip>
+          <a:stretch>
+            <a:fillRect/>
+          </a:stretch>
+        </p:blipFill>
+        <p:spPr>
+          <a:xfrm>
+            <a:off x="7369420" y="592138"/>
+            <a:ext cx="2526646" cy="5199062"/>
+          </a:xfrm>
+        </p:spPr>
+      </p:pic>
+      <p:sp>
+        <p:nvSpPr>
+          <p:cNvPr id="5" name="Text Placeholder 3"/>
+          <p:cNvSpPr txBox="1">
+            <a:spLocks/>
+          </p:cNvSpPr>
+          <p:nvPr/>
+        </p:nvSpPr>
+        <p:spPr>
+          <a:xfrm>
+            <a:off x="1819805" y="2401886"/>
+            <a:ext cx="3856037" cy="3541714"/>
+          </a:xfrm>
+          <a:prstGeom prst="rect">
+            <a:avLst/>
+          </a:prstGeom>
+        </p:spPr>
+        <p:txBody>
+          <a:bodyPr vert="horz" lIns="91440" tIns="45720" rIns="91440" bIns="45720" rtlCol="0">
+            <a:normAutofit/>
+          </a:bodyPr>
+          <a:lstStyle>
+            <a:lvl1pPr marL="0" indent="0" algn="l" defTabSz="914400" rtl="0" eaLnBrk="1" latinLnBrk="0" hangingPunct="1">
+              <a:lnSpc>
+                <a:spcPct val="120000"/>
+              </a:lnSpc>
+              <a:spcBef>
+                <a:spcPts val="1000"/>
+              </a:spcBef>
+              <a:buSzPct val="125000"/>
+              <a:buFont typeface="Arial" panose="020B0604020202020204" pitchFamily="34" charset="0"/>
+              <a:buNone/>
+              <a:defRPr sz="1600" kern="1200">
+                <a:solidFill>
+                  <a:schemeClr val="tx1"/>
+                </a:solidFill>
+                <a:latin typeface="+mn-lt"/>
+                <a:ea typeface="+mn-ea"/>
+                <a:cs typeface="+mn-cs"/>
+              </a:defRPr>
+            </a:lvl1pPr>
+            <a:lvl2pPr marL="457200" indent="0" algn="l" defTabSz="914400" rtl="0" eaLnBrk="1" latinLnBrk="0" hangingPunct="1">
+              <a:lnSpc>
+                <a:spcPct val="120000"/>
+              </a:lnSpc>
+              <a:spcBef>
+                <a:spcPts val="500"/>
+              </a:spcBef>
+              <a:buSzPct val="125000"/>
+              <a:buFont typeface="Arial" panose="020B0604020202020204" pitchFamily="34" charset="0"/>
+              <a:buNone/>
+              <a:defRPr sz="1400" kern="1200">
+                <a:solidFill>
+                  <a:schemeClr val="tx1"/>
+                </a:solidFill>
+                <a:latin typeface="+mn-lt"/>
+                <a:ea typeface="+mn-ea"/>
+                <a:cs typeface="+mn-cs"/>
+              </a:defRPr>
+            </a:lvl2pPr>
+            <a:lvl3pPr marL="914400" indent="0" algn="l" defTabSz="914400" rtl="0" eaLnBrk="1" latinLnBrk="0" hangingPunct="1">
+              <a:lnSpc>
+                <a:spcPct val="120000"/>
+              </a:lnSpc>
+              <a:spcBef>
+                <a:spcPts val="500"/>
+              </a:spcBef>
+              <a:buSzPct val="125000"/>
+              <a:buFont typeface="Arial" panose="020B0604020202020204" pitchFamily="34" charset="0"/>
+              <a:buNone/>
+              <a:defRPr sz="1200" kern="1200">
+                <a:solidFill>
+                  <a:schemeClr val="tx1"/>
+                </a:solidFill>
+                <a:latin typeface="+mn-lt"/>
+                <a:ea typeface="+mn-ea"/>
+                <a:cs typeface="+mn-cs"/>
+              </a:defRPr>
+            </a:lvl3pPr>
+            <a:lvl4pPr marL="1371600" indent="0" algn="l" defTabSz="914400" rtl="0" eaLnBrk="1" latinLnBrk="0" hangingPunct="1">
+              <a:lnSpc>
+                <a:spcPct val="120000"/>
+              </a:lnSpc>
+              <a:spcBef>
+                <a:spcPts val="500"/>
+              </a:spcBef>
+              <a:buSzPct val="125000"/>
+              <a:buFont typeface="Arial" panose="020B0604020202020204" pitchFamily="34" charset="0"/>
+              <a:buNone/>
+              <a:defRPr sz="1000" kern="1200">
+                <a:solidFill>
+                  <a:schemeClr val="tx1"/>
+                </a:solidFill>
+                <a:latin typeface="+mn-lt"/>
+                <a:ea typeface="+mn-ea"/>
+                <a:cs typeface="+mn-cs"/>
+              </a:defRPr>
+            </a:lvl4pPr>
+            <a:lvl5pPr marL="1828800" indent="0" algn="l" defTabSz="914400" rtl="0" eaLnBrk="1" latinLnBrk="0" hangingPunct="1">
+              <a:lnSpc>
+                <a:spcPct val="120000"/>
+              </a:lnSpc>
+              <a:spcBef>
+                <a:spcPts val="500"/>
+              </a:spcBef>
+              <a:buSzPct val="125000"/>
+              <a:buFont typeface="Arial" panose="020B0604020202020204" pitchFamily="34" charset="0"/>
+              <a:buNone/>
+              <a:defRPr sz="1000" kern="1200">
+                <a:solidFill>
+                  <a:schemeClr val="tx1"/>
+                </a:solidFill>
+                <a:latin typeface="+mn-lt"/>
+                <a:ea typeface="+mn-ea"/>
+                <a:cs typeface="+mn-cs"/>
+              </a:defRPr>
+            </a:lvl5pPr>
+            <a:lvl6pPr marL="2286000" indent="0" algn="l" defTabSz="914400" rtl="0" eaLnBrk="1" latinLnBrk="0" hangingPunct="1">
+              <a:lnSpc>
+                <a:spcPct val="120000"/>
+              </a:lnSpc>
+              <a:spcBef>
+                <a:spcPts val="500"/>
+              </a:spcBef>
+              <a:buSzPct val="125000"/>
+              <a:buFont typeface="Arial" panose="020B0604020202020204" pitchFamily="34" charset="0"/>
+              <a:buNone/>
+              <a:defRPr sz="1000" kern="1200">
+                <a:solidFill>
+                  <a:schemeClr val="tx1"/>
+                </a:solidFill>
+                <a:latin typeface="+mn-lt"/>
+                <a:ea typeface="+mn-ea"/>
+                <a:cs typeface="+mn-cs"/>
+              </a:defRPr>
+            </a:lvl6pPr>
+            <a:lvl7pPr marL="2743200" indent="0" algn="l" defTabSz="914400" rtl="0" eaLnBrk="1" latinLnBrk="0" hangingPunct="1">
+              <a:lnSpc>
+                <a:spcPct val="120000"/>
+              </a:lnSpc>
+              <a:spcBef>
+                <a:spcPts val="500"/>
+              </a:spcBef>
+              <a:buSzPct val="125000"/>
+              <a:buFont typeface="Arial" panose="020B0604020202020204" pitchFamily="34" charset="0"/>
+              <a:buNone/>
+              <a:defRPr sz="1000" kern="1200">
+                <a:solidFill>
+                  <a:schemeClr val="tx1"/>
+                </a:solidFill>
+                <a:latin typeface="+mn-lt"/>
+                <a:ea typeface="+mn-ea"/>
+                <a:cs typeface="+mn-cs"/>
+              </a:defRPr>
+            </a:lvl7pPr>
+            <a:lvl8pPr marL="3200400" indent="0" algn="l" defTabSz="914400" rtl="0" eaLnBrk="1" latinLnBrk="0" hangingPunct="1">
+              <a:lnSpc>
+                <a:spcPct val="120000"/>
+              </a:lnSpc>
+              <a:spcBef>
+                <a:spcPts val="500"/>
+              </a:spcBef>
+              <a:buSzPct val="125000"/>
+              <a:buFont typeface="Arial" panose="020B0604020202020204" pitchFamily="34" charset="0"/>
+              <a:buNone/>
+              <a:defRPr sz="1000" kern="1200">
+                <a:solidFill>
+                  <a:schemeClr val="tx1"/>
+                </a:solidFill>
+                <a:latin typeface="+mn-lt"/>
+                <a:ea typeface="+mn-ea"/>
+                <a:cs typeface="+mn-cs"/>
+              </a:defRPr>
+            </a:lvl8pPr>
+            <a:lvl9pPr marL="3657600" indent="0" algn="l" defTabSz="914400" rtl="0" eaLnBrk="1" latinLnBrk="0" hangingPunct="1">
+              <a:lnSpc>
+                <a:spcPct val="120000"/>
+              </a:lnSpc>
+              <a:spcBef>
+                <a:spcPts val="500"/>
+              </a:spcBef>
+              <a:buSzPct val="125000"/>
+              <a:buFont typeface="Arial" panose="020B0604020202020204" pitchFamily="34" charset="0"/>
+              <a:buNone/>
+              <a:defRPr sz="1000" kern="1200">
+                <a:solidFill>
+                  <a:schemeClr val="tx1"/>
+                </a:solidFill>
+                <a:latin typeface="+mn-lt"/>
+                <a:ea typeface="+mn-ea"/>
+                <a:cs typeface="+mn-cs"/>
+              </a:defRPr>
+            </a:lvl9pPr>
+          </a:lstStyle>
           <a:p>
             <a:pPr marL="285750" indent="-285750">
               <a:buFont typeface="Arial" charset="0"/>
@@ -13685,27 +20640,172 @@
       </p:sp>
       <p:sp>
         <p:nvSpPr>
-          <p:cNvPr id="3" name="Content Placeholder 2"/>
-          <p:cNvSpPr>
-            <a:spLocks noGrp="1"/>
-          </p:cNvSpPr>
-          <p:nvPr>
-            <p:ph idx="1"/>
-          </p:nvPr>
-        </p:nvSpPr>
-        <p:spPr/>
-        <p:txBody>
-          <a:bodyPr/>
+          <p:cNvPr id="9" name="Action Button: Custom 8">
+            <a:hlinkClick r:id="rId3" action="ppaction://hlinksldjump" highlightClick="1"/>
+          </p:cNvPr>
+          <p:cNvSpPr/>
+          <p:nvPr/>
+        </p:nvSpPr>
+        <p:spPr>
+          <a:xfrm>
+            <a:off x="7541342" y="1258529"/>
+            <a:ext cx="270797" cy="271206"/>
+          </a:xfrm>
+          <a:prstGeom prst="actionButtonBlank">
+            <a:avLst/>
+          </a:prstGeom>
+          <a:noFill/>
+        </p:spPr>
+        <p:style>
+          <a:lnRef idx="2">
+            <a:schemeClr val="accent6"/>
+          </a:lnRef>
+          <a:fillRef idx="1">
+            <a:schemeClr val="lt1"/>
+          </a:fillRef>
+          <a:effectRef idx="0">
+            <a:schemeClr val="accent6"/>
+          </a:effectRef>
+          <a:fontRef idx="minor">
+            <a:schemeClr val="dk1"/>
+          </a:fontRef>
+        </p:style>
+        <p:txBody>
+          <a:bodyPr rtlCol="0" anchor="ctr"/>
           <a:lstStyle/>
           <a:p>
-            <a:endParaRPr lang="en-US" dirty="0"/>
+            <a:pPr algn="ctr"/>
+            <a:endParaRPr lang="en-US"/>
+          </a:p>
+        </p:txBody>
+      </p:sp>
+      <p:sp>
+        <p:nvSpPr>
+          <p:cNvPr id="10" name="Action Button: Custom 9">
+            <a:hlinkClick r:id="rId4" action="ppaction://hlinksldjump" highlightClick="1"/>
+          </p:cNvPr>
+          <p:cNvSpPr/>
+          <p:nvPr/>
+        </p:nvSpPr>
+        <p:spPr>
+          <a:xfrm>
+            <a:off x="7596379" y="4058034"/>
+            <a:ext cx="2058897" cy="376314"/>
+          </a:xfrm>
+          <a:prstGeom prst="actionButtonBlank">
+            <a:avLst/>
+          </a:prstGeom>
+          <a:noFill/>
+        </p:spPr>
+        <p:style>
+          <a:lnRef idx="2">
+            <a:schemeClr val="accent6"/>
+          </a:lnRef>
+          <a:fillRef idx="1">
+            <a:schemeClr val="lt1"/>
+          </a:fillRef>
+          <a:effectRef idx="0">
+            <a:schemeClr val="accent6"/>
+          </a:effectRef>
+          <a:fontRef idx="minor">
+            <a:schemeClr val="dk1"/>
+          </a:fontRef>
+        </p:style>
+        <p:txBody>
+          <a:bodyPr rtlCol="0" anchor="ctr"/>
+          <a:lstStyle/>
+          <a:p>
+            <a:pPr algn="ctr"/>
+            <a:endParaRPr lang="en-US"/>
+          </a:p>
+        </p:txBody>
+      </p:sp>
+      <p:sp>
+        <p:nvSpPr>
+          <p:cNvPr id="11" name="Action Button: Custom 10">
+            <a:hlinkClick r:id="rId5" action="ppaction://hlinksldjump" highlightClick="1"/>
+          </p:cNvPr>
+          <p:cNvSpPr/>
+          <p:nvPr/>
+        </p:nvSpPr>
+        <p:spPr>
+          <a:xfrm>
+            <a:off x="7505700" y="4559300"/>
+            <a:ext cx="711200" cy="571500"/>
+          </a:xfrm>
+          <a:prstGeom prst="actionButtonBlank">
+            <a:avLst/>
+          </a:prstGeom>
+          <a:noFill/>
+        </p:spPr>
+        <p:style>
+          <a:lnRef idx="2">
+            <a:schemeClr val="accent6"/>
+          </a:lnRef>
+          <a:fillRef idx="1">
+            <a:schemeClr val="lt1"/>
+          </a:fillRef>
+          <a:effectRef idx="0">
+            <a:schemeClr val="accent6"/>
+          </a:effectRef>
+          <a:fontRef idx="minor">
+            <a:schemeClr val="dk1"/>
+          </a:fontRef>
+        </p:style>
+        <p:txBody>
+          <a:bodyPr rtlCol="0" anchor="ctr"/>
+          <a:lstStyle/>
+          <a:p>
+            <a:pPr algn="ctr"/>
+            <a:endParaRPr lang="en-US"/>
+          </a:p>
+        </p:txBody>
+      </p:sp>
+      <p:sp>
+        <p:nvSpPr>
+          <p:cNvPr id="12" name="Action Button: Custom 11">
+            <a:hlinkClick r:id="rId6" action="ppaction://hlinksldjump" highlightClick="1"/>
+          </p:cNvPr>
+          <p:cNvSpPr/>
+          <p:nvPr/>
+        </p:nvSpPr>
+        <p:spPr>
+          <a:xfrm>
+            <a:off x="8216900" y="4559300"/>
+            <a:ext cx="786606" cy="571500"/>
+          </a:xfrm>
+          <a:prstGeom prst="actionButtonBlank">
+            <a:avLst/>
+          </a:prstGeom>
+          <a:noFill/>
+        </p:spPr>
+        <p:style>
+          <a:lnRef idx="2">
+            <a:schemeClr val="accent6"/>
+          </a:lnRef>
+          <a:fillRef idx="1">
+            <a:schemeClr val="lt1"/>
+          </a:fillRef>
+          <a:effectRef idx="0">
+            <a:schemeClr val="accent6"/>
+          </a:effectRef>
+          <a:fontRef idx="minor">
+            <a:schemeClr val="dk1"/>
+          </a:fontRef>
+        </p:style>
+        <p:txBody>
+          <a:bodyPr rtlCol="0" anchor="ctr"/>
+          <a:lstStyle/>
+          <a:p>
+            <a:pPr algn="ctr"/>
+            <a:endParaRPr lang="en-US"/>
           </a:p>
         </p:txBody>
       </p:sp>
     </p:spTree>
     <p:extLst>
       <p:ext uri="{BB962C8B-B14F-4D97-AF65-F5344CB8AC3E}">
-        <p14:creationId xmlns:p14="http://schemas.microsoft.com/office/powerpoint/2010/main" val="1835487933"/>
+        <p14:creationId xmlns:p14="http://schemas.microsoft.com/office/powerpoint/2010/main" val="1460755400"/>
       </p:ext>
     </p:extLst>
   </p:cSld>
@@ -13971,4 +21071,265 @@
     </a:ext>
   </a:extLst>
 </a:theme>
+</file>
+
+<file path=ppt/theme/theme2.xml><?xml version="1.0" encoding="utf-8"?>
+<a:theme xmlns:a="http://schemas.openxmlformats.org/drawingml/2006/main" name="Office Theme">
+  <a:themeElements>
+    <a:clrScheme name="Office">
+      <a:dk1>
+        <a:sysClr val="windowText" lastClr="000000"/>
+      </a:dk1>
+      <a:lt1>
+        <a:sysClr val="window" lastClr="FFFFFF"/>
+      </a:lt1>
+      <a:dk2>
+        <a:srgbClr val="44546A"/>
+      </a:dk2>
+      <a:lt2>
+        <a:srgbClr val="E7E6E6"/>
+      </a:lt2>
+      <a:accent1>
+        <a:srgbClr val="4472C4"/>
+      </a:accent1>
+      <a:accent2>
+        <a:srgbClr val="ED7D31"/>
+      </a:accent2>
+      <a:accent3>
+        <a:srgbClr val="A5A5A5"/>
+      </a:accent3>
+      <a:accent4>
+        <a:srgbClr val="FFC000"/>
+      </a:accent4>
+      <a:accent5>
+        <a:srgbClr val="5B9BD5"/>
+      </a:accent5>
+      <a:accent6>
+        <a:srgbClr val="70AD47"/>
+      </a:accent6>
+      <a:hlink>
+        <a:srgbClr val="0563C1"/>
+      </a:hlink>
+      <a:folHlink>
+        <a:srgbClr val="954F72"/>
+      </a:folHlink>
+    </a:clrScheme>
+    <a:fontScheme name="Office">
+      <a:majorFont>
+        <a:latin typeface="Calibri Light" panose="020F0302020204030204"/>
+        <a:ea typeface=""/>
+        <a:cs typeface=""/>
+        <a:font script="Jpan" typeface="Yu Gothic Light"/>
+        <a:font script="Hang" typeface="맑은 고딕"/>
+        <a:font script="Hans" typeface="DengXian Light"/>
+        <a:font script="Hant" typeface="新細明體"/>
+        <a:font script="Arab" typeface="Times New Roman"/>
+        <a:font script="Hebr" typeface="Times New Roman"/>
+        <a:font script="Thai" typeface="Angsana New"/>
+        <a:font script="Ethi" typeface="Nyala"/>
+        <a:font script="Beng" typeface="Vrinda"/>
+        <a:font script="Gujr" typeface="Shruti"/>
+        <a:font script="Khmr" typeface="MoolBoran"/>
+        <a:font script="Knda" typeface="Tunga"/>
+        <a:font script="Guru" typeface="Raavi"/>
+        <a:font script="Cans" typeface="Euphemia"/>
+        <a:font script="Cher" typeface="Plantagenet Cherokee"/>
+        <a:font script="Yiii" typeface="Microsoft Yi Baiti"/>
+        <a:font script="Tibt" typeface="Microsoft Himalaya"/>
+        <a:font script="Thaa" typeface="MV Boli"/>
+        <a:font script="Deva" typeface="Mangal"/>
+        <a:font script="Telu" typeface="Gautami"/>
+        <a:font script="Taml" typeface="Latha"/>
+        <a:font script="Syrc" typeface="Estrangelo Edessa"/>
+        <a:font script="Orya" typeface="Kalinga"/>
+        <a:font script="Mlym" typeface="Kartika"/>
+        <a:font script="Laoo" typeface="DokChampa"/>
+        <a:font script="Sinh" typeface="Iskoola Pota"/>
+        <a:font script="Mong" typeface="Mongolian Baiti"/>
+        <a:font script="Viet" typeface="Times New Roman"/>
+        <a:font script="Uigh" typeface="Microsoft Uighur"/>
+        <a:font script="Geor" typeface="Sylfaen"/>
+      </a:majorFont>
+      <a:minorFont>
+        <a:latin typeface="Calibri" panose="020F0502020204030204"/>
+        <a:ea typeface=""/>
+        <a:cs typeface=""/>
+        <a:font script="Jpan" typeface="Yu Gothic"/>
+        <a:font script="Hang" typeface="맑은 고딕"/>
+        <a:font script="Hans" typeface="DengXian"/>
+        <a:font script="Hant" typeface="新細明體"/>
+        <a:font script="Arab" typeface="Arial"/>
+        <a:font script="Hebr" typeface="Arial"/>
+        <a:font script="Thai" typeface="Cordia New"/>
+        <a:font script="Ethi" typeface="Nyala"/>
+        <a:font script="Beng" typeface="Vrinda"/>
+        <a:font script="Gujr" typeface="Shruti"/>
+        <a:font script="Khmr" typeface="DaunPenh"/>
+        <a:font script="Knda" typeface="Tunga"/>
+        <a:font script="Guru" typeface="Raavi"/>
+        <a:font script="Cans" typeface="Euphemia"/>
+        <a:font script="Cher" typeface="Plantagenet Cherokee"/>
+        <a:font script="Yiii" typeface="Microsoft Yi Baiti"/>
+        <a:font script="Tibt" typeface="Microsoft Himalaya"/>
+        <a:font script="Thaa" typeface="MV Boli"/>
+        <a:font script="Deva" typeface="Mangal"/>
+        <a:font script="Telu" typeface="Gautami"/>
+        <a:font script="Taml" typeface="Latha"/>
+        <a:font script="Syrc" typeface="Estrangelo Edessa"/>
+        <a:font script="Orya" typeface="Kalinga"/>
+        <a:font script="Mlym" typeface="Kartika"/>
+        <a:font script="Laoo" typeface="DokChampa"/>
+        <a:font script="Sinh" typeface="Iskoola Pota"/>
+        <a:font script="Mong" typeface="Mongolian Baiti"/>
+        <a:font script="Viet" typeface="Arial"/>
+        <a:font script="Uigh" typeface="Microsoft Uighur"/>
+        <a:font script="Geor" typeface="Sylfaen"/>
+      </a:minorFont>
+    </a:fontScheme>
+    <a:fmtScheme name="Office">
+      <a:fillStyleLst>
+        <a:solidFill>
+          <a:schemeClr val="phClr"/>
+        </a:solidFill>
+        <a:gradFill rotWithShape="1">
+          <a:gsLst>
+            <a:gs pos="0">
+              <a:schemeClr val="phClr">
+                <a:lumMod val="110000"/>
+                <a:satMod val="105000"/>
+                <a:tint val="67000"/>
+              </a:schemeClr>
+            </a:gs>
+            <a:gs pos="50000">
+              <a:schemeClr val="phClr">
+                <a:lumMod val="105000"/>
+                <a:satMod val="103000"/>
+                <a:tint val="73000"/>
+              </a:schemeClr>
+            </a:gs>
+            <a:gs pos="100000">
+              <a:schemeClr val="phClr">
+                <a:lumMod val="105000"/>
+                <a:satMod val="109000"/>
+                <a:tint val="81000"/>
+              </a:schemeClr>
+            </a:gs>
+          </a:gsLst>
+          <a:lin ang="5400000" scaled="0"/>
+        </a:gradFill>
+        <a:gradFill rotWithShape="1">
+          <a:gsLst>
+            <a:gs pos="0">
+              <a:schemeClr val="phClr">
+                <a:satMod val="103000"/>
+                <a:lumMod val="102000"/>
+                <a:tint val="94000"/>
+              </a:schemeClr>
+            </a:gs>
+            <a:gs pos="50000">
+              <a:schemeClr val="phClr">
+                <a:satMod val="110000"/>
+                <a:lumMod val="100000"/>
+                <a:shade val="100000"/>
+              </a:schemeClr>
+            </a:gs>
+            <a:gs pos="100000">
+              <a:schemeClr val="phClr">
+                <a:lumMod val="99000"/>
+                <a:satMod val="120000"/>
+                <a:shade val="78000"/>
+              </a:schemeClr>
+            </a:gs>
+          </a:gsLst>
+          <a:lin ang="5400000" scaled="0"/>
+        </a:gradFill>
+      </a:fillStyleLst>
+      <a:lnStyleLst>
+        <a:ln w="6350" cap="flat" cmpd="sng" algn="ctr">
+          <a:solidFill>
+            <a:schemeClr val="phClr"/>
+          </a:solidFill>
+          <a:prstDash val="solid"/>
+          <a:miter lim="800000"/>
+        </a:ln>
+        <a:ln w="12700" cap="flat" cmpd="sng" algn="ctr">
+          <a:solidFill>
+            <a:schemeClr val="phClr"/>
+          </a:solidFill>
+          <a:prstDash val="solid"/>
+          <a:miter lim="800000"/>
+        </a:ln>
+        <a:ln w="19050" cap="flat" cmpd="sng" algn="ctr">
+          <a:solidFill>
+            <a:schemeClr val="phClr"/>
+          </a:solidFill>
+          <a:prstDash val="solid"/>
+          <a:miter lim="800000"/>
+        </a:ln>
+      </a:lnStyleLst>
+      <a:effectStyleLst>
+        <a:effectStyle>
+          <a:effectLst/>
+        </a:effectStyle>
+        <a:effectStyle>
+          <a:effectLst/>
+        </a:effectStyle>
+        <a:effectStyle>
+          <a:effectLst>
+            <a:outerShdw blurRad="57150" dist="19050" dir="5400000" algn="ctr" rotWithShape="0">
+              <a:srgbClr val="000000">
+                <a:alpha val="63000"/>
+              </a:srgbClr>
+            </a:outerShdw>
+          </a:effectLst>
+        </a:effectStyle>
+      </a:effectStyleLst>
+      <a:bgFillStyleLst>
+        <a:solidFill>
+          <a:schemeClr val="phClr"/>
+        </a:solidFill>
+        <a:solidFill>
+          <a:schemeClr val="phClr">
+            <a:tint val="95000"/>
+            <a:satMod val="170000"/>
+          </a:schemeClr>
+        </a:solidFill>
+        <a:gradFill rotWithShape="1">
+          <a:gsLst>
+            <a:gs pos="0">
+              <a:schemeClr val="phClr">
+                <a:tint val="93000"/>
+                <a:satMod val="150000"/>
+                <a:shade val="98000"/>
+                <a:lumMod val="102000"/>
+              </a:schemeClr>
+            </a:gs>
+            <a:gs pos="50000">
+              <a:schemeClr val="phClr">
+                <a:tint val="98000"/>
+                <a:satMod val="130000"/>
+                <a:shade val="90000"/>
+                <a:lumMod val="103000"/>
+              </a:schemeClr>
+            </a:gs>
+            <a:gs pos="100000">
+              <a:schemeClr val="phClr">
+                <a:shade val="63000"/>
+                <a:satMod val="120000"/>
+              </a:schemeClr>
+            </a:gs>
+          </a:gsLst>
+          <a:lin ang="5400000" scaled="0"/>
+        </a:gradFill>
+      </a:bgFillStyleLst>
+    </a:fmtScheme>
+  </a:themeElements>
+  <a:objectDefaults/>
+  <a:extraClrSchemeLst/>
+  <a:extLst>
+    <a:ext uri="{05A4C25C-085E-4340-85A3-A5531E510DB2}">
+      <thm15:themeFamily xmlns:thm15="http://schemas.microsoft.com/office/thememl/2012/main" name="Office Theme" id="{62F939B6-93AF-4DB8-9C6B-D6C7DFDC589F}" vid="{4A3C46E8-61CC-4603-A589-7422A47A8E4A}"/>
+    </a:ext>
+  </a:extLst>
+</a:theme>
 </file>